--- a/Workshop_3/Presentasjon/Azureskolen-Workshop#3.pptx
+++ b/Workshop_3/Presentasjon/Azureskolen-Workshop#3.pptx
@@ -1151,6 +1151,173 @@
           <a:p>
             <a:r>
               <a:rPr lang="nb-NO" dirty="0"/>
+              <a:t>Lagvis sikkerhet:</a:t>
+            </a:r>
+            <a:br>
+              <a:rPr lang="nb-NO" dirty="0"/>
+            </a:br>
+            <a:r>
+              <a:rPr lang="nb-NO" dirty="0" err="1"/>
+              <a:t>Physical</a:t>
+            </a:r>
+            <a:r>
+              <a:rPr lang="nb-NO" dirty="0"/>
+              <a:t> Security (Fysisk sikring)</a:t>
+            </a:r>
+          </a:p>
+          <a:p>
+            <a:r>
+              <a:rPr lang="nb-NO" dirty="0"/>
+              <a:t>Identity and Access (identitet og tilgangskontroll)</a:t>
+            </a:r>
+          </a:p>
+          <a:p>
+            <a:r>
+              <a:rPr lang="nb-NO" dirty="0"/>
+              <a:t>Perimeter</a:t>
+            </a:r>
+          </a:p>
+          <a:p>
+            <a:r>
+              <a:rPr lang="nb-NO" dirty="0"/>
+              <a:t>Network</a:t>
+            </a:r>
+          </a:p>
+          <a:p>
+            <a:r>
+              <a:rPr lang="nb-NO" dirty="0" err="1"/>
+              <a:t>Compute</a:t>
+            </a:r>
+            <a:endParaRPr lang="nb-NO" dirty="0"/>
+          </a:p>
+          <a:p>
+            <a:r>
+              <a:rPr lang="nb-NO" dirty="0"/>
+              <a:t>Application</a:t>
+            </a:r>
+          </a:p>
+          <a:p>
+            <a:r>
+              <a:rPr lang="nb-NO" dirty="0"/>
+              <a:t>Data</a:t>
+            </a:r>
+          </a:p>
+          <a:p>
+            <a:endParaRPr lang="nb-NO" dirty="0"/>
+          </a:p>
+          <a:p>
+            <a:r>
+              <a:rPr lang="nb-NO" dirty="0"/>
+              <a:t>Zero trust </a:t>
+            </a:r>
+            <a:r>
+              <a:rPr lang="nb-NO" dirty="0" err="1"/>
+              <a:t>model</a:t>
+            </a:r>
+            <a:r>
+              <a:rPr lang="nb-NO" dirty="0"/>
+              <a:t>:</a:t>
+            </a:r>
+          </a:p>
+          <a:p>
+            <a:r>
+              <a:rPr lang="en-US" sz="1200" b="0" i="0" kern="1200" dirty="0">
+                <a:solidFill>
+                  <a:schemeClr val="tx1"/>
+                </a:solidFill>
+                <a:effectLst/>
+                <a:latin typeface="+mn-lt"/>
+                <a:ea typeface="+mn-ea"/>
+                <a:cs typeface="+mn-cs"/>
+              </a:rPr>
+              <a:t>which states that you should never assume trust but instead continually validate trust. </a:t>
+            </a:r>
+            <a:endParaRPr lang="nb-NO" dirty="0"/>
+          </a:p>
+        </p:txBody>
+      </p:sp>
+      <p:sp>
+        <p:nvSpPr>
+          <p:cNvPr id="4" name="Slide Number Placeholder 3"/>
+          <p:cNvSpPr>
+            <a:spLocks noGrp="1"/>
+          </p:cNvSpPr>
+          <p:nvPr>
+            <p:ph type="sldNum" sz="quarter" idx="5"/>
+          </p:nvPr>
+        </p:nvSpPr>
+        <p:spPr/>
+        <p:txBody>
+          <a:bodyPr/>
+          <a:lstStyle/>
+          <a:p>
+            <a:fld id="{180377DB-C4B0-49B2-8838-0F01BA83B7C4}" type="slidenum">
+              <a:rPr lang="nb-NO" smtClean="0"/>
+              <a:t>5</a:t>
+            </a:fld>
+            <a:endParaRPr lang="nb-NO"/>
+          </a:p>
+        </p:txBody>
+      </p:sp>
+    </p:spTree>
+    <p:extLst>
+      <p:ext uri="{BB962C8B-B14F-4D97-AF65-F5344CB8AC3E}">
+        <p14:creationId xmlns:p14="http://schemas.microsoft.com/office/powerpoint/2010/main" val="629287430"/>
+      </p:ext>
+    </p:extLst>
+  </p:cSld>
+  <p:clrMapOvr>
+    <a:masterClrMapping/>
+  </p:clrMapOvr>
+</p:notes>
+</file>
+
+<file path=ppt/notesSlides/notesSlide3.xml><?xml version="1.0" encoding="utf-8"?>
+<p:notes xmlns:a="http://schemas.openxmlformats.org/drawingml/2006/main" xmlns:r="http://schemas.openxmlformats.org/officeDocument/2006/relationships" xmlns:p="http://schemas.openxmlformats.org/presentationml/2006/main">
+  <p:cSld>
+    <p:spTree>
+      <p:nvGrpSpPr>
+        <p:cNvPr id="1" name=""/>
+        <p:cNvGrpSpPr/>
+        <p:nvPr/>
+      </p:nvGrpSpPr>
+      <p:grpSpPr>
+        <a:xfrm>
+          <a:off x="0" y="0"/>
+          <a:ext cx="0" cy="0"/>
+          <a:chOff x="0" y="0"/>
+          <a:chExt cx="0" cy="0"/>
+        </a:xfrm>
+      </p:grpSpPr>
+      <p:sp>
+        <p:nvSpPr>
+          <p:cNvPr id="2" name="Slide Image Placeholder 1"/>
+          <p:cNvSpPr>
+            <a:spLocks noGrp="1" noRot="1" noChangeAspect="1"/>
+          </p:cNvSpPr>
+          <p:nvPr>
+            <p:ph type="sldImg"/>
+          </p:nvPr>
+        </p:nvSpPr>
+        <p:spPr/>
+      </p:sp>
+      <p:sp>
+        <p:nvSpPr>
+          <p:cNvPr id="3" name="Notes Placeholder 2"/>
+          <p:cNvSpPr>
+            <a:spLocks noGrp="1"/>
+          </p:cNvSpPr>
+          <p:nvPr>
+            <p:ph type="body" idx="1"/>
+          </p:nvPr>
+        </p:nvSpPr>
+        <p:spPr/>
+        <p:txBody>
+          <a:bodyPr/>
+          <a:lstStyle/>
+          <a:p>
+            <a:r>
+              <a:rPr lang="nb-NO" dirty="0"/>
               <a:t>Vise </a:t>
             </a:r>
             <a:r>
@@ -10886,22 +11053,13 @@
           <a:p>
             <a:r>
               <a:rPr lang="nb-NO" dirty="0"/>
-              <a:t>Leksjon 3 : </a:t>
+              <a:t>Bonus-leksjon: Sas-token og </a:t>
             </a:r>
             <a:r>
               <a:rPr lang="nb-NO" dirty="0" err="1"/>
-              <a:t>Monitorering</a:t>
-            </a:r>
-            <a:r>
-              <a:rPr lang="nb-NO" dirty="0"/>
-              <a:t> og telemetri: Application Insights</a:t>
-            </a:r>
-          </a:p>
-          <a:p>
-            <a:r>
-              <a:rPr lang="nb-NO" dirty="0"/>
-              <a:t>Bonus-leksjon:</a:t>
-            </a:r>
+              <a:t>vnet</a:t>
+            </a:r>
+            <a:endParaRPr lang="nb-NO" dirty="0"/>
           </a:p>
         </p:txBody>
       </p:sp>
@@ -10978,6 +11136,102 @@
           <a:bodyPr/>
           <a:lstStyle/>
           <a:p>
+            <a:r>
+              <a:rPr lang="nb-NO" dirty="0"/>
+              <a:t>Lagvis sikkerhet</a:t>
+            </a:r>
+          </a:p>
+          <a:p>
+            <a:r>
+              <a:rPr lang="nb-NO" dirty="0"/>
+              <a:t>Zero Trust </a:t>
+            </a:r>
+            <a:r>
+              <a:rPr lang="nb-NO" dirty="0" err="1"/>
+              <a:t>model</a:t>
+            </a:r>
+            <a:endParaRPr lang="nb-NO" dirty="0"/>
+          </a:p>
+          <a:p>
+            <a:r>
+              <a:rPr lang="nb-NO" dirty="0"/>
+              <a:t>Hva ønsker man å beskytte?</a:t>
+            </a:r>
+          </a:p>
+          <a:p>
+            <a:pPr lvl="1"/>
+            <a:r>
+              <a:rPr lang="nb-NO" dirty="0"/>
+              <a:t>Data/informasjon</a:t>
+            </a:r>
+          </a:p>
+          <a:p>
+            <a:r>
+              <a:rPr lang="nb-NO" dirty="0"/>
+              <a:t>Delt ansvar</a:t>
+            </a:r>
+          </a:p>
+          <a:p>
+            <a:pPr lvl="1"/>
+            <a:r>
+              <a:rPr lang="nb-NO" dirty="0"/>
+              <a:t>Hva tar </a:t>
+            </a:r>
+            <a:r>
+              <a:rPr lang="nb-NO" dirty="0" err="1"/>
+              <a:t>Azure</a:t>
+            </a:r>
+            <a:r>
+              <a:rPr lang="nb-NO" dirty="0"/>
+              <a:t> ansvar for?</a:t>
+            </a:r>
+          </a:p>
+          <a:p>
+            <a:pPr lvl="1"/>
+            <a:r>
+              <a:rPr lang="nb-NO" dirty="0"/>
+              <a:t>Hva har du ansvar for?</a:t>
+            </a:r>
+          </a:p>
+          <a:p>
+            <a:pPr lvl="1"/>
+            <a:r>
+              <a:rPr lang="nb-NO" dirty="0" err="1"/>
+              <a:t>PaaS</a:t>
+            </a:r>
+            <a:r>
+              <a:rPr lang="nb-NO" dirty="0"/>
+              <a:t>, </a:t>
+            </a:r>
+            <a:r>
+              <a:rPr lang="nb-NO" dirty="0" err="1"/>
+              <a:t>SaaS</a:t>
+            </a:r>
+            <a:r>
+              <a:rPr lang="nb-NO" dirty="0"/>
+              <a:t> eller </a:t>
+            </a:r>
+            <a:r>
+              <a:rPr lang="nb-NO" dirty="0" err="1"/>
+              <a:t>IaaS</a:t>
+            </a:r>
+            <a:endParaRPr lang="nb-NO" dirty="0"/>
+          </a:p>
+          <a:p>
+            <a:r>
+              <a:rPr lang="nb-NO" dirty="0"/>
+              <a:t>SSO</a:t>
+            </a:r>
+          </a:p>
+          <a:p>
+            <a:pPr lvl="1"/>
+            <a:r>
+              <a:rPr lang="nb-NO" dirty="0"/>
+              <a:t>Færre brukere, mer sikkert?</a:t>
+            </a:r>
+          </a:p>
+          <a:p>
+            <a:pPr lvl="1"/>
             <a:endParaRPr lang="nb-NO" dirty="0"/>
           </a:p>
         </p:txBody>
@@ -12904,15 +13158,6 @@
 </file>
 
 <file path=customXml/item2.xml><?xml version="1.0" encoding="utf-8"?>
-<?mso-contentType ?>
-<FormTemplates xmlns="http://schemas.microsoft.com/sharepoint/v3/contenttype/forms">
-  <Display>DocumentLibraryForm</Display>
-  <Edit>DocumentLibraryForm</Edit>
-  <New>DocumentLibraryForm</New>
-</FormTemplates>
-</file>
-
-<file path=customXml/item3.xml><?xml version="1.0" encoding="utf-8"?>
 <ct:contentTypeSchema xmlns:ct="http://schemas.microsoft.com/office/2006/metadata/contentType" xmlns:ma="http://schemas.microsoft.com/office/2006/metadata/properties/metaAttributes" ct:_="" ma:_="" ma:contentTypeName="Document" ma:contentTypeID="0x0101005D3CE5A03C88D04F8FE0CC8617320B29" ma:contentTypeVersion="2" ma:contentTypeDescription="Create a new document." ma:contentTypeScope="" ma:versionID="23c508fadb5761cd27fdc7efc393bb78">
   <xsd:schema xmlns:xsd="http://www.w3.org/2001/XMLSchema" xmlns:xs="http://www.w3.org/2001/XMLSchema" xmlns:p="http://schemas.microsoft.com/office/2006/metadata/properties" xmlns:ns2="323bcd62-7d27-4513-9df1-9bc20f03554b" targetNamespace="http://schemas.microsoft.com/office/2006/metadata/properties" ma:root="true" ma:fieldsID="4120a6a9df7c81c23a4d646d2ccf1355" ns2:_="">
     <xsd:import namespace="323bcd62-7d27-4513-9df1-9bc20f03554b"/>
@@ -13044,6 +13289,15 @@
 </ct:contentTypeSchema>
 </file>
 
+<file path=customXml/item3.xml><?xml version="1.0" encoding="utf-8"?>
+<?mso-contentType ?>
+<FormTemplates xmlns="http://schemas.microsoft.com/sharepoint/v3/contenttype/forms">
+  <Display>DocumentLibraryForm</Display>
+  <Edit>DocumentLibraryForm</Edit>
+  <New>DocumentLibraryForm</New>
+</FormTemplates>
+</file>
+
 <file path=customXml/itemProps1.xml><?xml version="1.0" encoding="utf-8"?>
 <ds:datastoreItem xmlns:ds="http://schemas.openxmlformats.org/officeDocument/2006/customXml" ds:itemID="{9D2CB842-18D5-4EEF-9009-B0CAFCE7AC3E}">
   <ds:schemaRefs>
@@ -13062,14 +13316,6 @@
 </file>
 
 <file path=customXml/itemProps2.xml><?xml version="1.0" encoding="utf-8"?>
-<ds:datastoreItem xmlns:ds="http://schemas.openxmlformats.org/officeDocument/2006/customXml" ds:itemID="{BB82CC63-55FC-4D22-9ED3-DB88AF6228E1}">
-  <ds:schemaRefs>
-    <ds:schemaRef ds:uri="http://schemas.microsoft.com/sharepoint/v3/contenttype/forms"/>
-  </ds:schemaRefs>
-</ds:datastoreItem>
-</file>
-
-<file path=customXml/itemProps3.xml><?xml version="1.0" encoding="utf-8"?>
 <ds:datastoreItem xmlns:ds="http://schemas.openxmlformats.org/officeDocument/2006/customXml" ds:itemID="{0377EA4A-9170-43AD-A052-6EABC948F73F}">
   <ds:schemaRefs>
     <ds:schemaRef ds:uri="http://schemas.microsoft.com/office/2006/metadata/contentType"/>
@@ -13085,4 +13331,12 @@
     <ds:schemaRef ds:uri="http://schemas.microsoft.com/internal/obd"/>
   </ds:schemaRefs>
 </ds:datastoreItem>
+</file>
+
+<file path=customXml/itemProps3.xml><?xml version="1.0" encoding="utf-8"?>
+<ds:datastoreItem xmlns:ds="http://schemas.openxmlformats.org/officeDocument/2006/customXml" ds:itemID="{BB82CC63-55FC-4D22-9ED3-DB88AF6228E1}">
+  <ds:schemaRefs>
+    <ds:schemaRef ds:uri="http://schemas.microsoft.com/sharepoint/v3/contenttype/forms"/>
+  </ds:schemaRefs>
+</ds:datastoreItem>
 </file>
--- a/Workshop_3/Presentasjon/Azureskolen-Workshop#3.pptx
+++ b/Workshop_3/Presentasjon/Azureskolen-Workshop#3.pptx
@@ -1318,6 +1318,199 @@
           <a:p>
             <a:r>
               <a:rPr lang="nb-NO" dirty="0"/>
+              <a:t>MFA:</a:t>
+            </a:r>
+          </a:p>
+          <a:p>
+            <a:r>
+              <a:rPr lang="en-US" sz="1200" b="0" i="1" kern="1200" dirty="0">
+                <a:solidFill>
+                  <a:schemeClr val="tx1"/>
+                </a:solidFill>
+                <a:effectLst/>
+                <a:latin typeface="+mn-lt"/>
+                <a:ea typeface="+mn-ea"/>
+                <a:cs typeface="+mn-cs"/>
+              </a:rPr>
+              <a:t>Something you know</a:t>
+            </a:r>
+            <a:endParaRPr lang="en-US" sz="1200" b="0" i="0" kern="1200" dirty="0">
+              <a:solidFill>
+                <a:schemeClr val="tx1"/>
+              </a:solidFill>
+              <a:effectLst/>
+              <a:latin typeface="+mn-lt"/>
+              <a:ea typeface="+mn-ea"/>
+              <a:cs typeface="+mn-cs"/>
+            </a:endParaRPr>
+          </a:p>
+          <a:p>
+            <a:r>
+              <a:rPr lang="en-US" sz="1200" b="0" i="1" kern="1200" dirty="0">
+                <a:solidFill>
+                  <a:schemeClr val="tx1"/>
+                </a:solidFill>
+                <a:effectLst/>
+                <a:latin typeface="+mn-lt"/>
+                <a:ea typeface="+mn-ea"/>
+                <a:cs typeface="+mn-cs"/>
+              </a:rPr>
+              <a:t>Something you possess</a:t>
+            </a:r>
+            <a:endParaRPr lang="en-US" sz="1200" b="0" i="0" kern="1200" dirty="0">
+              <a:solidFill>
+                <a:schemeClr val="tx1"/>
+              </a:solidFill>
+              <a:effectLst/>
+              <a:latin typeface="+mn-lt"/>
+              <a:ea typeface="+mn-ea"/>
+              <a:cs typeface="+mn-cs"/>
+            </a:endParaRPr>
+          </a:p>
+          <a:p>
+            <a:r>
+              <a:rPr lang="en-US" sz="1200" b="0" i="1" kern="1200" dirty="0">
+                <a:solidFill>
+                  <a:schemeClr val="tx1"/>
+                </a:solidFill>
+                <a:effectLst/>
+                <a:latin typeface="+mn-lt"/>
+                <a:ea typeface="+mn-ea"/>
+                <a:cs typeface="+mn-cs"/>
+              </a:rPr>
+              <a:t>Something you are</a:t>
+            </a:r>
+            <a:endParaRPr lang="en-US" sz="1200" b="0" i="0" kern="1200" dirty="0">
+              <a:solidFill>
+                <a:schemeClr val="tx1"/>
+              </a:solidFill>
+              <a:effectLst/>
+              <a:latin typeface="+mn-lt"/>
+              <a:ea typeface="+mn-ea"/>
+              <a:cs typeface="+mn-cs"/>
+            </a:endParaRPr>
+          </a:p>
+          <a:p>
+            <a:endParaRPr lang="nb-NO" dirty="0"/>
+          </a:p>
+          <a:p>
+            <a:r>
+              <a:rPr lang="en-US" sz="1200" b="0" i="0" kern="1200" dirty="0">
+                <a:solidFill>
+                  <a:schemeClr val="tx1"/>
+                </a:solidFill>
+                <a:effectLst/>
+                <a:latin typeface="+mn-lt"/>
+                <a:ea typeface="+mn-ea"/>
+                <a:cs typeface="+mn-cs"/>
+              </a:rPr>
+              <a:t>By leveraging Azure AD for SSO you'll also have the ability to combine multiple data sources into an intelligent security graph</a:t>
+            </a:r>
+          </a:p>
+          <a:p>
+            <a:endParaRPr lang="en-US" sz="1200" b="0" i="0" kern="1200" dirty="0">
+              <a:solidFill>
+                <a:schemeClr val="tx1"/>
+              </a:solidFill>
+              <a:effectLst/>
+              <a:latin typeface="+mn-lt"/>
+              <a:ea typeface="+mn-ea"/>
+              <a:cs typeface="+mn-cs"/>
+            </a:endParaRPr>
+          </a:p>
+          <a:p>
+            <a:r>
+              <a:rPr lang="nb-NO" dirty="0">
+                <a:hlinkClick r:id="rId3"/>
+              </a:rPr>
+              <a:t>https://docs.microsoft.com/nb-no/learn/modules/intro-to-security-in-azure/3-identity-and-access</a:t>
+            </a:r>
+            <a:endParaRPr lang="nb-NO" dirty="0"/>
+          </a:p>
+        </p:txBody>
+      </p:sp>
+      <p:sp>
+        <p:nvSpPr>
+          <p:cNvPr id="4" name="Slide Number Placeholder 3"/>
+          <p:cNvSpPr>
+            <a:spLocks noGrp="1"/>
+          </p:cNvSpPr>
+          <p:nvPr>
+            <p:ph type="sldNum" sz="quarter" idx="5"/>
+          </p:nvPr>
+        </p:nvSpPr>
+        <p:spPr/>
+        <p:txBody>
+          <a:bodyPr/>
+          <a:lstStyle/>
+          <a:p>
+            <a:fld id="{180377DB-C4B0-49B2-8838-0F01BA83B7C4}" type="slidenum">
+              <a:rPr lang="nb-NO" smtClean="0"/>
+              <a:t>7</a:t>
+            </a:fld>
+            <a:endParaRPr lang="nb-NO"/>
+          </a:p>
+        </p:txBody>
+      </p:sp>
+    </p:spTree>
+    <p:extLst>
+      <p:ext uri="{BB962C8B-B14F-4D97-AF65-F5344CB8AC3E}">
+        <p14:creationId xmlns:p14="http://schemas.microsoft.com/office/powerpoint/2010/main" val="1334592713"/>
+      </p:ext>
+    </p:extLst>
+  </p:cSld>
+  <p:clrMapOvr>
+    <a:masterClrMapping/>
+  </p:clrMapOvr>
+</p:notes>
+</file>
+
+<file path=ppt/notesSlides/notesSlide4.xml><?xml version="1.0" encoding="utf-8"?>
+<p:notes xmlns:a="http://schemas.openxmlformats.org/drawingml/2006/main" xmlns:r="http://schemas.openxmlformats.org/officeDocument/2006/relationships" xmlns:p="http://schemas.openxmlformats.org/presentationml/2006/main">
+  <p:cSld>
+    <p:spTree>
+      <p:nvGrpSpPr>
+        <p:cNvPr id="1" name=""/>
+        <p:cNvGrpSpPr/>
+        <p:nvPr/>
+      </p:nvGrpSpPr>
+      <p:grpSpPr>
+        <a:xfrm>
+          <a:off x="0" y="0"/>
+          <a:ext cx="0" cy="0"/>
+          <a:chOff x="0" y="0"/>
+          <a:chExt cx="0" cy="0"/>
+        </a:xfrm>
+      </p:grpSpPr>
+      <p:sp>
+        <p:nvSpPr>
+          <p:cNvPr id="2" name="Slide Image Placeholder 1"/>
+          <p:cNvSpPr>
+            <a:spLocks noGrp="1" noRot="1" noChangeAspect="1"/>
+          </p:cNvSpPr>
+          <p:nvPr>
+            <p:ph type="sldImg"/>
+          </p:nvPr>
+        </p:nvSpPr>
+        <p:spPr/>
+      </p:sp>
+      <p:sp>
+        <p:nvSpPr>
+          <p:cNvPr id="3" name="Notes Placeholder 2"/>
+          <p:cNvSpPr>
+            <a:spLocks noGrp="1"/>
+          </p:cNvSpPr>
+          <p:nvPr>
+            <p:ph type="body" idx="1"/>
+          </p:nvPr>
+        </p:nvSpPr>
+        <p:spPr/>
+        <p:txBody>
+          <a:bodyPr/>
+          <a:lstStyle/>
+          <a:p>
+            <a:r>
+              <a:rPr lang="nb-NO" dirty="0"/>
               <a:t>Vise </a:t>
             </a:r>
             <a:r>
@@ -11400,7 +11593,83 @@
           <a:bodyPr/>
           <a:lstStyle/>
           <a:p>
-            <a:endParaRPr lang="nb-NO"/>
+            <a:r>
+              <a:rPr lang="nb-NO" dirty="0"/>
+              <a:t>Rollebasert identitetstjeneste </a:t>
+            </a:r>
+          </a:p>
+          <a:p>
+            <a:r>
+              <a:rPr lang="nb-NO" dirty="0"/>
+              <a:t>Active Directory sammen med on-</a:t>
+            </a:r>
+            <a:r>
+              <a:rPr lang="nb-NO" dirty="0" err="1"/>
+              <a:t>prem</a:t>
+            </a:r>
+            <a:endParaRPr lang="nb-NO" dirty="0"/>
+          </a:p>
+          <a:p>
+            <a:r>
+              <a:rPr lang="nb-NO" dirty="0" err="1"/>
+              <a:t>Authentication</a:t>
+            </a:r>
+            <a:endParaRPr lang="nb-NO" dirty="0"/>
+          </a:p>
+          <a:p>
+            <a:pPr lvl="1"/>
+            <a:r>
+              <a:rPr lang="nb-NO" dirty="0" err="1"/>
+              <a:t>Multi-factor</a:t>
+            </a:r>
+            <a:r>
+              <a:rPr lang="nb-NO" dirty="0"/>
+              <a:t> </a:t>
+            </a:r>
+            <a:r>
+              <a:rPr lang="nb-NO" dirty="0" err="1"/>
+              <a:t>Authentication</a:t>
+            </a:r>
+            <a:endParaRPr lang="nb-NO" dirty="0"/>
+          </a:p>
+          <a:p>
+            <a:r>
+              <a:rPr lang="nb-NO" dirty="0"/>
+              <a:t>Støtte for SSO</a:t>
+            </a:r>
+          </a:p>
+          <a:p>
+            <a:r>
+              <a:rPr lang="nb-NO" dirty="0"/>
+              <a:t>Identitet for tjenester</a:t>
+            </a:r>
+          </a:p>
+          <a:p>
+            <a:pPr lvl="1"/>
+            <a:r>
+              <a:rPr lang="en-US" dirty="0"/>
+              <a:t>A </a:t>
+            </a:r>
+            <a:r>
+              <a:rPr lang="en-US" b="1" dirty="0"/>
+              <a:t>service principal</a:t>
+            </a:r>
+            <a:r>
+              <a:rPr lang="en-US" dirty="0"/>
+              <a:t> is an identity that is used by a service or application. And like other identities, it can be assigned roles.</a:t>
+            </a:r>
+          </a:p>
+          <a:p>
+            <a:r>
+              <a:rPr lang="nb-NO" dirty="0"/>
+              <a:t>Role-based access control</a:t>
+            </a:r>
+          </a:p>
+          <a:p>
+            <a:endParaRPr lang="nb-NO" dirty="0"/>
+          </a:p>
+          <a:p>
+            <a:endParaRPr lang="nb-NO" dirty="0"/>
           </a:p>
         </p:txBody>
       </p:sp>

--- a/Workshop_3/Presentasjon/Azureskolen-Workshop#3.pptx
+++ b/Workshop_3/Presentasjon/Azureskolen-Workshop#3.pptx
@@ -1551,6 +1551,142 @@
     <p:extLst>
       <p:ext uri="{BB962C8B-B14F-4D97-AF65-F5344CB8AC3E}">
         <p14:creationId xmlns:p14="http://schemas.microsoft.com/office/powerpoint/2010/main" val="2906306431"/>
+      </p:ext>
+    </p:extLst>
+  </p:cSld>
+  <p:clrMapOvr>
+    <a:masterClrMapping/>
+  </p:clrMapOvr>
+</p:notes>
+</file>
+
+<file path=ppt/notesSlides/notesSlide5.xml><?xml version="1.0" encoding="utf-8"?>
+<p:notes xmlns:a="http://schemas.openxmlformats.org/drawingml/2006/main" xmlns:r="http://schemas.openxmlformats.org/officeDocument/2006/relationships" xmlns:p="http://schemas.openxmlformats.org/presentationml/2006/main">
+  <p:cSld>
+    <p:spTree>
+      <p:nvGrpSpPr>
+        <p:cNvPr id="1" name=""/>
+        <p:cNvGrpSpPr/>
+        <p:nvPr/>
+      </p:nvGrpSpPr>
+      <p:grpSpPr>
+        <a:xfrm>
+          <a:off x="0" y="0"/>
+          <a:ext cx="0" cy="0"/>
+          <a:chOff x="0" y="0"/>
+          <a:chExt cx="0" cy="0"/>
+        </a:xfrm>
+      </p:grpSpPr>
+      <p:sp>
+        <p:nvSpPr>
+          <p:cNvPr id="2" name="Slide Image Placeholder 1"/>
+          <p:cNvSpPr>
+            <a:spLocks noGrp="1" noRot="1" noChangeAspect="1"/>
+          </p:cNvSpPr>
+          <p:nvPr>
+            <p:ph type="sldImg"/>
+          </p:nvPr>
+        </p:nvSpPr>
+        <p:spPr/>
+      </p:sp>
+      <p:sp>
+        <p:nvSpPr>
+          <p:cNvPr id="3" name="Notes Placeholder 2"/>
+          <p:cNvSpPr>
+            <a:spLocks noGrp="1"/>
+          </p:cNvSpPr>
+          <p:nvPr>
+            <p:ph type="body" idx="1"/>
+          </p:nvPr>
+        </p:nvSpPr>
+        <p:spPr/>
+        <p:txBody>
+          <a:bodyPr/>
+          <a:lstStyle/>
+          <a:p>
+            <a:r>
+              <a:rPr lang="nb-NO" dirty="0">
+                <a:hlinkClick r:id="rId3"/>
+              </a:rPr>
+              <a:t>https://docs.microsoft.com/nb-no/learn/modules/intro-to-security-in-azure/5-network-security</a:t>
+            </a:r>
+            <a:endParaRPr lang="nb-NO" dirty="0"/>
+          </a:p>
+          <a:p>
+            <a:endParaRPr lang="nb-NO" dirty="0"/>
+          </a:p>
+          <a:p>
+            <a:r>
+              <a:rPr lang="en-US" sz="1200" b="0" i="0" kern="1200" dirty="0">
+                <a:solidFill>
+                  <a:schemeClr val="tx1"/>
+                </a:solidFill>
+                <a:effectLst/>
+                <a:latin typeface="+mn-lt"/>
+                <a:ea typeface="+mn-ea"/>
+                <a:cs typeface="+mn-cs"/>
+              </a:rPr>
+              <a:t>A layered approach to network security helps reduce your risk of exposure through network-based attacks. Azure provides several services and capabilities to secure your internet-facing resource, internal resources, and communication between on-premises networks. These features make it possible to create secure solutions on Azure.</a:t>
+            </a:r>
+          </a:p>
+          <a:p>
+            <a:r>
+              <a:rPr lang="en-US" sz="1200" b="0" i="0" kern="1200" dirty="0">
+                <a:solidFill>
+                  <a:schemeClr val="tx1"/>
+                </a:solidFill>
+                <a:effectLst/>
+                <a:latin typeface="+mn-lt"/>
+                <a:ea typeface="+mn-ea"/>
+                <a:cs typeface="+mn-cs"/>
+              </a:rPr>
+              <a:t>You can also combine multiple Azure networking and security services to manage your network security and provide increased layered protection. </a:t>
+            </a:r>
+            <a:r>
+              <a:rPr lang="en-US" sz="1200" b="0" i="0" kern="1200">
+                <a:solidFill>
+                  <a:schemeClr val="tx1"/>
+                </a:solidFill>
+                <a:effectLst/>
+                <a:latin typeface="+mn-lt"/>
+                <a:ea typeface="+mn-ea"/>
+                <a:cs typeface="+mn-cs"/>
+              </a:rPr>
+              <a:t>For example, you can use Azure Firewall to protect inbound and outbound traffic to the Internet, and Network Security Groups to limit traffic to resources inside your virtual networks.</a:t>
+            </a:r>
+          </a:p>
+          <a:p>
+            <a:endParaRPr lang="nb-NO" dirty="0"/>
+          </a:p>
+        </p:txBody>
+      </p:sp>
+      <p:sp>
+        <p:nvSpPr>
+          <p:cNvPr id="4" name="Slide Number Placeholder 3"/>
+          <p:cNvSpPr>
+            <a:spLocks noGrp="1"/>
+          </p:cNvSpPr>
+          <p:nvPr>
+            <p:ph type="sldNum" sz="quarter" idx="5"/>
+          </p:nvPr>
+        </p:nvSpPr>
+        <p:spPr/>
+        <p:txBody>
+          <a:bodyPr/>
+          <a:lstStyle/>
+          <a:p>
+            <a:fld id="{180377DB-C4B0-49B2-8838-0F01BA83B7C4}" type="slidenum">
+              <a:rPr lang="nb-NO" smtClean="0"/>
+              <a:t>9</a:t>
+            </a:fld>
+            <a:endParaRPr lang="nb-NO"/>
+          </a:p>
+        </p:txBody>
+      </p:sp>
+    </p:spTree>
+    <p:extLst>
+      <p:ext uri="{BB962C8B-B14F-4D97-AF65-F5344CB8AC3E}">
+        <p14:creationId xmlns:p14="http://schemas.microsoft.com/office/powerpoint/2010/main" val="3298195449"/>
       </p:ext>
     </p:extLst>
   </p:cSld>
@@ -13427,6 +13563,15 @@
 </file>
 
 <file path=customXml/item2.xml><?xml version="1.0" encoding="utf-8"?>
+<?mso-contentType ?>
+<FormTemplates xmlns="http://schemas.microsoft.com/sharepoint/v3/contenttype/forms">
+  <Display>DocumentLibraryForm</Display>
+  <Edit>DocumentLibraryForm</Edit>
+  <New>DocumentLibraryForm</New>
+</FormTemplates>
+</file>
+
+<file path=customXml/item3.xml><?xml version="1.0" encoding="utf-8"?>
 <ct:contentTypeSchema xmlns:ct="http://schemas.microsoft.com/office/2006/metadata/contentType" xmlns:ma="http://schemas.microsoft.com/office/2006/metadata/properties/metaAttributes" ct:_="" ma:_="" ma:contentTypeName="Document" ma:contentTypeID="0x0101005D3CE5A03C88D04F8FE0CC8617320B29" ma:contentTypeVersion="2" ma:contentTypeDescription="Create a new document." ma:contentTypeScope="" ma:versionID="23c508fadb5761cd27fdc7efc393bb78">
   <xsd:schema xmlns:xsd="http://www.w3.org/2001/XMLSchema" xmlns:xs="http://www.w3.org/2001/XMLSchema" xmlns:p="http://schemas.microsoft.com/office/2006/metadata/properties" xmlns:ns2="323bcd62-7d27-4513-9df1-9bc20f03554b" targetNamespace="http://schemas.microsoft.com/office/2006/metadata/properties" ma:root="true" ma:fieldsID="4120a6a9df7c81c23a4d646d2ccf1355" ns2:_="">
     <xsd:import namespace="323bcd62-7d27-4513-9df1-9bc20f03554b"/>
@@ -13558,15 +13703,6 @@
 </ct:contentTypeSchema>
 </file>
 
-<file path=customXml/item3.xml><?xml version="1.0" encoding="utf-8"?>
-<?mso-contentType ?>
-<FormTemplates xmlns="http://schemas.microsoft.com/sharepoint/v3/contenttype/forms">
-  <Display>DocumentLibraryForm</Display>
-  <Edit>DocumentLibraryForm</Edit>
-  <New>DocumentLibraryForm</New>
-</FormTemplates>
-</file>
-
 <file path=customXml/itemProps1.xml><?xml version="1.0" encoding="utf-8"?>
 <ds:datastoreItem xmlns:ds="http://schemas.openxmlformats.org/officeDocument/2006/customXml" ds:itemID="{9D2CB842-18D5-4EEF-9009-B0CAFCE7AC3E}">
   <ds:schemaRefs>
@@ -13585,6 +13721,14 @@
 </file>
 
 <file path=customXml/itemProps2.xml><?xml version="1.0" encoding="utf-8"?>
+<ds:datastoreItem xmlns:ds="http://schemas.openxmlformats.org/officeDocument/2006/customXml" ds:itemID="{BB82CC63-55FC-4D22-9ED3-DB88AF6228E1}">
+  <ds:schemaRefs>
+    <ds:schemaRef ds:uri="http://schemas.microsoft.com/sharepoint/v3/contenttype/forms"/>
+  </ds:schemaRefs>
+</ds:datastoreItem>
+</file>
+
+<file path=customXml/itemProps3.xml><?xml version="1.0" encoding="utf-8"?>
 <ds:datastoreItem xmlns:ds="http://schemas.openxmlformats.org/officeDocument/2006/customXml" ds:itemID="{0377EA4A-9170-43AD-A052-6EABC948F73F}">
   <ds:schemaRefs>
     <ds:schemaRef ds:uri="http://schemas.microsoft.com/office/2006/metadata/contentType"/>
@@ -13600,12 +13744,4 @@
     <ds:schemaRef ds:uri="http://schemas.microsoft.com/internal/obd"/>
   </ds:schemaRefs>
 </ds:datastoreItem>
-</file>
-
-<file path=customXml/itemProps3.xml><?xml version="1.0" encoding="utf-8"?>
-<ds:datastoreItem xmlns:ds="http://schemas.openxmlformats.org/officeDocument/2006/customXml" ds:itemID="{BB82CC63-55FC-4D22-9ED3-DB88AF6228E1}">
-  <ds:schemaRefs>
-    <ds:schemaRef ds:uri="http://schemas.microsoft.com/sharepoint/v3/contenttype/forms"/>
-  </ds:schemaRefs>
-</ds:datastoreItem>
 </file>
--- a/Workshop_3/Presentasjon/Azureskolen-Workshop#3.pptx
+++ b/Workshop_3/Presentasjon/Azureskolen-Workshop#3.pptx
@@ -1640,19 +1640,7 @@
                 <a:ea typeface="+mn-ea"/>
                 <a:cs typeface="+mn-cs"/>
               </a:rPr>
-              <a:t>You can also combine multiple Azure networking and security services to manage your network security and provide increased layered protection. </a:t>
-            </a:r>
-            <a:r>
-              <a:rPr lang="en-US" sz="1200" b="0" i="0" kern="1200">
-                <a:solidFill>
-                  <a:schemeClr val="tx1"/>
-                </a:solidFill>
-                <a:effectLst/>
-                <a:latin typeface="+mn-lt"/>
-                <a:ea typeface="+mn-ea"/>
-                <a:cs typeface="+mn-cs"/>
-              </a:rPr>
-              <a:t>For example, you can use Azure Firewall to protect inbound and outbound traffic to the Internet, and Network Security Groups to limit traffic to resources inside your virtual networks.</a:t>
+              <a:t>You can also combine multiple Azure networking and security services to manage your network security and provide increased layered protection. For example, you can use Azure Firewall to protect inbound and outbound traffic to the Internet, and Network Security Groups to limit traffic to resources inside your virtual networks.</a:t>
             </a:r>
           </a:p>
           <a:p>

--- a/Workshop_3/Presentasjon/Azureskolen-Workshop#3.pptx
+++ b/Workshop_3/Presentasjon/Azureskolen-Workshop#3.pptx
@@ -7,10 +7,10 @@
     <p:sldMasterId id="2147483705" r:id="rId6"/>
   </p:sldMasterIdLst>
   <p:notesMasterIdLst>
-    <p:notesMasterId r:id="rId17"/>
+    <p:notesMasterId r:id="rId22"/>
   </p:notesMasterIdLst>
   <p:handoutMasterIdLst>
-    <p:handoutMasterId r:id="rId18"/>
+    <p:handoutMasterId r:id="rId23"/>
   </p:handoutMasterIdLst>
   <p:sldIdLst>
     <p:sldId id="256" r:id="rId7"/>
@@ -18,11 +18,16 @@
     <p:sldId id="259" r:id="rId9"/>
     <p:sldId id="260" r:id="rId10"/>
     <p:sldId id="284" r:id="rId11"/>
-    <p:sldId id="275" r:id="rId12"/>
-    <p:sldId id="288" r:id="rId13"/>
-    <p:sldId id="280" r:id="rId14"/>
-    <p:sldId id="287" r:id="rId15"/>
-    <p:sldId id="286" r:id="rId16"/>
+    <p:sldId id="291" r:id="rId12"/>
+    <p:sldId id="293" r:id="rId13"/>
+    <p:sldId id="290" r:id="rId14"/>
+    <p:sldId id="292" r:id="rId15"/>
+    <p:sldId id="275" r:id="rId16"/>
+    <p:sldId id="288" r:id="rId17"/>
+    <p:sldId id="289" r:id="rId18"/>
+    <p:sldId id="280" r:id="rId19"/>
+    <p:sldId id="287" r:id="rId20"/>
+    <p:sldId id="286" r:id="rId21"/>
   </p:sldIdLst>
   <p:sldSz cx="12192000" cy="6858000"/>
   <p:notesSz cx="6858000" cy="9144000"/>
@@ -585,7 +590,7 @@
           <a:p>
             <a:fld id="{54C52192-B826-4AE0-9CD6-BEA9467D12B3}" type="datetimeFigureOut">
               <a:rPr lang="nb-NO" smtClean="0"/>
-              <a:t>05.11.2019</a:t>
+              <a:t>12.11.2019</a:t>
             </a:fld>
             <a:endParaRPr lang="nb-NO"/>
           </a:p>
@@ -750,7 +755,7 @@
           <a:p>
             <a:fld id="{2696BCB2-2760-41B1-A1BE-7886EF110FCB}" type="datetimeFigureOut">
               <a:rPr lang="nb-NO" smtClean="0"/>
-              <a:t>05.11.2019</a:t>
+              <a:t>12.11.2019</a:t>
             </a:fld>
             <a:endParaRPr lang="nb-NO"/>
           </a:p>
@@ -1318,114 +1323,8 @@
           <a:p>
             <a:r>
               <a:rPr lang="nb-NO" dirty="0"/>
-              <a:t>MFA:</a:t>
-            </a:r>
-          </a:p>
-          <a:p>
-            <a:r>
-              <a:rPr lang="en-US" sz="1200" b="0" i="1" kern="1200" dirty="0">
-                <a:solidFill>
-                  <a:schemeClr val="tx1"/>
-                </a:solidFill>
-                <a:effectLst/>
-                <a:latin typeface="+mn-lt"/>
-                <a:ea typeface="+mn-ea"/>
-                <a:cs typeface="+mn-cs"/>
-              </a:rPr>
-              <a:t>Something you know</a:t>
-            </a:r>
-            <a:endParaRPr lang="en-US" sz="1200" b="0" i="0" kern="1200" dirty="0">
-              <a:solidFill>
-                <a:schemeClr val="tx1"/>
-              </a:solidFill>
-              <a:effectLst/>
-              <a:latin typeface="+mn-lt"/>
-              <a:ea typeface="+mn-ea"/>
-              <a:cs typeface="+mn-cs"/>
-            </a:endParaRPr>
-          </a:p>
-          <a:p>
-            <a:r>
-              <a:rPr lang="en-US" sz="1200" b="0" i="1" kern="1200" dirty="0">
-                <a:solidFill>
-                  <a:schemeClr val="tx1"/>
-                </a:solidFill>
-                <a:effectLst/>
-                <a:latin typeface="+mn-lt"/>
-                <a:ea typeface="+mn-ea"/>
-                <a:cs typeface="+mn-cs"/>
-              </a:rPr>
-              <a:t>Something you possess</a:t>
-            </a:r>
-            <a:endParaRPr lang="en-US" sz="1200" b="0" i="0" kern="1200" dirty="0">
-              <a:solidFill>
-                <a:schemeClr val="tx1"/>
-              </a:solidFill>
-              <a:effectLst/>
-              <a:latin typeface="+mn-lt"/>
-              <a:ea typeface="+mn-ea"/>
-              <a:cs typeface="+mn-cs"/>
-            </a:endParaRPr>
-          </a:p>
-          <a:p>
-            <a:r>
-              <a:rPr lang="en-US" sz="1200" b="0" i="1" kern="1200" dirty="0">
-                <a:solidFill>
-                  <a:schemeClr val="tx1"/>
-                </a:solidFill>
-                <a:effectLst/>
-                <a:latin typeface="+mn-lt"/>
-                <a:ea typeface="+mn-ea"/>
-                <a:cs typeface="+mn-cs"/>
-              </a:rPr>
-              <a:t>Something you are</a:t>
-            </a:r>
-            <a:endParaRPr lang="en-US" sz="1200" b="0" i="0" kern="1200" dirty="0">
-              <a:solidFill>
-                <a:schemeClr val="tx1"/>
-              </a:solidFill>
-              <a:effectLst/>
-              <a:latin typeface="+mn-lt"/>
-              <a:ea typeface="+mn-ea"/>
-              <a:cs typeface="+mn-cs"/>
-            </a:endParaRPr>
-          </a:p>
-          <a:p>
-            <a:endParaRPr lang="nb-NO" dirty="0"/>
-          </a:p>
-          <a:p>
-            <a:r>
-              <a:rPr lang="en-US" sz="1200" b="0" i="0" kern="1200" dirty="0">
-                <a:solidFill>
-                  <a:schemeClr val="tx1"/>
-                </a:solidFill>
-                <a:effectLst/>
-                <a:latin typeface="+mn-lt"/>
-                <a:ea typeface="+mn-ea"/>
-                <a:cs typeface="+mn-cs"/>
-              </a:rPr>
-              <a:t>By leveraging Azure AD for SSO you'll also have the ability to combine multiple data sources into an intelligent security graph</a:t>
-            </a:r>
-          </a:p>
-          <a:p>
-            <a:endParaRPr lang="en-US" sz="1200" b="0" i="0" kern="1200" dirty="0">
-              <a:solidFill>
-                <a:schemeClr val="tx1"/>
-              </a:solidFill>
-              <a:effectLst/>
-              <a:latin typeface="+mn-lt"/>
-              <a:ea typeface="+mn-ea"/>
-              <a:cs typeface="+mn-cs"/>
-            </a:endParaRPr>
-          </a:p>
-          <a:p>
-            <a:r>
-              <a:rPr lang="nb-NO" dirty="0">
-                <a:hlinkClick r:id="rId3"/>
-              </a:rPr>
-              <a:t>https://docs.microsoft.com/nb-no/learn/modules/intro-to-security-in-azure/3-identity-and-access</a:t>
-            </a:r>
-            <a:endParaRPr lang="nb-NO" dirty="0"/>
+              <a:t>Vårt ansvar </a:t>
+            </a:r>
           </a:p>
         </p:txBody>
       </p:sp>
@@ -1455,7 +1354,7 @@
     </p:spTree>
     <p:extLst>
       <p:ext uri="{BB962C8B-B14F-4D97-AF65-F5344CB8AC3E}">
-        <p14:creationId xmlns:p14="http://schemas.microsoft.com/office/powerpoint/2010/main" val="1334592713"/>
+        <p14:creationId xmlns:p14="http://schemas.microsoft.com/office/powerpoint/2010/main" val="2443316662"/>
       </p:ext>
     </p:extLst>
   </p:cSld>
@@ -1511,16 +1410,114 @@
           <a:p>
             <a:r>
               <a:rPr lang="nb-NO" dirty="0"/>
-              <a:t>Vise </a:t>
-            </a:r>
-            <a:r>
-              <a:rPr lang="nb-NO" dirty="0" err="1"/>
-              <a:t>deployment</a:t>
-            </a:r>
-            <a:r>
-              <a:rPr lang="nb-NO" dirty="0"/>
-              <a:t> av </a:t>
-            </a:r>
+              <a:t>MFA:</a:t>
+            </a:r>
+          </a:p>
+          <a:p>
+            <a:r>
+              <a:rPr lang="en-US" sz="1200" b="0" i="1" kern="1200" dirty="0">
+                <a:solidFill>
+                  <a:schemeClr val="tx1"/>
+                </a:solidFill>
+                <a:effectLst/>
+                <a:latin typeface="+mn-lt"/>
+                <a:ea typeface="+mn-ea"/>
+                <a:cs typeface="+mn-cs"/>
+              </a:rPr>
+              <a:t>Something you know</a:t>
+            </a:r>
+            <a:endParaRPr lang="en-US" sz="1200" b="0" i="0" kern="1200" dirty="0">
+              <a:solidFill>
+                <a:schemeClr val="tx1"/>
+              </a:solidFill>
+              <a:effectLst/>
+              <a:latin typeface="+mn-lt"/>
+              <a:ea typeface="+mn-ea"/>
+              <a:cs typeface="+mn-cs"/>
+            </a:endParaRPr>
+          </a:p>
+          <a:p>
+            <a:r>
+              <a:rPr lang="en-US" sz="1200" b="0" i="1" kern="1200" dirty="0">
+                <a:solidFill>
+                  <a:schemeClr val="tx1"/>
+                </a:solidFill>
+                <a:effectLst/>
+                <a:latin typeface="+mn-lt"/>
+                <a:ea typeface="+mn-ea"/>
+                <a:cs typeface="+mn-cs"/>
+              </a:rPr>
+              <a:t>Something you possess</a:t>
+            </a:r>
+            <a:endParaRPr lang="en-US" sz="1200" b="0" i="0" kern="1200" dirty="0">
+              <a:solidFill>
+                <a:schemeClr val="tx1"/>
+              </a:solidFill>
+              <a:effectLst/>
+              <a:latin typeface="+mn-lt"/>
+              <a:ea typeface="+mn-ea"/>
+              <a:cs typeface="+mn-cs"/>
+            </a:endParaRPr>
+          </a:p>
+          <a:p>
+            <a:r>
+              <a:rPr lang="en-US" sz="1200" b="0" i="1" kern="1200" dirty="0">
+                <a:solidFill>
+                  <a:schemeClr val="tx1"/>
+                </a:solidFill>
+                <a:effectLst/>
+                <a:latin typeface="+mn-lt"/>
+                <a:ea typeface="+mn-ea"/>
+                <a:cs typeface="+mn-cs"/>
+              </a:rPr>
+              <a:t>Something you are</a:t>
+            </a:r>
+            <a:endParaRPr lang="en-US" sz="1200" b="0" i="0" kern="1200" dirty="0">
+              <a:solidFill>
+                <a:schemeClr val="tx1"/>
+              </a:solidFill>
+              <a:effectLst/>
+              <a:latin typeface="+mn-lt"/>
+              <a:ea typeface="+mn-ea"/>
+              <a:cs typeface="+mn-cs"/>
+            </a:endParaRPr>
+          </a:p>
+          <a:p>
+            <a:endParaRPr lang="nb-NO" dirty="0"/>
+          </a:p>
+          <a:p>
+            <a:r>
+              <a:rPr lang="en-US" sz="1200" b="0" i="0" kern="1200" dirty="0">
+                <a:solidFill>
+                  <a:schemeClr val="tx1"/>
+                </a:solidFill>
+                <a:effectLst/>
+                <a:latin typeface="+mn-lt"/>
+                <a:ea typeface="+mn-ea"/>
+                <a:cs typeface="+mn-cs"/>
+              </a:rPr>
+              <a:t>By leveraging Azure AD for SSO you'll also have the ability to combine multiple data sources into an intelligent security graph</a:t>
+            </a:r>
+          </a:p>
+          <a:p>
+            <a:endParaRPr lang="en-US" sz="1200" b="0" i="0" kern="1200" dirty="0">
+              <a:solidFill>
+                <a:schemeClr val="tx1"/>
+              </a:solidFill>
+              <a:effectLst/>
+              <a:latin typeface="+mn-lt"/>
+              <a:ea typeface="+mn-ea"/>
+              <a:cs typeface="+mn-cs"/>
+            </a:endParaRPr>
+          </a:p>
+          <a:p>
+            <a:r>
+              <a:rPr lang="nb-NO" dirty="0">
+                <a:hlinkClick r:id="rId3"/>
+              </a:rPr>
+              <a:t>https://docs.microsoft.com/nb-no/learn/modules/intro-to-security-in-azure/3-identity-and-access</a:t>
+            </a:r>
+            <a:endParaRPr lang="nb-NO" dirty="0"/>
           </a:p>
         </p:txBody>
       </p:sp>
@@ -1541,7 +1538,7 @@
           <a:p>
             <a:fld id="{180377DB-C4B0-49B2-8838-0F01BA83B7C4}" type="slidenum">
               <a:rPr lang="nb-NO" smtClean="0"/>
-              <a:t>8</a:t>
+              <a:t>11</a:t>
             </a:fld>
             <a:endParaRPr lang="nb-NO"/>
           </a:p>
@@ -1550,7 +1547,7 @@
     </p:spTree>
     <p:extLst>
       <p:ext uri="{BB962C8B-B14F-4D97-AF65-F5344CB8AC3E}">
-        <p14:creationId xmlns:p14="http://schemas.microsoft.com/office/powerpoint/2010/main" val="2906306431"/>
+        <p14:creationId xmlns:p14="http://schemas.microsoft.com/office/powerpoint/2010/main" val="1334592713"/>
       </p:ext>
     </p:extLst>
   </p:cSld>
@@ -1605,6 +1602,101 @@
           <a:lstStyle/>
           <a:p>
             <a:r>
+              <a:rPr lang="nb-NO" dirty="0"/>
+              <a:t>Vise </a:t>
+            </a:r>
+            <a:r>
+              <a:rPr lang="nb-NO" dirty="0" err="1"/>
+              <a:t>deployment</a:t>
+            </a:r>
+            <a:r>
+              <a:rPr lang="nb-NO" dirty="0"/>
+              <a:t> av </a:t>
+            </a:r>
+          </a:p>
+        </p:txBody>
+      </p:sp>
+      <p:sp>
+        <p:nvSpPr>
+          <p:cNvPr id="4" name="Slide Number Placeholder 3"/>
+          <p:cNvSpPr>
+            <a:spLocks noGrp="1"/>
+          </p:cNvSpPr>
+          <p:nvPr>
+            <p:ph type="sldNum" sz="quarter" idx="5"/>
+          </p:nvPr>
+        </p:nvSpPr>
+        <p:spPr/>
+        <p:txBody>
+          <a:bodyPr/>
+          <a:lstStyle/>
+          <a:p>
+            <a:fld id="{180377DB-C4B0-49B2-8838-0F01BA83B7C4}" type="slidenum">
+              <a:rPr lang="nb-NO" smtClean="0"/>
+              <a:t>13</a:t>
+            </a:fld>
+            <a:endParaRPr lang="nb-NO"/>
+          </a:p>
+        </p:txBody>
+      </p:sp>
+    </p:spTree>
+    <p:extLst>
+      <p:ext uri="{BB962C8B-B14F-4D97-AF65-F5344CB8AC3E}">
+        <p14:creationId xmlns:p14="http://schemas.microsoft.com/office/powerpoint/2010/main" val="2906306431"/>
+      </p:ext>
+    </p:extLst>
+  </p:cSld>
+  <p:clrMapOvr>
+    <a:masterClrMapping/>
+  </p:clrMapOvr>
+</p:notes>
+</file>
+
+<file path=ppt/notesSlides/notesSlide6.xml><?xml version="1.0" encoding="utf-8"?>
+<p:notes xmlns:a="http://schemas.openxmlformats.org/drawingml/2006/main" xmlns:r="http://schemas.openxmlformats.org/officeDocument/2006/relationships" xmlns:p="http://schemas.openxmlformats.org/presentationml/2006/main">
+  <p:cSld>
+    <p:spTree>
+      <p:nvGrpSpPr>
+        <p:cNvPr id="1" name=""/>
+        <p:cNvGrpSpPr/>
+        <p:nvPr/>
+      </p:nvGrpSpPr>
+      <p:grpSpPr>
+        <a:xfrm>
+          <a:off x="0" y="0"/>
+          <a:ext cx="0" cy="0"/>
+          <a:chOff x="0" y="0"/>
+          <a:chExt cx="0" cy="0"/>
+        </a:xfrm>
+      </p:grpSpPr>
+      <p:sp>
+        <p:nvSpPr>
+          <p:cNvPr id="2" name="Slide Image Placeholder 1"/>
+          <p:cNvSpPr>
+            <a:spLocks noGrp="1" noRot="1" noChangeAspect="1"/>
+          </p:cNvSpPr>
+          <p:nvPr>
+            <p:ph type="sldImg"/>
+          </p:nvPr>
+        </p:nvSpPr>
+        <p:spPr/>
+      </p:sp>
+      <p:sp>
+        <p:nvSpPr>
+          <p:cNvPr id="3" name="Notes Placeholder 2"/>
+          <p:cNvSpPr>
+            <a:spLocks noGrp="1"/>
+          </p:cNvSpPr>
+          <p:nvPr>
+            <p:ph type="body" idx="1"/>
+          </p:nvPr>
+        </p:nvSpPr>
+        <p:spPr/>
+        <p:txBody>
+          <a:bodyPr/>
+          <a:lstStyle/>
+          <a:p>
+            <a:r>
               <a:rPr lang="nb-NO" dirty="0">
                 <a:hlinkClick r:id="rId3"/>
               </a:rPr>
@@ -1665,7 +1757,7 @@
           <a:p>
             <a:fld id="{180377DB-C4B0-49B2-8838-0F01BA83B7C4}" type="slidenum">
               <a:rPr lang="nb-NO" smtClean="0"/>
-              <a:t>9</a:t>
+              <a:t>14</a:t>
             </a:fld>
             <a:endParaRPr lang="nb-NO"/>
           </a:p>
@@ -11019,6 +11111,511 @@
           <p:cNvPr id="2" name="Content Placeholder 1">
             <a:extLst>
               <a:ext uri="{FF2B5EF4-FFF2-40B4-BE49-F238E27FC236}">
+                <a16:creationId xmlns:a16="http://schemas.microsoft.com/office/drawing/2014/main" id="{94B98822-8368-4C2D-B1AB-DBC5C478A3C8}"/>
+              </a:ext>
+            </a:extLst>
+          </p:cNvPr>
+          <p:cNvSpPr>
+            <a:spLocks noGrp="1"/>
+          </p:cNvSpPr>
+          <p:nvPr>
+            <p:ph idx="1"/>
+          </p:nvPr>
+        </p:nvSpPr>
+        <p:spPr/>
+        <p:txBody>
+          <a:bodyPr/>
+          <a:lstStyle/>
+          <a:p>
+            <a:pPr marL="0" indent="0">
+              <a:buNone/>
+            </a:pPr>
+            <a:endParaRPr lang="nb-NO" sz="4400" dirty="0"/>
+          </a:p>
+        </p:txBody>
+      </p:sp>
+      <p:sp>
+        <p:nvSpPr>
+          <p:cNvPr id="3" name="Title 2">
+            <a:extLst>
+              <a:ext uri="{FF2B5EF4-FFF2-40B4-BE49-F238E27FC236}">
+                <a16:creationId xmlns:a16="http://schemas.microsoft.com/office/drawing/2014/main" id="{6E551990-3A9C-43DC-8E56-7146D7720E17}"/>
+              </a:ext>
+            </a:extLst>
+          </p:cNvPr>
+          <p:cNvSpPr>
+            <a:spLocks noGrp="1"/>
+          </p:cNvSpPr>
+          <p:nvPr>
+            <p:ph type="title"/>
+          </p:nvPr>
+        </p:nvSpPr>
+        <p:spPr>
+          <a:xfrm>
+            <a:off x="1328585" y="376848"/>
+            <a:ext cx="10078991" cy="1325563"/>
+          </a:xfrm>
+        </p:spPr>
+        <p:txBody>
+          <a:bodyPr/>
+          <a:lstStyle/>
+          <a:p>
+            <a:r>
+              <a:rPr lang="nb-NO" dirty="0"/>
+              <a:t>Demo og leksjon 1</a:t>
+            </a:r>
+          </a:p>
+        </p:txBody>
+      </p:sp>
+    </p:spTree>
+    <p:extLst>
+      <p:ext uri="{BB962C8B-B14F-4D97-AF65-F5344CB8AC3E}">
+        <p14:creationId xmlns:p14="http://schemas.microsoft.com/office/powerpoint/2010/main" val="2246517485"/>
+      </p:ext>
+    </p:extLst>
+  </p:cSld>
+  <p:clrMapOvr>
+    <a:masterClrMapping/>
+  </p:clrMapOvr>
+</p:sld>
+</file>
+
+<file path=ppt/slides/slide11.xml><?xml version="1.0" encoding="utf-8"?>
+<p:sld xmlns:a="http://schemas.openxmlformats.org/drawingml/2006/main" xmlns:r="http://schemas.openxmlformats.org/officeDocument/2006/relationships" xmlns:p="http://schemas.openxmlformats.org/presentationml/2006/main">
+  <p:cSld>
+    <p:spTree>
+      <p:nvGrpSpPr>
+        <p:cNvPr id="1" name=""/>
+        <p:cNvGrpSpPr/>
+        <p:nvPr/>
+      </p:nvGrpSpPr>
+      <p:grpSpPr>
+        <a:xfrm>
+          <a:off x="0" y="0"/>
+          <a:ext cx="0" cy="0"/>
+          <a:chOff x="0" y="0"/>
+          <a:chExt cx="0" cy="0"/>
+        </a:xfrm>
+      </p:grpSpPr>
+      <p:sp>
+        <p:nvSpPr>
+          <p:cNvPr id="2" name="Content Placeholder 1">
+            <a:extLst>
+              <a:ext uri="{FF2B5EF4-FFF2-40B4-BE49-F238E27FC236}">
+                <a16:creationId xmlns:a16="http://schemas.microsoft.com/office/drawing/2014/main" id="{E3CAFEDC-D075-4BF1-8EEC-978810502890}"/>
+              </a:ext>
+            </a:extLst>
+          </p:cNvPr>
+          <p:cNvSpPr>
+            <a:spLocks noGrp="1"/>
+          </p:cNvSpPr>
+          <p:nvPr>
+            <p:ph idx="1"/>
+          </p:nvPr>
+        </p:nvSpPr>
+        <p:spPr/>
+        <p:txBody>
+          <a:bodyPr/>
+          <a:lstStyle/>
+          <a:p>
+            <a:r>
+              <a:rPr lang="nb-NO" dirty="0"/>
+              <a:t>Rollebasert identitetstjeneste </a:t>
+            </a:r>
+          </a:p>
+          <a:p>
+            <a:r>
+              <a:rPr lang="nb-NO" dirty="0"/>
+              <a:t>Active Directory sammen med on-</a:t>
+            </a:r>
+            <a:r>
+              <a:rPr lang="nb-NO" dirty="0" err="1"/>
+              <a:t>prem</a:t>
+            </a:r>
+            <a:endParaRPr lang="nb-NO" dirty="0"/>
+          </a:p>
+          <a:p>
+            <a:r>
+              <a:rPr lang="nb-NO" dirty="0" err="1"/>
+              <a:t>Authentication</a:t>
+            </a:r>
+            <a:endParaRPr lang="nb-NO" dirty="0"/>
+          </a:p>
+          <a:p>
+            <a:pPr lvl="1"/>
+            <a:r>
+              <a:rPr lang="nb-NO" dirty="0" err="1"/>
+              <a:t>Multi-factor</a:t>
+            </a:r>
+            <a:r>
+              <a:rPr lang="nb-NO" dirty="0"/>
+              <a:t> </a:t>
+            </a:r>
+            <a:r>
+              <a:rPr lang="nb-NO" dirty="0" err="1"/>
+              <a:t>Authentication</a:t>
+            </a:r>
+            <a:endParaRPr lang="nb-NO" dirty="0"/>
+          </a:p>
+          <a:p>
+            <a:r>
+              <a:rPr lang="nb-NO" dirty="0"/>
+              <a:t>Støtte for SSO</a:t>
+            </a:r>
+          </a:p>
+          <a:p>
+            <a:r>
+              <a:rPr lang="nb-NO" dirty="0"/>
+              <a:t>Identitet for tjenester</a:t>
+            </a:r>
+          </a:p>
+          <a:p>
+            <a:pPr lvl="1"/>
+            <a:r>
+              <a:rPr lang="en-US" dirty="0"/>
+              <a:t>A </a:t>
+            </a:r>
+            <a:r>
+              <a:rPr lang="en-US" b="1" dirty="0"/>
+              <a:t>service principal</a:t>
+            </a:r>
+            <a:r>
+              <a:rPr lang="en-US" dirty="0"/>
+              <a:t> is an identity that is used by a service or application. And like other identities, it can be assigned roles.</a:t>
+            </a:r>
+          </a:p>
+          <a:p>
+            <a:r>
+              <a:rPr lang="nb-NO" dirty="0"/>
+              <a:t>Role-based access control (RBAC)</a:t>
+            </a:r>
+          </a:p>
+          <a:p>
+            <a:endParaRPr lang="nb-NO" dirty="0"/>
+          </a:p>
+          <a:p>
+            <a:endParaRPr lang="nb-NO" dirty="0"/>
+          </a:p>
+        </p:txBody>
+      </p:sp>
+      <p:sp>
+        <p:nvSpPr>
+          <p:cNvPr id="3" name="Title 2">
+            <a:extLst>
+              <a:ext uri="{FF2B5EF4-FFF2-40B4-BE49-F238E27FC236}">
+                <a16:creationId xmlns:a16="http://schemas.microsoft.com/office/drawing/2014/main" id="{5D5C9A2C-D026-47EC-B66D-9D71F9088F91}"/>
+              </a:ext>
+            </a:extLst>
+          </p:cNvPr>
+          <p:cNvSpPr>
+            <a:spLocks noGrp="1"/>
+          </p:cNvSpPr>
+          <p:nvPr>
+            <p:ph type="title"/>
+          </p:nvPr>
+        </p:nvSpPr>
+        <p:spPr/>
+        <p:txBody>
+          <a:bodyPr/>
+          <a:lstStyle/>
+          <a:p>
+            <a:r>
+              <a:rPr lang="nb-NO"/>
+              <a:t>Azure AD</a:t>
+            </a:r>
+          </a:p>
+        </p:txBody>
+      </p:sp>
+    </p:spTree>
+    <p:extLst>
+      <p:ext uri="{BB962C8B-B14F-4D97-AF65-F5344CB8AC3E}">
+        <p14:creationId xmlns:p14="http://schemas.microsoft.com/office/powerpoint/2010/main" val="1057957658"/>
+      </p:ext>
+    </p:extLst>
+  </p:cSld>
+  <p:clrMapOvr>
+    <a:masterClrMapping/>
+  </p:clrMapOvr>
+</p:sld>
+</file>
+
+<file path=ppt/slides/slide12.xml><?xml version="1.0" encoding="utf-8"?>
+<p:sld xmlns:a="http://schemas.openxmlformats.org/drawingml/2006/main" xmlns:r="http://schemas.openxmlformats.org/officeDocument/2006/relationships" xmlns:p="http://schemas.openxmlformats.org/presentationml/2006/main">
+  <p:cSld>
+    <p:spTree>
+      <p:nvGrpSpPr>
+        <p:cNvPr id="1" name=""/>
+        <p:cNvGrpSpPr/>
+        <p:nvPr/>
+      </p:nvGrpSpPr>
+      <p:grpSpPr>
+        <a:xfrm>
+          <a:off x="0" y="0"/>
+          <a:ext cx="0" cy="0"/>
+          <a:chOff x="0" y="0"/>
+          <a:chExt cx="0" cy="0"/>
+        </a:xfrm>
+      </p:grpSpPr>
+      <p:sp>
+        <p:nvSpPr>
+          <p:cNvPr id="2" name="Content Placeholder 1">
+            <a:extLst>
+              <a:ext uri="{FF2B5EF4-FFF2-40B4-BE49-F238E27FC236}">
+                <a16:creationId xmlns:a16="http://schemas.microsoft.com/office/drawing/2014/main" id="{2DF91858-AB54-465A-AC65-86BFFFE44E4D}"/>
+              </a:ext>
+            </a:extLst>
+          </p:cNvPr>
+          <p:cNvSpPr>
+            <a:spLocks noGrp="1"/>
+          </p:cNvSpPr>
+          <p:nvPr>
+            <p:ph idx="1"/>
+          </p:nvPr>
+        </p:nvSpPr>
+        <p:spPr/>
+        <p:txBody>
+          <a:bodyPr/>
+          <a:lstStyle/>
+          <a:p>
+            <a:endParaRPr lang="nb-NO"/>
+          </a:p>
+        </p:txBody>
+      </p:sp>
+      <p:sp>
+        <p:nvSpPr>
+          <p:cNvPr id="3" name="Title 2">
+            <a:extLst>
+              <a:ext uri="{FF2B5EF4-FFF2-40B4-BE49-F238E27FC236}">
+                <a16:creationId xmlns:a16="http://schemas.microsoft.com/office/drawing/2014/main" id="{F95EA700-6D4A-49F7-B7E1-B7811FEC9882}"/>
+              </a:ext>
+            </a:extLst>
+          </p:cNvPr>
+          <p:cNvSpPr>
+            <a:spLocks noGrp="1"/>
+          </p:cNvSpPr>
+          <p:nvPr>
+            <p:ph type="title"/>
+          </p:nvPr>
+        </p:nvSpPr>
+        <p:spPr/>
+        <p:txBody>
+          <a:bodyPr/>
+          <a:lstStyle/>
+          <a:p>
+            <a:endParaRPr lang="nb-NO"/>
+          </a:p>
+        </p:txBody>
+      </p:sp>
+    </p:spTree>
+    <p:extLst>
+      <p:ext uri="{BB962C8B-B14F-4D97-AF65-F5344CB8AC3E}">
+        <p14:creationId xmlns:p14="http://schemas.microsoft.com/office/powerpoint/2010/main" val="3048862876"/>
+      </p:ext>
+    </p:extLst>
+  </p:cSld>
+  <p:clrMapOvr>
+    <a:masterClrMapping/>
+  </p:clrMapOvr>
+</p:sld>
+</file>
+
+<file path=ppt/slides/slide13.xml><?xml version="1.0" encoding="utf-8"?>
+<p:sld xmlns:a="http://schemas.openxmlformats.org/drawingml/2006/main" xmlns:r="http://schemas.openxmlformats.org/officeDocument/2006/relationships" xmlns:p="http://schemas.openxmlformats.org/presentationml/2006/main">
+  <p:cSld>
+    <p:spTree>
+      <p:nvGrpSpPr>
+        <p:cNvPr id="1" name=""/>
+        <p:cNvGrpSpPr/>
+        <p:nvPr/>
+      </p:nvGrpSpPr>
+      <p:grpSpPr>
+        <a:xfrm>
+          <a:off x="0" y="0"/>
+          <a:ext cx="0" cy="0"/>
+          <a:chOff x="0" y="0"/>
+          <a:chExt cx="0" cy="0"/>
+        </a:xfrm>
+      </p:grpSpPr>
+      <p:sp>
+        <p:nvSpPr>
+          <p:cNvPr id="2" name="Content Placeholder 1">
+            <a:extLst>
+              <a:ext uri="{FF2B5EF4-FFF2-40B4-BE49-F238E27FC236}">
+                <a16:creationId xmlns:a16="http://schemas.microsoft.com/office/drawing/2014/main" id="{01C6EDC8-A815-4F7B-95FE-5E19DA0863EE}"/>
+              </a:ext>
+            </a:extLst>
+          </p:cNvPr>
+          <p:cNvSpPr>
+            <a:spLocks noGrp="1"/>
+          </p:cNvSpPr>
+          <p:nvPr>
+            <p:ph idx="1"/>
+          </p:nvPr>
+        </p:nvSpPr>
+        <p:spPr/>
+        <p:txBody>
+          <a:bodyPr/>
+          <a:lstStyle/>
+          <a:p>
+            <a:r>
+              <a:rPr lang="nb-NO" dirty="0"/>
+              <a:t>Portal</a:t>
+            </a:r>
+          </a:p>
+          <a:p>
+            <a:r>
+              <a:rPr lang="nb-NO" dirty="0"/>
+              <a:t>Visual Studio</a:t>
+            </a:r>
+          </a:p>
+        </p:txBody>
+      </p:sp>
+      <p:sp>
+        <p:nvSpPr>
+          <p:cNvPr id="3" name="Title 2">
+            <a:extLst>
+              <a:ext uri="{FF2B5EF4-FFF2-40B4-BE49-F238E27FC236}">
+                <a16:creationId xmlns:a16="http://schemas.microsoft.com/office/drawing/2014/main" id="{9616A1BB-BF26-4AFE-905C-E67197F226A0}"/>
+              </a:ext>
+            </a:extLst>
+          </p:cNvPr>
+          <p:cNvSpPr>
+            <a:spLocks noGrp="1"/>
+          </p:cNvSpPr>
+          <p:nvPr>
+            <p:ph type="title"/>
+          </p:nvPr>
+        </p:nvSpPr>
+        <p:spPr/>
+        <p:txBody>
+          <a:bodyPr/>
+          <a:lstStyle/>
+          <a:p>
+            <a:r>
+              <a:rPr lang="nb-NO" dirty="0"/>
+              <a:t>Demo og Leksjon 2.</a:t>
+            </a:r>
+          </a:p>
+        </p:txBody>
+      </p:sp>
+    </p:spTree>
+    <p:extLst>
+      <p:ext uri="{BB962C8B-B14F-4D97-AF65-F5344CB8AC3E}">
+        <p14:creationId xmlns:p14="http://schemas.microsoft.com/office/powerpoint/2010/main" val="2607850202"/>
+      </p:ext>
+    </p:extLst>
+  </p:cSld>
+  <p:clrMapOvr>
+    <a:masterClrMapping/>
+  </p:clrMapOvr>
+</p:sld>
+</file>
+
+<file path=ppt/slides/slide14.xml><?xml version="1.0" encoding="utf-8"?>
+<p:sld xmlns:a="http://schemas.openxmlformats.org/drawingml/2006/main" xmlns:r="http://schemas.openxmlformats.org/officeDocument/2006/relationships" xmlns:p="http://schemas.openxmlformats.org/presentationml/2006/main">
+  <p:cSld>
+    <p:spTree>
+      <p:nvGrpSpPr>
+        <p:cNvPr id="1" name=""/>
+        <p:cNvGrpSpPr/>
+        <p:nvPr/>
+      </p:nvGrpSpPr>
+      <p:grpSpPr>
+        <a:xfrm>
+          <a:off x="0" y="0"/>
+          <a:ext cx="0" cy="0"/>
+          <a:chOff x="0" y="0"/>
+          <a:chExt cx="0" cy="0"/>
+        </a:xfrm>
+      </p:grpSpPr>
+      <p:sp>
+        <p:nvSpPr>
+          <p:cNvPr id="2" name="Content Placeholder 1">
+            <a:extLst>
+              <a:ext uri="{FF2B5EF4-FFF2-40B4-BE49-F238E27FC236}">
+                <a16:creationId xmlns:a16="http://schemas.microsoft.com/office/drawing/2014/main" id="{3469A132-FA9D-4F94-91D3-A36EA0160557}"/>
+              </a:ext>
+            </a:extLst>
+          </p:cNvPr>
+          <p:cNvSpPr>
+            <a:spLocks noGrp="1"/>
+          </p:cNvSpPr>
+          <p:nvPr>
+            <p:ph idx="1"/>
+          </p:nvPr>
+        </p:nvSpPr>
+        <p:spPr/>
+        <p:txBody>
+          <a:bodyPr/>
+          <a:lstStyle/>
+          <a:p>
+            <a:endParaRPr lang="nb-NO"/>
+          </a:p>
+        </p:txBody>
+      </p:sp>
+      <p:sp>
+        <p:nvSpPr>
+          <p:cNvPr id="3" name="Title 2">
+            <a:extLst>
+              <a:ext uri="{FF2B5EF4-FFF2-40B4-BE49-F238E27FC236}">
+                <a16:creationId xmlns:a16="http://schemas.microsoft.com/office/drawing/2014/main" id="{2D6A7BFC-CB66-413C-995D-7797E2E0275A}"/>
+              </a:ext>
+            </a:extLst>
+          </p:cNvPr>
+          <p:cNvSpPr>
+            <a:spLocks noGrp="1"/>
+          </p:cNvSpPr>
+          <p:nvPr>
+            <p:ph type="title"/>
+          </p:nvPr>
+        </p:nvSpPr>
+        <p:spPr/>
+        <p:txBody>
+          <a:bodyPr/>
+          <a:lstStyle/>
+          <a:p>
+            <a:r>
+              <a:rPr lang="nb-NO" dirty="0"/>
+              <a:t>Infrastruktur sikkerhet</a:t>
+            </a:r>
+          </a:p>
+        </p:txBody>
+      </p:sp>
+    </p:spTree>
+    <p:extLst>
+      <p:ext uri="{BB962C8B-B14F-4D97-AF65-F5344CB8AC3E}">
+        <p14:creationId xmlns:p14="http://schemas.microsoft.com/office/powerpoint/2010/main" val="2450348965"/>
+      </p:ext>
+    </p:extLst>
+  </p:cSld>
+  <p:clrMapOvr>
+    <a:masterClrMapping/>
+  </p:clrMapOvr>
+</p:sld>
+</file>
+
+<file path=ppt/slides/slide15.xml><?xml version="1.0" encoding="utf-8"?>
+<p:sld xmlns:a="http://schemas.openxmlformats.org/drawingml/2006/main" xmlns:r="http://schemas.openxmlformats.org/officeDocument/2006/relationships" xmlns:p="http://schemas.openxmlformats.org/presentationml/2006/main">
+  <p:cSld>
+    <p:spTree>
+      <p:nvGrpSpPr>
+        <p:cNvPr id="1" name=""/>
+        <p:cNvGrpSpPr/>
+        <p:nvPr/>
+      </p:nvGrpSpPr>
+      <p:grpSpPr>
+        <a:xfrm>
+          <a:off x="0" y="0"/>
+          <a:ext cx="0" cy="0"/>
+          <a:chOff x="0" y="0"/>
+          <a:chExt cx="0" cy="0"/>
+        </a:xfrm>
+      </p:grpSpPr>
+      <p:sp>
+        <p:nvSpPr>
+          <p:cNvPr id="2" name="Content Placeholder 1">
+            <a:extLst>
+              <a:ext uri="{FF2B5EF4-FFF2-40B4-BE49-F238E27FC236}">
                 <a16:creationId xmlns:a16="http://schemas.microsoft.com/office/drawing/2014/main" id="{DB0223AE-910A-4F0A-8FD5-0DF9471B82DB}"/>
               </a:ext>
             </a:extLst>
@@ -11370,13 +11967,8 @@
           <a:p>
             <a:r>
               <a:rPr lang="nb-NO" dirty="0"/>
-              <a:t>Bonus-leksjon: Sas-token og </a:t>
-            </a:r>
-            <a:r>
-              <a:rPr lang="nb-NO" dirty="0" err="1"/>
-              <a:t>vnet</a:t>
-            </a:r>
-            <a:endParaRPr lang="nb-NO" dirty="0"/>
+              <a:t>Bonus-leksjon: SAS-token og vnet</a:t>
+            </a:r>
           </a:p>
         </p:txBody>
       </p:sp>
@@ -11610,7 +12202,7 @@
           <p:cNvPr id="2" name="Content Placeholder 1">
             <a:extLst>
               <a:ext uri="{FF2B5EF4-FFF2-40B4-BE49-F238E27FC236}">
-                <a16:creationId xmlns:a16="http://schemas.microsoft.com/office/drawing/2014/main" id="{94B98822-8368-4C2D-B1AB-DBC5C478A3C8}"/>
+                <a16:creationId xmlns:a16="http://schemas.microsoft.com/office/drawing/2014/main" id="{6ECCE435-C5D1-40E1-97F2-37D2F5337578}"/>
               </a:ext>
             </a:extLst>
           </p:cNvPr>
@@ -11626,10 +12218,76 @@
           <a:bodyPr/>
           <a:lstStyle/>
           <a:p>
-            <a:pPr marL="0" indent="0">
-              <a:buNone/>
-            </a:pPr>
-            <a:endParaRPr lang="nb-NO" sz="4400" dirty="0"/>
+            <a:r>
+              <a:rPr lang="nb-NO" dirty="0"/>
+              <a:t>Physical Security (Fysisk sikring)</a:t>
+            </a:r>
+          </a:p>
+          <a:p>
+            <a:r>
+              <a:rPr lang="nb-NO" dirty="0"/>
+              <a:t>Identity and Access (identitet og tilgangskontroll)</a:t>
+            </a:r>
+          </a:p>
+          <a:p>
+            <a:pPr lvl="1"/>
+            <a:r>
+              <a:rPr lang="nb-NO" dirty="0"/>
+              <a:t>Azure Active </a:t>
+            </a:r>
+          </a:p>
+          <a:p>
+            <a:r>
+              <a:rPr lang="nb-NO" dirty="0"/>
+              <a:t>Perimeter</a:t>
+            </a:r>
+          </a:p>
+          <a:p>
+            <a:endParaRPr lang="nb-NO" dirty="0"/>
+          </a:p>
+          <a:p>
+            <a:r>
+              <a:rPr lang="nb-NO" dirty="0"/>
+              <a:t>Network</a:t>
+            </a:r>
+          </a:p>
+          <a:p>
+            <a:pPr lvl="1"/>
+            <a:r>
+              <a:rPr lang="nb-NO" dirty="0"/>
+              <a:t>Virtuelle nettverk, </a:t>
+            </a:r>
+          </a:p>
+          <a:p>
+            <a:r>
+              <a:rPr lang="nb-NO" dirty="0"/>
+              <a:t>Compute</a:t>
+            </a:r>
+          </a:p>
+          <a:p>
+            <a:endParaRPr lang="nb-NO" dirty="0"/>
+          </a:p>
+          <a:p>
+            <a:r>
+              <a:rPr lang="nb-NO" dirty="0"/>
+              <a:t>Application</a:t>
+            </a:r>
+          </a:p>
+          <a:p>
+            <a:r>
+              <a:rPr lang="nb-NO" dirty="0"/>
+              <a:t>Data</a:t>
+            </a:r>
+          </a:p>
+          <a:p>
+            <a:pPr lvl="1"/>
+            <a:r>
+              <a:rPr lang="nb-NO" dirty="0"/>
+              <a:t>Encryption</a:t>
+            </a:r>
+          </a:p>
+          <a:p>
+            <a:endParaRPr lang="nb-NO" dirty="0"/>
           </a:p>
         </p:txBody>
       </p:sp>
@@ -11638,7 +12296,7 @@
           <p:cNvPr id="3" name="Title 2">
             <a:extLst>
               <a:ext uri="{FF2B5EF4-FFF2-40B4-BE49-F238E27FC236}">
-                <a16:creationId xmlns:a16="http://schemas.microsoft.com/office/drawing/2014/main" id="{6E551990-3A9C-43DC-8E56-7146D7720E17}"/>
+                <a16:creationId xmlns:a16="http://schemas.microsoft.com/office/drawing/2014/main" id="{523C3B3E-20C9-4888-92A2-6E738103DCEF}"/>
               </a:ext>
             </a:extLst>
           </p:cNvPr>
@@ -11649,19 +12307,14 @@
             <p:ph type="title"/>
           </p:nvPr>
         </p:nvSpPr>
-        <p:spPr>
-          <a:xfrm>
-            <a:off x="1328585" y="376848"/>
-            <a:ext cx="10078991" cy="1325563"/>
-          </a:xfrm>
-        </p:spPr>
+        <p:spPr/>
         <p:txBody>
           <a:bodyPr/>
           <a:lstStyle/>
           <a:p>
             <a:r>
               <a:rPr lang="nb-NO" dirty="0"/>
-              <a:t>Demo og leksjon 1</a:t>
+              <a:t>Lagvis sikkerhet</a:t>
             </a:r>
           </a:p>
         </p:txBody>
@@ -11669,7 +12322,7 @@
     </p:spTree>
     <p:extLst>
       <p:ext uri="{BB962C8B-B14F-4D97-AF65-F5344CB8AC3E}">
-        <p14:creationId xmlns:p14="http://schemas.microsoft.com/office/powerpoint/2010/main" val="2246517485"/>
+        <p14:creationId xmlns:p14="http://schemas.microsoft.com/office/powerpoint/2010/main" val="3441632145"/>
       </p:ext>
     </p:extLst>
   </p:cSld>
@@ -11701,7 +12354,7 @@
           <p:cNvPr id="2" name="Content Placeholder 1">
             <a:extLst>
               <a:ext uri="{FF2B5EF4-FFF2-40B4-BE49-F238E27FC236}">
-                <a16:creationId xmlns:a16="http://schemas.microsoft.com/office/drawing/2014/main" id="{E3CAFEDC-D075-4BF1-8EEC-978810502890}"/>
+                <a16:creationId xmlns:a16="http://schemas.microsoft.com/office/drawing/2014/main" id="{E1327BF1-1A34-4985-A3F0-67A8830BF363}"/>
               </a:ext>
             </a:extLst>
           </p:cNvPr>
@@ -11719,81 +12372,12 @@
           <a:p>
             <a:r>
               <a:rPr lang="nb-NO" dirty="0"/>
-              <a:t>Rollebasert identitetstjeneste </a:t>
-            </a:r>
-          </a:p>
-          <a:p>
-            <a:r>
-              <a:rPr lang="nb-NO" dirty="0"/>
-              <a:t>Active Directory sammen med on-</a:t>
-            </a:r>
-            <a:r>
-              <a:rPr lang="nb-NO" dirty="0" err="1"/>
-              <a:t>prem</a:t>
-            </a:r>
-            <a:endParaRPr lang="nb-NO" dirty="0"/>
-          </a:p>
-          <a:p>
-            <a:r>
-              <a:rPr lang="nb-NO" dirty="0" err="1"/>
-              <a:t>Authentication</a:t>
-            </a:r>
-            <a:endParaRPr lang="nb-NO" dirty="0"/>
-          </a:p>
-          <a:p>
-            <a:pPr lvl="1"/>
-            <a:r>
-              <a:rPr lang="nb-NO" dirty="0" err="1"/>
-              <a:t>Multi-factor</a:t>
-            </a:r>
-            <a:r>
-              <a:rPr lang="nb-NO" dirty="0"/>
-              <a:t> </a:t>
-            </a:r>
-            <a:r>
-              <a:rPr lang="nb-NO" dirty="0" err="1"/>
-              <a:t>Authentication</a:t>
-            </a:r>
-            <a:endParaRPr lang="nb-NO" dirty="0"/>
-          </a:p>
-          <a:p>
-            <a:r>
-              <a:rPr lang="nb-NO" dirty="0"/>
-              <a:t>Støtte for SSO</a:t>
-            </a:r>
-          </a:p>
-          <a:p>
-            <a:r>
-              <a:rPr lang="nb-NO" dirty="0"/>
-              <a:t>Identitet for tjenester</a:t>
-            </a:r>
-          </a:p>
-          <a:p>
-            <a:pPr lvl="1"/>
-            <a:r>
-              <a:rPr lang="en-US" dirty="0"/>
-              <a:t>A </a:t>
-            </a:r>
-            <a:r>
-              <a:rPr lang="en-US" b="1" dirty="0"/>
-              <a:t>service principal</a:t>
-            </a:r>
-            <a:r>
-              <a:rPr lang="en-US" dirty="0"/>
-              <a:t> is an identity that is used by a service or application. And like other identities, it can be assigned roles.</a:t>
-            </a:r>
-          </a:p>
-          <a:p>
-            <a:r>
-              <a:rPr lang="nb-NO" dirty="0"/>
-              <a:t>Role-based access control</a:t>
-            </a:r>
-          </a:p>
-          <a:p>
-            <a:endParaRPr lang="nb-NO" dirty="0"/>
-          </a:p>
-          <a:p>
-            <a:endParaRPr lang="nb-NO" dirty="0"/>
+              <a:t>Microsoft ansvar vs. </a:t>
+            </a:r>
+            <a:r>
+              <a:rPr lang="nb-NO"/>
+              <a:t>Vårt ansvar </a:t>
+            </a:r>
           </a:p>
         </p:txBody>
       </p:sp>
@@ -11802,7 +12386,7 @@
           <p:cNvPr id="3" name="Title 2">
             <a:extLst>
               <a:ext uri="{FF2B5EF4-FFF2-40B4-BE49-F238E27FC236}">
-                <a16:creationId xmlns:a16="http://schemas.microsoft.com/office/drawing/2014/main" id="{5D5C9A2C-D026-47EC-B66D-9D71F9088F91}"/>
+                <a16:creationId xmlns:a16="http://schemas.microsoft.com/office/drawing/2014/main" id="{21D13C0A-69F7-4AD0-95BE-64826CCA89BC}"/>
               </a:ext>
             </a:extLst>
           </p:cNvPr>
@@ -11818,17 +12402,14 @@
           <a:bodyPr/>
           <a:lstStyle/>
           <a:p>
-            <a:r>
-              <a:rPr lang="nb-NO"/>
-              <a:t>Azure AD</a:t>
-            </a:r>
+            <a:endParaRPr lang="nb-NO" dirty="0"/>
           </a:p>
         </p:txBody>
       </p:sp>
     </p:spTree>
     <p:extLst>
       <p:ext uri="{BB962C8B-B14F-4D97-AF65-F5344CB8AC3E}">
-        <p14:creationId xmlns:p14="http://schemas.microsoft.com/office/powerpoint/2010/main" val="1057957658"/>
+        <p14:creationId xmlns:p14="http://schemas.microsoft.com/office/powerpoint/2010/main" val="3824878857"/>
       </p:ext>
     </p:extLst>
   </p:cSld>
@@ -11860,7 +12441,7 @@
           <p:cNvPr id="2" name="Content Placeholder 1">
             <a:extLst>
               <a:ext uri="{FF2B5EF4-FFF2-40B4-BE49-F238E27FC236}">
-                <a16:creationId xmlns:a16="http://schemas.microsoft.com/office/drawing/2014/main" id="{01C6EDC8-A815-4F7B-95FE-5E19DA0863EE}"/>
+                <a16:creationId xmlns:a16="http://schemas.microsoft.com/office/drawing/2014/main" id="{7E0053A4-7AD4-492F-BC64-A947322D867F}"/>
               </a:ext>
             </a:extLst>
           </p:cNvPr>
@@ -11878,13 +12459,25 @@
           <a:p>
             <a:r>
               <a:rPr lang="nb-NO" dirty="0"/>
-              <a:t>Portal</a:t>
-            </a:r>
+              <a:t>Azure Active Directory</a:t>
+            </a:r>
+          </a:p>
+          <a:p>
+            <a:endParaRPr lang="nb-NO" dirty="0"/>
           </a:p>
           <a:p>
             <a:r>
               <a:rPr lang="nb-NO" dirty="0"/>
-              <a:t>Visual Studio</a:t>
+              <a:t>Security Center</a:t>
+            </a:r>
+          </a:p>
+          <a:p>
+            <a:endParaRPr lang="nb-NO" dirty="0"/>
+          </a:p>
+          <a:p>
+            <a:r>
+              <a:rPr lang="nb-NO" dirty="0"/>
+              <a:t>Advanced</a:t>
             </a:r>
           </a:p>
         </p:txBody>
@@ -11894,7 +12487,7 @@
           <p:cNvPr id="3" name="Title 2">
             <a:extLst>
               <a:ext uri="{FF2B5EF4-FFF2-40B4-BE49-F238E27FC236}">
-                <a16:creationId xmlns:a16="http://schemas.microsoft.com/office/drawing/2014/main" id="{9616A1BB-BF26-4AFE-905C-E67197F226A0}"/>
+                <a16:creationId xmlns:a16="http://schemas.microsoft.com/office/drawing/2014/main" id="{588209D4-0181-4A79-95F6-D34F1CB44558}"/>
               </a:ext>
             </a:extLst>
           </p:cNvPr>
@@ -11912,7 +12505,7 @@
           <a:p>
             <a:r>
               <a:rPr lang="nb-NO" dirty="0"/>
-              <a:t>Demo og Leksjon 2.</a:t>
+              <a:t>Sikkerhetstjeneter</a:t>
             </a:r>
           </a:p>
         </p:txBody>
@@ -11920,7 +12513,7 @@
     </p:spTree>
     <p:extLst>
       <p:ext uri="{BB962C8B-B14F-4D97-AF65-F5344CB8AC3E}">
-        <p14:creationId xmlns:p14="http://schemas.microsoft.com/office/powerpoint/2010/main" val="2607850202"/>
+        <p14:creationId xmlns:p14="http://schemas.microsoft.com/office/powerpoint/2010/main" val="1414863137"/>
       </p:ext>
     </p:extLst>
   </p:cSld>
@@ -11952,7 +12545,7 @@
           <p:cNvPr id="2" name="Content Placeholder 1">
             <a:extLst>
               <a:ext uri="{FF2B5EF4-FFF2-40B4-BE49-F238E27FC236}">
-                <a16:creationId xmlns:a16="http://schemas.microsoft.com/office/drawing/2014/main" id="{3469A132-FA9D-4F94-91D3-A36EA0160557}"/>
+                <a16:creationId xmlns:a16="http://schemas.microsoft.com/office/drawing/2014/main" id="{0D2E6551-FB34-4842-B140-5F0475BDB3EF}"/>
               </a:ext>
             </a:extLst>
           </p:cNvPr>
@@ -11968,7 +12561,23 @@
           <a:bodyPr/>
           <a:lstStyle/>
           <a:p>
-            <a:endParaRPr lang="nb-NO"/>
+            <a:r>
+              <a:rPr lang="nb-NO" dirty="0"/>
+              <a:t>Trust Center</a:t>
+            </a:r>
+          </a:p>
+          <a:p>
+            <a:endParaRPr lang="nb-NO" dirty="0"/>
+          </a:p>
+          <a:p>
+            <a:r>
+              <a:rPr lang="nb-NO" dirty="0"/>
+              <a:t>Min side:</a:t>
+            </a:r>
+          </a:p>
+          <a:p>
+            <a:pPr lvl="1"/>
+            <a:endParaRPr lang="nb-NO" dirty="0"/>
           </a:p>
         </p:txBody>
       </p:sp>
@@ -11977,7 +12586,7 @@
           <p:cNvPr id="3" name="Title 2">
             <a:extLst>
               <a:ext uri="{FF2B5EF4-FFF2-40B4-BE49-F238E27FC236}">
-                <a16:creationId xmlns:a16="http://schemas.microsoft.com/office/drawing/2014/main" id="{2D6A7BFC-CB66-413C-995D-7797E2E0275A}"/>
+                <a16:creationId xmlns:a16="http://schemas.microsoft.com/office/drawing/2014/main" id="{0799CBB5-0E2C-4344-96B8-3F135E8ED7F7}"/>
               </a:ext>
             </a:extLst>
           </p:cNvPr>
@@ -11995,7 +12604,7 @@
           <a:p>
             <a:r>
               <a:rPr lang="nb-NO" dirty="0"/>
-              <a:t>Infrastruktur sikkerhet</a:t>
+              <a:t>Nyttige lenker</a:t>
             </a:r>
           </a:p>
         </p:txBody>
@@ -12003,7 +12612,7 @@
     </p:spTree>
     <p:extLst>
       <p:ext uri="{BB962C8B-B14F-4D97-AF65-F5344CB8AC3E}">
-        <p14:creationId xmlns:p14="http://schemas.microsoft.com/office/powerpoint/2010/main" val="2450348965"/>
+        <p14:creationId xmlns:p14="http://schemas.microsoft.com/office/powerpoint/2010/main" val="1163624278"/>
       </p:ext>
     </p:extLst>
   </p:cSld>
@@ -13551,15 +14160,6 @@
 </file>
 
 <file path=customXml/item2.xml><?xml version="1.0" encoding="utf-8"?>
-<?mso-contentType ?>
-<FormTemplates xmlns="http://schemas.microsoft.com/sharepoint/v3/contenttype/forms">
-  <Display>DocumentLibraryForm</Display>
-  <Edit>DocumentLibraryForm</Edit>
-  <New>DocumentLibraryForm</New>
-</FormTemplates>
-</file>
-
-<file path=customXml/item3.xml><?xml version="1.0" encoding="utf-8"?>
 <ct:contentTypeSchema xmlns:ct="http://schemas.microsoft.com/office/2006/metadata/contentType" xmlns:ma="http://schemas.microsoft.com/office/2006/metadata/properties/metaAttributes" ct:_="" ma:_="" ma:contentTypeName="Document" ma:contentTypeID="0x0101005D3CE5A03C88D04F8FE0CC8617320B29" ma:contentTypeVersion="2" ma:contentTypeDescription="Create a new document." ma:contentTypeScope="" ma:versionID="23c508fadb5761cd27fdc7efc393bb78">
   <xsd:schema xmlns:xsd="http://www.w3.org/2001/XMLSchema" xmlns:xs="http://www.w3.org/2001/XMLSchema" xmlns:p="http://schemas.microsoft.com/office/2006/metadata/properties" xmlns:ns2="323bcd62-7d27-4513-9df1-9bc20f03554b" targetNamespace="http://schemas.microsoft.com/office/2006/metadata/properties" ma:root="true" ma:fieldsID="4120a6a9df7c81c23a4d646d2ccf1355" ns2:_="">
     <xsd:import namespace="323bcd62-7d27-4513-9df1-9bc20f03554b"/>
@@ -13691,6 +14291,15 @@
 </ct:contentTypeSchema>
 </file>
 
+<file path=customXml/item3.xml><?xml version="1.0" encoding="utf-8"?>
+<?mso-contentType ?>
+<FormTemplates xmlns="http://schemas.microsoft.com/sharepoint/v3/contenttype/forms">
+  <Display>DocumentLibraryForm</Display>
+  <Edit>DocumentLibraryForm</Edit>
+  <New>DocumentLibraryForm</New>
+</FormTemplates>
+</file>
+
 <file path=customXml/itemProps1.xml><?xml version="1.0" encoding="utf-8"?>
 <ds:datastoreItem xmlns:ds="http://schemas.openxmlformats.org/officeDocument/2006/customXml" ds:itemID="{9D2CB842-18D5-4EEF-9009-B0CAFCE7AC3E}">
   <ds:schemaRefs>
@@ -13709,14 +14318,6 @@
 </file>
 
 <file path=customXml/itemProps2.xml><?xml version="1.0" encoding="utf-8"?>
-<ds:datastoreItem xmlns:ds="http://schemas.openxmlformats.org/officeDocument/2006/customXml" ds:itemID="{BB82CC63-55FC-4D22-9ED3-DB88AF6228E1}">
-  <ds:schemaRefs>
-    <ds:schemaRef ds:uri="http://schemas.microsoft.com/sharepoint/v3/contenttype/forms"/>
-  </ds:schemaRefs>
-</ds:datastoreItem>
-</file>
-
-<file path=customXml/itemProps3.xml><?xml version="1.0" encoding="utf-8"?>
 <ds:datastoreItem xmlns:ds="http://schemas.openxmlformats.org/officeDocument/2006/customXml" ds:itemID="{0377EA4A-9170-43AD-A052-6EABC948F73F}">
   <ds:schemaRefs>
     <ds:schemaRef ds:uri="http://schemas.microsoft.com/office/2006/metadata/contentType"/>
@@ -13732,4 +14333,12 @@
     <ds:schemaRef ds:uri="http://schemas.microsoft.com/internal/obd"/>
   </ds:schemaRefs>
 </ds:datastoreItem>
+</file>
+
+<file path=customXml/itemProps3.xml><?xml version="1.0" encoding="utf-8"?>
+<ds:datastoreItem xmlns:ds="http://schemas.openxmlformats.org/officeDocument/2006/customXml" ds:itemID="{BB82CC63-55FC-4D22-9ED3-DB88AF6228E1}">
+  <ds:schemaRefs>
+    <ds:schemaRef ds:uri="http://schemas.microsoft.com/sharepoint/v3/contenttype/forms"/>
+  </ds:schemaRefs>
+</ds:datastoreItem>
 </file>
--- a/Workshop_3/Presentasjon/Azureskolen-Workshop#3.pptx
+++ b/Workshop_3/Presentasjon/Azureskolen-Workshop#3.pptx
@@ -12372,11 +12372,13 @@
           <a:p>
             <a:r>
               <a:rPr lang="nb-NO" dirty="0"/>
-              <a:t>Microsoft ansvar vs. </a:t>
-            </a:r>
-            <a:r>
-              <a:rPr lang="nb-NO"/>
-              <a:t>Vårt ansvar </a:t>
+              <a:t>Microsoft ansvar vs. vårt ansvar </a:t>
+            </a:r>
+          </a:p>
+          <a:p>
+            <a:r>
+              <a:rPr lang="nb-NO" dirty="0"/>
+              <a:t>Selv om Microsoft er en sikker plattform, så er det ikke vanskelig å gjøre </a:t>
             </a:r>
           </a:p>
         </p:txBody>

--- a/Workshop_3/Presentasjon/Azureskolen-Workshop#3.pptx
+++ b/Workshop_3/Presentasjon/Azureskolen-Workshop#3.pptx
@@ -7,10 +7,10 @@
     <p:sldMasterId id="2147483705" r:id="rId6"/>
   </p:sldMasterIdLst>
   <p:notesMasterIdLst>
-    <p:notesMasterId r:id="rId22"/>
+    <p:notesMasterId r:id="rId26"/>
   </p:notesMasterIdLst>
   <p:handoutMasterIdLst>
-    <p:handoutMasterId r:id="rId23"/>
+    <p:handoutMasterId r:id="rId27"/>
   </p:handoutMasterIdLst>
   <p:sldIdLst>
     <p:sldId id="256" r:id="rId7"/>
@@ -19,15 +19,19 @@
     <p:sldId id="260" r:id="rId10"/>
     <p:sldId id="284" r:id="rId11"/>
     <p:sldId id="291" r:id="rId12"/>
-    <p:sldId id="293" r:id="rId13"/>
-    <p:sldId id="290" r:id="rId14"/>
-    <p:sldId id="292" r:id="rId15"/>
-    <p:sldId id="275" r:id="rId16"/>
-    <p:sldId id="288" r:id="rId17"/>
-    <p:sldId id="289" r:id="rId18"/>
-    <p:sldId id="280" r:id="rId19"/>
-    <p:sldId id="287" r:id="rId20"/>
-    <p:sldId id="286" r:id="rId21"/>
+    <p:sldId id="294" r:id="rId13"/>
+    <p:sldId id="293" r:id="rId14"/>
+    <p:sldId id="290" r:id="rId15"/>
+    <p:sldId id="292" r:id="rId16"/>
+    <p:sldId id="275" r:id="rId17"/>
+    <p:sldId id="288" r:id="rId18"/>
+    <p:sldId id="297" r:id="rId19"/>
+    <p:sldId id="296" r:id="rId20"/>
+    <p:sldId id="295" r:id="rId21"/>
+    <p:sldId id="289" r:id="rId22"/>
+    <p:sldId id="280" r:id="rId23"/>
+    <p:sldId id="287" r:id="rId24"/>
+    <p:sldId id="286" r:id="rId25"/>
   </p:sldIdLst>
   <p:sldSz cx="12192000" cy="6858000"/>
   <p:notesSz cx="6858000" cy="9144000"/>
@@ -590,7 +594,7 @@
           <a:p>
             <a:fld id="{54C52192-B826-4AE0-9CD6-BEA9467D12B3}" type="datetimeFigureOut">
               <a:rPr lang="nb-NO" smtClean="0"/>
-              <a:t>12.11.2019</a:t>
+              <a:t>12.01.2020</a:t>
             </a:fld>
             <a:endParaRPr lang="nb-NO"/>
           </a:p>
@@ -755,7 +759,7 @@
           <a:p>
             <a:fld id="{2696BCB2-2760-41B1-A1BE-7886EF110FCB}" type="datetimeFigureOut">
               <a:rPr lang="nb-NO" smtClean="0"/>
-              <a:t>12.11.2019</a:t>
+              <a:t>12.01.2020</a:t>
             </a:fld>
             <a:endParaRPr lang="nb-NO"/>
           </a:p>
@@ -1323,7 +1327,7 @@
           <a:p>
             <a:r>
               <a:rPr lang="nb-NO" dirty="0"/>
-              <a:t>Vårt ansvar </a:t>
+              <a:t>Data de stort sett hackere er ute etter.</a:t>
             </a:r>
           </a:p>
         </p:txBody>
@@ -1345,7 +1349,7 @@
           <a:p>
             <a:fld id="{180377DB-C4B0-49B2-8838-0F01BA83B7C4}" type="slidenum">
               <a:rPr lang="nb-NO" smtClean="0"/>
-              <a:t>7</a:t>
+              <a:t>6</a:t>
             </a:fld>
             <a:endParaRPr lang="nb-NO"/>
           </a:p>
@@ -1354,7 +1358,7 @@
     </p:spTree>
     <p:extLst>
       <p:ext uri="{BB962C8B-B14F-4D97-AF65-F5344CB8AC3E}">
-        <p14:creationId xmlns:p14="http://schemas.microsoft.com/office/powerpoint/2010/main" val="2443316662"/>
+        <p14:creationId xmlns:p14="http://schemas.microsoft.com/office/powerpoint/2010/main" val="995312758"/>
       </p:ext>
     </p:extLst>
   </p:cSld>
@@ -1410,113 +1414,16 @@
           <a:p>
             <a:r>
               <a:rPr lang="nb-NO" dirty="0"/>
-              <a:t>MFA:</a:t>
-            </a:r>
-          </a:p>
-          <a:p>
-            <a:r>
-              <a:rPr lang="en-US" sz="1200" b="0" i="1" kern="1200" dirty="0">
-                <a:solidFill>
-                  <a:schemeClr val="tx1"/>
-                </a:solidFill>
-                <a:effectLst/>
-                <a:latin typeface="+mn-lt"/>
-                <a:ea typeface="+mn-ea"/>
-                <a:cs typeface="+mn-cs"/>
-              </a:rPr>
-              <a:t>Something you know</a:t>
-            </a:r>
-            <a:endParaRPr lang="en-US" sz="1200" b="0" i="0" kern="1200" dirty="0">
-              <a:solidFill>
-                <a:schemeClr val="tx1"/>
-              </a:solidFill>
-              <a:effectLst/>
-              <a:latin typeface="+mn-lt"/>
-              <a:ea typeface="+mn-ea"/>
-              <a:cs typeface="+mn-cs"/>
-            </a:endParaRPr>
-          </a:p>
-          <a:p>
-            <a:r>
-              <a:rPr lang="en-US" sz="1200" b="0" i="1" kern="1200" dirty="0">
-                <a:solidFill>
-                  <a:schemeClr val="tx1"/>
-                </a:solidFill>
-                <a:effectLst/>
-                <a:latin typeface="+mn-lt"/>
-                <a:ea typeface="+mn-ea"/>
-                <a:cs typeface="+mn-cs"/>
-              </a:rPr>
-              <a:t>Something you possess</a:t>
-            </a:r>
-            <a:endParaRPr lang="en-US" sz="1200" b="0" i="0" kern="1200" dirty="0">
-              <a:solidFill>
-                <a:schemeClr val="tx1"/>
-              </a:solidFill>
-              <a:effectLst/>
-              <a:latin typeface="+mn-lt"/>
-              <a:ea typeface="+mn-ea"/>
-              <a:cs typeface="+mn-cs"/>
-            </a:endParaRPr>
-          </a:p>
-          <a:p>
-            <a:r>
-              <a:rPr lang="en-US" sz="1200" b="0" i="1" kern="1200" dirty="0">
-                <a:solidFill>
-                  <a:schemeClr val="tx1"/>
-                </a:solidFill>
-                <a:effectLst/>
-                <a:latin typeface="+mn-lt"/>
-                <a:ea typeface="+mn-ea"/>
-                <a:cs typeface="+mn-cs"/>
-              </a:rPr>
-              <a:t>Something you are</a:t>
-            </a:r>
-            <a:endParaRPr lang="en-US" sz="1200" b="0" i="0" kern="1200" dirty="0">
-              <a:solidFill>
-                <a:schemeClr val="tx1"/>
-              </a:solidFill>
-              <a:effectLst/>
-              <a:latin typeface="+mn-lt"/>
-              <a:ea typeface="+mn-ea"/>
-              <a:cs typeface="+mn-cs"/>
-            </a:endParaRPr>
-          </a:p>
-          <a:p>
-            <a:endParaRPr lang="nb-NO" dirty="0"/>
-          </a:p>
-          <a:p>
-            <a:r>
-              <a:rPr lang="en-US" sz="1200" b="0" i="0" kern="1200" dirty="0">
-                <a:solidFill>
-                  <a:schemeClr val="tx1"/>
-                </a:solidFill>
-                <a:effectLst/>
-                <a:latin typeface="+mn-lt"/>
-                <a:ea typeface="+mn-ea"/>
-                <a:cs typeface="+mn-cs"/>
-              </a:rPr>
-              <a:t>By leveraging Azure AD for SSO you'll also have the ability to combine multiple data sources into an intelligent security graph</a:t>
-            </a:r>
-          </a:p>
-          <a:p>
-            <a:endParaRPr lang="en-US" sz="1200" b="0" i="0" kern="1200" dirty="0">
-              <a:solidFill>
-                <a:schemeClr val="tx1"/>
-              </a:solidFill>
-              <a:effectLst/>
-              <a:latin typeface="+mn-lt"/>
-              <a:ea typeface="+mn-ea"/>
-              <a:cs typeface="+mn-cs"/>
-            </a:endParaRPr>
-          </a:p>
-          <a:p>
-            <a:r>
-              <a:rPr lang="nb-NO" dirty="0">
-                <a:hlinkClick r:id="rId3"/>
-              </a:rPr>
-              <a:t>https://docs.microsoft.com/nb-no/learn/modules/intro-to-security-in-azure/3-identity-and-access</a:t>
-            </a:r>
+              <a:t>Microsoft ansvar vs. vårt ansvar </a:t>
+            </a:r>
+          </a:p>
+          <a:p>
+            <a:r>
+              <a:rPr lang="nb-NO" dirty="0"/>
+              <a:t>Selv om Microsoft er en sikker plattform, så er det ikke vanskelig å lage et system i skyen . Det hviler derfor et stort ansvar på oss som  </a:t>
+            </a:r>
+          </a:p>
+          <a:p>
             <a:endParaRPr lang="nb-NO" dirty="0"/>
           </a:p>
         </p:txBody>
@@ -1538,7 +1445,7 @@
           <a:p>
             <a:fld id="{180377DB-C4B0-49B2-8838-0F01BA83B7C4}" type="slidenum">
               <a:rPr lang="nb-NO" smtClean="0"/>
-              <a:t>11</a:t>
+              <a:t>7</a:t>
             </a:fld>
             <a:endParaRPr lang="nb-NO"/>
           </a:p>
@@ -1547,7 +1454,7 @@
     </p:spTree>
     <p:extLst>
       <p:ext uri="{BB962C8B-B14F-4D97-AF65-F5344CB8AC3E}">
-        <p14:creationId xmlns:p14="http://schemas.microsoft.com/office/powerpoint/2010/main" val="1334592713"/>
+        <p14:creationId xmlns:p14="http://schemas.microsoft.com/office/powerpoint/2010/main" val="2311225978"/>
       </p:ext>
     </p:extLst>
   </p:cSld>
@@ -1603,15 +1510,7 @@
           <a:p>
             <a:r>
               <a:rPr lang="nb-NO" dirty="0"/>
-              <a:t>Vise </a:t>
-            </a:r>
-            <a:r>
-              <a:rPr lang="nb-NO" dirty="0" err="1"/>
-              <a:t>deployment</a:t>
-            </a:r>
-            <a:r>
-              <a:rPr lang="nb-NO" dirty="0"/>
-              <a:t> av </a:t>
+              <a:t>Vårt ansvar </a:t>
             </a:r>
           </a:p>
         </p:txBody>
@@ -1633,7 +1532,7 @@
           <a:p>
             <a:fld id="{180377DB-C4B0-49B2-8838-0F01BA83B7C4}" type="slidenum">
               <a:rPr lang="nb-NO" smtClean="0"/>
-              <a:t>13</a:t>
+              <a:t>8</a:t>
             </a:fld>
             <a:endParaRPr lang="nb-NO"/>
           </a:p>
@@ -1642,7 +1541,7 @@
     </p:spTree>
     <p:extLst>
       <p:ext uri="{BB962C8B-B14F-4D97-AF65-F5344CB8AC3E}">
-        <p14:creationId xmlns:p14="http://schemas.microsoft.com/office/powerpoint/2010/main" val="2906306431"/>
+        <p14:creationId xmlns:p14="http://schemas.microsoft.com/office/powerpoint/2010/main" val="2443316662"/>
       </p:ext>
     </p:extLst>
   </p:cSld>
@@ -1697,6 +1596,300 @@
           <a:lstStyle/>
           <a:p>
             <a:r>
+              <a:rPr lang="nb-NO" dirty="0"/>
+              <a:t>MFA:</a:t>
+            </a:r>
+          </a:p>
+          <a:p>
+            <a:r>
+              <a:rPr lang="en-US" sz="1200" b="0" i="1" kern="1200" dirty="0">
+                <a:solidFill>
+                  <a:schemeClr val="tx1"/>
+                </a:solidFill>
+                <a:effectLst/>
+                <a:latin typeface="+mn-lt"/>
+                <a:ea typeface="+mn-ea"/>
+                <a:cs typeface="+mn-cs"/>
+              </a:rPr>
+              <a:t>Something you know</a:t>
+            </a:r>
+            <a:endParaRPr lang="en-US" sz="1200" b="0" i="0" kern="1200" dirty="0">
+              <a:solidFill>
+                <a:schemeClr val="tx1"/>
+              </a:solidFill>
+              <a:effectLst/>
+              <a:latin typeface="+mn-lt"/>
+              <a:ea typeface="+mn-ea"/>
+              <a:cs typeface="+mn-cs"/>
+            </a:endParaRPr>
+          </a:p>
+          <a:p>
+            <a:r>
+              <a:rPr lang="en-US" sz="1200" b="0" i="1" kern="1200" dirty="0">
+                <a:solidFill>
+                  <a:schemeClr val="tx1"/>
+                </a:solidFill>
+                <a:effectLst/>
+                <a:latin typeface="+mn-lt"/>
+                <a:ea typeface="+mn-ea"/>
+                <a:cs typeface="+mn-cs"/>
+              </a:rPr>
+              <a:t>Something you possess</a:t>
+            </a:r>
+            <a:endParaRPr lang="en-US" sz="1200" b="0" i="0" kern="1200" dirty="0">
+              <a:solidFill>
+                <a:schemeClr val="tx1"/>
+              </a:solidFill>
+              <a:effectLst/>
+              <a:latin typeface="+mn-lt"/>
+              <a:ea typeface="+mn-ea"/>
+              <a:cs typeface="+mn-cs"/>
+            </a:endParaRPr>
+          </a:p>
+          <a:p>
+            <a:r>
+              <a:rPr lang="en-US" sz="1200" b="0" i="1" kern="1200" dirty="0">
+                <a:solidFill>
+                  <a:schemeClr val="tx1"/>
+                </a:solidFill>
+                <a:effectLst/>
+                <a:latin typeface="+mn-lt"/>
+                <a:ea typeface="+mn-ea"/>
+                <a:cs typeface="+mn-cs"/>
+              </a:rPr>
+              <a:t>Something you are</a:t>
+            </a:r>
+            <a:endParaRPr lang="en-US" sz="1200" b="0" i="0" kern="1200" dirty="0">
+              <a:solidFill>
+                <a:schemeClr val="tx1"/>
+              </a:solidFill>
+              <a:effectLst/>
+              <a:latin typeface="+mn-lt"/>
+              <a:ea typeface="+mn-ea"/>
+              <a:cs typeface="+mn-cs"/>
+            </a:endParaRPr>
+          </a:p>
+          <a:p>
+            <a:endParaRPr lang="nb-NO" dirty="0"/>
+          </a:p>
+          <a:p>
+            <a:r>
+              <a:rPr lang="en-US" sz="1200" b="0" i="0" kern="1200" dirty="0">
+                <a:solidFill>
+                  <a:schemeClr val="tx1"/>
+                </a:solidFill>
+                <a:effectLst/>
+                <a:latin typeface="+mn-lt"/>
+                <a:ea typeface="+mn-ea"/>
+                <a:cs typeface="+mn-cs"/>
+              </a:rPr>
+              <a:t>By leveraging Azure AD for SSO you'll also have the ability to combine multiple data sources into an intelligent security graph</a:t>
+            </a:r>
+          </a:p>
+          <a:p>
+            <a:endParaRPr lang="en-US" sz="1200" b="0" i="0" kern="1200" dirty="0">
+              <a:solidFill>
+                <a:schemeClr val="tx1"/>
+              </a:solidFill>
+              <a:effectLst/>
+              <a:latin typeface="+mn-lt"/>
+              <a:ea typeface="+mn-ea"/>
+              <a:cs typeface="+mn-cs"/>
+            </a:endParaRPr>
+          </a:p>
+          <a:p>
+            <a:r>
+              <a:rPr lang="nb-NO" dirty="0">
+                <a:hlinkClick r:id="rId3"/>
+              </a:rPr>
+              <a:t>https://docs.microsoft.com/nb-no/learn/modules/intro-to-security-in-azure/3-identity-and-access</a:t>
+            </a:r>
+            <a:endParaRPr lang="nb-NO" dirty="0"/>
+          </a:p>
+          <a:p>
+            <a:r>
+              <a:rPr lang="nb-NO" dirty="0"/>
+              <a:t>Tig</a:t>
+            </a:r>
+          </a:p>
+        </p:txBody>
+      </p:sp>
+      <p:sp>
+        <p:nvSpPr>
+          <p:cNvPr id="4" name="Slide Number Placeholder 3"/>
+          <p:cNvSpPr>
+            <a:spLocks noGrp="1"/>
+          </p:cNvSpPr>
+          <p:nvPr>
+            <p:ph type="sldNum" sz="quarter" idx="5"/>
+          </p:nvPr>
+        </p:nvSpPr>
+        <p:spPr/>
+        <p:txBody>
+          <a:bodyPr/>
+          <a:lstStyle/>
+          <a:p>
+            <a:fld id="{180377DB-C4B0-49B2-8838-0F01BA83B7C4}" type="slidenum">
+              <a:rPr lang="nb-NO" smtClean="0"/>
+              <a:t>12</a:t>
+            </a:fld>
+            <a:endParaRPr lang="nb-NO"/>
+          </a:p>
+        </p:txBody>
+      </p:sp>
+    </p:spTree>
+    <p:extLst>
+      <p:ext uri="{BB962C8B-B14F-4D97-AF65-F5344CB8AC3E}">
+        <p14:creationId xmlns:p14="http://schemas.microsoft.com/office/powerpoint/2010/main" val="1334592713"/>
+      </p:ext>
+    </p:extLst>
+  </p:cSld>
+  <p:clrMapOvr>
+    <a:masterClrMapping/>
+  </p:clrMapOvr>
+</p:notes>
+</file>
+
+<file path=ppt/notesSlides/notesSlide7.xml><?xml version="1.0" encoding="utf-8"?>
+<p:notes xmlns:a="http://schemas.openxmlformats.org/drawingml/2006/main" xmlns:r="http://schemas.openxmlformats.org/officeDocument/2006/relationships" xmlns:p="http://schemas.openxmlformats.org/presentationml/2006/main">
+  <p:cSld>
+    <p:spTree>
+      <p:nvGrpSpPr>
+        <p:cNvPr id="1" name=""/>
+        <p:cNvGrpSpPr/>
+        <p:nvPr/>
+      </p:nvGrpSpPr>
+      <p:grpSpPr>
+        <a:xfrm>
+          <a:off x="0" y="0"/>
+          <a:ext cx="0" cy="0"/>
+          <a:chOff x="0" y="0"/>
+          <a:chExt cx="0" cy="0"/>
+        </a:xfrm>
+      </p:grpSpPr>
+      <p:sp>
+        <p:nvSpPr>
+          <p:cNvPr id="2" name="Slide Image Placeholder 1"/>
+          <p:cNvSpPr>
+            <a:spLocks noGrp="1" noRot="1" noChangeAspect="1"/>
+          </p:cNvSpPr>
+          <p:nvPr>
+            <p:ph type="sldImg"/>
+          </p:nvPr>
+        </p:nvSpPr>
+        <p:spPr/>
+      </p:sp>
+      <p:sp>
+        <p:nvSpPr>
+          <p:cNvPr id="3" name="Notes Placeholder 2"/>
+          <p:cNvSpPr>
+            <a:spLocks noGrp="1"/>
+          </p:cNvSpPr>
+          <p:nvPr>
+            <p:ph type="body" idx="1"/>
+          </p:nvPr>
+        </p:nvSpPr>
+        <p:spPr/>
+        <p:txBody>
+          <a:bodyPr/>
+          <a:lstStyle/>
+          <a:p>
+            <a:r>
+              <a:rPr lang="nb-NO" dirty="0"/>
+              <a:t>Vise </a:t>
+            </a:r>
+            <a:r>
+              <a:rPr lang="nb-NO" dirty="0" err="1"/>
+              <a:t>deployment</a:t>
+            </a:r>
+            <a:r>
+              <a:rPr lang="nb-NO" dirty="0"/>
+              <a:t> av </a:t>
+            </a:r>
+          </a:p>
+        </p:txBody>
+      </p:sp>
+      <p:sp>
+        <p:nvSpPr>
+          <p:cNvPr id="4" name="Slide Number Placeholder 3"/>
+          <p:cNvSpPr>
+            <a:spLocks noGrp="1"/>
+          </p:cNvSpPr>
+          <p:nvPr>
+            <p:ph type="sldNum" sz="quarter" idx="5"/>
+          </p:nvPr>
+        </p:nvSpPr>
+        <p:spPr/>
+        <p:txBody>
+          <a:bodyPr/>
+          <a:lstStyle/>
+          <a:p>
+            <a:fld id="{180377DB-C4B0-49B2-8838-0F01BA83B7C4}" type="slidenum">
+              <a:rPr lang="nb-NO" smtClean="0"/>
+              <a:t>17</a:t>
+            </a:fld>
+            <a:endParaRPr lang="nb-NO"/>
+          </a:p>
+        </p:txBody>
+      </p:sp>
+    </p:spTree>
+    <p:extLst>
+      <p:ext uri="{BB962C8B-B14F-4D97-AF65-F5344CB8AC3E}">
+        <p14:creationId xmlns:p14="http://schemas.microsoft.com/office/powerpoint/2010/main" val="2906306431"/>
+      </p:ext>
+    </p:extLst>
+  </p:cSld>
+  <p:clrMapOvr>
+    <a:masterClrMapping/>
+  </p:clrMapOvr>
+</p:notes>
+</file>
+
+<file path=ppt/notesSlides/notesSlide8.xml><?xml version="1.0" encoding="utf-8"?>
+<p:notes xmlns:a="http://schemas.openxmlformats.org/drawingml/2006/main" xmlns:r="http://schemas.openxmlformats.org/officeDocument/2006/relationships" xmlns:p="http://schemas.openxmlformats.org/presentationml/2006/main">
+  <p:cSld>
+    <p:spTree>
+      <p:nvGrpSpPr>
+        <p:cNvPr id="1" name=""/>
+        <p:cNvGrpSpPr/>
+        <p:nvPr/>
+      </p:nvGrpSpPr>
+      <p:grpSpPr>
+        <a:xfrm>
+          <a:off x="0" y="0"/>
+          <a:ext cx="0" cy="0"/>
+          <a:chOff x="0" y="0"/>
+          <a:chExt cx="0" cy="0"/>
+        </a:xfrm>
+      </p:grpSpPr>
+      <p:sp>
+        <p:nvSpPr>
+          <p:cNvPr id="2" name="Slide Image Placeholder 1"/>
+          <p:cNvSpPr>
+            <a:spLocks noGrp="1" noRot="1" noChangeAspect="1"/>
+          </p:cNvSpPr>
+          <p:nvPr>
+            <p:ph type="sldImg"/>
+          </p:nvPr>
+        </p:nvSpPr>
+        <p:spPr/>
+      </p:sp>
+      <p:sp>
+        <p:nvSpPr>
+          <p:cNvPr id="3" name="Notes Placeholder 2"/>
+          <p:cNvSpPr>
+            <a:spLocks noGrp="1"/>
+          </p:cNvSpPr>
+          <p:nvPr>
+            <p:ph type="body" idx="1"/>
+          </p:nvPr>
+        </p:nvSpPr>
+        <p:spPr/>
+        <p:txBody>
+          <a:bodyPr/>
+          <a:lstStyle/>
+          <a:p>
+            <a:r>
               <a:rPr lang="nb-NO" dirty="0">
                 <a:hlinkClick r:id="rId3"/>
               </a:rPr>
@@ -1757,7 +1950,7 @@
           <a:p>
             <a:fld id="{180377DB-C4B0-49B2-8838-0F01BA83B7C4}" type="slidenum">
               <a:rPr lang="nb-NO" smtClean="0"/>
-              <a:t>14</a:t>
+              <a:t>18</a:t>
             </a:fld>
             <a:endParaRPr lang="nb-NO"/>
           </a:p>
@@ -11111,7 +11304,7 @@
           <p:cNvPr id="2" name="Content Placeholder 1">
             <a:extLst>
               <a:ext uri="{FF2B5EF4-FFF2-40B4-BE49-F238E27FC236}">
-                <a16:creationId xmlns:a16="http://schemas.microsoft.com/office/drawing/2014/main" id="{94B98822-8368-4C2D-B1AB-DBC5C478A3C8}"/>
+                <a16:creationId xmlns:a16="http://schemas.microsoft.com/office/drawing/2014/main" id="{0D2E6551-FB34-4842-B140-5F0475BDB3EF}"/>
               </a:ext>
             </a:extLst>
           </p:cNvPr>
@@ -11127,10 +11320,23 @@
           <a:bodyPr/>
           <a:lstStyle/>
           <a:p>
-            <a:pPr marL="0" indent="0">
-              <a:buNone/>
-            </a:pPr>
-            <a:endParaRPr lang="nb-NO" sz="4400" dirty="0"/>
+            <a:r>
+              <a:rPr lang="nb-NO" dirty="0"/>
+              <a:t>Trust Center</a:t>
+            </a:r>
+          </a:p>
+          <a:p>
+            <a:endParaRPr lang="nb-NO" dirty="0"/>
+          </a:p>
+          <a:p>
+            <a:r>
+              <a:rPr lang="nb-NO" dirty="0"/>
+              <a:t>Min side:</a:t>
+            </a:r>
+          </a:p>
+          <a:p>
+            <a:pPr lvl="1"/>
+            <a:endParaRPr lang="nb-NO" dirty="0"/>
           </a:p>
         </p:txBody>
       </p:sp>
@@ -11139,7 +11345,7 @@
           <p:cNvPr id="3" name="Title 2">
             <a:extLst>
               <a:ext uri="{FF2B5EF4-FFF2-40B4-BE49-F238E27FC236}">
-                <a16:creationId xmlns:a16="http://schemas.microsoft.com/office/drawing/2014/main" id="{6E551990-3A9C-43DC-8E56-7146D7720E17}"/>
+                <a16:creationId xmlns:a16="http://schemas.microsoft.com/office/drawing/2014/main" id="{0799CBB5-0E2C-4344-96B8-3F135E8ED7F7}"/>
               </a:ext>
             </a:extLst>
           </p:cNvPr>
@@ -11150,19 +11356,14 @@
             <p:ph type="title"/>
           </p:nvPr>
         </p:nvSpPr>
-        <p:spPr>
-          <a:xfrm>
-            <a:off x="1328585" y="376848"/>
-            <a:ext cx="10078991" cy="1325563"/>
-          </a:xfrm>
-        </p:spPr>
+        <p:spPr/>
         <p:txBody>
           <a:bodyPr/>
           <a:lstStyle/>
           <a:p>
             <a:r>
               <a:rPr lang="nb-NO" dirty="0"/>
-              <a:t>Demo og leksjon 1</a:t>
+              <a:t>Nyttige lenker</a:t>
             </a:r>
           </a:p>
         </p:txBody>
@@ -11170,7 +11371,7 @@
     </p:spTree>
     <p:extLst>
       <p:ext uri="{BB962C8B-B14F-4D97-AF65-F5344CB8AC3E}">
-        <p14:creationId xmlns:p14="http://schemas.microsoft.com/office/powerpoint/2010/main" val="2246517485"/>
+        <p14:creationId xmlns:p14="http://schemas.microsoft.com/office/powerpoint/2010/main" val="1163624278"/>
       </p:ext>
     </p:extLst>
   </p:cSld>
@@ -11202,7 +11403,7 @@
           <p:cNvPr id="2" name="Content Placeholder 1">
             <a:extLst>
               <a:ext uri="{FF2B5EF4-FFF2-40B4-BE49-F238E27FC236}">
-                <a16:creationId xmlns:a16="http://schemas.microsoft.com/office/drawing/2014/main" id="{E3CAFEDC-D075-4BF1-8EEC-978810502890}"/>
+                <a16:creationId xmlns:a16="http://schemas.microsoft.com/office/drawing/2014/main" id="{94B98822-8368-4C2D-B1AB-DBC5C478A3C8}"/>
               </a:ext>
             </a:extLst>
           </p:cNvPr>
@@ -11218,83 +11419,10 @@
           <a:bodyPr/>
           <a:lstStyle/>
           <a:p>
-            <a:r>
-              <a:rPr lang="nb-NO" dirty="0"/>
-              <a:t>Rollebasert identitetstjeneste </a:t>
-            </a:r>
-          </a:p>
-          <a:p>
-            <a:r>
-              <a:rPr lang="nb-NO" dirty="0"/>
-              <a:t>Active Directory sammen med on-</a:t>
-            </a:r>
-            <a:r>
-              <a:rPr lang="nb-NO" dirty="0" err="1"/>
-              <a:t>prem</a:t>
-            </a:r>
-            <a:endParaRPr lang="nb-NO" dirty="0"/>
-          </a:p>
-          <a:p>
-            <a:r>
-              <a:rPr lang="nb-NO" dirty="0" err="1"/>
-              <a:t>Authentication</a:t>
-            </a:r>
-            <a:endParaRPr lang="nb-NO" dirty="0"/>
-          </a:p>
-          <a:p>
-            <a:pPr lvl="1"/>
-            <a:r>
-              <a:rPr lang="nb-NO" dirty="0" err="1"/>
-              <a:t>Multi-factor</a:t>
-            </a:r>
-            <a:r>
-              <a:rPr lang="nb-NO" dirty="0"/>
-              <a:t> </a:t>
-            </a:r>
-            <a:r>
-              <a:rPr lang="nb-NO" dirty="0" err="1"/>
-              <a:t>Authentication</a:t>
-            </a:r>
-            <a:endParaRPr lang="nb-NO" dirty="0"/>
-          </a:p>
-          <a:p>
-            <a:r>
-              <a:rPr lang="nb-NO" dirty="0"/>
-              <a:t>Støtte for SSO</a:t>
-            </a:r>
-          </a:p>
-          <a:p>
-            <a:r>
-              <a:rPr lang="nb-NO" dirty="0"/>
-              <a:t>Identitet for tjenester</a:t>
-            </a:r>
-          </a:p>
-          <a:p>
-            <a:pPr lvl="1"/>
-            <a:r>
-              <a:rPr lang="en-US" dirty="0"/>
-              <a:t>A </a:t>
-            </a:r>
-            <a:r>
-              <a:rPr lang="en-US" b="1" dirty="0"/>
-              <a:t>service principal</a:t>
-            </a:r>
-            <a:r>
-              <a:rPr lang="en-US" dirty="0"/>
-              <a:t> is an identity that is used by a service or application. And like other identities, it can be assigned roles.</a:t>
-            </a:r>
-          </a:p>
-          <a:p>
-            <a:r>
-              <a:rPr lang="nb-NO" dirty="0"/>
-              <a:t>Role-based access control (RBAC)</a:t>
-            </a:r>
-          </a:p>
-          <a:p>
-            <a:endParaRPr lang="nb-NO" dirty="0"/>
-          </a:p>
-          <a:p>
-            <a:endParaRPr lang="nb-NO" dirty="0"/>
+            <a:pPr marL="0" indent="0">
+              <a:buNone/>
+            </a:pPr>
+            <a:endParaRPr lang="nb-NO" sz="4400" dirty="0"/>
           </a:p>
         </p:txBody>
       </p:sp>
@@ -11303,7 +11431,7 @@
           <p:cNvPr id="3" name="Title 2">
             <a:extLst>
               <a:ext uri="{FF2B5EF4-FFF2-40B4-BE49-F238E27FC236}">
-                <a16:creationId xmlns:a16="http://schemas.microsoft.com/office/drawing/2014/main" id="{5D5C9A2C-D026-47EC-B66D-9D71F9088F91}"/>
+                <a16:creationId xmlns:a16="http://schemas.microsoft.com/office/drawing/2014/main" id="{6E551990-3A9C-43DC-8E56-7146D7720E17}"/>
               </a:ext>
             </a:extLst>
           </p:cNvPr>
@@ -11314,14 +11442,19 @@
             <p:ph type="title"/>
           </p:nvPr>
         </p:nvSpPr>
-        <p:spPr/>
+        <p:spPr>
+          <a:xfrm>
+            <a:off x="1328585" y="376848"/>
+            <a:ext cx="10078991" cy="1325563"/>
+          </a:xfrm>
+        </p:spPr>
         <p:txBody>
           <a:bodyPr/>
           <a:lstStyle/>
           <a:p>
             <a:r>
-              <a:rPr lang="nb-NO"/>
-              <a:t>Azure AD</a:t>
+              <a:rPr lang="nb-NO" dirty="0"/>
+              <a:t>Demo og leksjon 1</a:t>
             </a:r>
           </a:p>
         </p:txBody>
@@ -11329,7 +11462,7 @@
     </p:spTree>
     <p:extLst>
       <p:ext uri="{BB962C8B-B14F-4D97-AF65-F5344CB8AC3E}">
-        <p14:creationId xmlns:p14="http://schemas.microsoft.com/office/powerpoint/2010/main" val="1057957658"/>
+        <p14:creationId xmlns:p14="http://schemas.microsoft.com/office/powerpoint/2010/main" val="2246517485"/>
       </p:ext>
     </p:extLst>
   </p:cSld>
@@ -11361,7 +11494,7 @@
           <p:cNvPr id="2" name="Content Placeholder 1">
             <a:extLst>
               <a:ext uri="{FF2B5EF4-FFF2-40B4-BE49-F238E27FC236}">
-                <a16:creationId xmlns:a16="http://schemas.microsoft.com/office/drawing/2014/main" id="{2DF91858-AB54-465A-AC65-86BFFFE44E4D}"/>
+                <a16:creationId xmlns:a16="http://schemas.microsoft.com/office/drawing/2014/main" id="{E3CAFEDC-D075-4BF1-8EEC-978810502890}"/>
               </a:ext>
             </a:extLst>
           </p:cNvPr>
@@ -11377,7 +11510,67 @@
           <a:bodyPr/>
           <a:lstStyle/>
           <a:p>
-            <a:endParaRPr lang="nb-NO"/>
+            <a:r>
+              <a:rPr lang="nb-NO" dirty="0"/>
+              <a:t>Rollebasert identitetstjeneste </a:t>
+            </a:r>
+          </a:p>
+          <a:p>
+            <a:r>
+              <a:rPr lang="nb-NO" dirty="0"/>
+              <a:t>Active Directory sammen med on-</a:t>
+            </a:r>
+            <a:r>
+              <a:rPr lang="nb-NO" dirty="0" err="1"/>
+              <a:t>prem</a:t>
+            </a:r>
+            <a:endParaRPr lang="nb-NO" dirty="0"/>
+          </a:p>
+          <a:p>
+            <a:r>
+              <a:rPr lang="nb-NO" dirty="0" err="1"/>
+              <a:t>Authentication</a:t>
+            </a:r>
+            <a:endParaRPr lang="nb-NO" dirty="0"/>
+          </a:p>
+          <a:p>
+            <a:pPr lvl="1"/>
+            <a:r>
+              <a:rPr lang="nb-NO" dirty="0"/>
+              <a:t>Multi-factor Authentication (MFA) - Gratis</a:t>
+            </a:r>
+          </a:p>
+          <a:p>
+            <a:r>
+              <a:rPr lang="nb-NO" dirty="0"/>
+              <a:t>Støtte for SSO</a:t>
+            </a:r>
+          </a:p>
+          <a:p>
+            <a:r>
+              <a:rPr lang="nb-NO" dirty="0"/>
+              <a:t>Har støtte </a:t>
+            </a:r>
+          </a:p>
+          <a:p>
+            <a:pPr lvl="1"/>
+            <a:r>
+              <a:rPr lang="nb-NO" dirty="0"/>
+              <a:t>P1, P2 </a:t>
+            </a:r>
+          </a:p>
+          <a:p>
+            <a:pPr lvl="1"/>
+            <a:r>
+              <a:rPr lang="nb-NO" dirty="0"/>
+              <a:t>Eks. Priviligied Identity Management (PIM) </a:t>
+            </a:r>
+          </a:p>
+          <a:p>
+            <a:endParaRPr lang="nb-NO" dirty="0"/>
+          </a:p>
+          <a:p>
+            <a:endParaRPr lang="nb-NO" dirty="0"/>
           </a:p>
         </p:txBody>
       </p:sp>
@@ -11386,7 +11579,7 @@
           <p:cNvPr id="3" name="Title 2">
             <a:extLst>
               <a:ext uri="{FF2B5EF4-FFF2-40B4-BE49-F238E27FC236}">
-                <a16:creationId xmlns:a16="http://schemas.microsoft.com/office/drawing/2014/main" id="{F95EA700-6D4A-49F7-B7E1-B7811FEC9882}"/>
+                <a16:creationId xmlns:a16="http://schemas.microsoft.com/office/drawing/2014/main" id="{5D5C9A2C-D026-47EC-B66D-9D71F9088F91}"/>
               </a:ext>
             </a:extLst>
           </p:cNvPr>
@@ -11402,14 +11595,17 @@
           <a:bodyPr/>
           <a:lstStyle/>
           <a:p>
-            <a:endParaRPr lang="nb-NO"/>
+            <a:r>
+              <a:rPr lang="nb-NO"/>
+              <a:t>Azure AD</a:t>
+            </a:r>
           </a:p>
         </p:txBody>
       </p:sp>
     </p:spTree>
     <p:extLst>
       <p:ext uri="{BB962C8B-B14F-4D97-AF65-F5344CB8AC3E}">
-        <p14:creationId xmlns:p14="http://schemas.microsoft.com/office/powerpoint/2010/main" val="3048862876"/>
+        <p14:creationId xmlns:p14="http://schemas.microsoft.com/office/powerpoint/2010/main" val="1057957658"/>
       </p:ext>
     </p:extLst>
   </p:cSld>
@@ -11441,7 +11637,7 @@
           <p:cNvPr id="2" name="Content Placeholder 1">
             <a:extLst>
               <a:ext uri="{FF2B5EF4-FFF2-40B4-BE49-F238E27FC236}">
-                <a16:creationId xmlns:a16="http://schemas.microsoft.com/office/drawing/2014/main" id="{01C6EDC8-A815-4F7B-95FE-5E19DA0863EE}"/>
+                <a16:creationId xmlns:a16="http://schemas.microsoft.com/office/drawing/2014/main" id="{53095D45-AB9E-4654-BA3E-5BA27E99651D}"/>
               </a:ext>
             </a:extLst>
           </p:cNvPr>
@@ -11459,14 +11655,45 @@
           <a:p>
             <a:r>
               <a:rPr lang="nb-NO" dirty="0"/>
-              <a:t>Portal</a:t>
+              <a:t>Identitet for tjenester</a:t>
+            </a:r>
+          </a:p>
+          <a:p>
+            <a:pPr lvl="1"/>
+            <a:r>
+              <a:rPr lang="en-US" dirty="0"/>
+              <a:t>A </a:t>
+            </a:r>
+            <a:r>
+              <a:rPr lang="en-US" b="1" dirty="0"/>
+              <a:t>service principal</a:t>
+            </a:r>
+            <a:r>
+              <a:rPr lang="en-US" dirty="0"/>
+              <a:t> is an identity that is used by a service or application. And like other identities, it can be assigned roles.</a:t>
             </a:r>
           </a:p>
           <a:p>
             <a:r>
               <a:rPr lang="nb-NO" dirty="0"/>
-              <a:t>Visual Studio</a:t>
-            </a:r>
+              <a:t>Role-based access control (RBAC)</a:t>
+            </a:r>
+          </a:p>
+          <a:p>
+            <a:r>
+              <a:rPr lang="nb-NO" dirty="0"/>
+              <a:t>Har forskjellige kostnadsnivåer.</a:t>
+            </a:r>
+          </a:p>
+          <a:p>
+            <a:pPr lvl="1"/>
+            <a:r>
+              <a:rPr lang="nb-NO" dirty="0"/>
+              <a:t>Eks. PIM</a:t>
+            </a:r>
+          </a:p>
+          <a:p>
+            <a:endParaRPr lang="nb-NO" dirty="0"/>
           </a:p>
         </p:txBody>
       </p:sp>
@@ -11475,7 +11702,7 @@
           <p:cNvPr id="3" name="Title 2">
             <a:extLst>
               <a:ext uri="{FF2B5EF4-FFF2-40B4-BE49-F238E27FC236}">
-                <a16:creationId xmlns:a16="http://schemas.microsoft.com/office/drawing/2014/main" id="{9616A1BB-BF26-4AFE-905C-E67197F226A0}"/>
+                <a16:creationId xmlns:a16="http://schemas.microsoft.com/office/drawing/2014/main" id="{A3394DC6-1F15-4F67-853C-B9398D1B2262}"/>
               </a:ext>
             </a:extLst>
           </p:cNvPr>
@@ -11493,7 +11720,7 @@
           <a:p>
             <a:r>
               <a:rPr lang="nb-NO" dirty="0"/>
-              <a:t>Demo og Leksjon 2.</a:t>
+              <a:t>Azure AD</a:t>
             </a:r>
           </a:p>
         </p:txBody>
@@ -11501,7 +11728,7 @@
     </p:spTree>
     <p:extLst>
       <p:ext uri="{BB962C8B-B14F-4D97-AF65-F5344CB8AC3E}">
-        <p14:creationId xmlns:p14="http://schemas.microsoft.com/office/powerpoint/2010/main" val="2607850202"/>
+        <p14:creationId xmlns:p14="http://schemas.microsoft.com/office/powerpoint/2010/main" val="3152379161"/>
       </p:ext>
     </p:extLst>
   </p:cSld>
@@ -11533,6 +11760,353 @@
           <p:cNvPr id="2" name="Content Placeholder 1">
             <a:extLst>
               <a:ext uri="{FF2B5EF4-FFF2-40B4-BE49-F238E27FC236}">
+                <a16:creationId xmlns:a16="http://schemas.microsoft.com/office/drawing/2014/main" id="{BD69983E-F11E-4FDC-A794-05BB751B5398}"/>
+              </a:ext>
+            </a:extLst>
+          </p:cNvPr>
+          <p:cNvSpPr>
+            <a:spLocks noGrp="1"/>
+          </p:cNvSpPr>
+          <p:nvPr>
+            <p:ph idx="1"/>
+          </p:nvPr>
+        </p:nvSpPr>
+        <p:spPr/>
+        <p:txBody>
+          <a:bodyPr/>
+          <a:lstStyle/>
+          <a:p>
+            <a:endParaRPr lang="nb-NO"/>
+          </a:p>
+        </p:txBody>
+      </p:sp>
+      <p:sp>
+        <p:nvSpPr>
+          <p:cNvPr id="3" name="Title 2">
+            <a:extLst>
+              <a:ext uri="{FF2B5EF4-FFF2-40B4-BE49-F238E27FC236}">
+                <a16:creationId xmlns:a16="http://schemas.microsoft.com/office/drawing/2014/main" id="{5C4A4DD2-3405-4B89-A03D-F6BC4EB33D64}"/>
+              </a:ext>
+            </a:extLst>
+          </p:cNvPr>
+          <p:cNvSpPr>
+            <a:spLocks noGrp="1"/>
+          </p:cNvSpPr>
+          <p:nvPr>
+            <p:ph type="title"/>
+          </p:nvPr>
+        </p:nvSpPr>
+        <p:spPr/>
+        <p:txBody>
+          <a:bodyPr/>
+          <a:lstStyle/>
+          <a:p>
+            <a:r>
+              <a:rPr lang="nb-NO"/>
+              <a:t>Authentication &amp; authentication</a:t>
+            </a:r>
+          </a:p>
+        </p:txBody>
+      </p:sp>
+    </p:spTree>
+    <p:extLst>
+      <p:ext uri="{BB962C8B-B14F-4D97-AF65-F5344CB8AC3E}">
+        <p14:creationId xmlns:p14="http://schemas.microsoft.com/office/powerpoint/2010/main" val="3226241621"/>
+      </p:ext>
+    </p:extLst>
+  </p:cSld>
+  <p:clrMapOvr>
+    <a:masterClrMapping/>
+  </p:clrMapOvr>
+</p:sld>
+</file>
+
+<file path=ppt/slides/slide15.xml><?xml version="1.0" encoding="utf-8"?>
+<p:sld xmlns:a="http://schemas.openxmlformats.org/drawingml/2006/main" xmlns:r="http://schemas.openxmlformats.org/officeDocument/2006/relationships" xmlns:p="http://schemas.openxmlformats.org/presentationml/2006/main">
+  <p:cSld>
+    <p:spTree>
+      <p:nvGrpSpPr>
+        <p:cNvPr id="1" name=""/>
+        <p:cNvGrpSpPr/>
+        <p:nvPr/>
+      </p:nvGrpSpPr>
+      <p:grpSpPr>
+        <a:xfrm>
+          <a:off x="0" y="0"/>
+          <a:ext cx="0" cy="0"/>
+          <a:chOff x="0" y="0"/>
+          <a:chExt cx="0" cy="0"/>
+        </a:xfrm>
+      </p:grpSpPr>
+      <p:sp>
+        <p:nvSpPr>
+          <p:cNvPr id="2" name="Content Placeholder 1">
+            <a:extLst>
+              <a:ext uri="{FF2B5EF4-FFF2-40B4-BE49-F238E27FC236}">
+                <a16:creationId xmlns:a16="http://schemas.microsoft.com/office/drawing/2014/main" id="{165A31E6-5FA8-4405-A1AE-70E92921354E}"/>
+              </a:ext>
+            </a:extLst>
+          </p:cNvPr>
+          <p:cNvSpPr>
+            <a:spLocks noGrp="1"/>
+          </p:cNvSpPr>
+          <p:nvPr>
+            <p:ph idx="1"/>
+          </p:nvPr>
+        </p:nvSpPr>
+        <p:spPr/>
+        <p:txBody>
+          <a:bodyPr/>
+          <a:lstStyle/>
+          <a:p>
+            <a:r>
+              <a:rPr lang="nb-NO" dirty="0"/>
+              <a:t>For å kunne autentisere </a:t>
+            </a:r>
+          </a:p>
+          <a:p>
+            <a:endParaRPr lang="nb-NO" dirty="0"/>
+          </a:p>
+        </p:txBody>
+      </p:sp>
+      <p:sp>
+        <p:nvSpPr>
+          <p:cNvPr id="3" name="Title 2">
+            <a:extLst>
+              <a:ext uri="{FF2B5EF4-FFF2-40B4-BE49-F238E27FC236}">
+                <a16:creationId xmlns:a16="http://schemas.microsoft.com/office/drawing/2014/main" id="{E76444A0-FA2C-498D-AE92-B53403F8BED2}"/>
+              </a:ext>
+            </a:extLst>
+          </p:cNvPr>
+          <p:cNvSpPr>
+            <a:spLocks noGrp="1"/>
+          </p:cNvSpPr>
+          <p:nvPr>
+            <p:ph type="title"/>
+          </p:nvPr>
+        </p:nvSpPr>
+        <p:spPr/>
+        <p:txBody>
+          <a:bodyPr/>
+          <a:lstStyle/>
+          <a:p>
+            <a:r>
+              <a:rPr lang="nb-NO" dirty="0"/>
+              <a:t>Azure AD – App Registrations</a:t>
+            </a:r>
+          </a:p>
+        </p:txBody>
+      </p:sp>
+    </p:spTree>
+    <p:extLst>
+      <p:ext uri="{BB962C8B-B14F-4D97-AF65-F5344CB8AC3E}">
+        <p14:creationId xmlns:p14="http://schemas.microsoft.com/office/powerpoint/2010/main" val="4043908302"/>
+      </p:ext>
+    </p:extLst>
+  </p:cSld>
+  <p:clrMapOvr>
+    <a:masterClrMapping/>
+  </p:clrMapOvr>
+</p:sld>
+</file>
+
+<file path=ppt/slides/slide16.xml><?xml version="1.0" encoding="utf-8"?>
+<p:sld xmlns:a="http://schemas.openxmlformats.org/drawingml/2006/main" xmlns:r="http://schemas.openxmlformats.org/officeDocument/2006/relationships" xmlns:p="http://schemas.openxmlformats.org/presentationml/2006/main">
+  <p:cSld>
+    <p:spTree>
+      <p:nvGrpSpPr>
+        <p:cNvPr id="1" name=""/>
+        <p:cNvGrpSpPr/>
+        <p:nvPr/>
+      </p:nvGrpSpPr>
+      <p:grpSpPr>
+        <a:xfrm>
+          <a:off x="0" y="0"/>
+          <a:ext cx="0" cy="0"/>
+          <a:chOff x="0" y="0"/>
+          <a:chExt cx="0" cy="0"/>
+        </a:xfrm>
+      </p:grpSpPr>
+      <p:sp>
+        <p:nvSpPr>
+          <p:cNvPr id="2" name="Content Placeholder 1">
+            <a:extLst>
+              <a:ext uri="{FF2B5EF4-FFF2-40B4-BE49-F238E27FC236}">
+                <a16:creationId xmlns:a16="http://schemas.microsoft.com/office/drawing/2014/main" id="{2DF91858-AB54-465A-AC65-86BFFFE44E4D}"/>
+              </a:ext>
+            </a:extLst>
+          </p:cNvPr>
+          <p:cNvSpPr>
+            <a:spLocks noGrp="1"/>
+          </p:cNvSpPr>
+          <p:nvPr>
+            <p:ph idx="1"/>
+          </p:nvPr>
+        </p:nvSpPr>
+        <p:spPr/>
+        <p:txBody>
+          <a:bodyPr/>
+          <a:lstStyle/>
+          <a:p>
+            <a:endParaRPr lang="nb-NO"/>
+          </a:p>
+        </p:txBody>
+      </p:sp>
+      <p:sp>
+        <p:nvSpPr>
+          <p:cNvPr id="3" name="Title 2">
+            <a:extLst>
+              <a:ext uri="{FF2B5EF4-FFF2-40B4-BE49-F238E27FC236}">
+                <a16:creationId xmlns:a16="http://schemas.microsoft.com/office/drawing/2014/main" id="{F95EA700-6D4A-49F7-B7E1-B7811FEC9882}"/>
+              </a:ext>
+            </a:extLst>
+          </p:cNvPr>
+          <p:cNvSpPr>
+            <a:spLocks noGrp="1"/>
+          </p:cNvSpPr>
+          <p:nvPr>
+            <p:ph type="title"/>
+          </p:nvPr>
+        </p:nvSpPr>
+        <p:spPr/>
+        <p:txBody>
+          <a:bodyPr/>
+          <a:lstStyle/>
+          <a:p>
+            <a:r>
+              <a:rPr lang="nb-NO" dirty="0"/>
+              <a:t>Role Based Access Control (RBAC)</a:t>
+            </a:r>
+          </a:p>
+        </p:txBody>
+      </p:sp>
+    </p:spTree>
+    <p:extLst>
+      <p:ext uri="{BB962C8B-B14F-4D97-AF65-F5344CB8AC3E}">
+        <p14:creationId xmlns:p14="http://schemas.microsoft.com/office/powerpoint/2010/main" val="3048862876"/>
+      </p:ext>
+    </p:extLst>
+  </p:cSld>
+  <p:clrMapOvr>
+    <a:masterClrMapping/>
+  </p:clrMapOvr>
+</p:sld>
+</file>
+
+<file path=ppt/slides/slide17.xml><?xml version="1.0" encoding="utf-8"?>
+<p:sld xmlns:a="http://schemas.openxmlformats.org/drawingml/2006/main" xmlns:r="http://schemas.openxmlformats.org/officeDocument/2006/relationships" xmlns:p="http://schemas.openxmlformats.org/presentationml/2006/main">
+  <p:cSld>
+    <p:spTree>
+      <p:nvGrpSpPr>
+        <p:cNvPr id="1" name=""/>
+        <p:cNvGrpSpPr/>
+        <p:nvPr/>
+      </p:nvGrpSpPr>
+      <p:grpSpPr>
+        <a:xfrm>
+          <a:off x="0" y="0"/>
+          <a:ext cx="0" cy="0"/>
+          <a:chOff x="0" y="0"/>
+          <a:chExt cx="0" cy="0"/>
+        </a:xfrm>
+      </p:grpSpPr>
+      <p:sp>
+        <p:nvSpPr>
+          <p:cNvPr id="2" name="Content Placeholder 1">
+            <a:extLst>
+              <a:ext uri="{FF2B5EF4-FFF2-40B4-BE49-F238E27FC236}">
+                <a16:creationId xmlns:a16="http://schemas.microsoft.com/office/drawing/2014/main" id="{01C6EDC8-A815-4F7B-95FE-5E19DA0863EE}"/>
+              </a:ext>
+            </a:extLst>
+          </p:cNvPr>
+          <p:cNvSpPr>
+            <a:spLocks noGrp="1"/>
+          </p:cNvSpPr>
+          <p:nvPr>
+            <p:ph idx="1"/>
+          </p:nvPr>
+        </p:nvSpPr>
+        <p:spPr/>
+        <p:txBody>
+          <a:bodyPr/>
+          <a:lstStyle/>
+          <a:p>
+            <a:r>
+              <a:rPr lang="nb-NO" dirty="0"/>
+              <a:t>Portal</a:t>
+            </a:r>
+          </a:p>
+          <a:p>
+            <a:r>
+              <a:rPr lang="nb-NO" dirty="0"/>
+              <a:t>Visual Studio</a:t>
+            </a:r>
+          </a:p>
+        </p:txBody>
+      </p:sp>
+      <p:sp>
+        <p:nvSpPr>
+          <p:cNvPr id="3" name="Title 2">
+            <a:extLst>
+              <a:ext uri="{FF2B5EF4-FFF2-40B4-BE49-F238E27FC236}">
+                <a16:creationId xmlns:a16="http://schemas.microsoft.com/office/drawing/2014/main" id="{9616A1BB-BF26-4AFE-905C-E67197F226A0}"/>
+              </a:ext>
+            </a:extLst>
+          </p:cNvPr>
+          <p:cNvSpPr>
+            <a:spLocks noGrp="1"/>
+          </p:cNvSpPr>
+          <p:nvPr>
+            <p:ph type="title"/>
+          </p:nvPr>
+        </p:nvSpPr>
+        <p:spPr/>
+        <p:txBody>
+          <a:bodyPr/>
+          <a:lstStyle/>
+          <a:p>
+            <a:r>
+              <a:rPr lang="nb-NO" dirty="0"/>
+              <a:t>Demo og Leksjon 2.</a:t>
+            </a:r>
+          </a:p>
+        </p:txBody>
+      </p:sp>
+    </p:spTree>
+    <p:extLst>
+      <p:ext uri="{BB962C8B-B14F-4D97-AF65-F5344CB8AC3E}">
+        <p14:creationId xmlns:p14="http://schemas.microsoft.com/office/powerpoint/2010/main" val="2607850202"/>
+      </p:ext>
+    </p:extLst>
+  </p:cSld>
+  <p:clrMapOvr>
+    <a:masterClrMapping/>
+  </p:clrMapOvr>
+</p:sld>
+</file>
+
+<file path=ppt/slides/slide18.xml><?xml version="1.0" encoding="utf-8"?>
+<p:sld xmlns:a="http://schemas.openxmlformats.org/drawingml/2006/main" xmlns:r="http://schemas.openxmlformats.org/officeDocument/2006/relationships" xmlns:p="http://schemas.openxmlformats.org/presentationml/2006/main">
+  <p:cSld>
+    <p:spTree>
+      <p:nvGrpSpPr>
+        <p:cNvPr id="1" name=""/>
+        <p:cNvGrpSpPr/>
+        <p:nvPr/>
+      </p:nvGrpSpPr>
+      <p:grpSpPr>
+        <a:xfrm>
+          <a:off x="0" y="0"/>
+          <a:ext cx="0" cy="0"/>
+          <a:chOff x="0" y="0"/>
+          <a:chExt cx="0" cy="0"/>
+        </a:xfrm>
+      </p:grpSpPr>
+      <p:sp>
+        <p:nvSpPr>
+          <p:cNvPr id="2" name="Content Placeholder 1">
+            <a:extLst>
+              <a:ext uri="{FF2B5EF4-FFF2-40B4-BE49-F238E27FC236}">
                 <a16:creationId xmlns:a16="http://schemas.microsoft.com/office/drawing/2014/main" id="{3469A132-FA9D-4F94-91D3-A36EA0160557}"/>
               </a:ext>
             </a:extLst>
@@ -11594,7 +12168,7 @@
 </p:sld>
 </file>
 
-<file path=ppt/slides/slide15.xml><?xml version="1.0" encoding="utf-8"?>
+<file path=ppt/slides/slide19.xml><?xml version="1.0" encoding="utf-8"?>
 <p:sld xmlns:a="http://schemas.openxmlformats.org/drawingml/2006/main" xmlns:r="http://schemas.openxmlformats.org/officeDocument/2006/relationships" xmlns:p="http://schemas.openxmlformats.org/presentationml/2006/main">
   <p:cSld>
     <p:spTree>
@@ -11941,21 +12515,44 @@
           <a:p>
             <a:r>
               <a:rPr lang="nb-NO" dirty="0"/>
-              <a:t>Introduksjon sikkerhet i </a:t>
-            </a:r>
-          </a:p>
-          <a:p>
+              <a:t>Introduksjon sikkerhet i Azure</a:t>
+            </a:r>
+          </a:p>
+          <a:p>
+            <a:pPr lvl="1"/>
             <a:r>
               <a:rPr lang="nb-NO" dirty="0"/>
-              <a:t>Leksjon 1: Azure </a:t>
-            </a:r>
-            <a:r>
-              <a:rPr lang="nb-NO" dirty="0" err="1"/>
-              <a:t>DevOps</a:t>
-            </a:r>
+              <a:t>Defence in depth – Lagvis sikkerhet</a:t>
+            </a:r>
+          </a:p>
+          <a:p>
+            <a:pPr lvl="1"/>
             <a:r>
               <a:rPr lang="nb-NO" dirty="0"/>
-              <a:t> – Delivery Pipeline</a:t>
+              <a:t>Delt ansvar </a:t>
+            </a:r>
+          </a:p>
+          <a:p>
+            <a:pPr lvl="1"/>
+            <a:r>
+              <a:rPr lang="nb-NO" dirty="0"/>
+              <a:t>Azure Security Center</a:t>
+            </a:r>
+          </a:p>
+          <a:p>
+            <a:pPr lvl="1"/>
+            <a:endParaRPr lang="nb-NO" dirty="0"/>
+          </a:p>
+          <a:p>
+            <a:r>
+              <a:rPr lang="nb-NO" dirty="0"/>
+              <a:t>Leksjon 1: Azure DevOps </a:t>
+            </a:r>
+          </a:p>
+          <a:p>
+            <a:r>
+              <a:rPr lang="nb-NO" dirty="0"/>
+              <a:t>Azure AD</a:t>
             </a:r>
           </a:p>
           <a:p>
@@ -12255,7 +12852,7 @@
             <a:pPr lvl="1"/>
             <a:r>
               <a:rPr lang="nb-NO" dirty="0"/>
-              <a:t>Virtuelle nettverk, </a:t>
+              <a:t>Virtuelle nettverk </a:t>
             </a:r>
           </a:p>
           <a:p>
@@ -12314,7 +12911,7 @@
           <a:p>
             <a:r>
               <a:rPr lang="nb-NO" dirty="0"/>
-              <a:t>Lagvis sikkerhet</a:t>
+              <a:t>Defence in depth - Lagvis sikkerhet</a:t>
             </a:r>
           </a:p>
         </p:txBody>
@@ -12349,46 +12946,47 @@
           <a:chExt cx="0" cy="0"/>
         </a:xfrm>
       </p:grpSpPr>
-      <p:sp>
-        <p:nvSpPr>
-          <p:cNvPr id="2" name="Content Placeholder 1">
+      <p:pic>
+        <p:nvPicPr>
+          <p:cNvPr id="5" name="Content Placeholder 4" descr="A screenshot of a cell phone&#10;&#10;Description automatically generated">
             <a:extLst>
               <a:ext uri="{FF2B5EF4-FFF2-40B4-BE49-F238E27FC236}">
-                <a16:creationId xmlns:a16="http://schemas.microsoft.com/office/drawing/2014/main" id="{E1327BF1-1A34-4985-A3F0-67A8830BF363}"/>
+                <a16:creationId xmlns:a16="http://schemas.microsoft.com/office/drawing/2014/main" id="{DB784447-069E-40B2-A426-53EB360E4C6C}"/>
               </a:ext>
             </a:extLst>
           </p:cNvPr>
-          <p:cNvSpPr>
-            <a:spLocks noGrp="1"/>
-          </p:cNvSpPr>
+          <p:cNvPicPr>
+            <a:picLocks noGrp="1" noChangeAspect="1"/>
+          </p:cNvPicPr>
           <p:nvPr>
             <p:ph idx="1"/>
           </p:nvPr>
-        </p:nvSpPr>
-        <p:spPr/>
-        <p:txBody>
-          <a:bodyPr/>
-          <a:lstStyle/>
-          <a:p>
-            <a:r>
-              <a:rPr lang="nb-NO" dirty="0"/>
-              <a:t>Microsoft ansvar vs. vårt ansvar </a:t>
-            </a:r>
-          </a:p>
-          <a:p>
-            <a:r>
-              <a:rPr lang="nb-NO" dirty="0"/>
-              <a:t>Selv om Microsoft er en sikker plattform, så er det ikke vanskelig å gjøre </a:t>
-            </a:r>
-          </a:p>
-        </p:txBody>
-      </p:sp>
+        </p:nvPicPr>
+        <p:blipFill>
+          <a:blip r:embed="rId3">
+            <a:extLst>
+              <a:ext uri="{28A0092B-C50C-407E-A947-70E740481C1C}">
+                <a14:useLocalDpi xmlns:a14="http://schemas.microsoft.com/office/drawing/2010/main" val="0"/>
+              </a:ext>
+            </a:extLst>
+          </a:blip>
+          <a:stretch>
+            <a:fillRect/>
+          </a:stretch>
+        </p:blipFill>
+        <p:spPr>
+          <a:xfrm>
+            <a:off x="2051824" y="1996281"/>
+            <a:ext cx="4979213" cy="4010025"/>
+          </a:xfrm>
+        </p:spPr>
+      </p:pic>
       <p:sp>
         <p:nvSpPr>
           <p:cNvPr id="3" name="Title 2">
             <a:extLst>
               <a:ext uri="{FF2B5EF4-FFF2-40B4-BE49-F238E27FC236}">
-                <a16:creationId xmlns:a16="http://schemas.microsoft.com/office/drawing/2014/main" id="{21D13C0A-69F7-4AD0-95BE-64826CCA89BC}"/>
+                <a16:creationId xmlns:a16="http://schemas.microsoft.com/office/drawing/2014/main" id="{A186454E-924F-4205-B381-547460A34916}"/>
               </a:ext>
             </a:extLst>
           </p:cNvPr>
@@ -12404,14 +13002,17 @@
           <a:bodyPr/>
           <a:lstStyle/>
           <a:p>
-            <a:endParaRPr lang="nb-NO" dirty="0"/>
+            <a:r>
+              <a:rPr lang="nb-NO" dirty="0"/>
+              <a:t>Delt ansvar.</a:t>
+            </a:r>
           </a:p>
         </p:txBody>
       </p:sp>
     </p:spTree>
     <p:extLst>
       <p:ext uri="{BB962C8B-B14F-4D97-AF65-F5344CB8AC3E}">
-        <p14:creationId xmlns:p14="http://schemas.microsoft.com/office/powerpoint/2010/main" val="3824878857"/>
+        <p14:creationId xmlns:p14="http://schemas.microsoft.com/office/powerpoint/2010/main" val="2892039909"/>
       </p:ext>
     </p:extLst>
   </p:cSld>
@@ -12443,7 +13044,7 @@
           <p:cNvPr id="2" name="Content Placeholder 1">
             <a:extLst>
               <a:ext uri="{FF2B5EF4-FFF2-40B4-BE49-F238E27FC236}">
-                <a16:creationId xmlns:a16="http://schemas.microsoft.com/office/drawing/2014/main" id="{7E0053A4-7AD4-492F-BC64-A947322D867F}"/>
+                <a16:creationId xmlns:a16="http://schemas.microsoft.com/office/drawing/2014/main" id="{E1327BF1-1A34-4985-A3F0-67A8830BF363}"/>
               </a:ext>
             </a:extLst>
           </p:cNvPr>
@@ -12461,25 +13062,13 @@
           <a:p>
             <a:r>
               <a:rPr lang="nb-NO" dirty="0"/>
-              <a:t>Azure Active Directory</a:t>
-            </a:r>
-          </a:p>
-          <a:p>
-            <a:endParaRPr lang="nb-NO" dirty="0"/>
+              <a:t>Microsoft ansvar vs. vårt ansvar </a:t>
+            </a:r>
           </a:p>
           <a:p>
             <a:r>
               <a:rPr lang="nb-NO" dirty="0"/>
-              <a:t>Security Center</a:t>
-            </a:r>
-          </a:p>
-          <a:p>
-            <a:endParaRPr lang="nb-NO" dirty="0"/>
-          </a:p>
-          <a:p>
-            <a:r>
-              <a:rPr lang="nb-NO" dirty="0"/>
-              <a:t>Advanced</a:t>
+              <a:t>Selv om Microsoft er en sikker plattform, så er det ikke vanskelig å gjøre </a:t>
             </a:r>
           </a:p>
         </p:txBody>
@@ -12489,7 +13078,7 @@
           <p:cNvPr id="3" name="Title 2">
             <a:extLst>
               <a:ext uri="{FF2B5EF4-FFF2-40B4-BE49-F238E27FC236}">
-                <a16:creationId xmlns:a16="http://schemas.microsoft.com/office/drawing/2014/main" id="{588209D4-0181-4A79-95F6-D34F1CB44558}"/>
+                <a16:creationId xmlns:a16="http://schemas.microsoft.com/office/drawing/2014/main" id="{21D13C0A-69F7-4AD0-95BE-64826CCA89BC}"/>
               </a:ext>
             </a:extLst>
           </p:cNvPr>
@@ -12505,17 +13094,14 @@
           <a:bodyPr/>
           <a:lstStyle/>
           <a:p>
-            <a:r>
-              <a:rPr lang="nb-NO" dirty="0"/>
-              <a:t>Sikkerhetstjeneter</a:t>
-            </a:r>
+            <a:endParaRPr lang="nb-NO" dirty="0"/>
           </a:p>
         </p:txBody>
       </p:sp>
     </p:spTree>
     <p:extLst>
       <p:ext uri="{BB962C8B-B14F-4D97-AF65-F5344CB8AC3E}">
-        <p14:creationId xmlns:p14="http://schemas.microsoft.com/office/powerpoint/2010/main" val="1414863137"/>
+        <p14:creationId xmlns:p14="http://schemas.microsoft.com/office/powerpoint/2010/main" val="3824878857"/>
       </p:ext>
     </p:extLst>
   </p:cSld>
@@ -12547,7 +13133,7 @@
           <p:cNvPr id="2" name="Content Placeholder 1">
             <a:extLst>
               <a:ext uri="{FF2B5EF4-FFF2-40B4-BE49-F238E27FC236}">
-                <a16:creationId xmlns:a16="http://schemas.microsoft.com/office/drawing/2014/main" id="{0D2E6551-FB34-4842-B140-5F0475BDB3EF}"/>
+                <a16:creationId xmlns:a16="http://schemas.microsoft.com/office/drawing/2014/main" id="{7E0053A4-7AD4-492F-BC64-A947322D867F}"/>
               </a:ext>
             </a:extLst>
           </p:cNvPr>
@@ -12565,21 +13151,40 @@
           <a:p>
             <a:r>
               <a:rPr lang="nb-NO" dirty="0"/>
-              <a:t>Trust Center</a:t>
+              <a:t>Anbefalinger </a:t>
             </a:r>
           </a:p>
           <a:p>
             <a:endParaRPr lang="nb-NO" dirty="0"/>
           </a:p>
           <a:p>
+            <a:pPr marL="0" indent="0">
+              <a:buNone/>
+            </a:pPr>
+            <a:endParaRPr lang="nb-NO" dirty="0"/>
+          </a:p>
+          <a:p>
+            <a:endParaRPr lang="nb-NO" dirty="0"/>
+          </a:p>
+          <a:p>
             <a:r>
               <a:rPr lang="nb-NO" dirty="0"/>
-              <a:t>Min side:</a:t>
+              <a:t>To prisnivåer</a:t>
             </a:r>
           </a:p>
           <a:p>
             <a:pPr lvl="1"/>
-            <a:endParaRPr lang="nb-NO" dirty="0"/>
+            <a:r>
+              <a:rPr lang="nb-NO" dirty="0"/>
+              <a:t>Free tier: Tilbyr anbefalinger og recommandations</a:t>
+            </a:r>
+          </a:p>
+          <a:p>
+            <a:pPr lvl="1"/>
+            <a:r>
+              <a:rPr lang="nb-NO" dirty="0"/>
+              <a:t>Standard tier: Tilbyr alle tjenester som overvåkning</a:t>
+            </a:r>
           </a:p>
         </p:txBody>
       </p:sp>
@@ -12588,7 +13193,7 @@
           <p:cNvPr id="3" name="Title 2">
             <a:extLst>
               <a:ext uri="{FF2B5EF4-FFF2-40B4-BE49-F238E27FC236}">
-                <a16:creationId xmlns:a16="http://schemas.microsoft.com/office/drawing/2014/main" id="{0799CBB5-0E2C-4344-96B8-3F135E8ED7F7}"/>
+                <a16:creationId xmlns:a16="http://schemas.microsoft.com/office/drawing/2014/main" id="{588209D4-0181-4A79-95F6-D34F1CB44558}"/>
               </a:ext>
             </a:extLst>
           </p:cNvPr>
@@ -12606,7 +13211,7 @@
           <a:p>
             <a:r>
               <a:rPr lang="nb-NO" dirty="0"/>
-              <a:t>Nyttige lenker</a:t>
+              <a:t>Azure Security Center</a:t>
             </a:r>
           </a:p>
         </p:txBody>
@@ -12614,7 +13219,7 @@
     </p:spTree>
     <p:extLst>
       <p:ext uri="{BB962C8B-B14F-4D97-AF65-F5344CB8AC3E}">
-        <p14:creationId xmlns:p14="http://schemas.microsoft.com/office/powerpoint/2010/main" val="1163624278"/>
+        <p14:creationId xmlns:p14="http://schemas.microsoft.com/office/powerpoint/2010/main" val="1414863137"/>
       </p:ext>
     </p:extLst>
   </p:cSld>

--- a/Workshop_3/Presentasjon/Azureskolen-Workshop#3.pptx
+++ b/Workshop_3/Presentasjon/Azureskolen-Workshop#3.pptx
@@ -594,7 +594,7 @@
           <a:p>
             <a:fld id="{54C52192-B826-4AE0-9CD6-BEA9467D12B3}" type="datetimeFigureOut">
               <a:rPr lang="nb-NO" smtClean="0"/>
-              <a:t>12.01.2020</a:t>
+              <a:t>14.01.2020</a:t>
             </a:fld>
             <a:endParaRPr lang="nb-NO"/>
           </a:p>
@@ -759,7 +759,7 @@
           <a:p>
             <a:fld id="{2696BCB2-2760-41B1-A1BE-7886EF110FCB}" type="datetimeFigureOut">
               <a:rPr lang="nb-NO" smtClean="0"/>
-              <a:t>12.01.2020</a:t>
+              <a:t>14.01.2020</a:t>
             </a:fld>
             <a:endParaRPr lang="nb-NO"/>
           </a:p>
@@ -1114,6 +1114,130 @@
 </p:notes>
 </file>
 
+<file path=ppt/notesSlides/notesSlide10.xml><?xml version="1.0" encoding="utf-8"?>
+<p:notes xmlns:a="http://schemas.openxmlformats.org/drawingml/2006/main" xmlns:r="http://schemas.openxmlformats.org/officeDocument/2006/relationships" xmlns:p="http://schemas.openxmlformats.org/presentationml/2006/main">
+  <p:cSld>
+    <p:spTree>
+      <p:nvGrpSpPr>
+        <p:cNvPr id="1" name=""/>
+        <p:cNvGrpSpPr/>
+        <p:nvPr/>
+      </p:nvGrpSpPr>
+      <p:grpSpPr>
+        <a:xfrm>
+          <a:off x="0" y="0"/>
+          <a:ext cx="0" cy="0"/>
+          <a:chOff x="0" y="0"/>
+          <a:chExt cx="0" cy="0"/>
+        </a:xfrm>
+      </p:grpSpPr>
+      <p:sp>
+        <p:nvSpPr>
+          <p:cNvPr id="2" name="Slide Image Placeholder 1"/>
+          <p:cNvSpPr>
+            <a:spLocks noGrp="1" noRot="1" noChangeAspect="1"/>
+          </p:cNvSpPr>
+          <p:nvPr>
+            <p:ph type="sldImg"/>
+          </p:nvPr>
+        </p:nvSpPr>
+        <p:spPr/>
+      </p:sp>
+      <p:sp>
+        <p:nvSpPr>
+          <p:cNvPr id="3" name="Notes Placeholder 2"/>
+          <p:cNvSpPr>
+            <a:spLocks noGrp="1"/>
+          </p:cNvSpPr>
+          <p:nvPr>
+            <p:ph type="body" idx="1"/>
+          </p:nvPr>
+        </p:nvSpPr>
+        <p:spPr/>
+        <p:txBody>
+          <a:bodyPr/>
+          <a:lstStyle/>
+          <a:p>
+            <a:r>
+              <a:rPr lang="nb-NO" dirty="0">
+                <a:hlinkClick r:id="rId3"/>
+              </a:rPr>
+              <a:t>https://docs.microsoft.com/nb-no/learn/modules/intro-to-security-in-azure/5-network-security</a:t>
+            </a:r>
+            <a:endParaRPr lang="nb-NO" dirty="0"/>
+          </a:p>
+          <a:p>
+            <a:endParaRPr lang="nb-NO" dirty="0"/>
+          </a:p>
+          <a:p>
+            <a:r>
+              <a:rPr lang="en-US" sz="1200" b="0" i="0" kern="1200" dirty="0">
+                <a:solidFill>
+                  <a:schemeClr val="tx1"/>
+                </a:solidFill>
+                <a:effectLst/>
+                <a:latin typeface="+mn-lt"/>
+                <a:ea typeface="+mn-ea"/>
+                <a:cs typeface="+mn-cs"/>
+              </a:rPr>
+              <a:t>A layered approach to network security helps reduce your risk of exposure through network-based attacks. Azure provides several services and capabilities to secure your internet-facing resource, internal resources, and communication between on-premises networks. These features make it possible to create secure solutions on Azure.</a:t>
+            </a:r>
+          </a:p>
+          <a:p>
+            <a:r>
+              <a:rPr lang="en-US" sz="1200" b="0" i="0" kern="1200" dirty="0">
+                <a:solidFill>
+                  <a:schemeClr val="tx1"/>
+                </a:solidFill>
+                <a:effectLst/>
+                <a:latin typeface="+mn-lt"/>
+                <a:ea typeface="+mn-ea"/>
+                <a:cs typeface="+mn-cs"/>
+              </a:rPr>
+              <a:t>You can also combine multiple Azure networking and security services to manage your network security and provide increased layered protection. For example, you can use Azure Firewall to protect inbound and outbound traffic to the Internet, and Network Security Groups to limit traffic to resources inside your virtual networks.</a:t>
+            </a:r>
+          </a:p>
+          <a:p>
+            <a:endParaRPr lang="nb-NO" dirty="0"/>
+          </a:p>
+        </p:txBody>
+      </p:sp>
+      <p:sp>
+        <p:nvSpPr>
+          <p:cNvPr id="4" name="Slide Number Placeholder 3"/>
+          <p:cNvSpPr>
+            <a:spLocks noGrp="1"/>
+          </p:cNvSpPr>
+          <p:nvPr>
+            <p:ph type="sldNum" sz="quarter" idx="5"/>
+          </p:nvPr>
+        </p:nvSpPr>
+        <p:spPr/>
+        <p:txBody>
+          <a:bodyPr/>
+          <a:lstStyle/>
+          <a:p>
+            <a:fld id="{180377DB-C4B0-49B2-8838-0F01BA83B7C4}" type="slidenum">
+              <a:rPr lang="nb-NO" smtClean="0"/>
+              <a:t>18</a:t>
+            </a:fld>
+            <a:endParaRPr lang="nb-NO"/>
+          </a:p>
+        </p:txBody>
+      </p:sp>
+    </p:spTree>
+    <p:extLst>
+      <p:ext uri="{BB962C8B-B14F-4D97-AF65-F5344CB8AC3E}">
+        <p14:creationId xmlns:p14="http://schemas.microsoft.com/office/powerpoint/2010/main" val="3298195449"/>
+      </p:ext>
+    </p:extLst>
+  </p:cSld>
+  <p:clrMapOvr>
+    <a:masterClrMapping/>
+  </p:clrMapOvr>
+</p:notes>
+</file>
+
 <file path=ppt/notesSlides/notesSlide2.xml><?xml version="1.0" encoding="utf-8"?>
 <p:notes xmlns:a="http://schemas.openxmlformats.org/drawingml/2006/main" xmlns:r="http://schemas.openxmlformats.org/officeDocument/2006/relationships" xmlns:p="http://schemas.openxmlformats.org/presentationml/2006/main">
   <p:cSld>
@@ -1420,7 +1544,7 @@
           <a:p>
             <a:r>
               <a:rPr lang="nb-NO" dirty="0"/>
-              <a:t>Selv om Microsoft er en sikker plattform, så er det ikke vanskelig å lage et system i skyen . Det hviler derfor et stort ansvar på oss som  </a:t>
+              <a:t>Selv om Microsoft er en sikker plattform, så er det ikke vanskelig å lage et system i skyen . Det hviler derfor et stort ansvar på oss som  utvikler systemer der.</a:t>
             </a:r>
           </a:p>
           <a:p>
@@ -1597,120 +1721,14 @@
           <a:p>
             <a:r>
               <a:rPr lang="nb-NO" dirty="0"/>
-              <a:t>MFA:</a:t>
-            </a:r>
-          </a:p>
-          <a:p>
-            <a:r>
-              <a:rPr lang="en-US" sz="1200" b="0" i="1" kern="1200" dirty="0">
-                <a:solidFill>
-                  <a:schemeClr val="tx1"/>
-                </a:solidFill>
-                <a:effectLst/>
-                <a:latin typeface="+mn-lt"/>
-                <a:ea typeface="+mn-ea"/>
-                <a:cs typeface="+mn-cs"/>
-              </a:rPr>
-              <a:t>Something you know</a:t>
-            </a:r>
-            <a:endParaRPr lang="en-US" sz="1200" b="0" i="0" kern="1200" dirty="0">
-              <a:solidFill>
-                <a:schemeClr val="tx1"/>
-              </a:solidFill>
-              <a:effectLst/>
-              <a:latin typeface="+mn-lt"/>
-              <a:ea typeface="+mn-ea"/>
-              <a:cs typeface="+mn-cs"/>
-            </a:endParaRPr>
-          </a:p>
-          <a:p>
-            <a:r>
-              <a:rPr lang="en-US" sz="1200" b="0" i="1" kern="1200" dirty="0">
-                <a:solidFill>
-                  <a:schemeClr val="tx1"/>
-                </a:solidFill>
-                <a:effectLst/>
-                <a:latin typeface="+mn-lt"/>
-                <a:ea typeface="+mn-ea"/>
-                <a:cs typeface="+mn-cs"/>
-              </a:rPr>
-              <a:t>Something you possess</a:t>
-            </a:r>
-            <a:endParaRPr lang="en-US" sz="1200" b="0" i="0" kern="1200" dirty="0">
-              <a:solidFill>
-                <a:schemeClr val="tx1"/>
-              </a:solidFill>
-              <a:effectLst/>
-              <a:latin typeface="+mn-lt"/>
-              <a:ea typeface="+mn-ea"/>
-              <a:cs typeface="+mn-cs"/>
-            </a:endParaRPr>
-          </a:p>
-          <a:p>
-            <a:r>
-              <a:rPr lang="en-US" sz="1200" b="0" i="1" kern="1200" dirty="0">
-                <a:solidFill>
-                  <a:schemeClr val="tx1"/>
-                </a:solidFill>
-                <a:effectLst/>
-                <a:latin typeface="+mn-lt"/>
-                <a:ea typeface="+mn-ea"/>
-                <a:cs typeface="+mn-cs"/>
-              </a:rPr>
-              <a:t>Something you are</a:t>
-            </a:r>
-            <a:endParaRPr lang="en-US" sz="1200" b="0" i="0" kern="1200" dirty="0">
-              <a:solidFill>
-                <a:schemeClr val="tx1"/>
-              </a:solidFill>
-              <a:effectLst/>
-              <a:latin typeface="+mn-lt"/>
-              <a:ea typeface="+mn-ea"/>
-              <a:cs typeface="+mn-cs"/>
-            </a:endParaRPr>
+              <a:t>Vis litt i Azure Security Center.</a:t>
+            </a:r>
           </a:p>
           <a:p>
             <a:endParaRPr lang="nb-NO" dirty="0"/>
           </a:p>
           <a:p>
-            <a:r>
-              <a:rPr lang="en-US" sz="1200" b="0" i="0" kern="1200" dirty="0">
-                <a:solidFill>
-                  <a:schemeClr val="tx1"/>
-                </a:solidFill>
-                <a:effectLst/>
-                <a:latin typeface="+mn-lt"/>
-                <a:ea typeface="+mn-ea"/>
-                <a:cs typeface="+mn-cs"/>
-              </a:rPr>
-              <a:t>By leveraging Azure AD for SSO you'll also have the ability to combine multiple data sources into an intelligent security graph</a:t>
-            </a:r>
-          </a:p>
-          <a:p>
-            <a:endParaRPr lang="en-US" sz="1200" b="0" i="0" kern="1200" dirty="0">
-              <a:solidFill>
-                <a:schemeClr val="tx1"/>
-              </a:solidFill>
-              <a:effectLst/>
-              <a:latin typeface="+mn-lt"/>
-              <a:ea typeface="+mn-ea"/>
-              <a:cs typeface="+mn-cs"/>
-            </a:endParaRPr>
-          </a:p>
-          <a:p>
-            <a:r>
-              <a:rPr lang="nb-NO" dirty="0">
-                <a:hlinkClick r:id="rId3"/>
-              </a:rPr>
-              <a:t>https://docs.microsoft.com/nb-no/learn/modules/intro-to-security-in-azure/3-identity-and-access</a:t>
-            </a:r>
             <a:endParaRPr lang="nb-NO" dirty="0"/>
-          </a:p>
-          <a:p>
-            <a:r>
-              <a:rPr lang="nb-NO" dirty="0"/>
-              <a:t>Tig</a:t>
-            </a:r>
           </a:p>
         </p:txBody>
       </p:sp>
@@ -1731,7 +1749,7 @@
           <a:p>
             <a:fld id="{180377DB-C4B0-49B2-8838-0F01BA83B7C4}" type="slidenum">
               <a:rPr lang="nb-NO" smtClean="0"/>
-              <a:t>12</a:t>
+              <a:t>9</a:t>
             </a:fld>
             <a:endParaRPr lang="nb-NO"/>
           </a:p>
@@ -1740,7 +1758,7 @@
     </p:spTree>
     <p:extLst>
       <p:ext uri="{BB962C8B-B14F-4D97-AF65-F5344CB8AC3E}">
-        <p14:creationId xmlns:p14="http://schemas.microsoft.com/office/powerpoint/2010/main" val="1334592713"/>
+        <p14:creationId xmlns:p14="http://schemas.microsoft.com/office/powerpoint/2010/main" val="3744992784"/>
       </p:ext>
     </p:extLst>
   </p:cSld>
@@ -1796,15 +1814,13 @@
           <a:p>
             <a:r>
               <a:rPr lang="nb-NO" dirty="0"/>
-              <a:t>Vise </a:t>
-            </a:r>
-            <a:r>
-              <a:rPr lang="nb-NO" dirty="0" err="1"/>
-              <a:t>deployment</a:t>
-            </a:r>
+              <a:t>Demo:</a:t>
+            </a:r>
+          </a:p>
+          <a:p>
             <a:r>
               <a:rPr lang="nb-NO" dirty="0"/>
-              <a:t> av </a:t>
+              <a:t>- Vis litt </a:t>
             </a:r>
           </a:p>
         </p:txBody>
@@ -1826,7 +1842,7 @@
           <a:p>
             <a:fld id="{180377DB-C4B0-49B2-8838-0F01BA83B7C4}" type="slidenum">
               <a:rPr lang="nb-NO" smtClean="0"/>
-              <a:t>17</a:t>
+              <a:t>11</a:t>
             </a:fld>
             <a:endParaRPr lang="nb-NO"/>
           </a:p>
@@ -1835,7 +1851,7 @@
     </p:spTree>
     <p:extLst>
       <p:ext uri="{BB962C8B-B14F-4D97-AF65-F5344CB8AC3E}">
-        <p14:creationId xmlns:p14="http://schemas.microsoft.com/office/powerpoint/2010/main" val="2906306431"/>
+        <p14:creationId xmlns:p14="http://schemas.microsoft.com/office/powerpoint/2010/main" val="518123724"/>
       </p:ext>
     </p:extLst>
   </p:cSld>
@@ -1890,12 +1906,78 @@
           <a:lstStyle/>
           <a:p>
             <a:r>
-              <a:rPr lang="nb-NO" dirty="0">
-                <a:hlinkClick r:id="rId3"/>
+              <a:rPr lang="nb-NO" dirty="0"/>
+              <a:t>MFA:</a:t>
+            </a:r>
+          </a:p>
+          <a:p>
+            <a:r>
+              <a:rPr lang="en-US" sz="1200" b="0" i="1" kern="1200" dirty="0">
+                <a:solidFill>
+                  <a:schemeClr val="tx1"/>
+                </a:solidFill>
+                <a:effectLst/>
+                <a:latin typeface="+mn-lt"/>
+                <a:ea typeface="+mn-ea"/>
+                <a:cs typeface="+mn-cs"/>
               </a:rPr>
-              <a:t>https://docs.microsoft.com/nb-no/learn/modules/intro-to-security-in-azure/5-network-security</a:t>
-            </a:r>
-            <a:endParaRPr lang="nb-NO" dirty="0"/>
+              <a:t>Something you know</a:t>
+            </a:r>
+            <a:endParaRPr lang="en-US" sz="1200" b="0" i="0" kern="1200" dirty="0">
+              <a:solidFill>
+                <a:schemeClr val="tx1"/>
+              </a:solidFill>
+              <a:effectLst/>
+              <a:latin typeface="+mn-lt"/>
+              <a:ea typeface="+mn-ea"/>
+              <a:cs typeface="+mn-cs"/>
+            </a:endParaRPr>
+          </a:p>
+          <a:p>
+            <a:r>
+              <a:rPr lang="en-US" sz="1200" b="0" i="1" kern="1200" dirty="0">
+                <a:solidFill>
+                  <a:schemeClr val="tx1"/>
+                </a:solidFill>
+                <a:effectLst/>
+                <a:latin typeface="+mn-lt"/>
+                <a:ea typeface="+mn-ea"/>
+                <a:cs typeface="+mn-cs"/>
+              </a:rPr>
+              <a:t>Something you possess</a:t>
+            </a:r>
+            <a:endParaRPr lang="en-US" sz="1200" b="0" i="0" kern="1200" dirty="0">
+              <a:solidFill>
+                <a:schemeClr val="tx1"/>
+              </a:solidFill>
+              <a:effectLst/>
+              <a:latin typeface="+mn-lt"/>
+              <a:ea typeface="+mn-ea"/>
+              <a:cs typeface="+mn-cs"/>
+            </a:endParaRPr>
+          </a:p>
+          <a:p>
+            <a:r>
+              <a:rPr lang="en-US" sz="1200" b="0" i="1" kern="1200" dirty="0">
+                <a:solidFill>
+                  <a:schemeClr val="tx1"/>
+                </a:solidFill>
+                <a:effectLst/>
+                <a:latin typeface="+mn-lt"/>
+                <a:ea typeface="+mn-ea"/>
+                <a:cs typeface="+mn-cs"/>
+              </a:rPr>
+              <a:t>Something you are</a:t>
+            </a:r>
+            <a:endParaRPr lang="en-US" sz="1200" b="0" i="0" kern="1200" dirty="0">
+              <a:solidFill>
+                <a:schemeClr val="tx1"/>
+              </a:solidFill>
+              <a:effectLst/>
+              <a:latin typeface="+mn-lt"/>
+              <a:ea typeface="+mn-ea"/>
+              <a:cs typeface="+mn-cs"/>
+            </a:endParaRPr>
           </a:p>
           <a:p>
             <a:endParaRPr lang="nb-NO" dirty="0"/>
@@ -1911,25 +1993,34 @@
                 <a:ea typeface="+mn-ea"/>
                 <a:cs typeface="+mn-cs"/>
               </a:rPr>
-              <a:t>A layered approach to network security helps reduce your risk of exposure through network-based attacks. Azure provides several services and capabilities to secure your internet-facing resource, internal resources, and communication between on-premises networks. These features make it possible to create secure solutions on Azure.</a:t>
-            </a:r>
-          </a:p>
-          <a:p>
-            <a:r>
-              <a:rPr lang="en-US" sz="1200" b="0" i="0" kern="1200" dirty="0">
-                <a:solidFill>
-                  <a:schemeClr val="tx1"/>
-                </a:solidFill>
-                <a:effectLst/>
-                <a:latin typeface="+mn-lt"/>
-                <a:ea typeface="+mn-ea"/>
-                <a:cs typeface="+mn-cs"/>
+              <a:t>By leveraging Azure AD for SSO you'll also have the ability to combine multiple data sources into an intelligent security graph</a:t>
+            </a:r>
+          </a:p>
+          <a:p>
+            <a:endParaRPr lang="en-US" sz="1200" b="0" i="0" kern="1200" dirty="0">
+              <a:solidFill>
+                <a:schemeClr val="tx1"/>
+              </a:solidFill>
+              <a:effectLst/>
+              <a:latin typeface="+mn-lt"/>
+              <a:ea typeface="+mn-ea"/>
+              <a:cs typeface="+mn-cs"/>
+            </a:endParaRPr>
+          </a:p>
+          <a:p>
+            <a:r>
+              <a:rPr lang="nb-NO" dirty="0">
+                <a:hlinkClick r:id="rId3"/>
               </a:rPr>
-              <a:t>You can also combine multiple Azure networking and security services to manage your network security and provide increased layered protection. For example, you can use Azure Firewall to protect inbound and outbound traffic to the Internet, and Network Security Groups to limit traffic to resources inside your virtual networks.</a:t>
-            </a:r>
-          </a:p>
-          <a:p>
+              <a:t>https://docs.microsoft.com/nb-no/learn/modules/intro-to-security-in-azure/3-identity-and-access</a:t>
+            </a:r>
             <a:endParaRPr lang="nb-NO" dirty="0"/>
+          </a:p>
+          <a:p>
+            <a:r>
+              <a:rPr lang="nb-NO" dirty="0"/>
+              <a:t>Tig</a:t>
+            </a:r>
           </a:p>
         </p:txBody>
       </p:sp>
@@ -1950,7 +2041,7 @@
           <a:p>
             <a:fld id="{180377DB-C4B0-49B2-8838-0F01BA83B7C4}" type="slidenum">
               <a:rPr lang="nb-NO" smtClean="0"/>
-              <a:t>18</a:t>
+              <a:t>12</a:t>
             </a:fld>
             <a:endParaRPr lang="nb-NO"/>
           </a:p>
@@ -1959,7 +2050,102 @@
     </p:spTree>
     <p:extLst>
       <p:ext uri="{BB962C8B-B14F-4D97-AF65-F5344CB8AC3E}">
-        <p14:creationId xmlns:p14="http://schemas.microsoft.com/office/powerpoint/2010/main" val="3298195449"/>
+        <p14:creationId xmlns:p14="http://schemas.microsoft.com/office/powerpoint/2010/main" val="1334592713"/>
+      </p:ext>
+    </p:extLst>
+  </p:cSld>
+  <p:clrMapOvr>
+    <a:masterClrMapping/>
+  </p:clrMapOvr>
+</p:notes>
+</file>
+
+<file path=ppt/notesSlides/notesSlide9.xml><?xml version="1.0" encoding="utf-8"?>
+<p:notes xmlns:a="http://schemas.openxmlformats.org/drawingml/2006/main" xmlns:r="http://schemas.openxmlformats.org/officeDocument/2006/relationships" xmlns:p="http://schemas.openxmlformats.org/presentationml/2006/main">
+  <p:cSld>
+    <p:spTree>
+      <p:nvGrpSpPr>
+        <p:cNvPr id="1" name=""/>
+        <p:cNvGrpSpPr/>
+        <p:nvPr/>
+      </p:nvGrpSpPr>
+      <p:grpSpPr>
+        <a:xfrm>
+          <a:off x="0" y="0"/>
+          <a:ext cx="0" cy="0"/>
+          <a:chOff x="0" y="0"/>
+          <a:chExt cx="0" cy="0"/>
+        </a:xfrm>
+      </p:grpSpPr>
+      <p:sp>
+        <p:nvSpPr>
+          <p:cNvPr id="2" name="Slide Image Placeholder 1"/>
+          <p:cNvSpPr>
+            <a:spLocks noGrp="1" noRot="1" noChangeAspect="1"/>
+          </p:cNvSpPr>
+          <p:nvPr>
+            <p:ph type="sldImg"/>
+          </p:nvPr>
+        </p:nvSpPr>
+        <p:spPr/>
+      </p:sp>
+      <p:sp>
+        <p:nvSpPr>
+          <p:cNvPr id="3" name="Notes Placeholder 2"/>
+          <p:cNvSpPr>
+            <a:spLocks noGrp="1"/>
+          </p:cNvSpPr>
+          <p:nvPr>
+            <p:ph type="body" idx="1"/>
+          </p:nvPr>
+        </p:nvSpPr>
+        <p:spPr/>
+        <p:txBody>
+          <a:bodyPr/>
+          <a:lstStyle/>
+          <a:p>
+            <a:r>
+              <a:rPr lang="nb-NO" dirty="0"/>
+              <a:t>Vise </a:t>
+            </a:r>
+            <a:r>
+              <a:rPr lang="nb-NO" dirty="0" err="1"/>
+              <a:t>deployment</a:t>
+            </a:r>
+            <a:r>
+              <a:rPr lang="nb-NO" dirty="0"/>
+              <a:t> av </a:t>
+            </a:r>
+          </a:p>
+        </p:txBody>
+      </p:sp>
+      <p:sp>
+        <p:nvSpPr>
+          <p:cNvPr id="4" name="Slide Number Placeholder 3"/>
+          <p:cNvSpPr>
+            <a:spLocks noGrp="1"/>
+          </p:cNvSpPr>
+          <p:nvPr>
+            <p:ph type="sldNum" sz="quarter" idx="5"/>
+          </p:nvPr>
+        </p:nvSpPr>
+        <p:spPr/>
+        <p:txBody>
+          <a:bodyPr/>
+          <a:lstStyle/>
+          <a:p>
+            <a:fld id="{180377DB-C4B0-49B2-8838-0F01BA83B7C4}" type="slidenum">
+              <a:rPr lang="nb-NO" smtClean="0"/>
+              <a:t>17</a:t>
+            </a:fld>
+            <a:endParaRPr lang="nb-NO"/>
+          </a:p>
+        </p:txBody>
+      </p:sp>
+    </p:spTree>
+    <p:extLst>
+      <p:ext uri="{BB962C8B-B14F-4D97-AF65-F5344CB8AC3E}">
+        <p14:creationId xmlns:p14="http://schemas.microsoft.com/office/powerpoint/2010/main" val="2906306431"/>
       </p:ext>
     </p:extLst>
   </p:cSld>
@@ -11320,22 +11506,38 @@
           <a:bodyPr/>
           <a:lstStyle/>
           <a:p>
-            <a:r>
-              <a:rPr lang="nb-NO" dirty="0"/>
-              <a:t>Trust Center</a:t>
-            </a:r>
-          </a:p>
-          <a:p>
+            <a:pPr marL="0" indent="0">
+              <a:buNone/>
+            </a:pPr>
+            <a:endParaRPr lang="nb-NO" dirty="0">
+              <a:hlinkClick r:id="rId2"/>
+            </a:endParaRPr>
+          </a:p>
+          <a:p>
+            <a:r>
+              <a:rPr lang="nb-NO" dirty="0">
+                <a:hlinkClick r:id="rId2"/>
+              </a:rPr>
+              <a:t>https://minside.bouvet.no/bouvet-alle/meg-som-ansatt/sikkerhet-i-dna-et-vart</a:t>
+            </a:r>
             <a:endParaRPr lang="nb-NO" dirty="0"/>
           </a:p>
           <a:p>
-            <a:r>
-              <a:rPr lang="nb-NO" dirty="0"/>
-              <a:t>Min side:</a:t>
-            </a:r>
-          </a:p>
-          <a:p>
-            <a:pPr lvl="1"/>
+            <a:pPr marL="0" indent="0">
+              <a:buNone/>
+            </a:pPr>
+            <a:endParaRPr lang="nb-NO" dirty="0"/>
+          </a:p>
+          <a:p>
+            <a:r>
+              <a:rPr lang="nb-NO" dirty="0">
+                <a:hlinkClick r:id="rId3"/>
+              </a:rPr>
+              <a:t>https://minside.bouvet.no/metoder/cloud-security</a:t>
+            </a:r>
+            <a:endParaRPr lang="nb-NO" dirty="0"/>
+          </a:p>
+          <a:p>
             <a:endParaRPr lang="nb-NO" dirty="0"/>
           </a:p>
         </p:txBody>
@@ -11363,7 +11565,7 @@
           <a:p>
             <a:r>
               <a:rPr lang="nb-NO" dirty="0"/>
-              <a:t>Nyttige lenker</a:t>
+              <a:t>Nyttige lenker (Bouvet interne)</a:t>
             </a:r>
           </a:p>
         </p:txBody>
@@ -11543,7 +11745,15 @@
           <a:p>
             <a:r>
               <a:rPr lang="nb-NO" dirty="0"/>
-              <a:t>Støtte for SSO</a:t>
+              <a:t>Støtte for single-</a:t>
+            </a:r>
+            <a:r>
+              <a:rPr lang="nb-NO" dirty="0" err="1"/>
+              <a:t>signon</a:t>
+            </a:r>
+            <a:r>
+              <a:rPr lang="nb-NO" dirty="0"/>
+              <a:t> (SSO)</a:t>
             </a:r>
           </a:p>
           <a:p>
@@ -12546,13 +12756,15 @@
           <a:p>
             <a:r>
               <a:rPr lang="nb-NO" dirty="0"/>
-              <a:t>Leksjon 1: Azure DevOps </a:t>
-            </a:r>
-          </a:p>
-          <a:p>
+              <a:t>Leksjon 1: Azure </a:t>
+            </a:r>
+            <a:r>
+              <a:rPr lang="nb-NO" dirty="0" err="1"/>
+              <a:t>DevOps</a:t>
+            </a:r>
             <a:r>
               <a:rPr lang="nb-NO" dirty="0"/>
-              <a:t>Azure AD</a:t>
+              <a:t> og Azure Security Center</a:t>
             </a:r>
           </a:p>
           <a:p>
@@ -12836,11 +13048,24 @@
           <a:p>
             <a:r>
               <a:rPr lang="nb-NO" dirty="0"/>
-              <a:t>Perimeter</a:t>
-            </a:r>
-          </a:p>
-          <a:p>
-            <a:endParaRPr lang="nb-NO" dirty="0"/>
+              <a:t>Perimeter (</a:t>
+            </a:r>
+            <a:r>
+              <a:rPr lang="nb-NO" dirty="0" err="1"/>
+              <a:t>Firewalls</a:t>
+            </a:r>
+            <a:r>
+              <a:rPr lang="nb-NO" dirty="0"/>
+              <a:t> </a:t>
+            </a:r>
+            <a:r>
+              <a:rPr lang="nb-NO" dirty="0" err="1"/>
+              <a:t>etc</a:t>
+            </a:r>
+            <a:r>
+              <a:rPr lang="nb-NO" dirty="0"/>
+              <a:t>).</a:t>
+            </a:r>
           </a:p>
           <a:p>
             <a:r>
@@ -12976,8 +13201,8 @@
         </p:blipFill>
         <p:spPr>
           <a:xfrm>
-            <a:off x="2051824" y="1996281"/>
-            <a:ext cx="4979213" cy="4010025"/>
+            <a:off x="5977987" y="859296"/>
+            <a:ext cx="4979213" cy="5139407"/>
           </a:xfrm>
         </p:spPr>
       </p:pic>
@@ -13151,7 +13376,15 @@
           <a:p>
             <a:r>
               <a:rPr lang="nb-NO" dirty="0"/>
-              <a:t>Anbefalinger </a:t>
+              <a:t>Anbefalinger: </a:t>
+            </a:r>
+            <a:r>
+              <a:rPr lang="nb-NO" dirty="0" err="1"/>
+              <a:t>scanner</a:t>
+            </a:r>
+            <a:r>
+              <a:rPr lang="nb-NO" dirty="0"/>
+              <a:t> tjenester (Basic)</a:t>
             </a:r>
           </a:p>
           <a:p>
@@ -13167,6 +13400,9 @@
             <a:endParaRPr lang="nb-NO" dirty="0"/>
           </a:p>
           <a:p>
+            <a:endParaRPr lang="nb-NO" dirty="0"/>
+          </a:p>
+          <a:p>
             <a:r>
               <a:rPr lang="nb-NO" dirty="0"/>
               <a:t>To prisnivåer</a:t>
@@ -13176,8 +13412,13 @@
             <a:pPr lvl="1"/>
             <a:r>
               <a:rPr lang="nb-NO" dirty="0"/>
-              <a:t>Free tier: Tilbyr anbefalinger og recommandations</a:t>
-            </a:r>
+              <a:t>Basic tier: Tilbyr anbefalinger og </a:t>
+            </a:r>
+            <a:r>
+              <a:rPr lang="nb-NO" dirty="0" err="1"/>
+              <a:t>recommendations</a:t>
+            </a:r>
+            <a:endParaRPr lang="nb-NO" dirty="0"/>
           </a:p>
           <a:p>
             <a:pPr lvl="1"/>

--- a/Workshop_3/Presentasjon/Azureskolen-Workshop#3.pptx
+++ b/Workshop_3/Presentasjon/Azureskolen-Workshop#3.pptx
@@ -7,10 +7,10 @@
     <p:sldMasterId id="2147483705" r:id="rId6"/>
   </p:sldMasterIdLst>
   <p:notesMasterIdLst>
-    <p:notesMasterId r:id="rId26"/>
+    <p:notesMasterId r:id="rId25"/>
   </p:notesMasterIdLst>
   <p:handoutMasterIdLst>
-    <p:handoutMasterId r:id="rId27"/>
+    <p:handoutMasterId r:id="rId26"/>
   </p:handoutMasterIdLst>
   <p:sldIdLst>
     <p:sldId id="256" r:id="rId7"/>
@@ -28,10 +28,9 @@
     <p:sldId id="297" r:id="rId19"/>
     <p:sldId id="296" r:id="rId20"/>
     <p:sldId id="295" r:id="rId21"/>
-    <p:sldId id="289" r:id="rId22"/>
-    <p:sldId id="280" r:id="rId23"/>
-    <p:sldId id="287" r:id="rId24"/>
-    <p:sldId id="286" r:id="rId25"/>
+    <p:sldId id="280" r:id="rId22"/>
+    <p:sldId id="287" r:id="rId23"/>
+    <p:sldId id="286" r:id="rId24"/>
   </p:sldIdLst>
   <p:sldSz cx="12192000" cy="6858000"/>
   <p:notesSz cx="6858000" cy="9144000"/>
@@ -594,7 +593,7 @@
           <a:p>
             <a:fld id="{54C52192-B826-4AE0-9CD6-BEA9467D12B3}" type="datetimeFigureOut">
               <a:rPr lang="nb-NO" smtClean="0"/>
-              <a:t>14.01.2020</a:t>
+              <a:t>16.01.2020</a:t>
             </a:fld>
             <a:endParaRPr lang="nb-NO"/>
           </a:p>
@@ -759,7 +758,7 @@
           <a:p>
             <a:fld id="{2696BCB2-2760-41B1-A1BE-7886EF110FCB}" type="datetimeFigureOut">
               <a:rPr lang="nb-NO" smtClean="0"/>
-              <a:t>14.01.2020</a:t>
+              <a:t>16.01.2020</a:t>
             </a:fld>
             <a:endParaRPr lang="nb-NO"/>
           </a:p>
@@ -1159,6 +1158,99 @@
           <a:lstStyle/>
           <a:p>
             <a:r>
+              <a:rPr lang="nb-NO" dirty="0"/>
+              <a:t>Vise Azure AD i portalen:</a:t>
+            </a:r>
+          </a:p>
+          <a:p>
+            <a:r>
+              <a:rPr lang="nb-NO" dirty="0"/>
+              <a:t>- </a:t>
+            </a:r>
+          </a:p>
+        </p:txBody>
+      </p:sp>
+      <p:sp>
+        <p:nvSpPr>
+          <p:cNvPr id="4" name="Slide Number Placeholder 3"/>
+          <p:cNvSpPr>
+            <a:spLocks noGrp="1"/>
+          </p:cNvSpPr>
+          <p:nvPr>
+            <p:ph type="sldNum" sz="quarter" idx="5"/>
+          </p:nvPr>
+        </p:nvSpPr>
+        <p:spPr/>
+        <p:txBody>
+          <a:bodyPr/>
+          <a:lstStyle/>
+          <a:p>
+            <a:fld id="{180377DB-C4B0-49B2-8838-0F01BA83B7C4}" type="slidenum">
+              <a:rPr lang="nb-NO" smtClean="0"/>
+              <a:t>16</a:t>
+            </a:fld>
+            <a:endParaRPr lang="nb-NO"/>
+          </a:p>
+        </p:txBody>
+      </p:sp>
+    </p:spTree>
+    <p:extLst>
+      <p:ext uri="{BB962C8B-B14F-4D97-AF65-F5344CB8AC3E}">
+        <p14:creationId xmlns:p14="http://schemas.microsoft.com/office/powerpoint/2010/main" val="2906306431"/>
+      </p:ext>
+    </p:extLst>
+  </p:cSld>
+  <p:clrMapOvr>
+    <a:masterClrMapping/>
+  </p:clrMapOvr>
+</p:notes>
+</file>
+
+<file path=ppt/notesSlides/notesSlide11.xml><?xml version="1.0" encoding="utf-8"?>
+<p:notes xmlns:a="http://schemas.openxmlformats.org/drawingml/2006/main" xmlns:r="http://schemas.openxmlformats.org/officeDocument/2006/relationships" xmlns:p="http://schemas.openxmlformats.org/presentationml/2006/main">
+  <p:cSld>
+    <p:spTree>
+      <p:nvGrpSpPr>
+        <p:cNvPr id="1" name=""/>
+        <p:cNvGrpSpPr/>
+        <p:nvPr/>
+      </p:nvGrpSpPr>
+      <p:grpSpPr>
+        <a:xfrm>
+          <a:off x="0" y="0"/>
+          <a:ext cx="0" cy="0"/>
+          <a:chOff x="0" y="0"/>
+          <a:chExt cx="0" cy="0"/>
+        </a:xfrm>
+      </p:grpSpPr>
+      <p:sp>
+        <p:nvSpPr>
+          <p:cNvPr id="2" name="Slide Image Placeholder 1"/>
+          <p:cNvSpPr>
+            <a:spLocks noGrp="1" noRot="1" noChangeAspect="1"/>
+          </p:cNvSpPr>
+          <p:nvPr>
+            <p:ph type="sldImg"/>
+          </p:nvPr>
+        </p:nvSpPr>
+        <p:spPr/>
+      </p:sp>
+      <p:sp>
+        <p:nvSpPr>
+          <p:cNvPr id="3" name="Notes Placeholder 2"/>
+          <p:cNvSpPr>
+            <a:spLocks noGrp="1"/>
+          </p:cNvSpPr>
+          <p:nvPr>
+            <p:ph type="body" idx="1"/>
+          </p:nvPr>
+        </p:nvSpPr>
+        <p:spPr/>
+        <p:txBody>
+          <a:bodyPr/>
+          <a:lstStyle/>
+          <a:p>
+            <a:r>
               <a:rPr lang="nb-NO" dirty="0">
                 <a:hlinkClick r:id="rId3"/>
               </a:rPr>
@@ -1219,7 +1311,7 @@
           <a:p>
             <a:fld id="{180377DB-C4B0-49B2-8838-0F01BA83B7C4}" type="slidenum">
               <a:rPr lang="nb-NO" smtClean="0"/>
-              <a:t>18</a:t>
+              <a:t>17</a:t>
             </a:fld>
             <a:endParaRPr lang="nb-NO"/>
           </a:p>
@@ -1229,6 +1321,90 @@
     <p:extLst>
       <p:ext uri="{BB962C8B-B14F-4D97-AF65-F5344CB8AC3E}">
         <p14:creationId xmlns:p14="http://schemas.microsoft.com/office/powerpoint/2010/main" val="3298195449"/>
+      </p:ext>
+    </p:extLst>
+  </p:cSld>
+  <p:clrMapOvr>
+    <a:masterClrMapping/>
+  </p:clrMapOvr>
+</p:notes>
+</file>
+
+<file path=ppt/notesSlides/notesSlide12.xml><?xml version="1.0" encoding="utf-8"?>
+<p:notes xmlns:a="http://schemas.openxmlformats.org/drawingml/2006/main" xmlns:r="http://schemas.openxmlformats.org/officeDocument/2006/relationships" xmlns:p="http://schemas.openxmlformats.org/presentationml/2006/main">
+  <p:cSld>
+    <p:spTree>
+      <p:nvGrpSpPr>
+        <p:cNvPr id="1" name=""/>
+        <p:cNvGrpSpPr/>
+        <p:nvPr/>
+      </p:nvGrpSpPr>
+      <p:grpSpPr>
+        <a:xfrm>
+          <a:off x="0" y="0"/>
+          <a:ext cx="0" cy="0"/>
+          <a:chOff x="0" y="0"/>
+          <a:chExt cx="0" cy="0"/>
+        </a:xfrm>
+      </p:grpSpPr>
+      <p:sp>
+        <p:nvSpPr>
+          <p:cNvPr id="2" name="Slide Image Placeholder 1"/>
+          <p:cNvSpPr>
+            <a:spLocks noGrp="1" noRot="1" noChangeAspect="1"/>
+          </p:cNvSpPr>
+          <p:nvPr>
+            <p:ph type="sldImg"/>
+          </p:nvPr>
+        </p:nvSpPr>
+        <p:spPr/>
+      </p:sp>
+      <p:sp>
+        <p:nvSpPr>
+          <p:cNvPr id="3" name="Notes Placeholder 2"/>
+          <p:cNvSpPr>
+            <a:spLocks noGrp="1"/>
+          </p:cNvSpPr>
+          <p:nvPr>
+            <p:ph type="body" idx="1"/>
+          </p:nvPr>
+        </p:nvSpPr>
+        <p:spPr/>
+        <p:txBody>
+          <a:bodyPr/>
+          <a:lstStyle/>
+          <a:p>
+            <a:endParaRPr lang="nb-NO" dirty="0"/>
+          </a:p>
+        </p:txBody>
+      </p:sp>
+      <p:sp>
+        <p:nvSpPr>
+          <p:cNvPr id="4" name="Slide Number Placeholder 3"/>
+          <p:cNvSpPr>
+            <a:spLocks noGrp="1"/>
+          </p:cNvSpPr>
+          <p:nvPr>
+            <p:ph type="sldNum" sz="quarter" idx="5"/>
+          </p:nvPr>
+        </p:nvSpPr>
+        <p:spPr/>
+        <p:txBody>
+          <a:bodyPr/>
+          <a:lstStyle/>
+          <a:p>
+            <a:fld id="{180377DB-C4B0-49B2-8838-0F01BA83B7C4}" type="slidenum">
+              <a:rPr lang="nb-NO" smtClean="0"/>
+              <a:t>18</a:t>
+            </a:fld>
+            <a:endParaRPr lang="nb-NO"/>
+          </a:p>
+        </p:txBody>
+      </p:sp>
+    </p:spTree>
+    <p:extLst>
+      <p:ext uri="{BB962C8B-B14F-4D97-AF65-F5344CB8AC3E}">
+        <p14:creationId xmlns:p14="http://schemas.microsoft.com/office/powerpoint/2010/main" val="2788717180"/>
       </p:ext>
     </p:extLst>
   </p:cSld>
@@ -1820,7 +1996,7 @@
           <a:p>
             <a:r>
               <a:rPr lang="nb-NO" dirty="0"/>
-              <a:t>- Vis litt </a:t>
+              <a:t>- Vis litt om YAML.</a:t>
             </a:r>
           </a:p>
         </p:txBody>
@@ -2106,15 +2282,7 @@
           <a:p>
             <a:r>
               <a:rPr lang="nb-NO" dirty="0"/>
-              <a:t>Vise </a:t>
-            </a:r>
-            <a:r>
-              <a:rPr lang="nb-NO" dirty="0" err="1"/>
-              <a:t>deployment</a:t>
-            </a:r>
-            <a:r>
-              <a:rPr lang="nb-NO" dirty="0"/>
-              <a:t> av </a:t>
+              <a:t>Vi skal ikke gå inn på Service Prinsipals i denne leksjonen.</a:t>
             </a:r>
           </a:p>
         </p:txBody>
@@ -2136,7 +2304,7 @@
           <a:p>
             <a:fld id="{180377DB-C4B0-49B2-8838-0F01BA83B7C4}" type="slidenum">
               <a:rPr lang="nb-NO" smtClean="0"/>
-              <a:t>17</a:t>
+              <a:t>13</a:t>
             </a:fld>
             <a:endParaRPr lang="nb-NO"/>
           </a:p>
@@ -2145,7 +2313,7 @@
     </p:spTree>
     <p:extLst>
       <p:ext uri="{BB962C8B-B14F-4D97-AF65-F5344CB8AC3E}">
-        <p14:creationId xmlns:p14="http://schemas.microsoft.com/office/powerpoint/2010/main" val="2906306431"/>
+        <p14:creationId xmlns:p14="http://schemas.microsoft.com/office/powerpoint/2010/main" val="3738408422"/>
       </p:ext>
     </p:extLst>
   </p:cSld>
@@ -11714,7 +11882,13 @@
           <a:p>
             <a:r>
               <a:rPr lang="nb-NO" dirty="0"/>
-              <a:t>Rollebasert identitetstjeneste </a:t>
+              <a:t>Identity as a Service</a:t>
+            </a:r>
+          </a:p>
+          <a:p>
+            <a:r>
+              <a:rPr lang="nb-NO" dirty="0"/>
+              <a:t> </a:t>
             </a:r>
           </a:p>
           <a:p>
@@ -11884,6 +12058,13 @@
             </a:r>
           </a:p>
           <a:p>
+            <a:pPr lvl="1"/>
+            <a:r>
+              <a:rPr lang="en-US" dirty="0"/>
+              <a:t>Managed Identity Service (MSI)</a:t>
+            </a:r>
+          </a:p>
+          <a:p>
             <a:r>
               <a:rPr lang="nb-NO" dirty="0"/>
               <a:t>Role-based access control (RBAC)</a:t>
@@ -11986,7 +12167,7 @@
           <a:bodyPr/>
           <a:lstStyle/>
           <a:p>
-            <a:endParaRPr lang="nb-NO"/>
+            <a:endParaRPr lang="nb-NO" dirty="0"/>
           </a:p>
         </p:txBody>
       </p:sp>
@@ -12012,8 +12193,8 @@
           <a:lstStyle/>
           <a:p>
             <a:r>
-              <a:rPr lang="nb-NO"/>
-              <a:t>Authentication &amp; authentication</a:t>
+              <a:rPr lang="nb-NO" dirty="0"/>
+              <a:t>Authentication &amp; authorization</a:t>
             </a:r>
           </a:p>
         </p:txBody>
@@ -12142,7 +12323,7 @@
           <p:cNvPr id="2" name="Content Placeholder 1">
             <a:extLst>
               <a:ext uri="{FF2B5EF4-FFF2-40B4-BE49-F238E27FC236}">
-                <a16:creationId xmlns:a16="http://schemas.microsoft.com/office/drawing/2014/main" id="{2DF91858-AB54-465A-AC65-86BFFFE44E4D}"/>
+                <a16:creationId xmlns:a16="http://schemas.microsoft.com/office/drawing/2014/main" id="{01C6EDC8-A815-4F7B-95FE-5E19DA0863EE}"/>
               </a:ext>
             </a:extLst>
           </p:cNvPr>
@@ -12158,7 +12339,7 @@
           <a:bodyPr/>
           <a:lstStyle/>
           <a:p>
-            <a:endParaRPr lang="nb-NO"/>
+            <a:endParaRPr lang="nb-NO" dirty="0"/>
           </a:p>
         </p:txBody>
       </p:sp>
@@ -12167,7 +12348,7 @@
           <p:cNvPr id="3" name="Title 2">
             <a:extLst>
               <a:ext uri="{FF2B5EF4-FFF2-40B4-BE49-F238E27FC236}">
-                <a16:creationId xmlns:a16="http://schemas.microsoft.com/office/drawing/2014/main" id="{F95EA700-6D4A-49F7-B7E1-B7811FEC9882}"/>
+                <a16:creationId xmlns:a16="http://schemas.microsoft.com/office/drawing/2014/main" id="{9616A1BB-BF26-4AFE-905C-E67197F226A0}"/>
               </a:ext>
             </a:extLst>
           </p:cNvPr>
@@ -12185,7 +12366,7 @@
           <a:p>
             <a:r>
               <a:rPr lang="nb-NO" dirty="0"/>
-              <a:t>Role Based Access Control (RBAC)</a:t>
+              <a:t>Demo og Leksjon 2.</a:t>
             </a:r>
           </a:p>
         </p:txBody>
@@ -12193,7 +12374,7 @@
     </p:spTree>
     <p:extLst>
       <p:ext uri="{BB962C8B-B14F-4D97-AF65-F5344CB8AC3E}">
-        <p14:creationId xmlns:p14="http://schemas.microsoft.com/office/powerpoint/2010/main" val="3048862876"/>
+        <p14:creationId xmlns:p14="http://schemas.microsoft.com/office/powerpoint/2010/main" val="2607850202"/>
       </p:ext>
     </p:extLst>
   </p:cSld>
@@ -12225,98 +12406,6 @@
           <p:cNvPr id="2" name="Content Placeholder 1">
             <a:extLst>
               <a:ext uri="{FF2B5EF4-FFF2-40B4-BE49-F238E27FC236}">
-                <a16:creationId xmlns:a16="http://schemas.microsoft.com/office/drawing/2014/main" id="{01C6EDC8-A815-4F7B-95FE-5E19DA0863EE}"/>
-              </a:ext>
-            </a:extLst>
-          </p:cNvPr>
-          <p:cNvSpPr>
-            <a:spLocks noGrp="1"/>
-          </p:cNvSpPr>
-          <p:nvPr>
-            <p:ph idx="1"/>
-          </p:nvPr>
-        </p:nvSpPr>
-        <p:spPr/>
-        <p:txBody>
-          <a:bodyPr/>
-          <a:lstStyle/>
-          <a:p>
-            <a:r>
-              <a:rPr lang="nb-NO" dirty="0"/>
-              <a:t>Portal</a:t>
-            </a:r>
-          </a:p>
-          <a:p>
-            <a:r>
-              <a:rPr lang="nb-NO" dirty="0"/>
-              <a:t>Visual Studio</a:t>
-            </a:r>
-          </a:p>
-        </p:txBody>
-      </p:sp>
-      <p:sp>
-        <p:nvSpPr>
-          <p:cNvPr id="3" name="Title 2">
-            <a:extLst>
-              <a:ext uri="{FF2B5EF4-FFF2-40B4-BE49-F238E27FC236}">
-                <a16:creationId xmlns:a16="http://schemas.microsoft.com/office/drawing/2014/main" id="{9616A1BB-BF26-4AFE-905C-E67197F226A0}"/>
-              </a:ext>
-            </a:extLst>
-          </p:cNvPr>
-          <p:cNvSpPr>
-            <a:spLocks noGrp="1"/>
-          </p:cNvSpPr>
-          <p:nvPr>
-            <p:ph type="title"/>
-          </p:nvPr>
-        </p:nvSpPr>
-        <p:spPr/>
-        <p:txBody>
-          <a:bodyPr/>
-          <a:lstStyle/>
-          <a:p>
-            <a:r>
-              <a:rPr lang="nb-NO" dirty="0"/>
-              <a:t>Demo og Leksjon 2.</a:t>
-            </a:r>
-          </a:p>
-        </p:txBody>
-      </p:sp>
-    </p:spTree>
-    <p:extLst>
-      <p:ext uri="{BB962C8B-B14F-4D97-AF65-F5344CB8AC3E}">
-        <p14:creationId xmlns:p14="http://schemas.microsoft.com/office/powerpoint/2010/main" val="2607850202"/>
-      </p:ext>
-    </p:extLst>
-  </p:cSld>
-  <p:clrMapOvr>
-    <a:masterClrMapping/>
-  </p:clrMapOvr>
-</p:sld>
-</file>
-
-<file path=ppt/slides/slide18.xml><?xml version="1.0" encoding="utf-8"?>
-<p:sld xmlns:a="http://schemas.openxmlformats.org/drawingml/2006/main" xmlns:r="http://schemas.openxmlformats.org/officeDocument/2006/relationships" xmlns:p="http://schemas.openxmlformats.org/presentationml/2006/main">
-  <p:cSld>
-    <p:spTree>
-      <p:nvGrpSpPr>
-        <p:cNvPr id="1" name=""/>
-        <p:cNvGrpSpPr/>
-        <p:nvPr/>
-      </p:nvGrpSpPr>
-      <p:grpSpPr>
-        <a:xfrm>
-          <a:off x="0" y="0"/>
-          <a:ext cx="0" cy="0"/>
-          <a:chOff x="0" y="0"/>
-          <a:chExt cx="0" cy="0"/>
-        </a:xfrm>
-      </p:grpSpPr>
-      <p:sp>
-        <p:nvSpPr>
-          <p:cNvPr id="2" name="Content Placeholder 1">
-            <a:extLst>
-              <a:ext uri="{FF2B5EF4-FFF2-40B4-BE49-F238E27FC236}">
                 <a16:creationId xmlns:a16="http://schemas.microsoft.com/office/drawing/2014/main" id="{3469A132-FA9D-4F94-91D3-A36EA0160557}"/>
               </a:ext>
             </a:extLst>
@@ -12333,7 +12422,16 @@
           <a:bodyPr/>
           <a:lstStyle/>
           <a:p>
-            <a:endParaRPr lang="nb-NO"/>
+            <a:r>
+              <a:rPr lang="nb-NO" dirty="0"/>
+              <a:t>VNET</a:t>
+            </a:r>
+          </a:p>
+          <a:p>
+            <a:r>
+              <a:rPr lang="nb-NO" dirty="0"/>
+              <a:t>NSG</a:t>
+            </a:r>
           </a:p>
         </p:txBody>
       </p:sp>
@@ -12378,7 +12476,7 @@
 </p:sld>
 </file>
 
-<file path=ppt/slides/slide19.xml><?xml version="1.0" encoding="utf-8"?>
+<file path=ppt/slides/slide18.xml><?xml version="1.0" encoding="utf-8"?>
 <p:sld xmlns:a="http://schemas.openxmlformats.org/drawingml/2006/main" xmlns:r="http://schemas.openxmlformats.org/officeDocument/2006/relationships" xmlns:p="http://schemas.openxmlformats.org/presentationml/2006/main">
   <p:cSld>
     <p:spTree>
@@ -12770,13 +12868,13 @@
           <a:p>
             <a:r>
               <a:rPr lang="nb-NO" dirty="0"/>
-              <a:t>Leksjon 2: Azure AD og autentisering</a:t>
+              <a:t>Leksjon 2: Azure AD og autentisering/autorisasjon</a:t>
             </a:r>
           </a:p>
           <a:p>
             <a:r>
               <a:rPr lang="nb-NO" dirty="0"/>
-              <a:t>Bonus-leksjon: SAS-token og vnet</a:t>
+              <a:t>Bonus-leksjon: Litt om infrastruktur-sikkerhet (vnet/nsg)</a:t>
             </a:r>
           </a:p>
         </p:txBody>
@@ -13376,27 +13474,19 @@
           <a:p>
             <a:r>
               <a:rPr lang="nb-NO" dirty="0"/>
-              <a:t>Anbefalinger: </a:t>
-            </a:r>
-            <a:r>
-              <a:rPr lang="nb-NO" dirty="0" err="1"/>
-              <a:t>scanner</a:t>
-            </a:r>
+              <a:t>Anbefalinger: scanner tjenester (Basic) for å finne usikker konfigurasjon</a:t>
+            </a:r>
+          </a:p>
+          <a:p>
             <a:r>
               <a:rPr lang="nb-NO" dirty="0"/>
-              <a:t> tjenester (Basic)</a:t>
-            </a:r>
-          </a:p>
-          <a:p>
-            <a:endParaRPr lang="nb-NO" dirty="0"/>
+              <a:t>Overvåking av tjenester (Standard)</a:t>
+            </a:r>
           </a:p>
           <a:p>
             <a:pPr marL="0" indent="0">
               <a:buNone/>
             </a:pPr>
-            <a:endParaRPr lang="nb-NO" dirty="0"/>
-          </a:p>
-          <a:p>
             <a:endParaRPr lang="nb-NO" dirty="0"/>
           </a:p>
           <a:p>
@@ -15002,12 +15092,6 @@
 </file>
 
 <file path=customXml/item1.xml><?xml version="1.0" encoding="utf-8"?>
-<p:properties xmlns:p="http://schemas.microsoft.com/office/2006/metadata/properties" xmlns:xsi="http://www.w3.org/2001/XMLSchema-instance" xmlns:pc="http://schemas.microsoft.com/office/infopath/2007/PartnerControls">
-  <documentManagement/>
-</p:properties>
-</file>
-
-<file path=customXml/item2.xml><?xml version="1.0" encoding="utf-8"?>
 <ct:contentTypeSchema xmlns:ct="http://schemas.microsoft.com/office/2006/metadata/contentType" xmlns:ma="http://schemas.microsoft.com/office/2006/metadata/properties/metaAttributes" ct:_="" ma:_="" ma:contentTypeName="Document" ma:contentTypeID="0x0101005D3CE5A03C88D04F8FE0CC8617320B29" ma:contentTypeVersion="2" ma:contentTypeDescription="Create a new document." ma:contentTypeScope="" ma:versionID="23c508fadb5761cd27fdc7efc393bb78">
   <xsd:schema xmlns:xsd="http://www.w3.org/2001/XMLSchema" xmlns:xs="http://www.w3.org/2001/XMLSchema" xmlns:p="http://schemas.microsoft.com/office/2006/metadata/properties" xmlns:ns2="323bcd62-7d27-4513-9df1-9bc20f03554b" targetNamespace="http://schemas.microsoft.com/office/2006/metadata/properties" ma:root="true" ma:fieldsID="4120a6a9df7c81c23a4d646d2ccf1355" ns2:_="">
     <xsd:import namespace="323bcd62-7d27-4513-9df1-9bc20f03554b"/>
@@ -15139,6 +15223,12 @@
 </ct:contentTypeSchema>
 </file>
 
+<file path=customXml/item2.xml><?xml version="1.0" encoding="utf-8"?>
+<p:properties xmlns:p="http://schemas.microsoft.com/office/2006/metadata/properties" xmlns:xsi="http://www.w3.org/2001/XMLSchema-instance" xmlns:pc="http://schemas.microsoft.com/office/infopath/2007/PartnerControls">
+  <documentManagement/>
+</p:properties>
+</file>
+
 <file path=customXml/item3.xml><?xml version="1.0" encoding="utf-8"?>
 <?mso-contentType ?>
 <FormTemplates xmlns="http://schemas.microsoft.com/sharepoint/v3/contenttype/forms">
@@ -15149,23 +15239,6 @@
 </file>
 
 <file path=customXml/itemProps1.xml><?xml version="1.0" encoding="utf-8"?>
-<ds:datastoreItem xmlns:ds="http://schemas.openxmlformats.org/officeDocument/2006/customXml" ds:itemID="{9D2CB842-18D5-4EEF-9009-B0CAFCE7AC3E}">
-  <ds:schemaRefs>
-    <ds:schemaRef ds:uri="http://schemas.microsoft.com/office/2006/documentManagement/types"/>
-    <ds:schemaRef ds:uri="http://schemas.microsoft.com/office/infopath/2007/PartnerControls"/>
-    <ds:schemaRef ds:uri="cd7095a3-97f1-4663-a71f-a762e9d8a5de"/>
-    <ds:schemaRef ds:uri="http://purl.org/dc/elements/1.1/"/>
-    <ds:schemaRef ds:uri="http://schemas.microsoft.com/office/2006/metadata/properties"/>
-    <ds:schemaRef ds:uri="http://schemas.microsoft.com/sharepoint/v3"/>
-    <ds:schemaRef ds:uri="http://purl.org/dc/terms/"/>
-    <ds:schemaRef ds:uri="http://schemas.openxmlformats.org/package/2006/metadata/core-properties"/>
-    <ds:schemaRef ds:uri="http://www.w3.org/XML/1998/namespace"/>
-    <ds:schemaRef ds:uri="http://purl.org/dc/dcmitype/"/>
-  </ds:schemaRefs>
-</ds:datastoreItem>
-</file>
-
-<file path=customXml/itemProps2.xml><?xml version="1.0" encoding="utf-8"?>
 <ds:datastoreItem xmlns:ds="http://schemas.openxmlformats.org/officeDocument/2006/customXml" ds:itemID="{0377EA4A-9170-43AD-A052-6EABC948F73F}">
   <ds:schemaRefs>
     <ds:schemaRef ds:uri="http://schemas.microsoft.com/office/2006/metadata/contentType"/>
@@ -15183,6 +15256,23 @@
 </ds:datastoreItem>
 </file>
 
+<file path=customXml/itemProps2.xml><?xml version="1.0" encoding="utf-8"?>
+<ds:datastoreItem xmlns:ds="http://schemas.openxmlformats.org/officeDocument/2006/customXml" ds:itemID="{9D2CB842-18D5-4EEF-9009-B0CAFCE7AC3E}">
+  <ds:schemaRefs>
+    <ds:schemaRef ds:uri="http://schemas.microsoft.com/office/2006/documentManagement/types"/>
+    <ds:schemaRef ds:uri="http://schemas.microsoft.com/office/infopath/2007/PartnerControls"/>
+    <ds:schemaRef ds:uri="cd7095a3-97f1-4663-a71f-a762e9d8a5de"/>
+    <ds:schemaRef ds:uri="http://purl.org/dc/elements/1.1/"/>
+    <ds:schemaRef ds:uri="http://schemas.microsoft.com/office/2006/metadata/properties"/>
+    <ds:schemaRef ds:uri="http://schemas.microsoft.com/sharepoint/v3"/>
+    <ds:schemaRef ds:uri="http://purl.org/dc/terms/"/>
+    <ds:schemaRef ds:uri="http://schemas.openxmlformats.org/package/2006/metadata/core-properties"/>
+    <ds:schemaRef ds:uri="http://www.w3.org/XML/1998/namespace"/>
+    <ds:schemaRef ds:uri="http://purl.org/dc/dcmitype/"/>
+  </ds:schemaRefs>
+</ds:datastoreItem>
+</file>
+
 <file path=customXml/itemProps3.xml><?xml version="1.0" encoding="utf-8"?>
 <ds:datastoreItem xmlns:ds="http://schemas.openxmlformats.org/officeDocument/2006/customXml" ds:itemID="{BB82CC63-55FC-4D22-9ED3-DB88AF6228E1}">
   <ds:schemaRefs>

--- a/Workshop_3/Presentasjon/Azureskolen-Workshop#3.pptx
+++ b/Workshop_3/Presentasjon/Azureskolen-Workshop#3.pptx
@@ -7,10 +7,10 @@
     <p:sldMasterId id="2147483705" r:id="rId6"/>
   </p:sldMasterIdLst>
   <p:notesMasterIdLst>
-    <p:notesMasterId r:id="rId25"/>
+    <p:notesMasterId r:id="rId24"/>
   </p:notesMasterIdLst>
   <p:handoutMasterIdLst>
-    <p:handoutMasterId r:id="rId26"/>
+    <p:handoutMasterId r:id="rId25"/>
   </p:handoutMasterIdLst>
   <p:sldIdLst>
     <p:sldId id="256" r:id="rId7"/>
@@ -20,17 +20,16 @@
     <p:sldId id="284" r:id="rId11"/>
     <p:sldId id="291" r:id="rId12"/>
     <p:sldId id="294" r:id="rId13"/>
-    <p:sldId id="293" r:id="rId14"/>
-    <p:sldId id="290" r:id="rId15"/>
-    <p:sldId id="292" r:id="rId16"/>
-    <p:sldId id="275" r:id="rId17"/>
-    <p:sldId id="288" r:id="rId18"/>
-    <p:sldId id="297" r:id="rId19"/>
-    <p:sldId id="296" r:id="rId20"/>
-    <p:sldId id="295" r:id="rId21"/>
-    <p:sldId id="280" r:id="rId22"/>
-    <p:sldId id="287" r:id="rId23"/>
-    <p:sldId id="286" r:id="rId24"/>
+    <p:sldId id="290" r:id="rId14"/>
+    <p:sldId id="292" r:id="rId15"/>
+    <p:sldId id="275" r:id="rId16"/>
+    <p:sldId id="288" r:id="rId17"/>
+    <p:sldId id="297" r:id="rId18"/>
+    <p:sldId id="296" r:id="rId19"/>
+    <p:sldId id="295" r:id="rId20"/>
+    <p:sldId id="280" r:id="rId21"/>
+    <p:sldId id="287" r:id="rId22"/>
+    <p:sldId id="286" r:id="rId23"/>
   </p:sldIdLst>
   <p:sldSz cx="12192000" cy="6858000"/>
   <p:notesSz cx="6858000" cy="9144000"/>
@@ -1158,15 +1157,46 @@
           <a:lstStyle/>
           <a:p>
             <a:r>
-              <a:rPr lang="nb-NO" dirty="0"/>
-              <a:t>Vise Azure AD i portalen:</a:t>
-            </a:r>
-          </a:p>
-          <a:p>
-            <a:r>
-              <a:rPr lang="nb-NO" dirty="0"/>
-              <a:t>- </a:t>
-            </a:r>
+              <a:rPr lang="nb-NO" dirty="0">
+                <a:hlinkClick r:id="rId3"/>
+              </a:rPr>
+              <a:t>https://docs.microsoft.com/nb-no/learn/modules/intro-to-security-in-azure/5-network-security</a:t>
+            </a:r>
+            <a:endParaRPr lang="nb-NO" dirty="0"/>
+          </a:p>
+          <a:p>
+            <a:endParaRPr lang="nb-NO" dirty="0"/>
+          </a:p>
+          <a:p>
+            <a:r>
+              <a:rPr lang="en-US" sz="1200" b="0" i="0" kern="1200" dirty="0">
+                <a:solidFill>
+                  <a:schemeClr val="tx1"/>
+                </a:solidFill>
+                <a:effectLst/>
+                <a:latin typeface="+mn-lt"/>
+                <a:ea typeface="+mn-ea"/>
+                <a:cs typeface="+mn-cs"/>
+              </a:rPr>
+              <a:t>A layered approach to network security helps reduce your risk of exposure through network-based attacks. Azure provides several services and capabilities to secure your internet-facing resource, internal resources, and communication between on-premises networks. These features make it possible to create secure solutions on Azure.</a:t>
+            </a:r>
+          </a:p>
+          <a:p>
+            <a:r>
+              <a:rPr lang="en-US" sz="1200" b="0" i="0" kern="1200" dirty="0">
+                <a:solidFill>
+                  <a:schemeClr val="tx1"/>
+                </a:solidFill>
+                <a:effectLst/>
+                <a:latin typeface="+mn-lt"/>
+                <a:ea typeface="+mn-ea"/>
+                <a:cs typeface="+mn-cs"/>
+              </a:rPr>
+              <a:t>You can also combine multiple Azure networking and security services to manage your network security and provide increased layered protection. For example, you can use Azure Firewall to protect inbound and outbound traffic to the Internet, and Network Security Groups to limit traffic to resources inside your virtual networks.</a:t>
+            </a:r>
+          </a:p>
+          <a:p>
+            <a:endParaRPr lang="nb-NO" dirty="0"/>
           </a:p>
         </p:txBody>
       </p:sp>
@@ -1196,7 +1226,7 @@
     </p:spTree>
     <p:extLst>
       <p:ext uri="{BB962C8B-B14F-4D97-AF65-F5344CB8AC3E}">
-        <p14:creationId xmlns:p14="http://schemas.microsoft.com/office/powerpoint/2010/main" val="2906306431"/>
+        <p14:creationId xmlns:p14="http://schemas.microsoft.com/office/powerpoint/2010/main" val="3298195449"/>
       </p:ext>
     </p:extLst>
   </p:cSld>
@@ -1250,46 +1280,6 @@
           <a:bodyPr/>
           <a:lstStyle/>
           <a:p>
-            <a:r>
-              <a:rPr lang="nb-NO" dirty="0">
-                <a:hlinkClick r:id="rId3"/>
-              </a:rPr>
-              <a:t>https://docs.microsoft.com/nb-no/learn/modules/intro-to-security-in-azure/5-network-security</a:t>
-            </a:r>
-            <a:endParaRPr lang="nb-NO" dirty="0"/>
-          </a:p>
-          <a:p>
-            <a:endParaRPr lang="nb-NO" dirty="0"/>
-          </a:p>
-          <a:p>
-            <a:r>
-              <a:rPr lang="en-US" sz="1200" b="0" i="0" kern="1200" dirty="0">
-                <a:solidFill>
-                  <a:schemeClr val="tx1"/>
-                </a:solidFill>
-                <a:effectLst/>
-                <a:latin typeface="+mn-lt"/>
-                <a:ea typeface="+mn-ea"/>
-                <a:cs typeface="+mn-cs"/>
-              </a:rPr>
-              <a:t>A layered approach to network security helps reduce your risk of exposure through network-based attacks. Azure provides several services and capabilities to secure your internet-facing resource, internal resources, and communication between on-premises networks. These features make it possible to create secure solutions on Azure.</a:t>
-            </a:r>
-          </a:p>
-          <a:p>
-            <a:r>
-              <a:rPr lang="en-US" sz="1200" b="0" i="0" kern="1200" dirty="0">
-                <a:solidFill>
-                  <a:schemeClr val="tx1"/>
-                </a:solidFill>
-                <a:effectLst/>
-                <a:latin typeface="+mn-lt"/>
-                <a:ea typeface="+mn-ea"/>
-                <a:cs typeface="+mn-cs"/>
-              </a:rPr>
-              <a:t>You can also combine multiple Azure networking and security services to manage your network security and provide increased layered protection. For example, you can use Azure Firewall to protect inbound and outbound traffic to the Internet, and Network Security Groups to limit traffic to resources inside your virtual networks.</a:t>
-            </a:r>
-          </a:p>
-          <a:p>
             <a:endParaRPr lang="nb-NO" dirty="0"/>
           </a:p>
         </p:txBody>
@@ -1312,90 +1302,6 @@
             <a:fld id="{180377DB-C4B0-49B2-8838-0F01BA83B7C4}" type="slidenum">
               <a:rPr lang="nb-NO" smtClean="0"/>
               <a:t>17</a:t>
-            </a:fld>
-            <a:endParaRPr lang="nb-NO"/>
-          </a:p>
-        </p:txBody>
-      </p:sp>
-    </p:spTree>
-    <p:extLst>
-      <p:ext uri="{BB962C8B-B14F-4D97-AF65-F5344CB8AC3E}">
-        <p14:creationId xmlns:p14="http://schemas.microsoft.com/office/powerpoint/2010/main" val="3298195449"/>
-      </p:ext>
-    </p:extLst>
-  </p:cSld>
-  <p:clrMapOvr>
-    <a:masterClrMapping/>
-  </p:clrMapOvr>
-</p:notes>
-</file>
-
-<file path=ppt/notesSlides/notesSlide12.xml><?xml version="1.0" encoding="utf-8"?>
-<p:notes xmlns:a="http://schemas.openxmlformats.org/drawingml/2006/main" xmlns:r="http://schemas.openxmlformats.org/officeDocument/2006/relationships" xmlns:p="http://schemas.openxmlformats.org/presentationml/2006/main">
-  <p:cSld>
-    <p:spTree>
-      <p:nvGrpSpPr>
-        <p:cNvPr id="1" name=""/>
-        <p:cNvGrpSpPr/>
-        <p:nvPr/>
-      </p:nvGrpSpPr>
-      <p:grpSpPr>
-        <a:xfrm>
-          <a:off x="0" y="0"/>
-          <a:ext cx="0" cy="0"/>
-          <a:chOff x="0" y="0"/>
-          <a:chExt cx="0" cy="0"/>
-        </a:xfrm>
-      </p:grpSpPr>
-      <p:sp>
-        <p:nvSpPr>
-          <p:cNvPr id="2" name="Slide Image Placeholder 1"/>
-          <p:cNvSpPr>
-            <a:spLocks noGrp="1" noRot="1" noChangeAspect="1"/>
-          </p:cNvSpPr>
-          <p:nvPr>
-            <p:ph type="sldImg"/>
-          </p:nvPr>
-        </p:nvSpPr>
-        <p:spPr/>
-      </p:sp>
-      <p:sp>
-        <p:nvSpPr>
-          <p:cNvPr id="3" name="Notes Placeholder 2"/>
-          <p:cNvSpPr>
-            <a:spLocks noGrp="1"/>
-          </p:cNvSpPr>
-          <p:nvPr>
-            <p:ph type="body" idx="1"/>
-          </p:nvPr>
-        </p:nvSpPr>
-        <p:spPr/>
-        <p:txBody>
-          <a:bodyPr/>
-          <a:lstStyle/>
-          <a:p>
-            <a:endParaRPr lang="nb-NO" dirty="0"/>
-          </a:p>
-        </p:txBody>
-      </p:sp>
-      <p:sp>
-        <p:nvSpPr>
-          <p:cNvPr id="4" name="Slide Number Placeholder 3"/>
-          <p:cNvSpPr>
-            <a:spLocks noGrp="1"/>
-          </p:cNvSpPr>
-          <p:nvPr>
-            <p:ph type="sldNum" sz="quarter" idx="5"/>
-          </p:nvPr>
-        </p:nvSpPr>
-        <p:spPr/>
-        <p:txBody>
-          <a:bodyPr/>
-          <a:lstStyle/>
-          <a:p>
-            <a:fld id="{180377DB-C4B0-49B2-8838-0F01BA83B7C4}" type="slidenum">
-              <a:rPr lang="nb-NO" smtClean="0"/>
-              <a:t>18</a:t>
             </a:fld>
             <a:endParaRPr lang="nb-NO"/>
           </a:p>
@@ -1810,8 +1716,14 @@
           <a:p>
             <a:r>
               <a:rPr lang="nb-NO" dirty="0"/>
-              <a:t>Vårt ansvar </a:t>
-            </a:r>
+              <a:t>Vis litt i Azure Security Center.</a:t>
+            </a:r>
+          </a:p>
+          <a:p>
+            <a:endParaRPr lang="nb-NO" dirty="0"/>
+          </a:p>
+          <a:p>
+            <a:endParaRPr lang="nb-NO" dirty="0"/>
           </a:p>
         </p:txBody>
       </p:sp>
@@ -1841,7 +1753,7 @@
     </p:spTree>
     <p:extLst>
       <p:ext uri="{BB962C8B-B14F-4D97-AF65-F5344CB8AC3E}">
-        <p14:creationId xmlns:p14="http://schemas.microsoft.com/office/powerpoint/2010/main" val="2443316662"/>
+        <p14:creationId xmlns:p14="http://schemas.microsoft.com/office/powerpoint/2010/main" val="3744992784"/>
       </p:ext>
     </p:extLst>
   </p:cSld>
@@ -1897,14 +1809,14 @@
           <a:p>
             <a:r>
               <a:rPr lang="nb-NO" dirty="0"/>
-              <a:t>Vis litt i Azure Security Center.</a:t>
-            </a:r>
-          </a:p>
-          <a:p>
-            <a:endParaRPr lang="nb-NO" dirty="0"/>
-          </a:p>
-          <a:p>
-            <a:endParaRPr lang="nb-NO" dirty="0"/>
+              <a:t>Demo:</a:t>
+            </a:r>
+          </a:p>
+          <a:p>
+            <a:r>
+              <a:rPr lang="nb-NO" dirty="0"/>
+              <a:t>- Vis litt om YAML.</a:t>
+            </a:r>
           </a:p>
         </p:txBody>
       </p:sp>
@@ -1925,7 +1837,7 @@
           <a:p>
             <a:fld id="{180377DB-C4B0-49B2-8838-0F01BA83B7C4}" type="slidenum">
               <a:rPr lang="nb-NO" smtClean="0"/>
-              <a:t>9</a:t>
+              <a:t>10</a:t>
             </a:fld>
             <a:endParaRPr lang="nb-NO"/>
           </a:p>
@@ -1934,7 +1846,7 @@
     </p:spTree>
     <p:extLst>
       <p:ext uri="{BB962C8B-B14F-4D97-AF65-F5344CB8AC3E}">
-        <p14:creationId xmlns:p14="http://schemas.microsoft.com/office/powerpoint/2010/main" val="3744992784"/>
+        <p14:creationId xmlns:p14="http://schemas.microsoft.com/office/powerpoint/2010/main" val="518123724"/>
       </p:ext>
     </p:extLst>
   </p:cSld>
@@ -1990,13 +1902,119 @@
           <a:p>
             <a:r>
               <a:rPr lang="nb-NO" dirty="0"/>
-              <a:t>Demo:</a:t>
-            </a:r>
+              <a:t>MFA:</a:t>
+            </a:r>
+          </a:p>
+          <a:p>
+            <a:r>
+              <a:rPr lang="en-US" sz="1200" b="0" i="1" kern="1200" dirty="0">
+                <a:solidFill>
+                  <a:schemeClr val="tx1"/>
+                </a:solidFill>
+                <a:effectLst/>
+                <a:latin typeface="+mn-lt"/>
+                <a:ea typeface="+mn-ea"/>
+                <a:cs typeface="+mn-cs"/>
+              </a:rPr>
+              <a:t>Something you know</a:t>
+            </a:r>
+            <a:endParaRPr lang="en-US" sz="1200" b="0" i="0" kern="1200" dirty="0">
+              <a:solidFill>
+                <a:schemeClr val="tx1"/>
+              </a:solidFill>
+              <a:effectLst/>
+              <a:latin typeface="+mn-lt"/>
+              <a:ea typeface="+mn-ea"/>
+              <a:cs typeface="+mn-cs"/>
+            </a:endParaRPr>
+          </a:p>
+          <a:p>
+            <a:r>
+              <a:rPr lang="en-US" sz="1200" b="0" i="1" kern="1200" dirty="0">
+                <a:solidFill>
+                  <a:schemeClr val="tx1"/>
+                </a:solidFill>
+                <a:effectLst/>
+                <a:latin typeface="+mn-lt"/>
+                <a:ea typeface="+mn-ea"/>
+                <a:cs typeface="+mn-cs"/>
+              </a:rPr>
+              <a:t>Something you possess</a:t>
+            </a:r>
+            <a:endParaRPr lang="en-US" sz="1200" b="0" i="0" kern="1200" dirty="0">
+              <a:solidFill>
+                <a:schemeClr val="tx1"/>
+              </a:solidFill>
+              <a:effectLst/>
+              <a:latin typeface="+mn-lt"/>
+              <a:ea typeface="+mn-ea"/>
+              <a:cs typeface="+mn-cs"/>
+            </a:endParaRPr>
+          </a:p>
+          <a:p>
+            <a:r>
+              <a:rPr lang="en-US" sz="1200" b="0" i="1" kern="1200" dirty="0">
+                <a:solidFill>
+                  <a:schemeClr val="tx1"/>
+                </a:solidFill>
+                <a:effectLst/>
+                <a:latin typeface="+mn-lt"/>
+                <a:ea typeface="+mn-ea"/>
+                <a:cs typeface="+mn-cs"/>
+              </a:rPr>
+              <a:t>Something you are</a:t>
+            </a:r>
+            <a:endParaRPr lang="en-US" sz="1200" b="0" i="0" kern="1200" dirty="0">
+              <a:solidFill>
+                <a:schemeClr val="tx1"/>
+              </a:solidFill>
+              <a:effectLst/>
+              <a:latin typeface="+mn-lt"/>
+              <a:ea typeface="+mn-ea"/>
+              <a:cs typeface="+mn-cs"/>
+            </a:endParaRPr>
+          </a:p>
+          <a:p>
+            <a:endParaRPr lang="nb-NO" dirty="0"/>
+          </a:p>
+          <a:p>
+            <a:r>
+              <a:rPr lang="en-US" sz="1200" b="0" i="0" kern="1200" dirty="0">
+                <a:solidFill>
+                  <a:schemeClr val="tx1"/>
+                </a:solidFill>
+                <a:effectLst/>
+                <a:latin typeface="+mn-lt"/>
+                <a:ea typeface="+mn-ea"/>
+                <a:cs typeface="+mn-cs"/>
+              </a:rPr>
+              <a:t>By leveraging Azure AD for SSO you'll also have the ability to combine multiple data sources into an intelligent security graph</a:t>
+            </a:r>
+          </a:p>
+          <a:p>
+            <a:endParaRPr lang="en-US" sz="1200" b="0" i="0" kern="1200" dirty="0">
+              <a:solidFill>
+                <a:schemeClr val="tx1"/>
+              </a:solidFill>
+              <a:effectLst/>
+              <a:latin typeface="+mn-lt"/>
+              <a:ea typeface="+mn-ea"/>
+              <a:cs typeface="+mn-cs"/>
+            </a:endParaRPr>
+          </a:p>
+          <a:p>
+            <a:r>
+              <a:rPr lang="nb-NO" dirty="0">
+                <a:hlinkClick r:id="rId3"/>
+              </a:rPr>
+              <a:t>https://docs.microsoft.com/nb-no/learn/modules/intro-to-security-in-azure/3-identity-and-access</a:t>
+            </a:r>
+            <a:endParaRPr lang="nb-NO" dirty="0"/>
           </a:p>
           <a:p>
             <a:r>
               <a:rPr lang="nb-NO" dirty="0"/>
-              <a:t>- Vis litt om YAML.</a:t>
+              <a:t>Tig</a:t>
             </a:r>
           </a:p>
         </p:txBody>
@@ -2027,7 +2045,7 @@
     </p:spTree>
     <p:extLst>
       <p:ext uri="{BB962C8B-B14F-4D97-AF65-F5344CB8AC3E}">
-        <p14:creationId xmlns:p14="http://schemas.microsoft.com/office/powerpoint/2010/main" val="518123724"/>
+        <p14:creationId xmlns:p14="http://schemas.microsoft.com/office/powerpoint/2010/main" val="1334592713"/>
       </p:ext>
     </p:extLst>
   </p:cSld>
@@ -2083,119 +2101,7 @@
           <a:p>
             <a:r>
               <a:rPr lang="nb-NO" dirty="0"/>
-              <a:t>MFA:</a:t>
-            </a:r>
-          </a:p>
-          <a:p>
-            <a:r>
-              <a:rPr lang="en-US" sz="1200" b="0" i="1" kern="1200" dirty="0">
-                <a:solidFill>
-                  <a:schemeClr val="tx1"/>
-                </a:solidFill>
-                <a:effectLst/>
-                <a:latin typeface="+mn-lt"/>
-                <a:ea typeface="+mn-ea"/>
-                <a:cs typeface="+mn-cs"/>
-              </a:rPr>
-              <a:t>Something you know</a:t>
-            </a:r>
-            <a:endParaRPr lang="en-US" sz="1200" b="0" i="0" kern="1200" dirty="0">
-              <a:solidFill>
-                <a:schemeClr val="tx1"/>
-              </a:solidFill>
-              <a:effectLst/>
-              <a:latin typeface="+mn-lt"/>
-              <a:ea typeface="+mn-ea"/>
-              <a:cs typeface="+mn-cs"/>
-            </a:endParaRPr>
-          </a:p>
-          <a:p>
-            <a:r>
-              <a:rPr lang="en-US" sz="1200" b="0" i="1" kern="1200" dirty="0">
-                <a:solidFill>
-                  <a:schemeClr val="tx1"/>
-                </a:solidFill>
-                <a:effectLst/>
-                <a:latin typeface="+mn-lt"/>
-                <a:ea typeface="+mn-ea"/>
-                <a:cs typeface="+mn-cs"/>
-              </a:rPr>
-              <a:t>Something you possess</a:t>
-            </a:r>
-            <a:endParaRPr lang="en-US" sz="1200" b="0" i="0" kern="1200" dirty="0">
-              <a:solidFill>
-                <a:schemeClr val="tx1"/>
-              </a:solidFill>
-              <a:effectLst/>
-              <a:latin typeface="+mn-lt"/>
-              <a:ea typeface="+mn-ea"/>
-              <a:cs typeface="+mn-cs"/>
-            </a:endParaRPr>
-          </a:p>
-          <a:p>
-            <a:r>
-              <a:rPr lang="en-US" sz="1200" b="0" i="1" kern="1200" dirty="0">
-                <a:solidFill>
-                  <a:schemeClr val="tx1"/>
-                </a:solidFill>
-                <a:effectLst/>
-                <a:latin typeface="+mn-lt"/>
-                <a:ea typeface="+mn-ea"/>
-                <a:cs typeface="+mn-cs"/>
-              </a:rPr>
-              <a:t>Something you are</a:t>
-            </a:r>
-            <a:endParaRPr lang="en-US" sz="1200" b="0" i="0" kern="1200" dirty="0">
-              <a:solidFill>
-                <a:schemeClr val="tx1"/>
-              </a:solidFill>
-              <a:effectLst/>
-              <a:latin typeface="+mn-lt"/>
-              <a:ea typeface="+mn-ea"/>
-              <a:cs typeface="+mn-cs"/>
-            </a:endParaRPr>
-          </a:p>
-          <a:p>
-            <a:endParaRPr lang="nb-NO" dirty="0"/>
-          </a:p>
-          <a:p>
-            <a:r>
-              <a:rPr lang="en-US" sz="1200" b="0" i="0" kern="1200" dirty="0">
-                <a:solidFill>
-                  <a:schemeClr val="tx1"/>
-                </a:solidFill>
-                <a:effectLst/>
-                <a:latin typeface="+mn-lt"/>
-                <a:ea typeface="+mn-ea"/>
-                <a:cs typeface="+mn-cs"/>
-              </a:rPr>
-              <a:t>By leveraging Azure AD for SSO you'll also have the ability to combine multiple data sources into an intelligent security graph</a:t>
-            </a:r>
-          </a:p>
-          <a:p>
-            <a:endParaRPr lang="en-US" sz="1200" b="0" i="0" kern="1200" dirty="0">
-              <a:solidFill>
-                <a:schemeClr val="tx1"/>
-              </a:solidFill>
-              <a:effectLst/>
-              <a:latin typeface="+mn-lt"/>
-              <a:ea typeface="+mn-ea"/>
-              <a:cs typeface="+mn-cs"/>
-            </a:endParaRPr>
-          </a:p>
-          <a:p>
-            <a:r>
-              <a:rPr lang="nb-NO" dirty="0">
-                <a:hlinkClick r:id="rId3"/>
-              </a:rPr>
-              <a:t>https://docs.microsoft.com/nb-no/learn/modules/intro-to-security-in-azure/3-identity-and-access</a:t>
-            </a:r>
-            <a:endParaRPr lang="nb-NO" dirty="0"/>
-          </a:p>
-          <a:p>
-            <a:r>
-              <a:rPr lang="nb-NO" dirty="0"/>
-              <a:t>Tig</a:t>
+              <a:t>Vi skal ikke gå inn på Service Prinsipals i denne leksjonen.</a:t>
             </a:r>
           </a:p>
         </p:txBody>
@@ -2226,7 +2132,7 @@
     </p:spTree>
     <p:extLst>
       <p:ext uri="{BB962C8B-B14F-4D97-AF65-F5344CB8AC3E}">
-        <p14:creationId xmlns:p14="http://schemas.microsoft.com/office/powerpoint/2010/main" val="1334592713"/>
+        <p14:creationId xmlns:p14="http://schemas.microsoft.com/office/powerpoint/2010/main" val="3738408422"/>
       </p:ext>
     </p:extLst>
   </p:cSld>
@@ -2282,7 +2188,13 @@
           <a:p>
             <a:r>
               <a:rPr lang="nb-NO" dirty="0"/>
-              <a:t>Vi skal ikke gå inn på Service Prinsipals i denne leksjonen.</a:t>
+              <a:t>Vise Azure AD i portalen:</a:t>
+            </a:r>
+          </a:p>
+          <a:p>
+            <a:r>
+              <a:rPr lang="nb-NO" dirty="0"/>
+              <a:t>- </a:t>
             </a:r>
           </a:p>
         </p:txBody>
@@ -2304,7 +2216,7 @@
           <a:p>
             <a:fld id="{180377DB-C4B0-49B2-8838-0F01BA83B7C4}" type="slidenum">
               <a:rPr lang="nb-NO" smtClean="0"/>
-              <a:t>13</a:t>
+              <a:t>15</a:t>
             </a:fld>
             <a:endParaRPr lang="nb-NO"/>
           </a:p>
@@ -2313,7 +2225,7 @@
     </p:spTree>
     <p:extLst>
       <p:ext uri="{BB962C8B-B14F-4D97-AF65-F5344CB8AC3E}">
-        <p14:creationId xmlns:p14="http://schemas.microsoft.com/office/powerpoint/2010/main" val="3738408422"/>
+        <p14:creationId xmlns:p14="http://schemas.microsoft.com/office/powerpoint/2010/main" val="2906306431"/>
       </p:ext>
     </p:extLst>
   </p:cSld>
@@ -11658,7 +11570,7 @@
           <p:cNvPr id="2" name="Content Placeholder 1">
             <a:extLst>
               <a:ext uri="{FF2B5EF4-FFF2-40B4-BE49-F238E27FC236}">
-                <a16:creationId xmlns:a16="http://schemas.microsoft.com/office/drawing/2014/main" id="{0D2E6551-FB34-4842-B140-5F0475BDB3EF}"/>
+                <a16:creationId xmlns:a16="http://schemas.microsoft.com/office/drawing/2014/main" id="{94B98822-8368-4C2D-B1AB-DBC5C478A3C8}"/>
               </a:ext>
             </a:extLst>
           </p:cNvPr>
@@ -11677,36 +11589,7 @@
             <a:pPr marL="0" indent="0">
               <a:buNone/>
             </a:pPr>
-            <a:endParaRPr lang="nb-NO" dirty="0">
-              <a:hlinkClick r:id="rId2"/>
-            </a:endParaRPr>
-          </a:p>
-          <a:p>
-            <a:r>
-              <a:rPr lang="nb-NO" dirty="0">
-                <a:hlinkClick r:id="rId2"/>
-              </a:rPr>
-              <a:t>https://minside.bouvet.no/bouvet-alle/meg-som-ansatt/sikkerhet-i-dna-et-vart</a:t>
-            </a:r>
-            <a:endParaRPr lang="nb-NO" dirty="0"/>
-          </a:p>
-          <a:p>
-            <a:pPr marL="0" indent="0">
-              <a:buNone/>
-            </a:pPr>
-            <a:endParaRPr lang="nb-NO" dirty="0"/>
-          </a:p>
-          <a:p>
-            <a:r>
-              <a:rPr lang="nb-NO" dirty="0">
-                <a:hlinkClick r:id="rId3"/>
-              </a:rPr>
-              <a:t>https://minside.bouvet.no/metoder/cloud-security</a:t>
-            </a:r>
-            <a:endParaRPr lang="nb-NO" dirty="0"/>
-          </a:p>
-          <a:p>
-            <a:endParaRPr lang="nb-NO" dirty="0"/>
+            <a:endParaRPr lang="nb-NO" sz="4400" dirty="0"/>
           </a:p>
         </p:txBody>
       </p:sp>
@@ -11715,7 +11598,7 @@
           <p:cNvPr id="3" name="Title 2">
             <a:extLst>
               <a:ext uri="{FF2B5EF4-FFF2-40B4-BE49-F238E27FC236}">
-                <a16:creationId xmlns:a16="http://schemas.microsoft.com/office/drawing/2014/main" id="{0799CBB5-0E2C-4344-96B8-3F135E8ED7F7}"/>
+                <a16:creationId xmlns:a16="http://schemas.microsoft.com/office/drawing/2014/main" id="{6E551990-3A9C-43DC-8E56-7146D7720E17}"/>
               </a:ext>
             </a:extLst>
           </p:cNvPr>
@@ -11726,14 +11609,19 @@
             <p:ph type="title"/>
           </p:nvPr>
         </p:nvSpPr>
-        <p:spPr/>
+        <p:spPr>
+          <a:xfrm>
+            <a:off x="1328585" y="376848"/>
+            <a:ext cx="10078991" cy="1325563"/>
+          </a:xfrm>
+        </p:spPr>
         <p:txBody>
           <a:bodyPr/>
           <a:lstStyle/>
           <a:p>
             <a:r>
               <a:rPr lang="nb-NO" dirty="0"/>
-              <a:t>Nyttige lenker (Bouvet interne)</a:t>
+              <a:t>Demo og leksjon 1</a:t>
             </a:r>
           </a:p>
         </p:txBody>
@@ -11741,7 +11629,7 @@
     </p:spTree>
     <p:extLst>
       <p:ext uri="{BB962C8B-B14F-4D97-AF65-F5344CB8AC3E}">
-        <p14:creationId xmlns:p14="http://schemas.microsoft.com/office/powerpoint/2010/main" val="1163624278"/>
+        <p14:creationId xmlns:p14="http://schemas.microsoft.com/office/powerpoint/2010/main" val="2246517485"/>
       </p:ext>
     </p:extLst>
   </p:cSld>
@@ -11773,7 +11661,7 @@
           <p:cNvPr id="2" name="Content Placeholder 1">
             <a:extLst>
               <a:ext uri="{FF2B5EF4-FFF2-40B4-BE49-F238E27FC236}">
-                <a16:creationId xmlns:a16="http://schemas.microsoft.com/office/drawing/2014/main" id="{94B98822-8368-4C2D-B1AB-DBC5C478A3C8}"/>
+                <a16:creationId xmlns:a16="http://schemas.microsoft.com/office/drawing/2014/main" id="{E3CAFEDC-D075-4BF1-8EEC-978810502890}"/>
               </a:ext>
             </a:extLst>
           </p:cNvPr>
@@ -11789,10 +11677,83 @@
           <a:bodyPr/>
           <a:lstStyle/>
           <a:p>
-            <a:pPr marL="0" indent="0">
-              <a:buNone/>
-            </a:pPr>
-            <a:endParaRPr lang="nb-NO" sz="4400" dirty="0"/>
+            <a:r>
+              <a:rPr lang="nb-NO" dirty="0"/>
+              <a:t>Identity as a Service</a:t>
+            </a:r>
+          </a:p>
+          <a:p>
+            <a:r>
+              <a:rPr lang="nb-NO" dirty="0"/>
+              <a:t>Active Directory sammen med on-</a:t>
+            </a:r>
+            <a:r>
+              <a:rPr lang="nb-NO" dirty="0" err="1"/>
+              <a:t>prem</a:t>
+            </a:r>
+            <a:endParaRPr lang="nb-NO" dirty="0"/>
+          </a:p>
+          <a:p>
+            <a:r>
+              <a:rPr lang="nb-NO" dirty="0" err="1"/>
+              <a:t>Authentication</a:t>
+            </a:r>
+            <a:endParaRPr lang="nb-NO" dirty="0"/>
+          </a:p>
+          <a:p>
+            <a:pPr lvl="1"/>
+            <a:r>
+              <a:rPr lang="nb-NO" dirty="0"/>
+              <a:t>Multi-factor Authentication (MFA) - Gratis</a:t>
+            </a:r>
+          </a:p>
+          <a:p>
+            <a:r>
+              <a:rPr lang="nb-NO" dirty="0"/>
+              <a:t>Støtte for single-</a:t>
+            </a:r>
+            <a:r>
+              <a:rPr lang="nb-NO" dirty="0" err="1"/>
+              <a:t>sign</a:t>
+            </a:r>
+            <a:r>
+              <a:rPr lang="nb-NO" dirty="0"/>
+              <a:t>-</a:t>
+            </a:r>
+            <a:r>
+              <a:rPr lang="nb-NO" dirty="0" err="1"/>
+              <a:t>on</a:t>
+            </a:r>
+            <a:r>
+              <a:rPr lang="nb-NO" dirty="0"/>
+              <a:t> (SSO)</a:t>
+            </a:r>
+          </a:p>
+          <a:p>
+            <a:r>
+              <a:rPr lang="nb-NO" dirty="0"/>
+              <a:t>Har støtte </a:t>
+            </a:r>
+          </a:p>
+          <a:p>
+            <a:pPr lvl="1"/>
+            <a:r>
+              <a:rPr lang="nb-NO" dirty="0"/>
+              <a:t>P1, P2 </a:t>
+            </a:r>
+          </a:p>
+          <a:p>
+            <a:pPr lvl="1"/>
+            <a:r>
+              <a:rPr lang="nb-NO" dirty="0"/>
+              <a:t>Eks. Priviligied Identity Management (PIM) </a:t>
+            </a:r>
+          </a:p>
+          <a:p>
+            <a:endParaRPr lang="nb-NO" dirty="0"/>
+          </a:p>
+          <a:p>
+            <a:endParaRPr lang="nb-NO" dirty="0"/>
           </a:p>
         </p:txBody>
       </p:sp>
@@ -11801,7 +11762,7 @@
           <p:cNvPr id="3" name="Title 2">
             <a:extLst>
               <a:ext uri="{FF2B5EF4-FFF2-40B4-BE49-F238E27FC236}">
-                <a16:creationId xmlns:a16="http://schemas.microsoft.com/office/drawing/2014/main" id="{6E551990-3A9C-43DC-8E56-7146D7720E17}"/>
+                <a16:creationId xmlns:a16="http://schemas.microsoft.com/office/drawing/2014/main" id="{5D5C9A2C-D026-47EC-B66D-9D71F9088F91}"/>
               </a:ext>
             </a:extLst>
           </p:cNvPr>
@@ -11812,19 +11773,14 @@
             <p:ph type="title"/>
           </p:nvPr>
         </p:nvSpPr>
-        <p:spPr>
-          <a:xfrm>
-            <a:off x="1328585" y="376848"/>
-            <a:ext cx="10078991" cy="1325563"/>
-          </a:xfrm>
-        </p:spPr>
+        <p:spPr/>
         <p:txBody>
           <a:bodyPr/>
           <a:lstStyle/>
           <a:p>
             <a:r>
-              <a:rPr lang="nb-NO" dirty="0"/>
-              <a:t>Demo og leksjon 1</a:t>
+              <a:rPr lang="nb-NO"/>
+              <a:t>Azure AD</a:t>
             </a:r>
           </a:p>
         </p:txBody>
@@ -11832,7 +11788,7 @@
     </p:spTree>
     <p:extLst>
       <p:ext uri="{BB962C8B-B14F-4D97-AF65-F5344CB8AC3E}">
-        <p14:creationId xmlns:p14="http://schemas.microsoft.com/office/powerpoint/2010/main" val="2246517485"/>
+        <p14:creationId xmlns:p14="http://schemas.microsoft.com/office/powerpoint/2010/main" val="1057957658"/>
       </p:ext>
     </p:extLst>
   </p:cSld>
@@ -11864,7 +11820,7 @@
           <p:cNvPr id="2" name="Content Placeholder 1">
             <a:extLst>
               <a:ext uri="{FF2B5EF4-FFF2-40B4-BE49-F238E27FC236}">
-                <a16:creationId xmlns:a16="http://schemas.microsoft.com/office/drawing/2014/main" id="{E3CAFEDC-D075-4BF1-8EEC-978810502890}"/>
+                <a16:creationId xmlns:a16="http://schemas.microsoft.com/office/drawing/2014/main" id="{53095D45-AB9E-4654-BA3E-5BA27E99651D}"/>
               </a:ext>
             </a:extLst>
           </p:cNvPr>
@@ -11882,76 +11838,49 @@
           <a:p>
             <a:r>
               <a:rPr lang="nb-NO" dirty="0"/>
-              <a:t>Identity as a Service</a:t>
+              <a:t>Identitet for tjenester</a:t>
+            </a:r>
+          </a:p>
+          <a:p>
+            <a:pPr lvl="1"/>
+            <a:r>
+              <a:rPr lang="en-US" dirty="0"/>
+              <a:t>A </a:t>
+            </a:r>
+            <a:r>
+              <a:rPr lang="en-US" b="1" dirty="0"/>
+              <a:t>service principal</a:t>
+            </a:r>
+            <a:r>
+              <a:rPr lang="en-US" dirty="0"/>
+              <a:t> is an identity that is used by a service or application. And like other identities, it can be assigned roles.</a:t>
+            </a:r>
+          </a:p>
+          <a:p>
+            <a:pPr lvl="1"/>
+            <a:r>
+              <a:rPr lang="en-US" dirty="0"/>
+              <a:t>Managed Identity Service (MSI)</a:t>
             </a:r>
           </a:p>
           <a:p>
             <a:r>
               <a:rPr lang="nb-NO" dirty="0"/>
-              <a:t> </a:t>
+              <a:t>Role-based access control (RBAC)</a:t>
             </a:r>
           </a:p>
           <a:p>
             <a:r>
               <a:rPr lang="nb-NO" dirty="0"/>
-              <a:t>Active Directory sammen med on-</a:t>
-            </a:r>
-            <a:r>
-              <a:rPr lang="nb-NO" dirty="0" err="1"/>
-              <a:t>prem</a:t>
-            </a:r>
-            <a:endParaRPr lang="nb-NO" dirty="0"/>
-          </a:p>
-          <a:p>
-            <a:r>
-              <a:rPr lang="nb-NO" dirty="0" err="1"/>
-              <a:t>Authentication</a:t>
-            </a:r>
-            <a:endParaRPr lang="nb-NO" dirty="0"/>
+              <a:t>Har forskjellige kostnadsnivåer.</a:t>
+            </a:r>
           </a:p>
           <a:p>
             <a:pPr lvl="1"/>
             <a:r>
               <a:rPr lang="nb-NO" dirty="0"/>
-              <a:t>Multi-factor Authentication (MFA) - Gratis</a:t>
-            </a:r>
-          </a:p>
-          <a:p>
-            <a:r>
-              <a:rPr lang="nb-NO" dirty="0"/>
-              <a:t>Støtte for single-</a:t>
-            </a:r>
-            <a:r>
-              <a:rPr lang="nb-NO" dirty="0" err="1"/>
-              <a:t>signon</a:t>
-            </a:r>
-            <a:r>
-              <a:rPr lang="nb-NO" dirty="0"/>
-              <a:t> (SSO)</a:t>
-            </a:r>
-          </a:p>
-          <a:p>
-            <a:r>
-              <a:rPr lang="nb-NO" dirty="0"/>
-              <a:t>Har støtte </a:t>
-            </a:r>
-          </a:p>
-          <a:p>
-            <a:pPr lvl="1"/>
-            <a:r>
-              <a:rPr lang="nb-NO" dirty="0"/>
-              <a:t>P1, P2 </a:t>
-            </a:r>
-          </a:p>
-          <a:p>
-            <a:pPr lvl="1"/>
-            <a:r>
-              <a:rPr lang="nb-NO" dirty="0"/>
-              <a:t>Eks. Priviligied Identity Management (PIM) </a:t>
-            </a:r>
-          </a:p>
-          <a:p>
-            <a:endParaRPr lang="nb-NO" dirty="0"/>
+              <a:t>Eks. PIM</a:t>
+            </a:r>
           </a:p>
           <a:p>
             <a:endParaRPr lang="nb-NO" dirty="0"/>
@@ -11963,7 +11892,7 @@
           <p:cNvPr id="3" name="Title 2">
             <a:extLst>
               <a:ext uri="{FF2B5EF4-FFF2-40B4-BE49-F238E27FC236}">
-                <a16:creationId xmlns:a16="http://schemas.microsoft.com/office/drawing/2014/main" id="{5D5C9A2C-D026-47EC-B66D-9D71F9088F91}"/>
+                <a16:creationId xmlns:a16="http://schemas.microsoft.com/office/drawing/2014/main" id="{A3394DC6-1F15-4F67-853C-B9398D1B2262}"/>
               </a:ext>
             </a:extLst>
           </p:cNvPr>
@@ -11980,7 +11909,7 @@
           <a:lstStyle/>
           <a:p>
             <a:r>
-              <a:rPr lang="nb-NO"/>
+              <a:rPr lang="nb-NO" dirty="0"/>
               <a:t>Azure AD</a:t>
             </a:r>
           </a:p>
@@ -11989,7 +11918,7 @@
     </p:spTree>
     <p:extLst>
       <p:ext uri="{BB962C8B-B14F-4D97-AF65-F5344CB8AC3E}">
-        <p14:creationId xmlns:p14="http://schemas.microsoft.com/office/powerpoint/2010/main" val="1057957658"/>
+        <p14:creationId xmlns:p14="http://schemas.microsoft.com/office/powerpoint/2010/main" val="3152379161"/>
       </p:ext>
     </p:extLst>
   </p:cSld>
@@ -12021,7 +11950,7 @@
           <p:cNvPr id="2" name="Content Placeholder 1">
             <a:extLst>
               <a:ext uri="{FF2B5EF4-FFF2-40B4-BE49-F238E27FC236}">
-                <a16:creationId xmlns:a16="http://schemas.microsoft.com/office/drawing/2014/main" id="{53095D45-AB9E-4654-BA3E-5BA27E99651D}"/>
+                <a16:creationId xmlns:a16="http://schemas.microsoft.com/office/drawing/2014/main" id="{BD69983E-F11E-4FDC-A794-05BB751B5398}"/>
               </a:ext>
             </a:extLst>
           </p:cNvPr>
@@ -12039,52 +11968,22 @@
           <a:p>
             <a:r>
               <a:rPr lang="nb-NO" dirty="0"/>
-              <a:t>Identitet for tjenester</a:t>
+              <a:t>Alltid to steg:</a:t>
             </a:r>
           </a:p>
           <a:p>
             <a:pPr lvl="1"/>
             <a:r>
-              <a:rPr lang="en-US" dirty="0"/>
-              <a:t>A </a:t>
-            </a:r>
-            <a:r>
-              <a:rPr lang="en-US" b="1" dirty="0"/>
-              <a:t>service principal</a:t>
-            </a:r>
-            <a:r>
-              <a:rPr lang="en-US" dirty="0"/>
-              <a:t> is an identity that is used by a service or application. And like other identities, it can be assigned roles.</a:t>
+              <a:rPr lang="nb-NO" dirty="0"/>
+              <a:t>Autentisere (hvem er brukeren)</a:t>
             </a:r>
           </a:p>
           <a:p>
             <a:pPr lvl="1"/>
             <a:r>
-              <a:rPr lang="en-US" dirty="0"/>
-              <a:t>Managed Identity Service (MSI)</a:t>
-            </a:r>
-          </a:p>
-          <a:p>
-            <a:r>
               <a:rPr lang="nb-NO" dirty="0"/>
-              <a:t>Role-based access control (RBAC)</a:t>
-            </a:r>
-          </a:p>
-          <a:p>
-            <a:r>
-              <a:rPr lang="nb-NO" dirty="0"/>
-              <a:t>Har forskjellige kostnadsnivåer.</a:t>
-            </a:r>
-          </a:p>
-          <a:p>
-            <a:pPr lvl="1"/>
-            <a:r>
-              <a:rPr lang="nb-NO" dirty="0"/>
-              <a:t>Eks. PIM</a:t>
-            </a:r>
-          </a:p>
-          <a:p>
-            <a:endParaRPr lang="nb-NO" dirty="0"/>
+              <a:t>Autorisere (skal denne brukeren ha tilgang)</a:t>
+            </a:r>
           </a:p>
         </p:txBody>
       </p:sp>
@@ -12093,7 +11992,7 @@
           <p:cNvPr id="3" name="Title 2">
             <a:extLst>
               <a:ext uri="{FF2B5EF4-FFF2-40B4-BE49-F238E27FC236}">
-                <a16:creationId xmlns:a16="http://schemas.microsoft.com/office/drawing/2014/main" id="{A3394DC6-1F15-4F67-853C-B9398D1B2262}"/>
+                <a16:creationId xmlns:a16="http://schemas.microsoft.com/office/drawing/2014/main" id="{5C4A4DD2-3405-4B89-A03D-F6BC4EB33D64}"/>
               </a:ext>
             </a:extLst>
           </p:cNvPr>
@@ -12111,7 +12010,7 @@
           <a:p>
             <a:r>
               <a:rPr lang="nb-NO" dirty="0"/>
-              <a:t>Azure AD</a:t>
+              <a:t>Authentication &amp; authorization</a:t>
             </a:r>
           </a:p>
         </p:txBody>
@@ -12119,7 +12018,7 @@
     </p:spTree>
     <p:extLst>
       <p:ext uri="{BB962C8B-B14F-4D97-AF65-F5344CB8AC3E}">
-        <p14:creationId xmlns:p14="http://schemas.microsoft.com/office/powerpoint/2010/main" val="3152379161"/>
+        <p14:creationId xmlns:p14="http://schemas.microsoft.com/office/powerpoint/2010/main" val="3226241621"/>
       </p:ext>
     </p:extLst>
   </p:cSld>
@@ -12151,7 +12050,7 @@
           <p:cNvPr id="2" name="Content Placeholder 1">
             <a:extLst>
               <a:ext uri="{FF2B5EF4-FFF2-40B4-BE49-F238E27FC236}">
-                <a16:creationId xmlns:a16="http://schemas.microsoft.com/office/drawing/2014/main" id="{BD69983E-F11E-4FDC-A794-05BB751B5398}"/>
+                <a16:creationId xmlns:a16="http://schemas.microsoft.com/office/drawing/2014/main" id="{165A31E6-5FA8-4405-A1AE-70E92921354E}"/>
               </a:ext>
             </a:extLst>
           </p:cNvPr>
@@ -12167,6 +12066,38 @@
           <a:bodyPr/>
           <a:lstStyle/>
           <a:p>
+            <a:r>
+              <a:rPr lang="nb-NO" dirty="0"/>
+              <a:t>For å kunne autentisere</a:t>
+            </a:r>
+          </a:p>
+          <a:p>
+            <a:r>
+              <a:rPr lang="nb-NO" dirty="0"/>
+              <a:t>Bidrar til å gjøre autorisering enklere med </a:t>
+            </a:r>
+            <a:r>
+              <a:rPr lang="nb-NO" dirty="0" err="1"/>
+              <a:t>Claims</a:t>
+            </a:r>
+            <a:endParaRPr lang="nb-NO" dirty="0"/>
+          </a:p>
+          <a:p>
+            <a:pPr lvl="1"/>
+            <a:r>
+              <a:rPr lang="nb-NO" dirty="0"/>
+              <a:t>Men det er applikasjonen som leser </a:t>
+            </a:r>
+            <a:r>
+              <a:rPr lang="nb-NO" dirty="0" err="1"/>
+              <a:t>Claims</a:t>
+            </a:r>
+            <a:r>
+              <a:rPr lang="nb-NO" dirty="0"/>
+              <a:t> som gjør autoriseringen</a:t>
+            </a:r>
+          </a:p>
+          <a:p>
             <a:endParaRPr lang="nb-NO" dirty="0"/>
           </a:p>
         </p:txBody>
@@ -12176,7 +12107,7 @@
           <p:cNvPr id="3" name="Title 2">
             <a:extLst>
               <a:ext uri="{FF2B5EF4-FFF2-40B4-BE49-F238E27FC236}">
-                <a16:creationId xmlns:a16="http://schemas.microsoft.com/office/drawing/2014/main" id="{5C4A4DD2-3405-4B89-A03D-F6BC4EB33D64}"/>
+                <a16:creationId xmlns:a16="http://schemas.microsoft.com/office/drawing/2014/main" id="{E76444A0-FA2C-498D-AE92-B53403F8BED2}"/>
               </a:ext>
             </a:extLst>
           </p:cNvPr>
@@ -12194,7 +12125,7 @@
           <a:p>
             <a:r>
               <a:rPr lang="nb-NO" dirty="0"/>
-              <a:t>Authentication &amp; authorization</a:t>
+              <a:t>Azure AD – App Registrations</a:t>
             </a:r>
           </a:p>
         </p:txBody>
@@ -12202,7 +12133,7 @@
     </p:spTree>
     <p:extLst>
       <p:ext uri="{BB962C8B-B14F-4D97-AF65-F5344CB8AC3E}">
-        <p14:creationId xmlns:p14="http://schemas.microsoft.com/office/powerpoint/2010/main" val="3226241621"/>
+        <p14:creationId xmlns:p14="http://schemas.microsoft.com/office/powerpoint/2010/main" val="4043908302"/>
       </p:ext>
     </p:extLst>
   </p:cSld>
@@ -12234,7 +12165,7 @@
           <p:cNvPr id="2" name="Content Placeholder 1">
             <a:extLst>
               <a:ext uri="{FF2B5EF4-FFF2-40B4-BE49-F238E27FC236}">
-                <a16:creationId xmlns:a16="http://schemas.microsoft.com/office/drawing/2014/main" id="{165A31E6-5FA8-4405-A1AE-70E92921354E}"/>
+                <a16:creationId xmlns:a16="http://schemas.microsoft.com/office/drawing/2014/main" id="{01C6EDC8-A815-4F7B-95FE-5E19DA0863EE}"/>
               </a:ext>
             </a:extLst>
           </p:cNvPr>
@@ -12250,12 +12181,6 @@
           <a:bodyPr/>
           <a:lstStyle/>
           <a:p>
-            <a:r>
-              <a:rPr lang="nb-NO" dirty="0"/>
-              <a:t>For å kunne autentisere </a:t>
-            </a:r>
-          </a:p>
-          <a:p>
             <a:endParaRPr lang="nb-NO" dirty="0"/>
           </a:p>
         </p:txBody>
@@ -12265,7 +12190,7 @@
           <p:cNvPr id="3" name="Title 2">
             <a:extLst>
               <a:ext uri="{FF2B5EF4-FFF2-40B4-BE49-F238E27FC236}">
-                <a16:creationId xmlns:a16="http://schemas.microsoft.com/office/drawing/2014/main" id="{E76444A0-FA2C-498D-AE92-B53403F8BED2}"/>
+                <a16:creationId xmlns:a16="http://schemas.microsoft.com/office/drawing/2014/main" id="{9616A1BB-BF26-4AFE-905C-E67197F226A0}"/>
               </a:ext>
             </a:extLst>
           </p:cNvPr>
@@ -12283,7 +12208,7 @@
           <a:p>
             <a:r>
               <a:rPr lang="nb-NO" dirty="0"/>
-              <a:t>Azure AD – App Registrations</a:t>
+              <a:t>Demo og Leksjon 2.</a:t>
             </a:r>
           </a:p>
         </p:txBody>
@@ -12291,7 +12216,7 @@
     </p:spTree>
     <p:extLst>
       <p:ext uri="{BB962C8B-B14F-4D97-AF65-F5344CB8AC3E}">
-        <p14:creationId xmlns:p14="http://schemas.microsoft.com/office/powerpoint/2010/main" val="4043908302"/>
+        <p14:creationId xmlns:p14="http://schemas.microsoft.com/office/powerpoint/2010/main" val="2607850202"/>
       </p:ext>
     </p:extLst>
   </p:cSld>
@@ -12323,89 +12248,6 @@
           <p:cNvPr id="2" name="Content Placeholder 1">
             <a:extLst>
               <a:ext uri="{FF2B5EF4-FFF2-40B4-BE49-F238E27FC236}">
-                <a16:creationId xmlns:a16="http://schemas.microsoft.com/office/drawing/2014/main" id="{01C6EDC8-A815-4F7B-95FE-5E19DA0863EE}"/>
-              </a:ext>
-            </a:extLst>
-          </p:cNvPr>
-          <p:cNvSpPr>
-            <a:spLocks noGrp="1"/>
-          </p:cNvSpPr>
-          <p:nvPr>
-            <p:ph idx="1"/>
-          </p:nvPr>
-        </p:nvSpPr>
-        <p:spPr/>
-        <p:txBody>
-          <a:bodyPr/>
-          <a:lstStyle/>
-          <a:p>
-            <a:endParaRPr lang="nb-NO" dirty="0"/>
-          </a:p>
-        </p:txBody>
-      </p:sp>
-      <p:sp>
-        <p:nvSpPr>
-          <p:cNvPr id="3" name="Title 2">
-            <a:extLst>
-              <a:ext uri="{FF2B5EF4-FFF2-40B4-BE49-F238E27FC236}">
-                <a16:creationId xmlns:a16="http://schemas.microsoft.com/office/drawing/2014/main" id="{9616A1BB-BF26-4AFE-905C-E67197F226A0}"/>
-              </a:ext>
-            </a:extLst>
-          </p:cNvPr>
-          <p:cNvSpPr>
-            <a:spLocks noGrp="1"/>
-          </p:cNvSpPr>
-          <p:nvPr>
-            <p:ph type="title"/>
-          </p:nvPr>
-        </p:nvSpPr>
-        <p:spPr/>
-        <p:txBody>
-          <a:bodyPr/>
-          <a:lstStyle/>
-          <a:p>
-            <a:r>
-              <a:rPr lang="nb-NO" dirty="0"/>
-              <a:t>Demo og Leksjon 2.</a:t>
-            </a:r>
-          </a:p>
-        </p:txBody>
-      </p:sp>
-    </p:spTree>
-    <p:extLst>
-      <p:ext uri="{BB962C8B-B14F-4D97-AF65-F5344CB8AC3E}">
-        <p14:creationId xmlns:p14="http://schemas.microsoft.com/office/powerpoint/2010/main" val="2607850202"/>
-      </p:ext>
-    </p:extLst>
-  </p:cSld>
-  <p:clrMapOvr>
-    <a:masterClrMapping/>
-  </p:clrMapOvr>
-</p:sld>
-</file>
-
-<file path=ppt/slides/slide17.xml><?xml version="1.0" encoding="utf-8"?>
-<p:sld xmlns:a="http://schemas.openxmlformats.org/drawingml/2006/main" xmlns:r="http://schemas.openxmlformats.org/officeDocument/2006/relationships" xmlns:p="http://schemas.openxmlformats.org/presentationml/2006/main">
-  <p:cSld>
-    <p:spTree>
-      <p:nvGrpSpPr>
-        <p:cNvPr id="1" name=""/>
-        <p:cNvGrpSpPr/>
-        <p:nvPr/>
-      </p:nvGrpSpPr>
-      <p:grpSpPr>
-        <a:xfrm>
-          <a:off x="0" y="0"/>
-          <a:ext cx="0" cy="0"/>
-          <a:chOff x="0" y="0"/>
-          <a:chExt cx="0" cy="0"/>
-        </a:xfrm>
-      </p:grpSpPr>
-      <p:sp>
-        <p:nvSpPr>
-          <p:cNvPr id="2" name="Content Placeholder 1">
-            <a:extLst>
-              <a:ext uri="{FF2B5EF4-FFF2-40B4-BE49-F238E27FC236}">
                 <a16:creationId xmlns:a16="http://schemas.microsoft.com/office/drawing/2014/main" id="{3469A132-FA9D-4F94-91D3-A36EA0160557}"/>
               </a:ext>
             </a:extLst>
@@ -12424,13 +12266,66 @@
           <a:p>
             <a:r>
               <a:rPr lang="nb-NO" dirty="0"/>
-              <a:t>VNET</a:t>
-            </a:r>
-          </a:p>
-          <a:p>
+              <a:t>VNET (Virtual Network)</a:t>
+            </a:r>
+          </a:p>
+          <a:p>
+            <a:pPr lvl="1"/>
             <a:r>
               <a:rPr lang="nb-NO" dirty="0"/>
-              <a:t>NSG</a:t>
+              <a:t>Brukes for å lage </a:t>
+            </a:r>
+            <a:r>
+              <a:rPr lang="nb-NO" dirty="0" err="1"/>
+              <a:t>virituelle</a:t>
+            </a:r>
+            <a:r>
+              <a:rPr lang="nb-NO" dirty="0"/>
+              <a:t> nettverk mellom applikasjoner og tjenester</a:t>
+            </a:r>
+          </a:p>
+          <a:p>
+            <a:r>
+              <a:rPr lang="nb-NO" dirty="0"/>
+              <a:t>NSG (Network Security Group)</a:t>
+            </a:r>
+          </a:p>
+          <a:p>
+            <a:pPr lvl="1"/>
+            <a:r>
+              <a:rPr lang="nb-NO" dirty="0"/>
+              <a:t>Brukes til å sette </a:t>
+            </a:r>
+            <a:r>
+              <a:rPr lang="nb-NO" dirty="0" err="1"/>
+              <a:t>policies</a:t>
+            </a:r>
+            <a:r>
+              <a:rPr lang="nb-NO" dirty="0"/>
+              <a:t> for </a:t>
+            </a:r>
+            <a:r>
+              <a:rPr lang="nb-NO" dirty="0" err="1"/>
+              <a:t>virituelle</a:t>
+            </a:r>
+            <a:r>
+              <a:rPr lang="nb-NO" dirty="0"/>
+              <a:t> nettverk eller applikasjoner/</a:t>
+            </a:r>
+            <a:r>
+              <a:rPr lang="nb-NO" dirty="0" err="1"/>
+              <a:t>virituelle</a:t>
+            </a:r>
+            <a:r>
+              <a:rPr lang="nb-NO" dirty="0"/>
+              <a:t> maskiner.</a:t>
+            </a:r>
+          </a:p>
+          <a:p>
+            <a:pPr lvl="1"/>
+            <a:r>
+              <a:rPr lang="nb-NO" dirty="0"/>
+              <a:t>Kan hindre tilganger til tjenester man ikke ønsker at skal være tilgjengelig over internett.</a:t>
             </a:r>
           </a:p>
         </p:txBody>
@@ -12476,7 +12371,7 @@
 </p:sld>
 </file>
 
-<file path=ppt/slides/slide18.xml><?xml version="1.0" encoding="utf-8"?>
+<file path=ppt/slides/slide17.xml><?xml version="1.0" encoding="utf-8"?>
 <p:sld xmlns:a="http://schemas.openxmlformats.org/drawingml/2006/main" xmlns:r="http://schemas.openxmlformats.org/officeDocument/2006/relationships" xmlns:p="http://schemas.openxmlformats.org/presentationml/2006/main">
   <p:cSld>
     <p:spTree>
@@ -13269,6 +13164,34 @@
           <a:chExt cx="0" cy="0"/>
         </a:xfrm>
       </p:grpSpPr>
+      <p:sp>
+        <p:nvSpPr>
+          <p:cNvPr id="3" name="Title 2">
+            <a:extLst>
+              <a:ext uri="{FF2B5EF4-FFF2-40B4-BE49-F238E27FC236}">
+                <a16:creationId xmlns:a16="http://schemas.microsoft.com/office/drawing/2014/main" id="{A186454E-924F-4205-B381-547460A34916}"/>
+              </a:ext>
+            </a:extLst>
+          </p:cNvPr>
+          <p:cNvSpPr>
+            <a:spLocks noGrp="1"/>
+          </p:cNvSpPr>
+          <p:nvPr>
+            <p:ph type="title"/>
+          </p:nvPr>
+        </p:nvSpPr>
+        <p:spPr/>
+        <p:txBody>
+          <a:bodyPr/>
+          <a:lstStyle/>
+          <a:p>
+            <a:r>
+              <a:rPr lang="nb-NO" dirty="0"/>
+              <a:t>Delt ansvar.</a:t>
+            </a:r>
+          </a:p>
+        </p:txBody>
+      </p:sp>
       <p:pic>
         <p:nvPicPr>
           <p:cNvPr id="5" name="Content Placeholder 4" descr="A screenshot of a cell phone&#10;&#10;Description automatically generated">
@@ -13299,17 +13222,17 @@
         </p:blipFill>
         <p:spPr>
           <a:xfrm>
-            <a:off x="5977987" y="859296"/>
-            <a:ext cx="4979213" cy="5139407"/>
+            <a:off x="1848138" y="1825625"/>
+            <a:ext cx="3209925" cy="4010025"/>
           </a:xfrm>
         </p:spPr>
       </p:pic>
       <p:sp>
         <p:nvSpPr>
-          <p:cNvPr id="3" name="Title 2">
+          <p:cNvPr id="2" name="Content Placeholder 1">
             <a:extLst>
               <a:ext uri="{FF2B5EF4-FFF2-40B4-BE49-F238E27FC236}">
-                <a16:creationId xmlns:a16="http://schemas.microsoft.com/office/drawing/2014/main" id="{A186454E-924F-4205-B381-547460A34916}"/>
+                <a16:creationId xmlns:a16="http://schemas.microsoft.com/office/drawing/2014/main" id="{32E9A007-E535-454D-98C0-DB315BCEB216}"/>
               </a:ext>
             </a:extLst>
           </p:cNvPr>
@@ -13317,7 +13240,7 @@
             <a:spLocks noGrp="1"/>
           </p:cNvSpPr>
           <p:nvPr>
-            <p:ph type="title"/>
+            <p:ph idx="13"/>
           </p:nvPr>
         </p:nvSpPr>
         <p:spPr/>
@@ -13327,8 +13250,47 @@
           <a:p>
             <a:r>
               <a:rPr lang="nb-NO" dirty="0"/>
-              <a:t>Delt ansvar.</a:t>
-            </a:r>
+              <a:t>Microsoft ansvar vs. vårt ansvar </a:t>
+            </a:r>
+          </a:p>
+          <a:p>
+            <a:r>
+              <a:rPr lang="nb-NO" dirty="0"/>
+              <a:t>Selv om Microsoft er en sikker plattform, så er det ikke vanskelig å lage et system i skyen som ikke er sikker.</a:t>
+            </a:r>
+          </a:p>
+          <a:p>
+            <a:r>
+              <a:rPr lang="nb-NO" dirty="0"/>
+              <a:t>Hvis man ønsker å sikre dataene sine, så må man gjøre en jobb uansett om det er </a:t>
+            </a:r>
+            <a:r>
+              <a:rPr lang="nb-NO" dirty="0" err="1"/>
+              <a:t>SaaS</a:t>
+            </a:r>
+            <a:r>
+              <a:rPr lang="nb-NO" dirty="0"/>
+              <a:t>, </a:t>
+            </a:r>
+            <a:r>
+              <a:rPr lang="nb-NO" dirty="0" err="1"/>
+              <a:t>PaaS</a:t>
+            </a:r>
+            <a:r>
+              <a:rPr lang="nb-NO" dirty="0"/>
+              <a:t>, </a:t>
+            </a:r>
+            <a:r>
+              <a:rPr lang="nb-NO" dirty="0" err="1"/>
+              <a:t>IaaS</a:t>
+            </a:r>
+            <a:r>
+              <a:rPr lang="nb-NO" dirty="0"/>
+              <a:t>, men hvor mye kommer an på hvilken løsning man velger</a:t>
+            </a:r>
+          </a:p>
+          <a:p>
+            <a:endParaRPr lang="nb-NO" dirty="0"/>
           </a:p>
         </p:txBody>
       </p:sp>
@@ -13367,7 +13329,7 @@
           <p:cNvPr id="2" name="Content Placeholder 1">
             <a:extLst>
               <a:ext uri="{FF2B5EF4-FFF2-40B4-BE49-F238E27FC236}">
-                <a16:creationId xmlns:a16="http://schemas.microsoft.com/office/drawing/2014/main" id="{E1327BF1-1A34-4985-A3F0-67A8830BF363}"/>
+                <a16:creationId xmlns:a16="http://schemas.microsoft.com/office/drawing/2014/main" id="{7E0053A4-7AD4-492F-BC64-A947322D867F}"/>
               </a:ext>
             </a:extLst>
           </p:cNvPr>
@@ -13385,13 +13347,47 @@
           <a:p>
             <a:r>
               <a:rPr lang="nb-NO" dirty="0"/>
-              <a:t>Microsoft ansvar vs. vårt ansvar </a:t>
+              <a:t>Anbefalinger: scanner tjenester (Basic) for å finne usikker konfigurasjon</a:t>
             </a:r>
           </a:p>
           <a:p>
             <a:r>
               <a:rPr lang="nb-NO" dirty="0"/>
-              <a:t>Selv om Microsoft er en sikker plattform, så er det ikke vanskelig å gjøre </a:t>
+              <a:t>Overvåking av tjenester (Standard)</a:t>
+            </a:r>
+          </a:p>
+          <a:p>
+            <a:pPr marL="0" indent="0">
+              <a:buNone/>
+            </a:pPr>
+            <a:endParaRPr lang="nb-NO" dirty="0"/>
+          </a:p>
+          <a:p>
+            <a:endParaRPr lang="nb-NO" dirty="0"/>
+          </a:p>
+          <a:p>
+            <a:r>
+              <a:rPr lang="nb-NO" dirty="0"/>
+              <a:t>To prisnivåer</a:t>
+            </a:r>
+          </a:p>
+          <a:p>
+            <a:pPr lvl="1"/>
+            <a:r>
+              <a:rPr lang="nb-NO" dirty="0"/>
+              <a:t>Basic tier: Tilbyr anbefalinger og </a:t>
+            </a:r>
+            <a:r>
+              <a:rPr lang="nb-NO" dirty="0" err="1"/>
+              <a:t>recommendations</a:t>
+            </a:r>
+            <a:endParaRPr lang="nb-NO" dirty="0"/>
+          </a:p>
+          <a:p>
+            <a:pPr lvl="1"/>
+            <a:r>
+              <a:rPr lang="nb-NO" dirty="0"/>
+              <a:t>Standard tier: Tilbyr alle tjenester som overvåkning</a:t>
             </a:r>
           </a:p>
         </p:txBody>
@@ -13401,7 +13397,7 @@
           <p:cNvPr id="3" name="Title 2">
             <a:extLst>
               <a:ext uri="{FF2B5EF4-FFF2-40B4-BE49-F238E27FC236}">
-                <a16:creationId xmlns:a16="http://schemas.microsoft.com/office/drawing/2014/main" id="{21D13C0A-69F7-4AD0-95BE-64826CCA89BC}"/>
+                <a16:creationId xmlns:a16="http://schemas.microsoft.com/office/drawing/2014/main" id="{588209D4-0181-4A79-95F6-D34F1CB44558}"/>
               </a:ext>
             </a:extLst>
           </p:cNvPr>
@@ -13417,14 +13413,17 @@
           <a:bodyPr/>
           <a:lstStyle/>
           <a:p>
-            <a:endParaRPr lang="nb-NO" dirty="0"/>
+            <a:r>
+              <a:rPr lang="nb-NO" dirty="0"/>
+              <a:t>Azure Security Center</a:t>
+            </a:r>
           </a:p>
         </p:txBody>
       </p:sp>
     </p:spTree>
     <p:extLst>
       <p:ext uri="{BB962C8B-B14F-4D97-AF65-F5344CB8AC3E}">
-        <p14:creationId xmlns:p14="http://schemas.microsoft.com/office/powerpoint/2010/main" val="3824878857"/>
+        <p14:creationId xmlns:p14="http://schemas.microsoft.com/office/powerpoint/2010/main" val="1414863137"/>
       </p:ext>
     </p:extLst>
   </p:cSld>
@@ -13456,7 +13455,7 @@
           <p:cNvPr id="2" name="Content Placeholder 1">
             <a:extLst>
               <a:ext uri="{FF2B5EF4-FFF2-40B4-BE49-F238E27FC236}">
-                <a16:creationId xmlns:a16="http://schemas.microsoft.com/office/drawing/2014/main" id="{7E0053A4-7AD4-492F-BC64-A947322D867F}"/>
+                <a16:creationId xmlns:a16="http://schemas.microsoft.com/office/drawing/2014/main" id="{0D2E6551-FB34-4842-B140-5F0475BDB3EF}"/>
               </a:ext>
             </a:extLst>
           </p:cNvPr>
@@ -13472,16 +13471,21 @@
           <a:bodyPr/>
           <a:lstStyle/>
           <a:p>
-            <a:r>
-              <a:rPr lang="nb-NO" dirty="0"/>
-              <a:t>Anbefalinger: scanner tjenester (Basic) for å finne usikker konfigurasjon</a:t>
-            </a:r>
-          </a:p>
-          <a:p>
-            <a:r>
-              <a:rPr lang="nb-NO" dirty="0"/>
-              <a:t>Overvåking av tjenester (Standard)</a:t>
-            </a:r>
+            <a:pPr marL="0" indent="0">
+              <a:buNone/>
+            </a:pPr>
+            <a:endParaRPr lang="nb-NO" dirty="0">
+              <a:hlinkClick r:id="rId2"/>
+            </a:endParaRPr>
+          </a:p>
+          <a:p>
+            <a:r>
+              <a:rPr lang="nb-NO" dirty="0">
+                <a:hlinkClick r:id="rId2"/>
+              </a:rPr>
+              <a:t>https://minside.bouvet.no/bouvet-alle/meg-som-ansatt/sikkerhet-i-dna-et-vart</a:t>
+            </a:r>
+            <a:endParaRPr lang="nb-NO" dirty="0"/>
           </a:p>
           <a:p>
             <a:pPr marL="0" indent="0">
@@ -13490,32 +13494,16 @@
             <a:endParaRPr lang="nb-NO" dirty="0"/>
           </a:p>
           <a:p>
+            <a:r>
+              <a:rPr lang="nb-NO" dirty="0">
+                <a:hlinkClick r:id="rId3"/>
+              </a:rPr>
+              <a:t>https://minside.bouvet.no/metoder/cloud-security</a:t>
+            </a:r>
             <a:endParaRPr lang="nb-NO" dirty="0"/>
           </a:p>
           <a:p>
-            <a:r>
-              <a:rPr lang="nb-NO" dirty="0"/>
-              <a:t>To prisnivåer</a:t>
-            </a:r>
-          </a:p>
-          <a:p>
-            <a:pPr lvl="1"/>
-            <a:r>
-              <a:rPr lang="nb-NO" dirty="0"/>
-              <a:t>Basic tier: Tilbyr anbefalinger og </a:t>
-            </a:r>
-            <a:r>
-              <a:rPr lang="nb-NO" dirty="0" err="1"/>
-              <a:t>recommendations</a:t>
-            </a:r>
             <a:endParaRPr lang="nb-NO" dirty="0"/>
-          </a:p>
-          <a:p>
-            <a:pPr lvl="1"/>
-            <a:r>
-              <a:rPr lang="nb-NO" dirty="0"/>
-              <a:t>Standard tier: Tilbyr alle tjenester som overvåkning</a:t>
-            </a:r>
           </a:p>
         </p:txBody>
       </p:sp>
@@ -13524,7 +13512,7 @@
           <p:cNvPr id="3" name="Title 2">
             <a:extLst>
               <a:ext uri="{FF2B5EF4-FFF2-40B4-BE49-F238E27FC236}">
-                <a16:creationId xmlns:a16="http://schemas.microsoft.com/office/drawing/2014/main" id="{588209D4-0181-4A79-95F6-D34F1CB44558}"/>
+                <a16:creationId xmlns:a16="http://schemas.microsoft.com/office/drawing/2014/main" id="{0799CBB5-0E2C-4344-96B8-3F135E8ED7F7}"/>
               </a:ext>
             </a:extLst>
           </p:cNvPr>
@@ -13542,7 +13530,7 @@
           <a:p>
             <a:r>
               <a:rPr lang="nb-NO" dirty="0"/>
-              <a:t>Azure Security Center</a:t>
+              <a:t>Nyttige lenker (Bouvet interne)</a:t>
             </a:r>
           </a:p>
         </p:txBody>
@@ -13550,7 +13538,7 @@
     </p:spTree>
     <p:extLst>
       <p:ext uri="{BB962C8B-B14F-4D97-AF65-F5344CB8AC3E}">
-        <p14:creationId xmlns:p14="http://schemas.microsoft.com/office/powerpoint/2010/main" val="1414863137"/>
+        <p14:creationId xmlns:p14="http://schemas.microsoft.com/office/powerpoint/2010/main" val="1163624278"/>
       </p:ext>
     </p:extLst>
   </p:cSld>
@@ -15092,6 +15080,12 @@
 </file>
 
 <file path=customXml/item1.xml><?xml version="1.0" encoding="utf-8"?>
+<p:properties xmlns:p="http://schemas.microsoft.com/office/2006/metadata/properties" xmlns:xsi="http://www.w3.org/2001/XMLSchema-instance" xmlns:pc="http://schemas.microsoft.com/office/infopath/2007/PartnerControls">
+  <documentManagement/>
+</p:properties>
+</file>
+
+<file path=customXml/item2.xml><?xml version="1.0" encoding="utf-8"?>
 <ct:contentTypeSchema xmlns:ct="http://schemas.microsoft.com/office/2006/metadata/contentType" xmlns:ma="http://schemas.microsoft.com/office/2006/metadata/properties/metaAttributes" ct:_="" ma:_="" ma:contentTypeName="Document" ma:contentTypeID="0x0101005D3CE5A03C88D04F8FE0CC8617320B29" ma:contentTypeVersion="2" ma:contentTypeDescription="Create a new document." ma:contentTypeScope="" ma:versionID="23c508fadb5761cd27fdc7efc393bb78">
   <xsd:schema xmlns:xsd="http://www.w3.org/2001/XMLSchema" xmlns:xs="http://www.w3.org/2001/XMLSchema" xmlns:p="http://schemas.microsoft.com/office/2006/metadata/properties" xmlns:ns2="323bcd62-7d27-4513-9df1-9bc20f03554b" targetNamespace="http://schemas.microsoft.com/office/2006/metadata/properties" ma:root="true" ma:fieldsID="4120a6a9df7c81c23a4d646d2ccf1355" ns2:_="">
     <xsd:import namespace="323bcd62-7d27-4513-9df1-9bc20f03554b"/>
@@ -15223,12 +15217,6 @@
 </ct:contentTypeSchema>
 </file>
 
-<file path=customXml/item2.xml><?xml version="1.0" encoding="utf-8"?>
-<p:properties xmlns:p="http://schemas.microsoft.com/office/2006/metadata/properties" xmlns:xsi="http://www.w3.org/2001/XMLSchema-instance" xmlns:pc="http://schemas.microsoft.com/office/infopath/2007/PartnerControls">
-  <documentManagement/>
-</p:properties>
-</file>
-
 <file path=customXml/item3.xml><?xml version="1.0" encoding="utf-8"?>
 <?mso-contentType ?>
 <FormTemplates xmlns="http://schemas.microsoft.com/sharepoint/v3/contenttype/forms">
@@ -15239,6 +15227,23 @@
 </file>
 
 <file path=customXml/itemProps1.xml><?xml version="1.0" encoding="utf-8"?>
+<ds:datastoreItem xmlns:ds="http://schemas.openxmlformats.org/officeDocument/2006/customXml" ds:itemID="{9D2CB842-18D5-4EEF-9009-B0CAFCE7AC3E}">
+  <ds:schemaRefs>
+    <ds:schemaRef ds:uri="http://schemas.microsoft.com/office/2006/documentManagement/types"/>
+    <ds:schemaRef ds:uri="http://schemas.microsoft.com/office/infopath/2007/PartnerControls"/>
+    <ds:schemaRef ds:uri="cd7095a3-97f1-4663-a71f-a762e9d8a5de"/>
+    <ds:schemaRef ds:uri="http://purl.org/dc/elements/1.1/"/>
+    <ds:schemaRef ds:uri="http://schemas.microsoft.com/office/2006/metadata/properties"/>
+    <ds:schemaRef ds:uri="http://schemas.microsoft.com/sharepoint/v3"/>
+    <ds:schemaRef ds:uri="http://purl.org/dc/terms/"/>
+    <ds:schemaRef ds:uri="http://schemas.openxmlformats.org/package/2006/metadata/core-properties"/>
+    <ds:schemaRef ds:uri="http://www.w3.org/XML/1998/namespace"/>
+    <ds:schemaRef ds:uri="http://purl.org/dc/dcmitype/"/>
+  </ds:schemaRefs>
+</ds:datastoreItem>
+</file>
+
+<file path=customXml/itemProps2.xml><?xml version="1.0" encoding="utf-8"?>
 <ds:datastoreItem xmlns:ds="http://schemas.openxmlformats.org/officeDocument/2006/customXml" ds:itemID="{0377EA4A-9170-43AD-A052-6EABC948F73F}">
   <ds:schemaRefs>
     <ds:schemaRef ds:uri="http://schemas.microsoft.com/office/2006/metadata/contentType"/>
@@ -15256,23 +15261,6 @@
 </ds:datastoreItem>
 </file>
 
-<file path=customXml/itemProps2.xml><?xml version="1.0" encoding="utf-8"?>
-<ds:datastoreItem xmlns:ds="http://schemas.openxmlformats.org/officeDocument/2006/customXml" ds:itemID="{9D2CB842-18D5-4EEF-9009-B0CAFCE7AC3E}">
-  <ds:schemaRefs>
-    <ds:schemaRef ds:uri="http://schemas.microsoft.com/office/2006/documentManagement/types"/>
-    <ds:schemaRef ds:uri="http://schemas.microsoft.com/office/infopath/2007/PartnerControls"/>
-    <ds:schemaRef ds:uri="cd7095a3-97f1-4663-a71f-a762e9d8a5de"/>
-    <ds:schemaRef ds:uri="http://purl.org/dc/elements/1.1/"/>
-    <ds:schemaRef ds:uri="http://schemas.microsoft.com/office/2006/metadata/properties"/>
-    <ds:schemaRef ds:uri="http://schemas.microsoft.com/sharepoint/v3"/>
-    <ds:schemaRef ds:uri="http://purl.org/dc/terms/"/>
-    <ds:schemaRef ds:uri="http://schemas.openxmlformats.org/package/2006/metadata/core-properties"/>
-    <ds:schemaRef ds:uri="http://www.w3.org/XML/1998/namespace"/>
-    <ds:schemaRef ds:uri="http://purl.org/dc/dcmitype/"/>
-  </ds:schemaRefs>
-</ds:datastoreItem>
-</file>
-
 <file path=customXml/itemProps3.xml><?xml version="1.0" encoding="utf-8"?>
 <ds:datastoreItem xmlns:ds="http://schemas.openxmlformats.org/officeDocument/2006/customXml" ds:itemID="{BB82CC63-55FC-4D22-9ED3-DB88AF6228E1}">
   <ds:schemaRefs>

--- a/Workshop_3/Presentasjon/Azureskolen-Workshop#3.pptx
+++ b/Workshop_3/Presentasjon/Azureskolen-Workshop#3.pptx
@@ -592,7 +592,7 @@
           <a:p>
             <a:fld id="{54C52192-B826-4AE0-9CD6-BEA9467D12B3}" type="datetimeFigureOut">
               <a:rPr lang="nb-NO" smtClean="0"/>
-              <a:t>16.01.2020</a:t>
+              <a:t>17.01.2020</a:t>
             </a:fld>
             <a:endParaRPr lang="nb-NO"/>
           </a:p>
@@ -757,7 +757,7 @@
           <a:p>
             <a:fld id="{2696BCB2-2760-41B1-A1BE-7886EF110FCB}" type="datetimeFigureOut">
               <a:rPr lang="nb-NO" smtClean="0"/>
-              <a:t>16.01.2020</a:t>
+              <a:t>17.01.2020</a:t>
             </a:fld>
             <a:endParaRPr lang="nb-NO"/>
           </a:p>
@@ -11968,18 +11968,13 @@
           <a:p>
             <a:r>
               <a:rPr lang="nb-NO" dirty="0"/>
-              <a:t>Alltid to steg:</a:t>
-            </a:r>
-          </a:p>
-          <a:p>
-            <a:pPr lvl="1"/>
-            <a:r>
-              <a:rPr lang="nb-NO" dirty="0"/>
               <a:t>Autentisere (hvem er brukeren)</a:t>
             </a:r>
           </a:p>
           <a:p>
-            <a:pPr lvl="1"/>
+            <a:endParaRPr lang="nb-NO" dirty="0"/>
+          </a:p>
+          <a:p>
             <a:r>
               <a:rPr lang="nb-NO" dirty="0"/>
               <a:t>Autorisere (skal denne brukeren ha tilgang)</a:t>
@@ -12547,6 +12542,38 @@
       </p:grpSpPr>
       <p:sp>
         <p:nvSpPr>
+          <p:cNvPr id="4" name="Title 3">
+            <a:extLst>
+              <a:ext uri="{FF2B5EF4-FFF2-40B4-BE49-F238E27FC236}">
+                <a16:creationId xmlns:a16="http://schemas.microsoft.com/office/drawing/2014/main" id="{926743FF-4E38-4244-9AF8-AF658D858849}"/>
+              </a:ext>
+            </a:extLst>
+          </p:cNvPr>
+          <p:cNvSpPr>
+            <a:spLocks noGrp="1"/>
+          </p:cNvSpPr>
+          <p:nvPr>
+            <p:ph type="title"/>
+          </p:nvPr>
+        </p:nvSpPr>
+        <p:spPr/>
+        <p:txBody>
+          <a:bodyPr/>
+          <a:lstStyle/>
+          <a:p>
+            <a:r>
+              <a:rPr lang="nb-NO" dirty="0" err="1"/>
+              <a:t>Azureskolen</a:t>
+            </a:r>
+            <a:r>
+              <a:rPr lang="nb-NO" dirty="0"/>
+              <a:t> Workshop – Foreløpig plan</a:t>
+            </a:r>
+          </a:p>
+        </p:txBody>
+      </p:sp>
+      <p:sp>
+        <p:nvSpPr>
           <p:cNvPr id="5" name="Content Placeholder 4">
             <a:extLst>
               <a:ext uri="{FF2B5EF4-FFF2-40B4-BE49-F238E27FC236}">
@@ -12567,75 +12594,87 @@
           <a:lstStyle/>
           <a:p>
             <a:r>
+              <a:rPr lang="nb-NO" sz="2200" dirty="0"/>
+              <a:t>Workshop #1</a:t>
+            </a:r>
+          </a:p>
+          <a:p>
+            <a:pPr lvl="1"/>
+            <a:r>
+              <a:rPr lang="en-US" sz="1800" dirty="0"/>
+              <a:t>Azure basics</a:t>
+            </a:r>
+          </a:p>
+          <a:p>
+            <a:pPr lvl="1"/>
+            <a:r>
+              <a:rPr lang="en-US" sz="1800" dirty="0"/>
+              <a:t>App Services</a:t>
+            </a:r>
+          </a:p>
+          <a:p>
+            <a:pPr lvl="1"/>
+            <a:r>
+              <a:rPr lang="en-US" sz="1800" dirty="0"/>
+              <a:t>Key Vault</a:t>
+            </a:r>
+          </a:p>
+          <a:p>
+            <a:pPr lvl="1"/>
+            <a:r>
+              <a:rPr lang="en-US" sz="1800" dirty="0"/>
+              <a:t>Storage</a:t>
+            </a:r>
+          </a:p>
+          <a:p>
+            <a:r>
+              <a:rPr lang="nb-NO" sz="2200" dirty="0"/>
+              <a:t>Workshop #2</a:t>
+            </a:r>
+          </a:p>
+          <a:p>
+            <a:pPr lvl="1"/>
+            <a:r>
+              <a:rPr lang="nb-NO" sz="1800" dirty="0"/>
+              <a:t>Azure DevOps</a:t>
+            </a:r>
+          </a:p>
+          <a:p>
+            <a:pPr lvl="2"/>
+            <a:r>
+              <a:rPr lang="nb-NO" dirty="0" err="1"/>
+              <a:t>Continuous</a:t>
+            </a:r>
+            <a:r>
               <a:rPr lang="nb-NO" dirty="0"/>
-              <a:t>Workshop #1</a:t>
+              <a:t> Delivery pipeline</a:t>
             </a:r>
           </a:p>
           <a:p>
             <a:pPr lvl="1"/>
             <a:r>
-              <a:rPr lang="nb-NO" dirty="0"/>
-              <a:t>Introduksjon Azure</a:t>
+              <a:rPr lang="nb-NO" sz="1800" dirty="0"/>
+              <a:t>ARM-templates / Infrastructure as Code</a:t>
             </a:r>
           </a:p>
           <a:p>
             <a:pPr lvl="1"/>
             <a:r>
-              <a:rPr lang="nb-NO" dirty="0"/>
-              <a:t>App Service, Azure Storage, Bonus: Key Vault</a:t>
-            </a:r>
-          </a:p>
-          <a:p>
-            <a:r>
-              <a:rPr lang="nb-NO" dirty="0"/>
-              <a:t>Workshop #2</a:t>
-            </a:r>
-          </a:p>
-          <a:p>
-            <a:pPr lvl="1"/>
-            <a:r>
-              <a:rPr lang="nb-NO" dirty="0" err="1"/>
-              <a:t>DevOps</a:t>
-            </a:r>
+              <a:rPr lang="nb-NO" sz="1800" dirty="0"/>
+              <a:t>Application Insights</a:t>
+            </a:r>
+          </a:p>
+          <a:p>
             <a:endParaRPr lang="nb-NO" dirty="0"/>
           </a:p>
-          <a:p>
-            <a:r>
-              <a:rPr lang="nb-NO" b="1" dirty="0"/>
-              <a:t>Workshop #3</a:t>
-            </a:r>
-          </a:p>
-          <a:p>
-            <a:pPr lvl="1"/>
-            <a:r>
-              <a:rPr lang="nb-NO" dirty="0"/>
-              <a:t>Sikkerhet</a:t>
-            </a:r>
-          </a:p>
-          <a:p>
-            <a:r>
-              <a:rPr lang="nb-NO" dirty="0"/>
-              <a:t>Workshop #4</a:t>
-            </a:r>
-          </a:p>
-          <a:p>
-            <a:pPr lvl="1"/>
-            <a:r>
-              <a:rPr lang="nb-NO" dirty="0"/>
-              <a:t>TBD</a:t>
-            </a:r>
-          </a:p>
-          <a:p>
-            <a:endParaRPr lang="nb-NO" dirty="0"/>
-          </a:p>
-        </p:txBody>
-      </p:sp>
-      <p:sp>
-        <p:nvSpPr>
-          <p:cNvPr id="4" name="Title 3">
+        </p:txBody>
+      </p:sp>
+      <p:sp>
+        <p:nvSpPr>
+          <p:cNvPr id="2" name="Content Placeholder 1">
             <a:extLst>
               <a:ext uri="{FF2B5EF4-FFF2-40B4-BE49-F238E27FC236}">
-                <a16:creationId xmlns:a16="http://schemas.microsoft.com/office/drawing/2014/main" id="{926743FF-4E38-4244-9AF8-AF658D858849}"/>
+                <a16:creationId xmlns:a16="http://schemas.microsoft.com/office/drawing/2014/main" id="{ED08FDE6-A50F-49EC-8CB9-01843AC8700E}"/>
               </a:ext>
             </a:extLst>
           </p:cNvPr>
@@ -12643,7 +12682,7 @@
             <a:spLocks noGrp="1"/>
           </p:cNvSpPr>
           <p:nvPr>
-            <p:ph type="title"/>
+            <p:ph idx="13"/>
           </p:nvPr>
         </p:nvSpPr>
         <p:spPr/>
@@ -12652,13 +12691,78 @@
           <a:lstStyle/>
           <a:p>
             <a:r>
-              <a:rPr lang="nb-NO" dirty="0" err="1"/>
-              <a:t>Azureskolen</a:t>
-            </a:r>
-            <a:r>
-              <a:rPr lang="nb-NO" dirty="0"/>
-              <a:t> Workshop – Foreløpig plan</a:t>
-            </a:r>
+              <a:rPr lang="nb-NO" sz="2200" b="1" dirty="0"/>
+              <a:t>Workshop #3</a:t>
+            </a:r>
+          </a:p>
+          <a:p>
+            <a:pPr lvl="1"/>
+            <a:r>
+              <a:rPr lang="nb-NO" sz="1800" dirty="0"/>
+              <a:t>Introduksjon til </a:t>
+            </a:r>
+            <a:r>
+              <a:rPr lang="nb-NO" sz="1800" dirty="0" err="1"/>
+              <a:t>sikkerthet</a:t>
+            </a:r>
+            <a:r>
+              <a:rPr lang="nb-NO" sz="1800" dirty="0"/>
+              <a:t> i </a:t>
+            </a:r>
+            <a:r>
+              <a:rPr lang="nb-NO" sz="1800" dirty="0" err="1"/>
+              <a:t>Azure</a:t>
+            </a:r>
+            <a:endParaRPr lang="nb-NO" sz="1800" dirty="0"/>
+          </a:p>
+          <a:p>
+            <a:pPr lvl="1"/>
+            <a:r>
+              <a:rPr lang="nb-NO" sz="1800" dirty="0" err="1"/>
+              <a:t>Azure</a:t>
+            </a:r>
+            <a:r>
+              <a:rPr lang="nb-NO" sz="1800" dirty="0"/>
+              <a:t> Active Directory - autentisering.</a:t>
+            </a:r>
+          </a:p>
+          <a:p>
+            <a:pPr lvl="1"/>
+            <a:r>
+              <a:rPr lang="nb-NO" sz="1800" dirty="0"/>
+              <a:t>SAS-tokens i </a:t>
+            </a:r>
+            <a:r>
+              <a:rPr lang="nb-NO" sz="1800" dirty="0" err="1"/>
+              <a:t>Azure</a:t>
+            </a:r>
+            <a:r>
+              <a:rPr lang="nb-NO" sz="1800" dirty="0"/>
+              <a:t> Storage</a:t>
+            </a:r>
+          </a:p>
+          <a:p>
+            <a:pPr lvl="1"/>
+            <a:r>
+              <a:rPr lang="nb-NO" sz="1800" dirty="0"/>
+              <a:t>Introduksjon til infrastruktur-sikkerhet</a:t>
+            </a:r>
+          </a:p>
+          <a:p>
+            <a:r>
+              <a:rPr lang="nb-NO" sz="2200" dirty="0"/>
+              <a:t>Workshop #4</a:t>
+            </a:r>
+          </a:p>
+          <a:p>
+            <a:pPr lvl="1"/>
+            <a:r>
+              <a:rPr lang="nb-NO" sz="1800" dirty="0"/>
+              <a:t>TBD</a:t>
+            </a:r>
+          </a:p>
+          <a:p>
+            <a:endParaRPr lang="nb-NO" dirty="0"/>
           </a:p>
         </p:txBody>
       </p:sp>
@@ -13075,11 +13179,9 @@
           </a:p>
           <a:p>
             <a:r>
-              <a:rPr lang="nb-NO" dirty="0"/>
+              <a:rPr lang="nb-NO" dirty="0" err="1"/>
               <a:t>Compute</a:t>
             </a:r>
-          </a:p>
-          <a:p>
             <a:endParaRPr lang="nb-NO" dirty="0"/>
           </a:p>
           <a:p>
@@ -15080,12 +15182,6 @@
 </file>
 
 <file path=customXml/item1.xml><?xml version="1.0" encoding="utf-8"?>
-<p:properties xmlns:p="http://schemas.microsoft.com/office/2006/metadata/properties" xmlns:xsi="http://www.w3.org/2001/XMLSchema-instance" xmlns:pc="http://schemas.microsoft.com/office/infopath/2007/PartnerControls">
-  <documentManagement/>
-</p:properties>
-</file>
-
-<file path=customXml/item2.xml><?xml version="1.0" encoding="utf-8"?>
 <ct:contentTypeSchema xmlns:ct="http://schemas.microsoft.com/office/2006/metadata/contentType" xmlns:ma="http://schemas.microsoft.com/office/2006/metadata/properties/metaAttributes" ct:_="" ma:_="" ma:contentTypeName="Document" ma:contentTypeID="0x0101005D3CE5A03C88D04F8FE0CC8617320B29" ma:contentTypeVersion="2" ma:contentTypeDescription="Create a new document." ma:contentTypeScope="" ma:versionID="23c508fadb5761cd27fdc7efc393bb78">
   <xsd:schema xmlns:xsd="http://www.w3.org/2001/XMLSchema" xmlns:xs="http://www.w3.org/2001/XMLSchema" xmlns:p="http://schemas.microsoft.com/office/2006/metadata/properties" xmlns:ns2="323bcd62-7d27-4513-9df1-9bc20f03554b" targetNamespace="http://schemas.microsoft.com/office/2006/metadata/properties" ma:root="true" ma:fieldsID="4120a6a9df7c81c23a4d646d2ccf1355" ns2:_="">
     <xsd:import namespace="323bcd62-7d27-4513-9df1-9bc20f03554b"/>
@@ -15217,6 +15313,12 @@
 </ct:contentTypeSchema>
 </file>
 
+<file path=customXml/item2.xml><?xml version="1.0" encoding="utf-8"?>
+<p:properties xmlns:p="http://schemas.microsoft.com/office/2006/metadata/properties" xmlns:xsi="http://www.w3.org/2001/XMLSchema-instance" xmlns:pc="http://schemas.microsoft.com/office/infopath/2007/PartnerControls">
+  <documentManagement/>
+</p:properties>
+</file>
+
 <file path=customXml/item3.xml><?xml version="1.0" encoding="utf-8"?>
 <?mso-contentType ?>
 <FormTemplates xmlns="http://schemas.microsoft.com/sharepoint/v3/contenttype/forms">
@@ -15227,23 +15329,6 @@
 </file>
 
 <file path=customXml/itemProps1.xml><?xml version="1.0" encoding="utf-8"?>
-<ds:datastoreItem xmlns:ds="http://schemas.openxmlformats.org/officeDocument/2006/customXml" ds:itemID="{9D2CB842-18D5-4EEF-9009-B0CAFCE7AC3E}">
-  <ds:schemaRefs>
-    <ds:schemaRef ds:uri="http://schemas.microsoft.com/office/2006/documentManagement/types"/>
-    <ds:schemaRef ds:uri="http://schemas.microsoft.com/office/infopath/2007/PartnerControls"/>
-    <ds:schemaRef ds:uri="cd7095a3-97f1-4663-a71f-a762e9d8a5de"/>
-    <ds:schemaRef ds:uri="http://purl.org/dc/elements/1.1/"/>
-    <ds:schemaRef ds:uri="http://schemas.microsoft.com/office/2006/metadata/properties"/>
-    <ds:schemaRef ds:uri="http://schemas.microsoft.com/sharepoint/v3"/>
-    <ds:schemaRef ds:uri="http://purl.org/dc/terms/"/>
-    <ds:schemaRef ds:uri="http://schemas.openxmlformats.org/package/2006/metadata/core-properties"/>
-    <ds:schemaRef ds:uri="http://www.w3.org/XML/1998/namespace"/>
-    <ds:schemaRef ds:uri="http://purl.org/dc/dcmitype/"/>
-  </ds:schemaRefs>
-</ds:datastoreItem>
-</file>
-
-<file path=customXml/itemProps2.xml><?xml version="1.0" encoding="utf-8"?>
 <ds:datastoreItem xmlns:ds="http://schemas.openxmlformats.org/officeDocument/2006/customXml" ds:itemID="{0377EA4A-9170-43AD-A052-6EABC948F73F}">
   <ds:schemaRefs>
     <ds:schemaRef ds:uri="http://schemas.microsoft.com/office/2006/metadata/contentType"/>
@@ -15261,6 +15346,23 @@
 </ds:datastoreItem>
 </file>
 
+<file path=customXml/itemProps2.xml><?xml version="1.0" encoding="utf-8"?>
+<ds:datastoreItem xmlns:ds="http://schemas.openxmlformats.org/officeDocument/2006/customXml" ds:itemID="{9D2CB842-18D5-4EEF-9009-B0CAFCE7AC3E}">
+  <ds:schemaRefs>
+    <ds:schemaRef ds:uri="http://schemas.microsoft.com/office/2006/documentManagement/types"/>
+    <ds:schemaRef ds:uri="http://schemas.microsoft.com/office/infopath/2007/PartnerControls"/>
+    <ds:schemaRef ds:uri="cd7095a3-97f1-4663-a71f-a762e9d8a5de"/>
+    <ds:schemaRef ds:uri="http://purl.org/dc/elements/1.1/"/>
+    <ds:schemaRef ds:uri="http://schemas.microsoft.com/office/2006/metadata/properties"/>
+    <ds:schemaRef ds:uri="http://schemas.microsoft.com/sharepoint/v3"/>
+    <ds:schemaRef ds:uri="http://purl.org/dc/terms/"/>
+    <ds:schemaRef ds:uri="http://schemas.openxmlformats.org/package/2006/metadata/core-properties"/>
+    <ds:schemaRef ds:uri="http://www.w3.org/XML/1998/namespace"/>
+    <ds:schemaRef ds:uri="http://purl.org/dc/dcmitype/"/>
+  </ds:schemaRefs>
+</ds:datastoreItem>
+</file>
+
 <file path=customXml/itemProps3.xml><?xml version="1.0" encoding="utf-8"?>
 <ds:datastoreItem xmlns:ds="http://schemas.openxmlformats.org/officeDocument/2006/customXml" ds:itemID="{BB82CC63-55FC-4D22-9ED3-DB88AF6228E1}">
   <ds:schemaRefs>

--- a/Workshop_3/Presentasjon/Azureskolen-Workshop#3.pptx
+++ b/Workshop_3/Presentasjon/Azureskolen-Workshop#3.pptx
@@ -592,7 +592,7 @@
           <a:p>
             <a:fld id="{54C52192-B826-4AE0-9CD6-BEA9467D12B3}" type="datetimeFigureOut">
               <a:rPr lang="nb-NO" smtClean="0"/>
-              <a:t>17.01.2020</a:t>
+              <a:t>19.01.2020</a:t>
             </a:fld>
             <a:endParaRPr lang="nb-NO"/>
           </a:p>
@@ -757,7 +757,7 @@
           <a:p>
             <a:fld id="{2696BCB2-2760-41B1-A1BE-7886EF110FCB}" type="datetimeFigureOut">
               <a:rPr lang="nb-NO" smtClean="0"/>
-              <a:t>17.01.2020</a:t>
+              <a:t>19.01.2020</a:t>
             </a:fld>
             <a:endParaRPr lang="nb-NO"/>
           </a:p>
@@ -1716,7 +1716,7 @@
           <a:p>
             <a:r>
               <a:rPr lang="nb-NO" dirty="0"/>
-              <a:t>Vis litt i Azure Security Center.</a:t>
+              <a:t>Vis litt i Azure Security Center i Portalen.</a:t>
             </a:r>
           </a:p>
           <a:p>
@@ -11683,6 +11683,10 @@
             </a:r>
           </a:p>
           <a:p>
+            <a:pPr lvl="1"/>
+            <a:endParaRPr lang="nb-NO" dirty="0"/>
+          </a:p>
+          <a:p>
             <a:r>
               <a:rPr lang="nb-NO" dirty="0"/>
               <a:t>Active Directory sammen med on-</a:t>
@@ -11704,7 +11708,14 @@
             <a:pPr lvl="1"/>
             <a:r>
               <a:rPr lang="nb-NO" dirty="0"/>
-              <a:t>Multi-factor Authentication (MFA) - Gratis</a:t>
+              <a:t>Multi-factor Authentication (MFA) – Gratis</a:t>
+            </a:r>
+          </a:p>
+          <a:p>
+            <a:pPr lvl="1"/>
+            <a:r>
+              <a:rPr lang="nb-NO" dirty="0"/>
+              <a:t>Mange mekanismer for å trykke identiteten</a:t>
             </a:r>
           </a:p>
           <a:p>
@@ -11731,22 +11742,61 @@
           </a:p>
           <a:p>
             <a:r>
+              <a:rPr lang="nb-NO" dirty="0" err="1"/>
+              <a:t>Role-Based</a:t>
+            </a:r>
+            <a:r>
               <a:rPr lang="nb-NO" dirty="0"/>
-              <a:t>Har støtte </a:t>
+              <a:t> Access Control (RBAC</a:t>
+            </a:r>
+          </a:p>
+          <a:p>
+            <a:r>
+              <a:rPr lang="nb-NO" dirty="0"/>
+              <a:t>Subscription og trust</a:t>
             </a:r>
           </a:p>
           <a:p>
             <a:pPr lvl="1"/>
             <a:r>
               <a:rPr lang="nb-NO" dirty="0"/>
-              <a:t>P1, P2 </a:t>
-            </a:r>
+              <a:t>Azure AD kan </a:t>
+            </a:r>
+            <a:r>
+              <a:rPr lang="nb-NO" dirty="0" err="1"/>
+              <a:t>truste</a:t>
+            </a:r>
+            <a:r>
+              <a:rPr lang="nb-NO" dirty="0"/>
+              <a:t> mange </a:t>
+            </a:r>
+            <a:r>
+              <a:rPr lang="nb-NO" dirty="0" err="1"/>
+              <a:t>subscriptions</a:t>
+            </a:r>
+            <a:endParaRPr lang="nb-NO" dirty="0"/>
           </a:p>
           <a:p>
             <a:pPr lvl="1"/>
             <a:r>
               <a:rPr lang="nb-NO" dirty="0"/>
-              <a:t>Eks. Priviligied Identity Management (PIM) </a:t>
+              <a:t>Et </a:t>
+            </a:r>
+            <a:r>
+              <a:rPr lang="nb-NO" dirty="0" err="1"/>
+              <a:t>subscription</a:t>
+            </a:r>
+            <a:r>
+              <a:rPr lang="nb-NO" dirty="0"/>
+              <a:t> kan bare </a:t>
+            </a:r>
+            <a:r>
+              <a:rPr lang="nb-NO" dirty="0" err="1"/>
+              <a:t>truste</a:t>
+            </a:r>
+            <a:r>
+              <a:rPr lang="nb-NO" dirty="0"/>
+              <a:t> 	</a:t>
             </a:r>
           </a:p>
           <a:p>
@@ -11785,6 +11835,53 @@
           </a:p>
         </p:txBody>
       </p:sp>
+      <p:pic>
+        <p:nvPicPr>
+          <p:cNvPr id="1026" name="Picture 2" descr="Bilderesultat for azure ad">
+            <a:extLst>
+              <a:ext uri="{FF2B5EF4-FFF2-40B4-BE49-F238E27FC236}">
+                <a16:creationId xmlns:a16="http://schemas.microsoft.com/office/drawing/2014/main" id="{070440E0-3319-46AB-8EFA-E02E42947926}"/>
+              </a:ext>
+            </a:extLst>
+          </p:cNvPr>
+          <p:cNvPicPr>
+            <a:picLocks noChangeAspect="1" noChangeArrowheads="1"/>
+          </p:cNvPicPr>
+          <p:nvPr/>
+        </p:nvPicPr>
+        <p:blipFill>
+          <a:blip r:embed="rId3">
+            <a:extLst>
+              <a:ext uri="{28A0092B-C50C-407E-A947-70E740481C1C}">
+                <a14:useLocalDpi xmlns:a14="http://schemas.microsoft.com/office/drawing/2010/main" val="0"/>
+              </a:ext>
+            </a:extLst>
+          </a:blip>
+          <a:srcRect/>
+          <a:stretch>
+            <a:fillRect/>
+          </a:stretch>
+        </p:blipFill>
+        <p:spPr bwMode="auto">
+          <a:xfrm>
+            <a:off x="7972928" y="2440503"/>
+            <a:ext cx="2190750" cy="2190750"/>
+          </a:xfrm>
+          <a:prstGeom prst="rect">
+            <a:avLst/>
+          </a:prstGeom>
+          <a:noFill/>
+          <a:extLst>
+            <a:ext uri="{909E8E84-426E-40DD-AFC4-6F175D3DCCD1}">
+              <a14:hiddenFill xmlns:a14="http://schemas.microsoft.com/office/drawing/2010/main">
+                <a:solidFill>
+                  <a:srgbClr val="FFFFFF"/>
+                </a:solidFill>
+              </a14:hiddenFill>
+            </a:ext>
+          </a:extLst>
+        </p:spPr>
+      </p:pic>
     </p:spTree>
     <p:extLst>
       <p:ext uri="{BB962C8B-B14F-4D97-AF65-F5344CB8AC3E}">
@@ -11915,6 +12012,42 @@
           </a:p>
         </p:txBody>
       </p:sp>
+      <p:pic>
+        <p:nvPicPr>
+          <p:cNvPr id="5" name="Picture 4">
+            <a:extLst>
+              <a:ext uri="{FF2B5EF4-FFF2-40B4-BE49-F238E27FC236}">
+                <a16:creationId xmlns:a16="http://schemas.microsoft.com/office/drawing/2014/main" id="{408A91C4-2C6D-44C7-BE12-7DD567CD1ECD}"/>
+              </a:ext>
+            </a:extLst>
+          </p:cNvPr>
+          <p:cNvPicPr>
+            <a:picLocks noChangeAspect="1"/>
+          </p:cNvPicPr>
+          <p:nvPr/>
+        </p:nvPicPr>
+        <p:blipFill>
+          <a:blip r:embed="rId3">
+            <a:extLst>
+              <a:ext uri="{28A0092B-C50C-407E-A947-70E740481C1C}">
+                <a14:useLocalDpi xmlns:a14="http://schemas.microsoft.com/office/drawing/2010/main" val="0"/>
+              </a:ext>
+            </a:extLst>
+          </a:blip>
+          <a:stretch>
+            <a:fillRect/>
+          </a:stretch>
+        </p:blipFill>
+        <p:spPr>
+          <a:xfrm>
+            <a:off x="8693438" y="3325649"/>
+            <a:ext cx="2381582" cy="2629267"/>
+          </a:xfrm>
+          <a:prstGeom prst="rect">
+            <a:avLst/>
+          </a:prstGeom>
+        </p:spPr>
+      </p:pic>
     </p:spTree>
     <p:extLst>
       <p:ext uri="{BB962C8B-B14F-4D97-AF65-F5344CB8AC3E}">
@@ -11980,6 +12113,29 @@
               <a:t>Autorisere (skal denne brukeren ha tilgang)</a:t>
             </a:r>
           </a:p>
+          <a:p>
+            <a:endParaRPr lang="nb-NO" dirty="0"/>
+          </a:p>
+          <a:p>
+            <a:r>
+              <a:rPr lang="nb-NO" dirty="0"/>
+              <a:t>Azure AD støtter mange protokoller for autentisering</a:t>
+            </a:r>
+          </a:p>
+          <a:p>
+            <a:pPr lvl="1"/>
+            <a:r>
+              <a:rPr lang="nb-NO" dirty="0"/>
+              <a:t>OAuth2 </a:t>
+            </a:r>
+          </a:p>
+          <a:p>
+            <a:pPr lvl="1"/>
+            <a:r>
+              <a:rPr lang="nb-NO" dirty="0"/>
+              <a:t>Open ID Connect</a:t>
+            </a:r>
+          </a:p>
         </p:txBody>
       </p:sp>
       <p:sp>
@@ -12176,7 +12332,10 @@
           <a:bodyPr/>
           <a:lstStyle/>
           <a:p>
-            <a:endParaRPr lang="nb-NO" dirty="0"/>
+            <a:r>
+              <a:rPr lang="nb-NO" dirty="0"/>
+              <a:t>Skal legge på autentisering og rolle-basert</a:t>
+            </a:r>
           </a:p>
         </p:txBody>
       </p:sp>
@@ -12268,16 +12427,16 @@
             <a:pPr lvl="1"/>
             <a:r>
               <a:rPr lang="nb-NO" dirty="0"/>
-              <a:t>Brukes for å lage </a:t>
-            </a:r>
-            <a:r>
-              <a:rPr lang="nb-NO" dirty="0" err="1"/>
-              <a:t>virituelle</a:t>
-            </a:r>
-            <a:r>
-              <a:rPr lang="nb-NO" dirty="0"/>
-              <a:t> nettverk mellom applikasjoner og tjenester</a:t>
-            </a:r>
+              <a:t>Brukes for å lage virtuelle nettverk mellom applikasjoner og tjenester</a:t>
+            </a:r>
+          </a:p>
+          <a:p>
+            <a:pPr lvl="1"/>
+            <a:endParaRPr lang="nb-NO" dirty="0"/>
+          </a:p>
+          <a:p>
+            <a:pPr lvl="1"/>
+            <a:endParaRPr lang="nb-NO" dirty="0"/>
           </a:p>
           <a:p>
             <a:r>
@@ -12297,23 +12456,7 @@
             </a:r>
             <a:r>
               <a:rPr lang="nb-NO" dirty="0"/>
-              <a:t> for </a:t>
-            </a:r>
-            <a:r>
-              <a:rPr lang="nb-NO" dirty="0" err="1"/>
-              <a:t>virituelle</a:t>
-            </a:r>
-            <a:r>
-              <a:rPr lang="nb-NO" dirty="0"/>
-              <a:t> nettverk eller applikasjoner/</a:t>
-            </a:r>
-            <a:r>
-              <a:rPr lang="nb-NO" dirty="0" err="1"/>
-              <a:t>virituelle</a:t>
-            </a:r>
-            <a:r>
-              <a:rPr lang="nb-NO" dirty="0"/>
-              <a:t> maskiner.</a:t>
+              <a:t> for virtuelle nettverk eller applikasjoner/virtuelle maskiner.</a:t>
             </a:r>
           </a:p>
           <a:p>
@@ -12353,6 +12496,78 @@
           </a:p>
         </p:txBody>
       </p:sp>
+      <p:pic>
+        <p:nvPicPr>
+          <p:cNvPr id="5" name="Picture 4">
+            <a:extLst>
+              <a:ext uri="{FF2B5EF4-FFF2-40B4-BE49-F238E27FC236}">
+                <a16:creationId xmlns:a16="http://schemas.microsoft.com/office/drawing/2014/main" id="{F84C29E7-44E6-493B-8920-8877EDD9BDEA}"/>
+              </a:ext>
+            </a:extLst>
+          </p:cNvPr>
+          <p:cNvPicPr>
+            <a:picLocks noChangeAspect="1"/>
+          </p:cNvPicPr>
+          <p:nvPr/>
+        </p:nvPicPr>
+        <p:blipFill>
+          <a:blip r:embed="rId3">
+            <a:extLst>
+              <a:ext uri="{28A0092B-C50C-407E-A947-70E740481C1C}">
+                <a14:useLocalDpi xmlns:a14="http://schemas.microsoft.com/office/drawing/2010/main" val="0"/>
+              </a:ext>
+            </a:extLst>
+          </a:blip>
+          <a:stretch>
+            <a:fillRect/>
+          </a:stretch>
+        </p:blipFill>
+        <p:spPr>
+          <a:xfrm>
+            <a:off x="9617413" y="1825625"/>
+            <a:ext cx="2140095" cy="1097725"/>
+          </a:xfrm>
+          <a:prstGeom prst="rect">
+            <a:avLst/>
+          </a:prstGeom>
+        </p:spPr>
+      </p:pic>
+      <p:pic>
+        <p:nvPicPr>
+          <p:cNvPr id="7" name="Picture 6">
+            <a:extLst>
+              <a:ext uri="{FF2B5EF4-FFF2-40B4-BE49-F238E27FC236}">
+                <a16:creationId xmlns:a16="http://schemas.microsoft.com/office/drawing/2014/main" id="{2E186C1B-E985-4A61-B32E-5E424E09990E}"/>
+              </a:ext>
+            </a:extLst>
+          </p:cNvPr>
+          <p:cNvPicPr>
+            <a:picLocks noChangeAspect="1"/>
+          </p:cNvPicPr>
+          <p:nvPr/>
+        </p:nvPicPr>
+        <p:blipFill>
+          <a:blip r:embed="rId4">
+            <a:extLst>
+              <a:ext uri="{28A0092B-C50C-407E-A947-70E740481C1C}">
+                <a14:useLocalDpi xmlns:a14="http://schemas.microsoft.com/office/drawing/2010/main" val="0"/>
+              </a:ext>
+            </a:extLst>
+          </a:blip>
+          <a:stretch>
+            <a:fillRect/>
+          </a:stretch>
+        </p:blipFill>
+        <p:spPr>
+          <a:xfrm>
+            <a:off x="9998780" y="3545976"/>
+            <a:ext cx="1417910" cy="1417910"/>
+          </a:xfrm>
+          <a:prstGeom prst="rect">
+            <a:avLst/>
+          </a:prstGeom>
+        </p:spPr>
+      </p:pic>
     </p:spTree>
     <p:extLst>
       <p:ext uri="{BB962C8B-B14F-4D97-AF65-F5344CB8AC3E}">
@@ -12867,6 +13082,16 @@
           <a:p>
             <a:r>
               <a:rPr lang="nb-NO" dirty="0"/>
+              <a:t>Azure Active Directory</a:t>
+            </a:r>
+          </a:p>
+          <a:p>
+            <a:pPr lvl="1"/>
+            <a:endParaRPr lang="nb-NO" dirty="0"/>
+          </a:p>
+          <a:p>
+            <a:r>
+              <a:rPr lang="nb-NO" dirty="0"/>
               <a:t>Leksjon 2: Azure AD og autentisering/autorisasjon</a:t>
             </a:r>
           </a:p>
@@ -13236,6 +13461,42 @@
           </a:p>
         </p:txBody>
       </p:sp>
+      <p:pic>
+        <p:nvPicPr>
+          <p:cNvPr id="5" name="Picture 4">
+            <a:extLst>
+              <a:ext uri="{FF2B5EF4-FFF2-40B4-BE49-F238E27FC236}">
+                <a16:creationId xmlns:a16="http://schemas.microsoft.com/office/drawing/2014/main" id="{21ED9DDF-2408-4050-A273-A58701AB0ED2}"/>
+              </a:ext>
+            </a:extLst>
+          </p:cNvPr>
+          <p:cNvPicPr>
+            <a:picLocks noChangeAspect="1"/>
+          </p:cNvPicPr>
+          <p:nvPr/>
+        </p:nvPicPr>
+        <p:blipFill>
+          <a:blip r:embed="rId3">
+            <a:extLst>
+              <a:ext uri="{28A0092B-C50C-407E-A947-70E740481C1C}">
+                <a14:useLocalDpi xmlns:a14="http://schemas.microsoft.com/office/drawing/2010/main" val="0"/>
+              </a:ext>
+            </a:extLst>
+          </a:blip>
+          <a:stretch>
+            <a:fillRect/>
+          </a:stretch>
+        </p:blipFill>
+        <p:spPr>
+          <a:xfrm>
+            <a:off x="7196446" y="3004457"/>
+            <a:ext cx="2809133" cy="2288351"/>
+          </a:xfrm>
+          <a:prstGeom prst="rect">
+            <a:avLst/>
+          </a:prstGeom>
+        </p:spPr>
+      </p:pic>
     </p:spTree>
     <p:extLst>
       <p:ext uri="{BB962C8B-B14F-4D97-AF65-F5344CB8AC3E}">
@@ -13448,9 +13709,61 @@
           <a:lstStyle/>
           <a:p>
             <a:r>
+              <a:rPr lang="nb-NO" dirty="0" err="1"/>
+              <a:t>Monitoring</a:t>
+            </a:r>
+            <a:r>
               <a:rPr lang="nb-NO" dirty="0"/>
-              <a:t>Anbefalinger: scanner tjenester (Basic) for å finne usikker konfigurasjon</a:t>
-            </a:r>
+              <a:t> service for sikkerhet</a:t>
+            </a:r>
+          </a:p>
+          <a:p>
+            <a:r>
+              <a:rPr lang="nb-NO" dirty="0"/>
+              <a:t>Anbefalinger: </a:t>
+            </a:r>
+            <a:r>
+              <a:rPr lang="nb-NO" dirty="0" err="1"/>
+              <a:t>scanner</a:t>
+            </a:r>
+            <a:r>
+              <a:rPr lang="nb-NO" dirty="0"/>
+              <a:t> tjenester for å finne usikker konfigurasjon </a:t>
+            </a:r>
+          </a:p>
+          <a:p>
+            <a:endParaRPr lang="nb-NO" dirty="0"/>
+          </a:p>
+          <a:p>
+            <a:endParaRPr lang="nb-NO" dirty="0"/>
+          </a:p>
+          <a:p>
+            <a:r>
+              <a:rPr lang="nb-NO" dirty="0"/>
+              <a:t>To prisnivåer</a:t>
+            </a:r>
+          </a:p>
+          <a:p>
+            <a:pPr lvl="1"/>
+            <a:r>
+              <a:rPr lang="nb-NO" dirty="0"/>
+              <a:t>Basic tier: Tilbyr anbefalinger og </a:t>
+            </a:r>
+            <a:r>
+              <a:rPr lang="nb-NO" dirty="0" err="1"/>
+              <a:t>recommendations</a:t>
+            </a:r>
+            <a:endParaRPr lang="nb-NO" dirty="0"/>
+          </a:p>
+          <a:p>
+            <a:pPr lvl="1"/>
+            <a:r>
+              <a:rPr lang="nb-NO" dirty="0"/>
+              <a:t>Standard tier: Tilbyr alle tjenester som overvåkning</a:t>
+            </a:r>
+          </a:p>
+          <a:p>
+            <a:endParaRPr lang="nb-NO" dirty="0"/>
           </a:p>
           <a:p>
             <a:r>
@@ -13466,31 +13779,6 @@
           </a:p>
           <a:p>
             <a:endParaRPr lang="nb-NO" dirty="0"/>
-          </a:p>
-          <a:p>
-            <a:r>
-              <a:rPr lang="nb-NO" dirty="0"/>
-              <a:t>To prisnivåer</a:t>
-            </a:r>
-          </a:p>
-          <a:p>
-            <a:pPr lvl="1"/>
-            <a:r>
-              <a:rPr lang="nb-NO" dirty="0"/>
-              <a:t>Basic tier: Tilbyr anbefalinger og </a:t>
-            </a:r>
-            <a:r>
-              <a:rPr lang="nb-NO" dirty="0" err="1"/>
-              <a:t>recommendations</a:t>
-            </a:r>
-            <a:endParaRPr lang="nb-NO" dirty="0"/>
-          </a:p>
-          <a:p>
-            <a:pPr lvl="1"/>
-            <a:r>
-              <a:rPr lang="nb-NO" dirty="0"/>
-              <a:t>Standard tier: Tilbyr alle tjenester som overvåkning</a:t>
-            </a:r>
           </a:p>
         </p:txBody>
       </p:sp>
@@ -13522,6 +13810,53 @@
           </a:p>
         </p:txBody>
       </p:sp>
+      <p:pic>
+        <p:nvPicPr>
+          <p:cNvPr id="2050" name="Picture 2" descr="Bilderesultat for azure security center">
+            <a:extLst>
+              <a:ext uri="{FF2B5EF4-FFF2-40B4-BE49-F238E27FC236}">
+                <a16:creationId xmlns:a16="http://schemas.microsoft.com/office/drawing/2014/main" id="{78200B77-F882-4721-B5FB-EE76BBDDEFCF}"/>
+              </a:ext>
+            </a:extLst>
+          </p:cNvPr>
+          <p:cNvPicPr>
+            <a:picLocks noChangeAspect="1" noChangeArrowheads="1"/>
+          </p:cNvPicPr>
+          <p:nvPr/>
+        </p:nvPicPr>
+        <p:blipFill>
+          <a:blip r:embed="rId3">
+            <a:extLst>
+              <a:ext uri="{28A0092B-C50C-407E-A947-70E740481C1C}">
+                <a14:useLocalDpi xmlns:a14="http://schemas.microsoft.com/office/drawing/2010/main" val="0"/>
+              </a:ext>
+            </a:extLst>
+          </a:blip>
+          <a:srcRect/>
+          <a:stretch>
+            <a:fillRect/>
+          </a:stretch>
+        </p:blipFill>
+        <p:spPr bwMode="auto">
+          <a:xfrm>
+            <a:off x="8978921" y="2357437"/>
+            <a:ext cx="2143125" cy="2143125"/>
+          </a:xfrm>
+          <a:prstGeom prst="rect">
+            <a:avLst/>
+          </a:prstGeom>
+          <a:noFill/>
+          <a:extLst>
+            <a:ext uri="{909E8E84-426E-40DD-AFC4-6F175D3DCCD1}">
+              <a14:hiddenFill xmlns:a14="http://schemas.microsoft.com/office/drawing/2010/main">
+                <a:solidFill>
+                  <a:srgbClr val="FFFFFF"/>
+                </a:solidFill>
+              </a14:hiddenFill>
+            </a:ext>
+          </a:extLst>
+        </p:spPr>
+      </p:pic>
     </p:spTree>
     <p:extLst>
       <p:ext uri="{BB962C8B-B14F-4D97-AF65-F5344CB8AC3E}">
@@ -15182,6 +15517,12 @@
 </file>
 
 <file path=customXml/item1.xml><?xml version="1.0" encoding="utf-8"?>
+<p:properties xmlns:p="http://schemas.microsoft.com/office/2006/metadata/properties" xmlns:xsi="http://www.w3.org/2001/XMLSchema-instance" xmlns:pc="http://schemas.microsoft.com/office/infopath/2007/PartnerControls">
+  <documentManagement/>
+</p:properties>
+</file>
+
+<file path=customXml/item2.xml><?xml version="1.0" encoding="utf-8"?>
 <ct:contentTypeSchema xmlns:ct="http://schemas.microsoft.com/office/2006/metadata/contentType" xmlns:ma="http://schemas.microsoft.com/office/2006/metadata/properties/metaAttributes" ct:_="" ma:_="" ma:contentTypeName="Document" ma:contentTypeID="0x0101005D3CE5A03C88D04F8FE0CC8617320B29" ma:contentTypeVersion="2" ma:contentTypeDescription="Create a new document." ma:contentTypeScope="" ma:versionID="23c508fadb5761cd27fdc7efc393bb78">
   <xsd:schema xmlns:xsd="http://www.w3.org/2001/XMLSchema" xmlns:xs="http://www.w3.org/2001/XMLSchema" xmlns:p="http://schemas.microsoft.com/office/2006/metadata/properties" xmlns:ns2="323bcd62-7d27-4513-9df1-9bc20f03554b" targetNamespace="http://schemas.microsoft.com/office/2006/metadata/properties" ma:root="true" ma:fieldsID="4120a6a9df7c81c23a4d646d2ccf1355" ns2:_="">
     <xsd:import namespace="323bcd62-7d27-4513-9df1-9bc20f03554b"/>
@@ -15313,12 +15654,6 @@
 </ct:contentTypeSchema>
 </file>
 
-<file path=customXml/item2.xml><?xml version="1.0" encoding="utf-8"?>
-<p:properties xmlns:p="http://schemas.microsoft.com/office/2006/metadata/properties" xmlns:xsi="http://www.w3.org/2001/XMLSchema-instance" xmlns:pc="http://schemas.microsoft.com/office/infopath/2007/PartnerControls">
-  <documentManagement/>
-</p:properties>
-</file>
-
 <file path=customXml/item3.xml><?xml version="1.0" encoding="utf-8"?>
 <?mso-contentType ?>
 <FormTemplates xmlns="http://schemas.microsoft.com/sharepoint/v3/contenttype/forms">
@@ -15329,6 +15664,23 @@
 </file>
 
 <file path=customXml/itemProps1.xml><?xml version="1.0" encoding="utf-8"?>
+<ds:datastoreItem xmlns:ds="http://schemas.openxmlformats.org/officeDocument/2006/customXml" ds:itemID="{9D2CB842-18D5-4EEF-9009-B0CAFCE7AC3E}">
+  <ds:schemaRefs>
+    <ds:schemaRef ds:uri="http://schemas.microsoft.com/office/2006/documentManagement/types"/>
+    <ds:schemaRef ds:uri="http://schemas.microsoft.com/office/infopath/2007/PartnerControls"/>
+    <ds:schemaRef ds:uri="cd7095a3-97f1-4663-a71f-a762e9d8a5de"/>
+    <ds:schemaRef ds:uri="http://purl.org/dc/elements/1.1/"/>
+    <ds:schemaRef ds:uri="http://schemas.microsoft.com/office/2006/metadata/properties"/>
+    <ds:schemaRef ds:uri="http://schemas.microsoft.com/sharepoint/v3"/>
+    <ds:schemaRef ds:uri="http://purl.org/dc/terms/"/>
+    <ds:schemaRef ds:uri="http://schemas.openxmlformats.org/package/2006/metadata/core-properties"/>
+    <ds:schemaRef ds:uri="http://www.w3.org/XML/1998/namespace"/>
+    <ds:schemaRef ds:uri="http://purl.org/dc/dcmitype/"/>
+  </ds:schemaRefs>
+</ds:datastoreItem>
+</file>
+
+<file path=customXml/itemProps2.xml><?xml version="1.0" encoding="utf-8"?>
 <ds:datastoreItem xmlns:ds="http://schemas.openxmlformats.org/officeDocument/2006/customXml" ds:itemID="{0377EA4A-9170-43AD-A052-6EABC948F73F}">
   <ds:schemaRefs>
     <ds:schemaRef ds:uri="http://schemas.microsoft.com/office/2006/metadata/contentType"/>
@@ -15346,23 +15698,6 @@
 </ds:datastoreItem>
 </file>
 
-<file path=customXml/itemProps2.xml><?xml version="1.0" encoding="utf-8"?>
-<ds:datastoreItem xmlns:ds="http://schemas.openxmlformats.org/officeDocument/2006/customXml" ds:itemID="{9D2CB842-18D5-4EEF-9009-B0CAFCE7AC3E}">
-  <ds:schemaRefs>
-    <ds:schemaRef ds:uri="http://schemas.microsoft.com/office/2006/documentManagement/types"/>
-    <ds:schemaRef ds:uri="http://schemas.microsoft.com/office/infopath/2007/PartnerControls"/>
-    <ds:schemaRef ds:uri="cd7095a3-97f1-4663-a71f-a762e9d8a5de"/>
-    <ds:schemaRef ds:uri="http://purl.org/dc/elements/1.1/"/>
-    <ds:schemaRef ds:uri="http://schemas.microsoft.com/office/2006/metadata/properties"/>
-    <ds:schemaRef ds:uri="http://schemas.microsoft.com/sharepoint/v3"/>
-    <ds:schemaRef ds:uri="http://purl.org/dc/terms/"/>
-    <ds:schemaRef ds:uri="http://schemas.openxmlformats.org/package/2006/metadata/core-properties"/>
-    <ds:schemaRef ds:uri="http://www.w3.org/XML/1998/namespace"/>
-    <ds:schemaRef ds:uri="http://purl.org/dc/dcmitype/"/>
-  </ds:schemaRefs>
-</ds:datastoreItem>
-</file>
-
 <file path=customXml/itemProps3.xml><?xml version="1.0" encoding="utf-8"?>
 <ds:datastoreItem xmlns:ds="http://schemas.openxmlformats.org/officeDocument/2006/customXml" ds:itemID="{BB82CC63-55FC-4D22-9ED3-DB88AF6228E1}">
   <ds:schemaRefs>

--- a/Workshop_3/Presentasjon/Azureskolen-Workshop#3.pptx
+++ b/Workshop_3/Presentasjon/Azureskolen-Workshop#3.pptx
@@ -18,8 +18,8 @@
     <p:sldId id="259" r:id="rId9"/>
     <p:sldId id="260" r:id="rId10"/>
     <p:sldId id="284" r:id="rId11"/>
-    <p:sldId id="291" r:id="rId12"/>
-    <p:sldId id="294" r:id="rId13"/>
+    <p:sldId id="294" r:id="rId12"/>
+    <p:sldId id="291" r:id="rId13"/>
     <p:sldId id="290" r:id="rId14"/>
     <p:sldId id="292" r:id="rId15"/>
     <p:sldId id="275" r:id="rId16"/>
@@ -592,7 +592,7 @@
           <a:p>
             <a:fld id="{54C52192-B826-4AE0-9CD6-BEA9467D12B3}" type="datetimeFigureOut">
               <a:rPr lang="nb-NO" smtClean="0"/>
-              <a:t>19.01.2020</a:t>
+              <a:t>21.01.2020</a:t>
             </a:fld>
             <a:endParaRPr lang="nb-NO"/>
           </a:p>
@@ -757,7 +757,7 @@
           <a:p>
             <a:fld id="{2696BCB2-2760-41B1-A1BE-7886EF110FCB}" type="datetimeFigureOut">
               <a:rPr lang="nb-NO" smtClean="0"/>
-              <a:t>19.01.2020</a:t>
+              <a:t>21.01.2020</a:t>
             </a:fld>
             <a:endParaRPr lang="nb-NO"/>
           </a:p>
@@ -1157,6 +1157,99 @@
           <a:lstStyle/>
           <a:p>
             <a:r>
+              <a:rPr lang="nb-NO" dirty="0"/>
+              <a:t>Vise Azure AD i portalen:</a:t>
+            </a:r>
+          </a:p>
+          <a:p>
+            <a:r>
+              <a:rPr lang="nb-NO" dirty="0"/>
+              <a:t>- </a:t>
+            </a:r>
+          </a:p>
+        </p:txBody>
+      </p:sp>
+      <p:sp>
+        <p:nvSpPr>
+          <p:cNvPr id="4" name="Slide Number Placeholder 3"/>
+          <p:cNvSpPr>
+            <a:spLocks noGrp="1"/>
+          </p:cNvSpPr>
+          <p:nvPr>
+            <p:ph type="sldNum" sz="quarter" idx="5"/>
+          </p:nvPr>
+        </p:nvSpPr>
+        <p:spPr/>
+        <p:txBody>
+          <a:bodyPr/>
+          <a:lstStyle/>
+          <a:p>
+            <a:fld id="{180377DB-C4B0-49B2-8838-0F01BA83B7C4}" type="slidenum">
+              <a:rPr lang="nb-NO" smtClean="0"/>
+              <a:t>15</a:t>
+            </a:fld>
+            <a:endParaRPr lang="nb-NO"/>
+          </a:p>
+        </p:txBody>
+      </p:sp>
+    </p:spTree>
+    <p:extLst>
+      <p:ext uri="{BB962C8B-B14F-4D97-AF65-F5344CB8AC3E}">
+        <p14:creationId xmlns:p14="http://schemas.microsoft.com/office/powerpoint/2010/main" val="2906306431"/>
+      </p:ext>
+    </p:extLst>
+  </p:cSld>
+  <p:clrMapOvr>
+    <a:masterClrMapping/>
+  </p:clrMapOvr>
+</p:notes>
+</file>
+
+<file path=ppt/notesSlides/notesSlide11.xml><?xml version="1.0" encoding="utf-8"?>
+<p:notes xmlns:a="http://schemas.openxmlformats.org/drawingml/2006/main" xmlns:r="http://schemas.openxmlformats.org/officeDocument/2006/relationships" xmlns:p="http://schemas.openxmlformats.org/presentationml/2006/main">
+  <p:cSld>
+    <p:spTree>
+      <p:nvGrpSpPr>
+        <p:cNvPr id="1" name=""/>
+        <p:cNvGrpSpPr/>
+        <p:nvPr/>
+      </p:nvGrpSpPr>
+      <p:grpSpPr>
+        <a:xfrm>
+          <a:off x="0" y="0"/>
+          <a:ext cx="0" cy="0"/>
+          <a:chOff x="0" y="0"/>
+          <a:chExt cx="0" cy="0"/>
+        </a:xfrm>
+      </p:grpSpPr>
+      <p:sp>
+        <p:nvSpPr>
+          <p:cNvPr id="2" name="Slide Image Placeholder 1"/>
+          <p:cNvSpPr>
+            <a:spLocks noGrp="1" noRot="1" noChangeAspect="1"/>
+          </p:cNvSpPr>
+          <p:nvPr>
+            <p:ph type="sldImg"/>
+          </p:nvPr>
+        </p:nvSpPr>
+        <p:spPr/>
+      </p:sp>
+      <p:sp>
+        <p:nvSpPr>
+          <p:cNvPr id="3" name="Notes Placeholder 2"/>
+          <p:cNvSpPr>
+            <a:spLocks noGrp="1"/>
+          </p:cNvSpPr>
+          <p:nvPr>
+            <p:ph type="body" idx="1"/>
+          </p:nvPr>
+        </p:nvSpPr>
+        <p:spPr/>
+        <p:txBody>
+          <a:bodyPr/>
+          <a:lstStyle/>
+          <a:p>
+            <a:r>
               <a:rPr lang="nb-NO" dirty="0">
                 <a:hlinkClick r:id="rId3"/>
               </a:rPr>
@@ -1236,7 +1329,7 @@
 </p:notes>
 </file>
 
-<file path=ppt/notesSlides/notesSlide11.xml><?xml version="1.0" encoding="utf-8"?>
+<file path=ppt/notesSlides/notesSlide12.xml><?xml version="1.0" encoding="utf-8"?>
 <p:notes xmlns:a="http://schemas.openxmlformats.org/drawingml/2006/main" xmlns:r="http://schemas.openxmlformats.org/officeDocument/2006/relationships" xmlns:p="http://schemas.openxmlformats.org/presentationml/2006/main">
   <p:cSld>
     <p:spTree>
@@ -1533,8 +1626,17 @@
           <a:p>
             <a:r>
               <a:rPr lang="nb-NO" dirty="0"/>
-              <a:t>Data de stort sett hackere er ute etter.</a:t>
-            </a:r>
+              <a:t>Microsoft ansvar vs. vårt ansvar </a:t>
+            </a:r>
+          </a:p>
+          <a:p>
+            <a:r>
+              <a:rPr lang="nb-NO" dirty="0"/>
+              <a:t>Selv om Microsoft er en sikker plattform, så er det ikke vanskelig å lage et system i skyen . Det hviler derfor et stort ansvar på oss som  utvikler systemer der.</a:t>
+            </a:r>
+          </a:p>
+          <a:p>
+            <a:endParaRPr lang="nb-NO" dirty="0"/>
           </a:p>
         </p:txBody>
       </p:sp>
@@ -1564,7 +1666,7 @@
     </p:spTree>
     <p:extLst>
       <p:ext uri="{BB962C8B-B14F-4D97-AF65-F5344CB8AC3E}">
-        <p14:creationId xmlns:p14="http://schemas.microsoft.com/office/powerpoint/2010/main" val="995312758"/>
+        <p14:creationId xmlns:p14="http://schemas.microsoft.com/office/powerpoint/2010/main" val="2311225978"/>
       </p:ext>
     </p:extLst>
   </p:cSld>
@@ -1620,17 +1722,8 @@
           <a:p>
             <a:r>
               <a:rPr lang="nb-NO" dirty="0"/>
-              <a:t>Microsoft ansvar vs. vårt ansvar </a:t>
-            </a:r>
-          </a:p>
-          <a:p>
-            <a:r>
-              <a:rPr lang="nb-NO" dirty="0"/>
-              <a:t>Selv om Microsoft er en sikker plattform, så er det ikke vanskelig å lage et system i skyen . Det hviler derfor et stort ansvar på oss som  utvikler systemer der.</a:t>
-            </a:r>
-          </a:p>
-          <a:p>
-            <a:endParaRPr lang="nb-NO" dirty="0"/>
+              <a:t>Data de stort sett hackere er ute etter.</a:t>
+            </a:r>
           </a:p>
         </p:txBody>
       </p:sp>
@@ -1660,7 +1753,7 @@
     </p:spTree>
     <p:extLst>
       <p:ext uri="{BB962C8B-B14F-4D97-AF65-F5344CB8AC3E}">
-        <p14:creationId xmlns:p14="http://schemas.microsoft.com/office/powerpoint/2010/main" val="2311225978"/>
+        <p14:creationId xmlns:p14="http://schemas.microsoft.com/office/powerpoint/2010/main" val="995312758"/>
       </p:ext>
     </p:extLst>
   </p:cSld>
@@ -1723,7 +1816,18 @@
             <a:endParaRPr lang="nb-NO" dirty="0"/>
           </a:p>
           <a:p>
-            <a:endParaRPr lang="nb-NO" dirty="0"/>
+            <a:r>
+              <a:rPr lang="nb-NO" dirty="0"/>
+              <a:t>Analyserer enorme </a:t>
+            </a:r>
+            <a:r>
+              <a:rPr lang="nb-NO" dirty="0" err="1"/>
+              <a:t>mender</a:t>
+            </a:r>
+            <a:r>
+              <a:rPr lang="nb-NO" dirty="0"/>
+              <a:t> data for </a:t>
+            </a:r>
           </a:p>
         </p:txBody>
       </p:sp>
@@ -2188,13 +2292,7 @@
           <a:p>
             <a:r>
               <a:rPr lang="nb-NO" dirty="0"/>
-              <a:t>Vise Azure AD i portalen:</a:t>
-            </a:r>
-          </a:p>
-          <a:p>
-            <a:r>
-              <a:rPr lang="nb-NO" dirty="0"/>
-              <a:t>- </a:t>
+              <a:t>Vis</a:t>
             </a:r>
           </a:p>
         </p:txBody>
@@ -2216,7 +2314,7 @@
           <a:p>
             <a:fld id="{180377DB-C4B0-49B2-8838-0F01BA83B7C4}" type="slidenum">
               <a:rPr lang="nb-NO" smtClean="0"/>
-              <a:t>15</a:t>
+              <a:t>14</a:t>
             </a:fld>
             <a:endParaRPr lang="nb-NO"/>
           </a:p>
@@ -2225,7 +2323,7 @@
     </p:spTree>
     <p:extLst>
       <p:ext uri="{BB962C8B-B14F-4D97-AF65-F5344CB8AC3E}">
-        <p14:creationId xmlns:p14="http://schemas.microsoft.com/office/powerpoint/2010/main" val="2906306431"/>
+        <p14:creationId xmlns:p14="http://schemas.microsoft.com/office/powerpoint/2010/main" val="1111845549"/>
       </p:ext>
     </p:extLst>
   </p:cSld>
@@ -11683,17 +11781,38 @@
             </a:r>
           </a:p>
           <a:p>
+            <a:r>
+              <a:rPr lang="nb-NO" dirty="0"/>
+              <a:t>Et brukernavn/passord for on-</a:t>
+            </a:r>
+            <a:r>
+              <a:rPr lang="nb-NO" dirty="0" err="1"/>
+              <a:t>premise</a:t>
+            </a:r>
+            <a:r>
+              <a:rPr lang="nb-NO" dirty="0"/>
+              <a:t>/sky</a:t>
+            </a:r>
+          </a:p>
+          <a:p>
             <a:pPr lvl="1"/>
-            <a:endParaRPr lang="nb-NO" dirty="0"/>
-          </a:p>
-          <a:p>
             <a:r>
               <a:rPr lang="nb-NO" dirty="0"/>
-              <a:t>Active Directory sammen med on-</a:t>
-            </a:r>
+              <a:t>Pålogging domene</a:t>
+            </a:r>
+          </a:p>
+          <a:p>
+            <a:pPr lvl="1"/>
+            <a:r>
+              <a:rPr lang="nb-NO" dirty="0"/>
+              <a:t>Alle applikasjoner (Intranet/Office 365)</a:t>
+            </a:r>
+          </a:p>
+          <a:p>
+            <a:pPr lvl="1"/>
             <a:r>
               <a:rPr lang="nb-NO" dirty="0" err="1"/>
-              <a:t>prem</a:t>
+              <a:t>Devicer</a:t>
             </a:r>
             <a:endParaRPr lang="nb-NO" dirty="0"/>
           </a:p>
@@ -11708,17 +11827,11 @@
             <a:pPr lvl="1"/>
             <a:r>
               <a:rPr lang="nb-NO" dirty="0"/>
-              <a:t>Multi-factor Authentication (MFA) – Gratis</a:t>
+              <a:t>Multi-factor Authentication (MFA)</a:t>
             </a:r>
           </a:p>
           <a:p>
             <a:pPr lvl="1"/>
-            <a:r>
-              <a:rPr lang="nb-NO" dirty="0"/>
-              <a:t>Mange mekanismer for å trykke identiteten</a:t>
-            </a:r>
-          </a:p>
-          <a:p>
             <a:r>
               <a:rPr lang="nb-NO" dirty="0"/>
               <a:t>Støtte for single-</a:t>
@@ -11742,61 +11855,19 @@
           </a:p>
           <a:p>
             <a:r>
+              <a:rPr lang="nb-NO" dirty="0"/>
+              <a:t>Mange Premium-funksjoner:</a:t>
+            </a:r>
+          </a:p>
+          <a:p>
+            <a:pPr lvl="1"/>
+            <a:r>
               <a:rPr lang="nb-NO" dirty="0" err="1"/>
-              <a:t>Role-Based</a:t>
+              <a:t>Priviligued</a:t>
             </a:r>
             <a:r>
               <a:rPr lang="nb-NO" dirty="0"/>
-              <a:t> Access Control (RBAC</a:t>
-            </a:r>
-          </a:p>
-          <a:p>
-            <a:r>
-              <a:rPr lang="nb-NO" dirty="0"/>
-              <a:t>Subscription og trust</a:t>
-            </a:r>
-          </a:p>
-          <a:p>
-            <a:pPr lvl="1"/>
-            <a:r>
-              <a:rPr lang="nb-NO" dirty="0"/>
-              <a:t>Azure AD kan </a:t>
-            </a:r>
-            <a:r>
-              <a:rPr lang="nb-NO" dirty="0" err="1"/>
-              <a:t>truste</a:t>
-            </a:r>
-            <a:r>
-              <a:rPr lang="nb-NO" dirty="0"/>
-              <a:t> mange </a:t>
-            </a:r>
-            <a:r>
-              <a:rPr lang="nb-NO" dirty="0" err="1"/>
-              <a:t>subscriptions</a:t>
-            </a:r>
-            <a:endParaRPr lang="nb-NO" dirty="0"/>
-          </a:p>
-          <a:p>
-            <a:pPr lvl="1"/>
-            <a:r>
-              <a:rPr lang="nb-NO" dirty="0"/>
-              <a:t>Et </a:t>
-            </a:r>
-            <a:r>
-              <a:rPr lang="nb-NO" dirty="0" err="1"/>
-              <a:t>subscription</a:t>
-            </a:r>
-            <a:r>
-              <a:rPr lang="nb-NO" dirty="0"/>
-              <a:t> kan bare </a:t>
-            </a:r>
-            <a:r>
-              <a:rPr lang="nb-NO" dirty="0" err="1"/>
-              <a:t>truste</a:t>
-            </a:r>
-            <a:r>
-              <a:rPr lang="nb-NO" dirty="0"/>
-              <a:t> 	</a:t>
+              <a:t> Identity Management</a:t>
             </a:r>
           </a:p>
           <a:p>
@@ -11935,6 +12006,59 @@
           <a:p>
             <a:r>
               <a:rPr lang="nb-NO" dirty="0"/>
+              <a:t>Subscriptions og Azure AD</a:t>
+            </a:r>
+          </a:p>
+          <a:p>
+            <a:pPr lvl="1"/>
+            <a:r>
+              <a:rPr lang="nb-NO" dirty="0"/>
+              <a:t>Azure AD kan </a:t>
+            </a:r>
+            <a:r>
+              <a:rPr lang="nb-NO" dirty="0" err="1"/>
+              <a:t>truste</a:t>
+            </a:r>
+            <a:r>
+              <a:rPr lang="nb-NO" dirty="0"/>
+              <a:t> mange </a:t>
+            </a:r>
+            <a:r>
+              <a:rPr lang="nb-NO" dirty="0" err="1"/>
+              <a:t>subscriptions</a:t>
+            </a:r>
+            <a:endParaRPr lang="nb-NO" dirty="0"/>
+          </a:p>
+          <a:p>
+            <a:pPr lvl="1"/>
+            <a:r>
+              <a:rPr lang="nb-NO" dirty="0"/>
+              <a:t>Et </a:t>
+            </a:r>
+            <a:r>
+              <a:rPr lang="nb-NO" dirty="0" err="1"/>
+              <a:t>subscription</a:t>
+            </a:r>
+            <a:r>
+              <a:rPr lang="nb-NO" dirty="0"/>
+              <a:t> kan bare </a:t>
+            </a:r>
+            <a:r>
+              <a:rPr lang="nb-NO" dirty="0" err="1"/>
+              <a:t>truste</a:t>
+            </a:r>
+            <a:r>
+              <a:rPr lang="nb-NO" dirty="0"/>
+              <a:t> et AD.</a:t>
+            </a:r>
+          </a:p>
+          <a:p>
+            <a:pPr lvl="1"/>
+            <a:endParaRPr lang="nb-NO" dirty="0"/>
+          </a:p>
+          <a:p>
+            <a:r>
+              <a:rPr lang="nb-NO" dirty="0"/>
               <a:t>Identitet for tjenester</a:t>
             </a:r>
           </a:p>
@@ -11961,23 +12085,48 @@
             </a:r>
           </a:p>
           <a:p>
+            <a:pPr lvl="1"/>
+            <a:endParaRPr lang="en-US" dirty="0"/>
+          </a:p>
+          <a:p>
+            <a:r>
+              <a:rPr lang="nb-NO" dirty="0" err="1"/>
+              <a:t>Role-based</a:t>
+            </a:r>
             <a:r>
               <a:rPr lang="nb-NO" dirty="0"/>
-              <a:t>Role-based access control (RBAC)</a:t>
-            </a:r>
-          </a:p>
-          <a:p>
+              <a:t> </a:t>
+            </a:r>
+            <a:r>
+              <a:rPr lang="nb-NO" dirty="0" err="1"/>
+              <a:t>access</a:t>
+            </a:r>
             <a:r>
               <a:rPr lang="nb-NO" dirty="0"/>
-              <a:t>Har forskjellige kostnadsnivåer.</a:t>
+              <a:t> </a:t>
+            </a:r>
+            <a:r>
+              <a:rPr lang="nb-NO" dirty="0" err="1"/>
+              <a:t>control</a:t>
+            </a:r>
+            <a:r>
+              <a:rPr lang="nb-NO" dirty="0"/>
+              <a:t> (RBAC)</a:t>
             </a:r>
           </a:p>
           <a:p>
             <a:pPr lvl="1"/>
             <a:r>
               <a:rPr lang="nb-NO" dirty="0"/>
-              <a:t>Eks. PIM</a:t>
-            </a:r>
+              <a:t>Hierarkisk rolle-basert tilgangskontroll</a:t>
+            </a:r>
+          </a:p>
+          <a:p>
+            <a:pPr lvl="1"/>
+            <a:endParaRPr lang="nb-NO" dirty="0"/>
+          </a:p>
+          <a:p>
+            <a:endParaRPr lang="en-US" dirty="0"/>
           </a:p>
           <a:p>
             <a:endParaRPr lang="nb-NO" dirty="0"/>
@@ -12040,7 +12189,7 @@
         </p:blipFill>
         <p:spPr>
           <a:xfrm>
-            <a:off x="8693438" y="3325649"/>
+            <a:off x="9512835" y="3547696"/>
             <a:ext cx="2381582" cy="2629267"/>
           </a:xfrm>
           <a:prstGeom prst="rect">
@@ -12136,6 +12285,35 @@
               <a:t>Open ID Connect</a:t>
             </a:r>
           </a:p>
+          <a:p>
+            <a:pPr lvl="1"/>
+            <a:endParaRPr lang="nb-NO" dirty="0"/>
+          </a:p>
+          <a:p>
+            <a:r>
+              <a:rPr lang="nb-NO" dirty="0"/>
+              <a:t>Kan hente ut Token for å aksessere andre tjenester.</a:t>
+            </a:r>
+          </a:p>
+          <a:p>
+            <a:pPr lvl="1"/>
+            <a:r>
+              <a:rPr lang="nb-NO" dirty="0"/>
+              <a:t>Eks: MS Graph, Storage </a:t>
+            </a:r>
+            <a:r>
+              <a:rPr lang="nb-NO" dirty="0" err="1"/>
+              <a:t>Account</a:t>
+            </a:r>
+            <a:endParaRPr lang="nb-NO" dirty="0"/>
+          </a:p>
+          <a:p>
+            <a:pPr lvl="1"/>
+            <a:endParaRPr lang="nb-NO" dirty="0"/>
+          </a:p>
+          <a:p>
+            <a:endParaRPr lang="nb-NO" dirty="0"/>
+          </a:p>
         </p:txBody>
       </p:sp>
       <p:sp>
@@ -12219,33 +12397,80 @@
           <a:p>
             <a:r>
               <a:rPr lang="nb-NO" dirty="0"/>
-              <a:t>For å kunne autentisere</a:t>
-            </a:r>
+              <a:t>For å kunne autentisere mot en applikasjon, må den være registrert i AD.</a:t>
+            </a:r>
+          </a:p>
+          <a:p>
+            <a:endParaRPr lang="nb-NO" dirty="0"/>
+          </a:p>
+          <a:p>
+            <a:endParaRPr lang="nb-NO" dirty="0"/>
           </a:p>
           <a:p>
             <a:r>
               <a:rPr lang="nb-NO" dirty="0"/>
-              <a:t>Bidrar til å gjøre autorisering enklere med </a:t>
-            </a:r>
+              <a:t>Ting man må registrere</a:t>
+            </a:r>
+          </a:p>
+          <a:p>
+            <a:pPr lvl="1"/>
             <a:r>
               <a:rPr lang="nb-NO" dirty="0" err="1"/>
-              <a:t>Claims</a:t>
+              <a:t>ClientId</a:t>
             </a:r>
             <a:endParaRPr lang="nb-NO" dirty="0"/>
           </a:p>
           <a:p>
             <a:pPr lvl="1"/>
             <a:r>
+              <a:rPr lang="nb-NO" dirty="0" err="1"/>
+              <a:t>TenantID</a:t>
+            </a:r>
+            <a:r>
               <a:rPr lang="nb-NO" dirty="0"/>
-              <a:t>Men det er applikasjonen som leser </a:t>
+              <a:t>/</a:t>
             </a:r>
             <a:r>
               <a:rPr lang="nb-NO" dirty="0" err="1"/>
-              <a:t>Claims</a:t>
+              <a:t>DirectoryID</a:t>
+            </a:r>
+            <a:endParaRPr lang="nb-NO" dirty="0"/>
+          </a:p>
+          <a:p>
+            <a:pPr lvl="1"/>
+            <a:r>
+              <a:rPr lang="nb-NO" dirty="0" err="1"/>
+              <a:t>Sign-on</a:t>
             </a:r>
             <a:r>
               <a:rPr lang="nb-NO" dirty="0"/>
-              <a:t> som gjør autoriseringen</a:t>
+              <a:t> og </a:t>
+            </a:r>
+            <a:r>
+              <a:rPr lang="nb-NO" dirty="0" err="1"/>
+              <a:t>Sign-out</a:t>
+            </a:r>
+            <a:r>
+              <a:rPr lang="nb-NO" dirty="0"/>
+              <a:t> URL</a:t>
+            </a:r>
+          </a:p>
+          <a:p>
+            <a:pPr lvl="1"/>
+            <a:endParaRPr lang="nb-NO" dirty="0"/>
+          </a:p>
+          <a:p>
+            <a:r>
+              <a:rPr lang="nb-NO" dirty="0"/>
+              <a:t>Kan registrere tilganger (</a:t>
+            </a:r>
+            <a:r>
+              <a:rPr lang="nb-NO" dirty="0" err="1"/>
+              <a:t>scopes</a:t>
+            </a:r>
+            <a:r>
+              <a:rPr lang="nb-NO" dirty="0"/>
+              <a:t>) som brukeren aktivt må godkjenne at applikasjonen skal ha tilgang gil.</a:t>
             </a:r>
           </a:p>
           <a:p>
@@ -12332,10 +12557,7 @@
           <a:bodyPr/>
           <a:lstStyle/>
           <a:p>
-            <a:r>
-              <a:rPr lang="nb-NO" dirty="0"/>
-              <a:t>Skal legge på autentisering og rolle-basert</a:t>
-            </a:r>
+            <a:endParaRPr lang="nb-NO" dirty="0"/>
           </a:p>
         </p:txBody>
       </p:sp>
@@ -13330,6 +13552,166 @@
       </p:grpSpPr>
       <p:sp>
         <p:nvSpPr>
+          <p:cNvPr id="3" name="Title 2">
+            <a:extLst>
+              <a:ext uri="{FF2B5EF4-FFF2-40B4-BE49-F238E27FC236}">
+                <a16:creationId xmlns:a16="http://schemas.microsoft.com/office/drawing/2014/main" id="{A186454E-924F-4205-B381-547460A34916}"/>
+              </a:ext>
+            </a:extLst>
+          </p:cNvPr>
+          <p:cNvSpPr>
+            <a:spLocks noGrp="1"/>
+          </p:cNvSpPr>
+          <p:nvPr>
+            <p:ph type="title"/>
+          </p:nvPr>
+        </p:nvSpPr>
+        <p:spPr/>
+        <p:txBody>
+          <a:bodyPr/>
+          <a:lstStyle/>
+          <a:p>
+            <a:r>
+              <a:rPr lang="nb-NO" dirty="0"/>
+              <a:t>Delt ansvar.</a:t>
+            </a:r>
+          </a:p>
+        </p:txBody>
+      </p:sp>
+      <p:pic>
+        <p:nvPicPr>
+          <p:cNvPr id="5" name="Content Placeholder 4" descr="A screenshot of a cell phone&#10;&#10;Description automatically generated">
+            <a:extLst>
+              <a:ext uri="{FF2B5EF4-FFF2-40B4-BE49-F238E27FC236}">
+                <a16:creationId xmlns:a16="http://schemas.microsoft.com/office/drawing/2014/main" id="{DB784447-069E-40B2-A426-53EB360E4C6C}"/>
+              </a:ext>
+            </a:extLst>
+          </p:cNvPr>
+          <p:cNvPicPr>
+            <a:picLocks noGrp="1" noChangeAspect="1"/>
+          </p:cNvPicPr>
+          <p:nvPr>
+            <p:ph idx="1"/>
+          </p:nvPr>
+        </p:nvPicPr>
+        <p:blipFill>
+          <a:blip r:embed="rId3">
+            <a:extLst>
+              <a:ext uri="{28A0092B-C50C-407E-A947-70E740481C1C}">
+                <a14:useLocalDpi xmlns:a14="http://schemas.microsoft.com/office/drawing/2010/main" val="0"/>
+              </a:ext>
+            </a:extLst>
+          </a:blip>
+          <a:stretch>
+            <a:fillRect/>
+          </a:stretch>
+        </p:blipFill>
+        <p:spPr>
+          <a:xfrm>
+            <a:off x="1848138" y="1825625"/>
+            <a:ext cx="3209925" cy="4010025"/>
+          </a:xfrm>
+        </p:spPr>
+      </p:pic>
+      <p:sp>
+        <p:nvSpPr>
+          <p:cNvPr id="2" name="Content Placeholder 1">
+            <a:extLst>
+              <a:ext uri="{FF2B5EF4-FFF2-40B4-BE49-F238E27FC236}">
+                <a16:creationId xmlns:a16="http://schemas.microsoft.com/office/drawing/2014/main" id="{32E9A007-E535-454D-98C0-DB315BCEB216}"/>
+              </a:ext>
+            </a:extLst>
+          </p:cNvPr>
+          <p:cNvSpPr>
+            <a:spLocks noGrp="1"/>
+          </p:cNvSpPr>
+          <p:nvPr>
+            <p:ph idx="13"/>
+          </p:nvPr>
+        </p:nvSpPr>
+        <p:spPr/>
+        <p:txBody>
+          <a:bodyPr/>
+          <a:lstStyle/>
+          <a:p>
+            <a:r>
+              <a:rPr lang="nb-NO" dirty="0"/>
+              <a:t>Microsoft ansvar vs. vårt ansvar </a:t>
+            </a:r>
+          </a:p>
+          <a:p>
+            <a:r>
+              <a:rPr lang="nb-NO" dirty="0"/>
+              <a:t>Selv om Microsoft er en sikker plattform, så er det ikke vanskelig å lage et system i skyen som ikke er sikker.</a:t>
+            </a:r>
+          </a:p>
+          <a:p>
+            <a:r>
+              <a:rPr lang="nb-NO" dirty="0"/>
+              <a:t>Hvis man ønsker å sikre dataene sine, så må man gjøre en jobb uansett om det er </a:t>
+            </a:r>
+            <a:r>
+              <a:rPr lang="nb-NO" dirty="0" err="1"/>
+              <a:t>SaaS</a:t>
+            </a:r>
+            <a:r>
+              <a:rPr lang="nb-NO" dirty="0"/>
+              <a:t>, </a:t>
+            </a:r>
+            <a:r>
+              <a:rPr lang="nb-NO" dirty="0" err="1"/>
+              <a:t>PaaS</a:t>
+            </a:r>
+            <a:r>
+              <a:rPr lang="nb-NO" dirty="0"/>
+              <a:t>, </a:t>
+            </a:r>
+            <a:r>
+              <a:rPr lang="nb-NO" dirty="0" err="1"/>
+              <a:t>IaaS</a:t>
+            </a:r>
+            <a:r>
+              <a:rPr lang="nb-NO" dirty="0"/>
+              <a:t>, men hvor mye kommer an på hvilken løsning man velger</a:t>
+            </a:r>
+          </a:p>
+          <a:p>
+            <a:endParaRPr lang="nb-NO" dirty="0"/>
+          </a:p>
+        </p:txBody>
+      </p:sp>
+    </p:spTree>
+    <p:extLst>
+      <p:ext uri="{BB962C8B-B14F-4D97-AF65-F5344CB8AC3E}">
+        <p14:creationId xmlns:p14="http://schemas.microsoft.com/office/powerpoint/2010/main" val="2892039909"/>
+      </p:ext>
+    </p:extLst>
+  </p:cSld>
+  <p:clrMapOvr>
+    <a:masterClrMapping/>
+  </p:clrMapOvr>
+</p:sld>
+</file>
+
+<file path=ppt/slides/slide7.xml><?xml version="1.0" encoding="utf-8"?>
+<p:sld xmlns:a="http://schemas.openxmlformats.org/drawingml/2006/main" xmlns:r="http://schemas.openxmlformats.org/officeDocument/2006/relationships" xmlns:p="http://schemas.openxmlformats.org/presentationml/2006/main">
+  <p:cSld>
+    <p:spTree>
+      <p:nvGrpSpPr>
+        <p:cNvPr id="1" name=""/>
+        <p:cNvGrpSpPr/>
+        <p:nvPr/>
+      </p:nvGrpSpPr>
+      <p:grpSpPr>
+        <a:xfrm>
+          <a:off x="0" y="0"/>
+          <a:ext cx="0" cy="0"/>
+          <a:chOff x="0" y="0"/>
+          <a:chExt cx="0" cy="0"/>
+        </a:xfrm>
+      </p:grpSpPr>
+      <p:sp>
+        <p:nvSpPr>
           <p:cNvPr id="2" name="Content Placeholder 1">
             <a:extLst>
               <a:ext uri="{FF2B5EF4-FFF2-40B4-BE49-F238E27FC236}">
@@ -13510,166 +13892,6 @@
 </p:sld>
 </file>
 
-<file path=ppt/slides/slide7.xml><?xml version="1.0" encoding="utf-8"?>
-<p:sld xmlns:a="http://schemas.openxmlformats.org/drawingml/2006/main" xmlns:r="http://schemas.openxmlformats.org/officeDocument/2006/relationships" xmlns:p="http://schemas.openxmlformats.org/presentationml/2006/main">
-  <p:cSld>
-    <p:spTree>
-      <p:nvGrpSpPr>
-        <p:cNvPr id="1" name=""/>
-        <p:cNvGrpSpPr/>
-        <p:nvPr/>
-      </p:nvGrpSpPr>
-      <p:grpSpPr>
-        <a:xfrm>
-          <a:off x="0" y="0"/>
-          <a:ext cx="0" cy="0"/>
-          <a:chOff x="0" y="0"/>
-          <a:chExt cx="0" cy="0"/>
-        </a:xfrm>
-      </p:grpSpPr>
-      <p:sp>
-        <p:nvSpPr>
-          <p:cNvPr id="3" name="Title 2">
-            <a:extLst>
-              <a:ext uri="{FF2B5EF4-FFF2-40B4-BE49-F238E27FC236}">
-                <a16:creationId xmlns:a16="http://schemas.microsoft.com/office/drawing/2014/main" id="{A186454E-924F-4205-B381-547460A34916}"/>
-              </a:ext>
-            </a:extLst>
-          </p:cNvPr>
-          <p:cNvSpPr>
-            <a:spLocks noGrp="1"/>
-          </p:cNvSpPr>
-          <p:nvPr>
-            <p:ph type="title"/>
-          </p:nvPr>
-        </p:nvSpPr>
-        <p:spPr/>
-        <p:txBody>
-          <a:bodyPr/>
-          <a:lstStyle/>
-          <a:p>
-            <a:r>
-              <a:rPr lang="nb-NO" dirty="0"/>
-              <a:t>Delt ansvar.</a:t>
-            </a:r>
-          </a:p>
-        </p:txBody>
-      </p:sp>
-      <p:pic>
-        <p:nvPicPr>
-          <p:cNvPr id="5" name="Content Placeholder 4" descr="A screenshot of a cell phone&#10;&#10;Description automatically generated">
-            <a:extLst>
-              <a:ext uri="{FF2B5EF4-FFF2-40B4-BE49-F238E27FC236}">
-                <a16:creationId xmlns:a16="http://schemas.microsoft.com/office/drawing/2014/main" id="{DB784447-069E-40B2-A426-53EB360E4C6C}"/>
-              </a:ext>
-            </a:extLst>
-          </p:cNvPr>
-          <p:cNvPicPr>
-            <a:picLocks noGrp="1" noChangeAspect="1"/>
-          </p:cNvPicPr>
-          <p:nvPr>
-            <p:ph idx="1"/>
-          </p:nvPr>
-        </p:nvPicPr>
-        <p:blipFill>
-          <a:blip r:embed="rId3">
-            <a:extLst>
-              <a:ext uri="{28A0092B-C50C-407E-A947-70E740481C1C}">
-                <a14:useLocalDpi xmlns:a14="http://schemas.microsoft.com/office/drawing/2010/main" val="0"/>
-              </a:ext>
-            </a:extLst>
-          </a:blip>
-          <a:stretch>
-            <a:fillRect/>
-          </a:stretch>
-        </p:blipFill>
-        <p:spPr>
-          <a:xfrm>
-            <a:off x="1848138" y="1825625"/>
-            <a:ext cx="3209925" cy="4010025"/>
-          </a:xfrm>
-        </p:spPr>
-      </p:pic>
-      <p:sp>
-        <p:nvSpPr>
-          <p:cNvPr id="2" name="Content Placeholder 1">
-            <a:extLst>
-              <a:ext uri="{FF2B5EF4-FFF2-40B4-BE49-F238E27FC236}">
-                <a16:creationId xmlns:a16="http://schemas.microsoft.com/office/drawing/2014/main" id="{32E9A007-E535-454D-98C0-DB315BCEB216}"/>
-              </a:ext>
-            </a:extLst>
-          </p:cNvPr>
-          <p:cNvSpPr>
-            <a:spLocks noGrp="1"/>
-          </p:cNvSpPr>
-          <p:nvPr>
-            <p:ph idx="13"/>
-          </p:nvPr>
-        </p:nvSpPr>
-        <p:spPr/>
-        <p:txBody>
-          <a:bodyPr/>
-          <a:lstStyle/>
-          <a:p>
-            <a:r>
-              <a:rPr lang="nb-NO" dirty="0"/>
-              <a:t>Microsoft ansvar vs. vårt ansvar </a:t>
-            </a:r>
-          </a:p>
-          <a:p>
-            <a:r>
-              <a:rPr lang="nb-NO" dirty="0"/>
-              <a:t>Selv om Microsoft er en sikker plattform, så er det ikke vanskelig å lage et system i skyen som ikke er sikker.</a:t>
-            </a:r>
-          </a:p>
-          <a:p>
-            <a:r>
-              <a:rPr lang="nb-NO" dirty="0"/>
-              <a:t>Hvis man ønsker å sikre dataene sine, så må man gjøre en jobb uansett om det er </a:t>
-            </a:r>
-            <a:r>
-              <a:rPr lang="nb-NO" dirty="0" err="1"/>
-              <a:t>SaaS</a:t>
-            </a:r>
-            <a:r>
-              <a:rPr lang="nb-NO" dirty="0"/>
-              <a:t>, </a:t>
-            </a:r>
-            <a:r>
-              <a:rPr lang="nb-NO" dirty="0" err="1"/>
-              <a:t>PaaS</a:t>
-            </a:r>
-            <a:r>
-              <a:rPr lang="nb-NO" dirty="0"/>
-              <a:t>, </a:t>
-            </a:r>
-            <a:r>
-              <a:rPr lang="nb-NO" dirty="0" err="1"/>
-              <a:t>IaaS</a:t>
-            </a:r>
-            <a:r>
-              <a:rPr lang="nb-NO" dirty="0"/>
-              <a:t>, men hvor mye kommer an på hvilken løsning man velger</a:t>
-            </a:r>
-          </a:p>
-          <a:p>
-            <a:endParaRPr lang="nb-NO" dirty="0"/>
-          </a:p>
-        </p:txBody>
-      </p:sp>
-    </p:spTree>
-    <p:extLst>
-      <p:ext uri="{BB962C8B-B14F-4D97-AF65-F5344CB8AC3E}">
-        <p14:creationId xmlns:p14="http://schemas.microsoft.com/office/powerpoint/2010/main" val="2892039909"/>
-      </p:ext>
-    </p:extLst>
-  </p:cSld>
-  <p:clrMapOvr>
-    <a:masterClrMapping/>
-  </p:clrMapOvr>
-</p:sld>
-</file>
-
 <file path=ppt/slides/slide8.xml><?xml version="1.0" encoding="utf-8"?>
 <p:sld xmlns:a="http://schemas.openxmlformats.org/drawingml/2006/main" xmlns:r="http://schemas.openxmlformats.org/officeDocument/2006/relationships" xmlns:p="http://schemas.openxmlformats.org/presentationml/2006/main">
   <p:cSld>
@@ -13718,6 +13940,9 @@
             </a:r>
           </a:p>
           <a:p>
+            <a:endParaRPr lang="nb-NO" dirty="0"/>
+          </a:p>
+          <a:p>
             <a:r>
               <a:rPr lang="nb-NO" dirty="0"/>
               <a:t>Anbefalinger: </a:t>
@@ -13735,6 +13960,12 @@
             <a:endParaRPr lang="nb-NO" dirty="0"/>
           </a:p>
           <a:p>
+            <a:r>
+              <a:rPr lang="nb-NO" dirty="0"/>
+              <a:t>Overvåking av tjenester (Standard)</a:t>
+            </a:r>
+          </a:p>
+          <a:p>
             <a:endParaRPr lang="nb-NO" dirty="0"/>
           </a:p>
           <a:p>
@@ -13746,30 +13977,23 @@
           <a:p>
             <a:pPr lvl="1"/>
             <a:r>
+              <a:rPr lang="nb-NO" dirty="0" err="1"/>
+              <a:t>Free</a:t>
+            </a:r>
+            <a:r>
               <a:rPr lang="nb-NO" dirty="0"/>
-              <a:t>Basic tier: Tilbyr anbefalinger og </a:t>
-            </a:r>
-            <a:r>
-              <a:rPr lang="nb-NO" dirty="0" err="1"/>
-              <a:t>recommendations</a:t>
-            </a:r>
+              <a:t> tier: Tilbyr anbefalinger </a:t>
+            </a:r>
+          </a:p>
+          <a:p>
+            <a:pPr lvl="1"/>
+            <a:r>
+              <a:rPr lang="nb-NO" dirty="0"/>
+              <a:t>Standard tier: Tilbyr alle tjenester som overvåkning av tjenester</a:t>
+            </a:r>
+          </a:p>
+          <a:p>
             <a:endParaRPr lang="nb-NO" dirty="0"/>
-          </a:p>
-          <a:p>
-            <a:pPr lvl="1"/>
-            <a:r>
-              <a:rPr lang="nb-NO" dirty="0"/>
-              <a:t>Standard tier: Tilbyr alle tjenester som overvåkning</a:t>
-            </a:r>
-          </a:p>
-          <a:p>
-            <a:endParaRPr lang="nb-NO" dirty="0"/>
-          </a:p>
-          <a:p>
-            <a:r>
-              <a:rPr lang="nb-NO" dirty="0"/>
-              <a:t>Overvåking av tjenester (Standard)</a:t>
-            </a:r>
           </a:p>
           <a:p>
             <a:pPr marL="0" indent="0">
@@ -15517,12 +15741,6 @@
 </file>
 
 <file path=customXml/item1.xml><?xml version="1.0" encoding="utf-8"?>
-<p:properties xmlns:p="http://schemas.microsoft.com/office/2006/metadata/properties" xmlns:xsi="http://www.w3.org/2001/XMLSchema-instance" xmlns:pc="http://schemas.microsoft.com/office/infopath/2007/PartnerControls">
-  <documentManagement/>
-</p:properties>
-</file>
-
-<file path=customXml/item2.xml><?xml version="1.0" encoding="utf-8"?>
 <ct:contentTypeSchema xmlns:ct="http://schemas.microsoft.com/office/2006/metadata/contentType" xmlns:ma="http://schemas.microsoft.com/office/2006/metadata/properties/metaAttributes" ct:_="" ma:_="" ma:contentTypeName="Document" ma:contentTypeID="0x0101005D3CE5A03C88D04F8FE0CC8617320B29" ma:contentTypeVersion="2" ma:contentTypeDescription="Create a new document." ma:contentTypeScope="" ma:versionID="23c508fadb5761cd27fdc7efc393bb78">
   <xsd:schema xmlns:xsd="http://www.w3.org/2001/XMLSchema" xmlns:xs="http://www.w3.org/2001/XMLSchema" xmlns:p="http://schemas.microsoft.com/office/2006/metadata/properties" xmlns:ns2="323bcd62-7d27-4513-9df1-9bc20f03554b" targetNamespace="http://schemas.microsoft.com/office/2006/metadata/properties" ma:root="true" ma:fieldsID="4120a6a9df7c81c23a4d646d2ccf1355" ns2:_="">
     <xsd:import namespace="323bcd62-7d27-4513-9df1-9bc20f03554b"/>
@@ -15654,6 +15872,12 @@
 </ct:contentTypeSchema>
 </file>
 
+<file path=customXml/item2.xml><?xml version="1.0" encoding="utf-8"?>
+<p:properties xmlns:p="http://schemas.microsoft.com/office/2006/metadata/properties" xmlns:xsi="http://www.w3.org/2001/XMLSchema-instance" xmlns:pc="http://schemas.microsoft.com/office/infopath/2007/PartnerControls">
+  <documentManagement/>
+</p:properties>
+</file>
+
 <file path=customXml/item3.xml><?xml version="1.0" encoding="utf-8"?>
 <?mso-contentType ?>
 <FormTemplates xmlns="http://schemas.microsoft.com/sharepoint/v3/contenttype/forms">
@@ -15664,23 +15888,6 @@
 </file>
 
 <file path=customXml/itemProps1.xml><?xml version="1.0" encoding="utf-8"?>
-<ds:datastoreItem xmlns:ds="http://schemas.openxmlformats.org/officeDocument/2006/customXml" ds:itemID="{9D2CB842-18D5-4EEF-9009-B0CAFCE7AC3E}">
-  <ds:schemaRefs>
-    <ds:schemaRef ds:uri="http://schemas.microsoft.com/office/2006/documentManagement/types"/>
-    <ds:schemaRef ds:uri="http://schemas.microsoft.com/office/infopath/2007/PartnerControls"/>
-    <ds:schemaRef ds:uri="cd7095a3-97f1-4663-a71f-a762e9d8a5de"/>
-    <ds:schemaRef ds:uri="http://purl.org/dc/elements/1.1/"/>
-    <ds:schemaRef ds:uri="http://schemas.microsoft.com/office/2006/metadata/properties"/>
-    <ds:schemaRef ds:uri="http://schemas.microsoft.com/sharepoint/v3"/>
-    <ds:schemaRef ds:uri="http://purl.org/dc/terms/"/>
-    <ds:schemaRef ds:uri="http://schemas.openxmlformats.org/package/2006/metadata/core-properties"/>
-    <ds:schemaRef ds:uri="http://www.w3.org/XML/1998/namespace"/>
-    <ds:schemaRef ds:uri="http://purl.org/dc/dcmitype/"/>
-  </ds:schemaRefs>
-</ds:datastoreItem>
-</file>
-
-<file path=customXml/itemProps2.xml><?xml version="1.0" encoding="utf-8"?>
 <ds:datastoreItem xmlns:ds="http://schemas.openxmlformats.org/officeDocument/2006/customXml" ds:itemID="{0377EA4A-9170-43AD-A052-6EABC948F73F}">
   <ds:schemaRefs>
     <ds:schemaRef ds:uri="http://schemas.microsoft.com/office/2006/metadata/contentType"/>
@@ -15698,6 +15905,23 @@
 </ds:datastoreItem>
 </file>
 
+<file path=customXml/itemProps2.xml><?xml version="1.0" encoding="utf-8"?>
+<ds:datastoreItem xmlns:ds="http://schemas.openxmlformats.org/officeDocument/2006/customXml" ds:itemID="{9D2CB842-18D5-4EEF-9009-B0CAFCE7AC3E}">
+  <ds:schemaRefs>
+    <ds:schemaRef ds:uri="http://schemas.microsoft.com/office/2006/documentManagement/types"/>
+    <ds:schemaRef ds:uri="http://schemas.microsoft.com/office/infopath/2007/PartnerControls"/>
+    <ds:schemaRef ds:uri="cd7095a3-97f1-4663-a71f-a762e9d8a5de"/>
+    <ds:schemaRef ds:uri="http://purl.org/dc/elements/1.1/"/>
+    <ds:schemaRef ds:uri="http://schemas.microsoft.com/office/2006/metadata/properties"/>
+    <ds:schemaRef ds:uri="http://schemas.microsoft.com/sharepoint/v3"/>
+    <ds:schemaRef ds:uri="http://purl.org/dc/terms/"/>
+    <ds:schemaRef ds:uri="http://schemas.openxmlformats.org/package/2006/metadata/core-properties"/>
+    <ds:schemaRef ds:uri="http://www.w3.org/XML/1998/namespace"/>
+    <ds:schemaRef ds:uri="http://purl.org/dc/dcmitype/"/>
+  </ds:schemaRefs>
+</ds:datastoreItem>
+</file>
+
 <file path=customXml/itemProps3.xml><?xml version="1.0" encoding="utf-8"?>
 <ds:datastoreItem xmlns:ds="http://schemas.openxmlformats.org/officeDocument/2006/customXml" ds:itemID="{BB82CC63-55FC-4D22-9ED3-DB88AF6228E1}">
   <ds:schemaRefs>

--- a/Workshop_3/Presentasjon/Azureskolen-Workshop#3.pptx
+++ b/Workshop_3/Presentasjon/Azureskolen-Workshop#3.pptx
@@ -18,8 +18,8 @@
     <p:sldId id="259" r:id="rId9"/>
     <p:sldId id="260" r:id="rId10"/>
     <p:sldId id="284" r:id="rId11"/>
-    <p:sldId id="294" r:id="rId12"/>
-    <p:sldId id="291" r:id="rId13"/>
+    <p:sldId id="291" r:id="rId12"/>
+    <p:sldId id="294" r:id="rId13"/>
     <p:sldId id="290" r:id="rId14"/>
     <p:sldId id="292" r:id="rId15"/>
     <p:sldId id="275" r:id="rId16"/>
@@ -1626,17 +1626,8 @@
           <a:p>
             <a:r>
               <a:rPr lang="nb-NO" dirty="0"/>
-              <a:t>Microsoft ansvar vs. vårt ansvar </a:t>
-            </a:r>
-          </a:p>
-          <a:p>
-            <a:r>
-              <a:rPr lang="nb-NO" dirty="0"/>
-              <a:t>Selv om Microsoft er en sikker plattform, så er det ikke vanskelig å lage et system i skyen . Det hviler derfor et stort ansvar på oss som  utvikler systemer der.</a:t>
-            </a:r>
-          </a:p>
-          <a:p>
-            <a:endParaRPr lang="nb-NO" dirty="0"/>
+              <a:t>Data de stort sett hackere er ute etter.</a:t>
+            </a:r>
           </a:p>
         </p:txBody>
       </p:sp>
@@ -1666,7 +1657,7 @@
     </p:spTree>
     <p:extLst>
       <p:ext uri="{BB962C8B-B14F-4D97-AF65-F5344CB8AC3E}">
-        <p14:creationId xmlns:p14="http://schemas.microsoft.com/office/powerpoint/2010/main" val="2311225978"/>
+        <p14:creationId xmlns:p14="http://schemas.microsoft.com/office/powerpoint/2010/main" val="995312758"/>
       </p:ext>
     </p:extLst>
   </p:cSld>
@@ -1722,8 +1713,17 @@
           <a:p>
             <a:r>
               <a:rPr lang="nb-NO" dirty="0"/>
-              <a:t>Data de stort sett hackere er ute etter.</a:t>
-            </a:r>
+              <a:t>Microsoft ansvar vs. vårt ansvar </a:t>
+            </a:r>
+          </a:p>
+          <a:p>
+            <a:r>
+              <a:rPr lang="nb-NO" dirty="0"/>
+              <a:t>Selv om Microsoft er en sikker plattform, så er det ikke vanskelig å lage et system i skyen . Det hviler derfor et stort ansvar på oss som  utvikler systemer der.</a:t>
+            </a:r>
+          </a:p>
+          <a:p>
+            <a:endParaRPr lang="nb-NO" dirty="0"/>
           </a:p>
         </p:txBody>
       </p:sp>
@@ -1753,7 +1753,7 @@
     </p:spTree>
     <p:extLst>
       <p:ext uri="{BB962C8B-B14F-4D97-AF65-F5344CB8AC3E}">
-        <p14:creationId xmlns:p14="http://schemas.microsoft.com/office/powerpoint/2010/main" val="995312758"/>
+        <p14:creationId xmlns:p14="http://schemas.microsoft.com/office/powerpoint/2010/main" val="2311225978"/>
       </p:ext>
     </p:extLst>
   </p:cSld>
@@ -1818,15 +1818,7 @@
           <a:p>
             <a:r>
               <a:rPr lang="nb-NO" dirty="0"/>
-              <a:t>Analyserer enorme </a:t>
-            </a:r>
-            <a:r>
-              <a:rPr lang="nb-NO" dirty="0" err="1"/>
-              <a:t>mender</a:t>
-            </a:r>
-            <a:r>
-              <a:rPr lang="nb-NO" dirty="0"/>
-              <a:t> data for </a:t>
+              <a:t>Analyserer enorme mender data/signaler. </a:t>
             </a:r>
           </a:p>
         </p:txBody>
@@ -11689,6 +11681,27 @@
             </a:pPr>
             <a:endParaRPr lang="nb-NO" sz="4400" dirty="0"/>
           </a:p>
+          <a:p>
+            <a:pPr marL="0" indent="0">
+              <a:buNone/>
+            </a:pPr>
+            <a:endParaRPr lang="nb-NO" sz="4400" dirty="0"/>
+          </a:p>
+          <a:p>
+            <a:pPr marL="0" indent="0">
+              <a:buNone/>
+            </a:pPr>
+            <a:endParaRPr lang="nb-NO" sz="4400" dirty="0"/>
+          </a:p>
+          <a:p>
+            <a:pPr marL="0" indent="0">
+              <a:buNone/>
+            </a:pPr>
+            <a:r>
+              <a:rPr lang="nb-NO" sz="4400" dirty="0"/>
+              <a:t>Google: Azureskolen </a:t>
+            </a:r>
+          </a:p>
         </p:txBody>
       </p:sp>
       <p:sp>
@@ -11862,12 +11875,15 @@
           <a:p>
             <a:pPr lvl="1"/>
             <a:r>
-              <a:rPr lang="nb-NO" dirty="0" err="1"/>
-              <a:t>Priviligued</a:t>
-            </a:r>
-            <a:r>
               <a:rPr lang="nb-NO" dirty="0"/>
-              <a:t> Identity Management</a:t>
+              <a:t>Privilgued Identity Management</a:t>
+            </a:r>
+          </a:p>
+          <a:p>
+            <a:pPr lvl="1"/>
+            <a:r>
+              <a:rPr lang="nb-NO" dirty="0"/>
+              <a:t>Identity Protection</a:t>
             </a:r>
           </a:p>
           <a:p>
@@ -12401,9 +12417,9 @@
             </a:r>
           </a:p>
           <a:p>
-            <a:endParaRPr lang="nb-NO" dirty="0"/>
-          </a:p>
-          <a:p>
+            <a:pPr marL="0" indent="0">
+              <a:buNone/>
+            </a:pPr>
             <a:endParaRPr lang="nb-NO" dirty="0"/>
           </a:p>
           <a:p>
@@ -12462,15 +12478,7 @@
           <a:p>
             <a:r>
               <a:rPr lang="nb-NO" dirty="0"/>
-              <a:t>Kan registrere tilganger (</a:t>
-            </a:r>
-            <a:r>
-              <a:rPr lang="nb-NO" dirty="0" err="1"/>
-              <a:t>scopes</a:t>
-            </a:r>
-            <a:r>
-              <a:rPr lang="nb-NO" dirty="0"/>
-              <a:t>) som brukeren aktivt må godkjenne at applikasjonen skal ha tilgang gil.</a:t>
+              <a:t>Kan registrere tilganger (scopes) som brukeren aktivt må godkjenne at applikasjonen skal ha tilgang til.</a:t>
             </a:r>
           </a:p>
           <a:p>
@@ -13290,16 +13298,11 @@
           <a:p>
             <a:r>
               <a:rPr lang="nb-NO" dirty="0"/>
-              <a:t>Leksjon 1: Azure </a:t>
-            </a:r>
-            <a:r>
-              <a:rPr lang="nb-NO" dirty="0" err="1"/>
-              <a:t>DevOps</a:t>
-            </a:r>
-            <a:r>
-              <a:rPr lang="nb-NO" dirty="0"/>
-              <a:t> og Azure Security Center</a:t>
-            </a:r>
+              <a:t>Leksjon 1: Forberedelse, SAS-tokens og Azure Security Center</a:t>
+            </a:r>
+          </a:p>
+          <a:p>
+            <a:endParaRPr lang="nb-NO" dirty="0"/>
           </a:p>
           <a:p>
             <a:r>
@@ -13316,6 +13319,9 @@
               <a:rPr lang="nb-NO" dirty="0"/>
               <a:t>Leksjon 2: Azure AD og autentisering/autorisasjon</a:t>
             </a:r>
+          </a:p>
+          <a:p>
+            <a:endParaRPr lang="nb-NO" dirty="0"/>
           </a:p>
           <a:p>
             <a:r>
@@ -13534,166 +13540,6 @@
 </file>
 
 <file path=ppt/slides/slide6.xml><?xml version="1.0" encoding="utf-8"?>
-<p:sld xmlns:a="http://schemas.openxmlformats.org/drawingml/2006/main" xmlns:r="http://schemas.openxmlformats.org/officeDocument/2006/relationships" xmlns:p="http://schemas.openxmlformats.org/presentationml/2006/main">
-  <p:cSld>
-    <p:spTree>
-      <p:nvGrpSpPr>
-        <p:cNvPr id="1" name=""/>
-        <p:cNvGrpSpPr/>
-        <p:nvPr/>
-      </p:nvGrpSpPr>
-      <p:grpSpPr>
-        <a:xfrm>
-          <a:off x="0" y="0"/>
-          <a:ext cx="0" cy="0"/>
-          <a:chOff x="0" y="0"/>
-          <a:chExt cx="0" cy="0"/>
-        </a:xfrm>
-      </p:grpSpPr>
-      <p:sp>
-        <p:nvSpPr>
-          <p:cNvPr id="3" name="Title 2">
-            <a:extLst>
-              <a:ext uri="{FF2B5EF4-FFF2-40B4-BE49-F238E27FC236}">
-                <a16:creationId xmlns:a16="http://schemas.microsoft.com/office/drawing/2014/main" id="{A186454E-924F-4205-B381-547460A34916}"/>
-              </a:ext>
-            </a:extLst>
-          </p:cNvPr>
-          <p:cNvSpPr>
-            <a:spLocks noGrp="1"/>
-          </p:cNvSpPr>
-          <p:nvPr>
-            <p:ph type="title"/>
-          </p:nvPr>
-        </p:nvSpPr>
-        <p:spPr/>
-        <p:txBody>
-          <a:bodyPr/>
-          <a:lstStyle/>
-          <a:p>
-            <a:r>
-              <a:rPr lang="nb-NO" dirty="0"/>
-              <a:t>Delt ansvar.</a:t>
-            </a:r>
-          </a:p>
-        </p:txBody>
-      </p:sp>
-      <p:pic>
-        <p:nvPicPr>
-          <p:cNvPr id="5" name="Content Placeholder 4" descr="A screenshot of a cell phone&#10;&#10;Description automatically generated">
-            <a:extLst>
-              <a:ext uri="{FF2B5EF4-FFF2-40B4-BE49-F238E27FC236}">
-                <a16:creationId xmlns:a16="http://schemas.microsoft.com/office/drawing/2014/main" id="{DB784447-069E-40B2-A426-53EB360E4C6C}"/>
-              </a:ext>
-            </a:extLst>
-          </p:cNvPr>
-          <p:cNvPicPr>
-            <a:picLocks noGrp="1" noChangeAspect="1"/>
-          </p:cNvPicPr>
-          <p:nvPr>
-            <p:ph idx="1"/>
-          </p:nvPr>
-        </p:nvPicPr>
-        <p:blipFill>
-          <a:blip r:embed="rId3">
-            <a:extLst>
-              <a:ext uri="{28A0092B-C50C-407E-A947-70E740481C1C}">
-                <a14:useLocalDpi xmlns:a14="http://schemas.microsoft.com/office/drawing/2010/main" val="0"/>
-              </a:ext>
-            </a:extLst>
-          </a:blip>
-          <a:stretch>
-            <a:fillRect/>
-          </a:stretch>
-        </p:blipFill>
-        <p:spPr>
-          <a:xfrm>
-            <a:off x="1848138" y="1825625"/>
-            <a:ext cx="3209925" cy="4010025"/>
-          </a:xfrm>
-        </p:spPr>
-      </p:pic>
-      <p:sp>
-        <p:nvSpPr>
-          <p:cNvPr id="2" name="Content Placeholder 1">
-            <a:extLst>
-              <a:ext uri="{FF2B5EF4-FFF2-40B4-BE49-F238E27FC236}">
-                <a16:creationId xmlns:a16="http://schemas.microsoft.com/office/drawing/2014/main" id="{32E9A007-E535-454D-98C0-DB315BCEB216}"/>
-              </a:ext>
-            </a:extLst>
-          </p:cNvPr>
-          <p:cNvSpPr>
-            <a:spLocks noGrp="1"/>
-          </p:cNvSpPr>
-          <p:nvPr>
-            <p:ph idx="13"/>
-          </p:nvPr>
-        </p:nvSpPr>
-        <p:spPr/>
-        <p:txBody>
-          <a:bodyPr/>
-          <a:lstStyle/>
-          <a:p>
-            <a:r>
-              <a:rPr lang="nb-NO" dirty="0"/>
-              <a:t>Microsoft ansvar vs. vårt ansvar </a:t>
-            </a:r>
-          </a:p>
-          <a:p>
-            <a:r>
-              <a:rPr lang="nb-NO" dirty="0"/>
-              <a:t>Selv om Microsoft er en sikker plattform, så er det ikke vanskelig å lage et system i skyen som ikke er sikker.</a:t>
-            </a:r>
-          </a:p>
-          <a:p>
-            <a:r>
-              <a:rPr lang="nb-NO" dirty="0"/>
-              <a:t>Hvis man ønsker å sikre dataene sine, så må man gjøre en jobb uansett om det er </a:t>
-            </a:r>
-            <a:r>
-              <a:rPr lang="nb-NO" dirty="0" err="1"/>
-              <a:t>SaaS</a:t>
-            </a:r>
-            <a:r>
-              <a:rPr lang="nb-NO" dirty="0"/>
-              <a:t>, </a:t>
-            </a:r>
-            <a:r>
-              <a:rPr lang="nb-NO" dirty="0" err="1"/>
-              <a:t>PaaS</a:t>
-            </a:r>
-            <a:r>
-              <a:rPr lang="nb-NO" dirty="0"/>
-              <a:t>, </a:t>
-            </a:r>
-            <a:r>
-              <a:rPr lang="nb-NO" dirty="0" err="1"/>
-              <a:t>IaaS</a:t>
-            </a:r>
-            <a:r>
-              <a:rPr lang="nb-NO" dirty="0"/>
-              <a:t>, men hvor mye kommer an på hvilken løsning man velger</a:t>
-            </a:r>
-          </a:p>
-          <a:p>
-            <a:endParaRPr lang="nb-NO" dirty="0"/>
-          </a:p>
-        </p:txBody>
-      </p:sp>
-    </p:spTree>
-    <p:extLst>
-      <p:ext uri="{BB962C8B-B14F-4D97-AF65-F5344CB8AC3E}">
-        <p14:creationId xmlns:p14="http://schemas.microsoft.com/office/powerpoint/2010/main" val="2892039909"/>
-      </p:ext>
-    </p:extLst>
-  </p:cSld>
-  <p:clrMapOvr>
-    <a:masterClrMapping/>
-  </p:clrMapOvr>
-</p:sld>
-</file>
-
-<file path=ppt/slides/slide7.xml><?xml version="1.0" encoding="utf-8"?>
 <p:sld xmlns:a="http://schemas.openxmlformats.org/drawingml/2006/main" xmlns:r="http://schemas.openxmlformats.org/officeDocument/2006/relationships" xmlns:p="http://schemas.openxmlformats.org/presentationml/2006/main">
   <p:cSld>
     <p:spTree>
@@ -13892,6 +13738,166 @@
 </p:sld>
 </file>
 
+<file path=ppt/slides/slide7.xml><?xml version="1.0" encoding="utf-8"?>
+<p:sld xmlns:a="http://schemas.openxmlformats.org/drawingml/2006/main" xmlns:r="http://schemas.openxmlformats.org/officeDocument/2006/relationships" xmlns:p="http://schemas.openxmlformats.org/presentationml/2006/main">
+  <p:cSld>
+    <p:spTree>
+      <p:nvGrpSpPr>
+        <p:cNvPr id="1" name=""/>
+        <p:cNvGrpSpPr/>
+        <p:nvPr/>
+      </p:nvGrpSpPr>
+      <p:grpSpPr>
+        <a:xfrm>
+          <a:off x="0" y="0"/>
+          <a:ext cx="0" cy="0"/>
+          <a:chOff x="0" y="0"/>
+          <a:chExt cx="0" cy="0"/>
+        </a:xfrm>
+      </p:grpSpPr>
+      <p:sp>
+        <p:nvSpPr>
+          <p:cNvPr id="3" name="Title 2">
+            <a:extLst>
+              <a:ext uri="{FF2B5EF4-FFF2-40B4-BE49-F238E27FC236}">
+                <a16:creationId xmlns:a16="http://schemas.microsoft.com/office/drawing/2014/main" id="{A186454E-924F-4205-B381-547460A34916}"/>
+              </a:ext>
+            </a:extLst>
+          </p:cNvPr>
+          <p:cNvSpPr>
+            <a:spLocks noGrp="1"/>
+          </p:cNvSpPr>
+          <p:nvPr>
+            <p:ph type="title"/>
+          </p:nvPr>
+        </p:nvSpPr>
+        <p:spPr/>
+        <p:txBody>
+          <a:bodyPr/>
+          <a:lstStyle/>
+          <a:p>
+            <a:r>
+              <a:rPr lang="nb-NO" dirty="0"/>
+              <a:t>Delt ansvar.</a:t>
+            </a:r>
+          </a:p>
+        </p:txBody>
+      </p:sp>
+      <p:pic>
+        <p:nvPicPr>
+          <p:cNvPr id="5" name="Content Placeholder 4" descr="A screenshot of a cell phone&#10;&#10;Description automatically generated">
+            <a:extLst>
+              <a:ext uri="{FF2B5EF4-FFF2-40B4-BE49-F238E27FC236}">
+                <a16:creationId xmlns:a16="http://schemas.microsoft.com/office/drawing/2014/main" id="{DB784447-069E-40B2-A426-53EB360E4C6C}"/>
+              </a:ext>
+            </a:extLst>
+          </p:cNvPr>
+          <p:cNvPicPr>
+            <a:picLocks noGrp="1" noChangeAspect="1"/>
+          </p:cNvPicPr>
+          <p:nvPr>
+            <p:ph idx="1"/>
+          </p:nvPr>
+        </p:nvPicPr>
+        <p:blipFill>
+          <a:blip r:embed="rId3">
+            <a:extLst>
+              <a:ext uri="{28A0092B-C50C-407E-A947-70E740481C1C}">
+                <a14:useLocalDpi xmlns:a14="http://schemas.microsoft.com/office/drawing/2010/main" val="0"/>
+              </a:ext>
+            </a:extLst>
+          </a:blip>
+          <a:stretch>
+            <a:fillRect/>
+          </a:stretch>
+        </p:blipFill>
+        <p:spPr>
+          <a:xfrm>
+            <a:off x="1848138" y="1825625"/>
+            <a:ext cx="3209925" cy="4010025"/>
+          </a:xfrm>
+        </p:spPr>
+      </p:pic>
+      <p:sp>
+        <p:nvSpPr>
+          <p:cNvPr id="2" name="Content Placeholder 1">
+            <a:extLst>
+              <a:ext uri="{FF2B5EF4-FFF2-40B4-BE49-F238E27FC236}">
+                <a16:creationId xmlns:a16="http://schemas.microsoft.com/office/drawing/2014/main" id="{32E9A007-E535-454D-98C0-DB315BCEB216}"/>
+              </a:ext>
+            </a:extLst>
+          </p:cNvPr>
+          <p:cNvSpPr>
+            <a:spLocks noGrp="1"/>
+          </p:cNvSpPr>
+          <p:nvPr>
+            <p:ph idx="13"/>
+          </p:nvPr>
+        </p:nvSpPr>
+        <p:spPr/>
+        <p:txBody>
+          <a:bodyPr/>
+          <a:lstStyle/>
+          <a:p>
+            <a:r>
+              <a:rPr lang="nb-NO" dirty="0"/>
+              <a:t>Microsoft ansvar vs. vårt ansvar </a:t>
+            </a:r>
+          </a:p>
+          <a:p>
+            <a:r>
+              <a:rPr lang="nb-NO" dirty="0"/>
+              <a:t>Selv om Microsoft er en sikker plattform, så er det ikke vanskelig å lage et system i skyen som ikke er sikker.</a:t>
+            </a:r>
+          </a:p>
+          <a:p>
+            <a:r>
+              <a:rPr lang="nb-NO" dirty="0"/>
+              <a:t>Hvis man ønsker å sikre dataene sine, så må man gjøre en jobb uansett om det er </a:t>
+            </a:r>
+            <a:r>
+              <a:rPr lang="nb-NO" dirty="0" err="1"/>
+              <a:t>SaaS</a:t>
+            </a:r>
+            <a:r>
+              <a:rPr lang="nb-NO" dirty="0"/>
+              <a:t>, </a:t>
+            </a:r>
+            <a:r>
+              <a:rPr lang="nb-NO" dirty="0" err="1"/>
+              <a:t>PaaS</a:t>
+            </a:r>
+            <a:r>
+              <a:rPr lang="nb-NO" dirty="0"/>
+              <a:t>, </a:t>
+            </a:r>
+            <a:r>
+              <a:rPr lang="nb-NO" dirty="0" err="1"/>
+              <a:t>IaaS</a:t>
+            </a:r>
+            <a:r>
+              <a:rPr lang="nb-NO" dirty="0"/>
+              <a:t>, men hvor mye kommer an på hvilken løsning man velger</a:t>
+            </a:r>
+          </a:p>
+          <a:p>
+            <a:endParaRPr lang="nb-NO" dirty="0"/>
+          </a:p>
+        </p:txBody>
+      </p:sp>
+    </p:spTree>
+    <p:extLst>
+      <p:ext uri="{BB962C8B-B14F-4D97-AF65-F5344CB8AC3E}">
+        <p14:creationId xmlns:p14="http://schemas.microsoft.com/office/powerpoint/2010/main" val="2892039909"/>
+      </p:ext>
+    </p:extLst>
+  </p:cSld>
+  <p:clrMapOvr>
+    <a:masterClrMapping/>
+  </p:clrMapOvr>
+</p:sld>
+</file>
+
 <file path=ppt/slides/slide8.xml><?xml version="1.0" encoding="utf-8"?>
 <p:sld xmlns:a="http://schemas.openxmlformats.org/drawingml/2006/main" xmlns:r="http://schemas.openxmlformats.org/officeDocument/2006/relationships" xmlns:p="http://schemas.openxmlformats.org/presentationml/2006/main">
   <p:cSld>
@@ -13945,19 +13951,8 @@
           <a:p>
             <a:r>
               <a:rPr lang="nb-NO" dirty="0"/>
-              <a:t>Anbefalinger: </a:t>
-            </a:r>
-            <a:r>
-              <a:rPr lang="nb-NO" dirty="0" err="1"/>
-              <a:t>scanner</a:t>
-            </a:r>
-            <a:r>
-              <a:rPr lang="nb-NO" dirty="0"/>
-              <a:t> tjenester for å finne usikker konfigurasjon </a:t>
-            </a:r>
-          </a:p>
-          <a:p>
-            <a:endParaRPr lang="nb-NO" dirty="0"/>
+              <a:t>Anbefalinger: scanner tjenester for å finne usikker konfigurasjon </a:t>
+            </a:r>
           </a:p>
           <a:p>
             <a:r>
@@ -13966,7 +13961,10 @@
             </a:r>
           </a:p>
           <a:p>
-            <a:endParaRPr lang="nb-NO" dirty="0"/>
+            <a:r>
+              <a:rPr lang="nb-NO" dirty="0"/>
+              <a:t>Sikkerhetsscore og compliance</a:t>
+            </a:r>
           </a:p>
           <a:p>
             <a:r>
@@ -15741,6 +15739,12 @@
 </file>
 
 <file path=customXml/item1.xml><?xml version="1.0" encoding="utf-8"?>
+<p:properties xmlns:p="http://schemas.microsoft.com/office/2006/metadata/properties" xmlns:xsi="http://www.w3.org/2001/XMLSchema-instance" xmlns:pc="http://schemas.microsoft.com/office/infopath/2007/PartnerControls">
+  <documentManagement/>
+</p:properties>
+</file>
+
+<file path=customXml/item2.xml><?xml version="1.0" encoding="utf-8"?>
 <ct:contentTypeSchema xmlns:ct="http://schemas.microsoft.com/office/2006/metadata/contentType" xmlns:ma="http://schemas.microsoft.com/office/2006/metadata/properties/metaAttributes" ct:_="" ma:_="" ma:contentTypeName="Document" ma:contentTypeID="0x0101005D3CE5A03C88D04F8FE0CC8617320B29" ma:contentTypeVersion="2" ma:contentTypeDescription="Create a new document." ma:contentTypeScope="" ma:versionID="23c508fadb5761cd27fdc7efc393bb78">
   <xsd:schema xmlns:xsd="http://www.w3.org/2001/XMLSchema" xmlns:xs="http://www.w3.org/2001/XMLSchema" xmlns:p="http://schemas.microsoft.com/office/2006/metadata/properties" xmlns:ns2="323bcd62-7d27-4513-9df1-9bc20f03554b" targetNamespace="http://schemas.microsoft.com/office/2006/metadata/properties" ma:root="true" ma:fieldsID="4120a6a9df7c81c23a4d646d2ccf1355" ns2:_="">
     <xsd:import namespace="323bcd62-7d27-4513-9df1-9bc20f03554b"/>
@@ -15872,12 +15876,6 @@
 </ct:contentTypeSchema>
 </file>
 
-<file path=customXml/item2.xml><?xml version="1.0" encoding="utf-8"?>
-<p:properties xmlns:p="http://schemas.microsoft.com/office/2006/metadata/properties" xmlns:xsi="http://www.w3.org/2001/XMLSchema-instance" xmlns:pc="http://schemas.microsoft.com/office/infopath/2007/PartnerControls">
-  <documentManagement/>
-</p:properties>
-</file>
-
 <file path=customXml/item3.xml><?xml version="1.0" encoding="utf-8"?>
 <?mso-contentType ?>
 <FormTemplates xmlns="http://schemas.microsoft.com/sharepoint/v3/contenttype/forms">
@@ -15888,6 +15886,23 @@
 </file>
 
 <file path=customXml/itemProps1.xml><?xml version="1.0" encoding="utf-8"?>
+<ds:datastoreItem xmlns:ds="http://schemas.openxmlformats.org/officeDocument/2006/customXml" ds:itemID="{9D2CB842-18D5-4EEF-9009-B0CAFCE7AC3E}">
+  <ds:schemaRefs>
+    <ds:schemaRef ds:uri="http://schemas.microsoft.com/office/2006/documentManagement/types"/>
+    <ds:schemaRef ds:uri="http://schemas.microsoft.com/office/infopath/2007/PartnerControls"/>
+    <ds:schemaRef ds:uri="cd7095a3-97f1-4663-a71f-a762e9d8a5de"/>
+    <ds:schemaRef ds:uri="http://purl.org/dc/elements/1.1/"/>
+    <ds:schemaRef ds:uri="http://schemas.microsoft.com/office/2006/metadata/properties"/>
+    <ds:schemaRef ds:uri="http://schemas.microsoft.com/sharepoint/v3"/>
+    <ds:schemaRef ds:uri="http://purl.org/dc/terms/"/>
+    <ds:schemaRef ds:uri="http://schemas.openxmlformats.org/package/2006/metadata/core-properties"/>
+    <ds:schemaRef ds:uri="http://www.w3.org/XML/1998/namespace"/>
+    <ds:schemaRef ds:uri="http://purl.org/dc/dcmitype/"/>
+  </ds:schemaRefs>
+</ds:datastoreItem>
+</file>
+
+<file path=customXml/itemProps2.xml><?xml version="1.0" encoding="utf-8"?>
 <ds:datastoreItem xmlns:ds="http://schemas.openxmlformats.org/officeDocument/2006/customXml" ds:itemID="{0377EA4A-9170-43AD-A052-6EABC948F73F}">
   <ds:schemaRefs>
     <ds:schemaRef ds:uri="http://schemas.microsoft.com/office/2006/metadata/contentType"/>
@@ -15905,23 +15920,6 @@
 </ds:datastoreItem>
 </file>
 
-<file path=customXml/itemProps2.xml><?xml version="1.0" encoding="utf-8"?>
-<ds:datastoreItem xmlns:ds="http://schemas.openxmlformats.org/officeDocument/2006/customXml" ds:itemID="{9D2CB842-18D5-4EEF-9009-B0CAFCE7AC3E}">
-  <ds:schemaRefs>
-    <ds:schemaRef ds:uri="http://schemas.microsoft.com/office/2006/documentManagement/types"/>
-    <ds:schemaRef ds:uri="http://schemas.microsoft.com/office/infopath/2007/PartnerControls"/>
-    <ds:schemaRef ds:uri="cd7095a3-97f1-4663-a71f-a762e9d8a5de"/>
-    <ds:schemaRef ds:uri="http://purl.org/dc/elements/1.1/"/>
-    <ds:schemaRef ds:uri="http://schemas.microsoft.com/office/2006/metadata/properties"/>
-    <ds:schemaRef ds:uri="http://schemas.microsoft.com/sharepoint/v3"/>
-    <ds:schemaRef ds:uri="http://purl.org/dc/terms/"/>
-    <ds:schemaRef ds:uri="http://schemas.openxmlformats.org/package/2006/metadata/core-properties"/>
-    <ds:schemaRef ds:uri="http://www.w3.org/XML/1998/namespace"/>
-    <ds:schemaRef ds:uri="http://purl.org/dc/dcmitype/"/>
-  </ds:schemaRefs>
-</ds:datastoreItem>
-</file>
-
 <file path=customXml/itemProps3.xml><?xml version="1.0" encoding="utf-8"?>
 <ds:datastoreItem xmlns:ds="http://schemas.openxmlformats.org/officeDocument/2006/customXml" ds:itemID="{BB82CC63-55FC-4D22-9ED3-DB88AF6228E1}">
   <ds:schemaRefs>

--- a/Workshop_3/Presentasjon/Azureskolen-Workshop#3.pptx
+++ b/Workshop_3/Presentasjon/Azureskolen-Workshop#3.pptx
@@ -7,29 +7,36 @@
     <p:sldMasterId id="2147483705" r:id="rId6"/>
   </p:sldMasterIdLst>
   <p:notesMasterIdLst>
-    <p:notesMasterId r:id="rId24"/>
+    <p:notesMasterId r:id="rId31"/>
   </p:notesMasterIdLst>
   <p:handoutMasterIdLst>
-    <p:handoutMasterId r:id="rId25"/>
+    <p:handoutMasterId r:id="rId32"/>
   </p:handoutMasterIdLst>
   <p:sldIdLst>
     <p:sldId id="256" r:id="rId7"/>
     <p:sldId id="257" r:id="rId8"/>
     <p:sldId id="259" r:id="rId9"/>
     <p:sldId id="260" r:id="rId10"/>
-    <p:sldId id="284" r:id="rId11"/>
-    <p:sldId id="291" r:id="rId12"/>
-    <p:sldId id="294" r:id="rId13"/>
-    <p:sldId id="290" r:id="rId14"/>
-    <p:sldId id="292" r:id="rId15"/>
-    <p:sldId id="275" r:id="rId16"/>
-    <p:sldId id="288" r:id="rId17"/>
-    <p:sldId id="297" r:id="rId18"/>
-    <p:sldId id="296" r:id="rId19"/>
-    <p:sldId id="295" r:id="rId20"/>
-    <p:sldId id="280" r:id="rId21"/>
-    <p:sldId id="287" r:id="rId22"/>
-    <p:sldId id="286" r:id="rId23"/>
+    <p:sldId id="292" r:id="rId11"/>
+    <p:sldId id="284" r:id="rId12"/>
+    <p:sldId id="291" r:id="rId13"/>
+    <p:sldId id="294" r:id="rId14"/>
+    <p:sldId id="306" r:id="rId15"/>
+    <p:sldId id="290" r:id="rId16"/>
+    <p:sldId id="302" r:id="rId17"/>
+    <p:sldId id="303" r:id="rId18"/>
+    <p:sldId id="304" r:id="rId19"/>
+    <p:sldId id="305" r:id="rId20"/>
+    <p:sldId id="275" r:id="rId21"/>
+    <p:sldId id="288" r:id="rId22"/>
+    <p:sldId id="297" r:id="rId23"/>
+    <p:sldId id="296" r:id="rId24"/>
+    <p:sldId id="295" r:id="rId25"/>
+    <p:sldId id="298" r:id="rId26"/>
+    <p:sldId id="280" r:id="rId27"/>
+    <p:sldId id="287" r:id="rId28"/>
+    <p:sldId id="307" r:id="rId29"/>
+    <p:sldId id="286" r:id="rId30"/>
   </p:sldIdLst>
   <p:sldSz cx="12192000" cy="6858000"/>
   <p:notesSz cx="6858000" cy="9144000"/>
@@ -592,7 +599,7 @@
           <a:p>
             <a:fld id="{54C52192-B826-4AE0-9CD6-BEA9467D12B3}" type="datetimeFigureOut">
               <a:rPr lang="nb-NO" smtClean="0"/>
-              <a:t>21.01.2020</a:t>
+              <a:t>18.02.2020</a:t>
             </a:fld>
             <a:endParaRPr lang="nb-NO"/>
           </a:p>
@@ -757,7 +764,7 @@
           <a:p>
             <a:fld id="{2696BCB2-2760-41B1-A1BE-7886EF110FCB}" type="datetimeFigureOut">
               <a:rPr lang="nb-NO" smtClean="0"/>
-              <a:t>21.01.2020</a:t>
+              <a:t>18.02.2020</a:t>
             </a:fld>
             <a:endParaRPr lang="nb-NO"/>
           </a:p>
@@ -1158,13 +1165,119 @@
           <a:p>
             <a:r>
               <a:rPr lang="nb-NO" dirty="0"/>
-              <a:t>Vise Azure AD i portalen:</a:t>
-            </a:r>
-          </a:p>
-          <a:p>
-            <a:r>
-              <a:rPr lang="nb-NO" dirty="0"/>
-              <a:t>- </a:t>
+              <a:t>MFA:</a:t>
+            </a:r>
+          </a:p>
+          <a:p>
+            <a:r>
+              <a:rPr lang="en-US" sz="1200" b="0" i="1" kern="1200" dirty="0">
+                <a:solidFill>
+                  <a:schemeClr val="tx1"/>
+                </a:solidFill>
+                <a:effectLst/>
+                <a:latin typeface="+mn-lt"/>
+                <a:ea typeface="+mn-ea"/>
+                <a:cs typeface="+mn-cs"/>
+              </a:rPr>
+              <a:t>Something you know</a:t>
+            </a:r>
+            <a:endParaRPr lang="en-US" sz="1200" b="0" i="0" kern="1200" dirty="0">
+              <a:solidFill>
+                <a:schemeClr val="tx1"/>
+              </a:solidFill>
+              <a:effectLst/>
+              <a:latin typeface="+mn-lt"/>
+              <a:ea typeface="+mn-ea"/>
+              <a:cs typeface="+mn-cs"/>
+            </a:endParaRPr>
+          </a:p>
+          <a:p>
+            <a:r>
+              <a:rPr lang="en-US" sz="1200" b="0" i="1" kern="1200" dirty="0">
+                <a:solidFill>
+                  <a:schemeClr val="tx1"/>
+                </a:solidFill>
+                <a:effectLst/>
+                <a:latin typeface="+mn-lt"/>
+                <a:ea typeface="+mn-ea"/>
+                <a:cs typeface="+mn-cs"/>
+              </a:rPr>
+              <a:t>Something you possess</a:t>
+            </a:r>
+            <a:endParaRPr lang="en-US" sz="1200" b="0" i="0" kern="1200" dirty="0">
+              <a:solidFill>
+                <a:schemeClr val="tx1"/>
+              </a:solidFill>
+              <a:effectLst/>
+              <a:latin typeface="+mn-lt"/>
+              <a:ea typeface="+mn-ea"/>
+              <a:cs typeface="+mn-cs"/>
+            </a:endParaRPr>
+          </a:p>
+          <a:p>
+            <a:r>
+              <a:rPr lang="en-US" sz="1200" b="0" i="1" kern="1200" dirty="0">
+                <a:solidFill>
+                  <a:schemeClr val="tx1"/>
+                </a:solidFill>
+                <a:effectLst/>
+                <a:latin typeface="+mn-lt"/>
+                <a:ea typeface="+mn-ea"/>
+                <a:cs typeface="+mn-cs"/>
+              </a:rPr>
+              <a:t>Something you are</a:t>
+            </a:r>
+            <a:endParaRPr lang="en-US" sz="1200" b="0" i="0" kern="1200" dirty="0">
+              <a:solidFill>
+                <a:schemeClr val="tx1"/>
+              </a:solidFill>
+              <a:effectLst/>
+              <a:latin typeface="+mn-lt"/>
+              <a:ea typeface="+mn-ea"/>
+              <a:cs typeface="+mn-cs"/>
+            </a:endParaRPr>
+          </a:p>
+          <a:p>
+            <a:endParaRPr lang="nb-NO" dirty="0"/>
+          </a:p>
+          <a:p>
+            <a:r>
+              <a:rPr lang="en-US" sz="1200" b="0" i="0" kern="1200" dirty="0">
+                <a:solidFill>
+                  <a:schemeClr val="tx1"/>
+                </a:solidFill>
+                <a:effectLst/>
+                <a:latin typeface="+mn-lt"/>
+                <a:ea typeface="+mn-ea"/>
+                <a:cs typeface="+mn-cs"/>
+              </a:rPr>
+              <a:t>By leveraging Azure AD for SSO you'll also have the ability to combine multiple data sources into an intelligent security graph</a:t>
+            </a:r>
+          </a:p>
+          <a:p>
+            <a:endParaRPr lang="en-US" sz="1200" b="0" i="0" kern="1200" dirty="0">
+              <a:solidFill>
+                <a:schemeClr val="tx1"/>
+              </a:solidFill>
+              <a:effectLst/>
+              <a:latin typeface="+mn-lt"/>
+              <a:ea typeface="+mn-ea"/>
+              <a:cs typeface="+mn-cs"/>
+            </a:endParaRPr>
+          </a:p>
+          <a:p>
+            <a:r>
+              <a:rPr lang="nb-NO" dirty="0">
+                <a:hlinkClick r:id="rId3"/>
+              </a:rPr>
+              <a:t>https://docs.microsoft.com/nb-no/learn/modules/intro-to-security-in-azure/3-identity-and-access</a:t>
+            </a:r>
+            <a:endParaRPr lang="nb-NO" dirty="0"/>
+          </a:p>
+          <a:p>
+            <a:r>
+              <a:rPr lang="nb-NO" dirty="0"/>
+              <a:t>Tig</a:t>
             </a:r>
           </a:p>
         </p:txBody>
@@ -1186,7 +1299,7 @@
           <a:p>
             <a:fld id="{180377DB-C4B0-49B2-8838-0F01BA83B7C4}" type="slidenum">
               <a:rPr lang="nb-NO" smtClean="0"/>
-              <a:t>15</a:t>
+              <a:t>16</a:t>
             </a:fld>
             <a:endParaRPr lang="nb-NO"/>
           </a:p>
@@ -1195,7 +1308,7 @@
     </p:spTree>
     <p:extLst>
       <p:ext uri="{BB962C8B-B14F-4D97-AF65-F5344CB8AC3E}">
-        <p14:creationId xmlns:p14="http://schemas.microsoft.com/office/powerpoint/2010/main" val="2906306431"/>
+        <p14:creationId xmlns:p14="http://schemas.microsoft.com/office/powerpoint/2010/main" val="1334592713"/>
       </p:ext>
     </p:extLst>
   </p:cSld>
@@ -1250,46 +1363,9 @@
           <a:lstStyle/>
           <a:p>
             <a:r>
-              <a:rPr lang="nb-NO" dirty="0">
-                <a:hlinkClick r:id="rId3"/>
-              </a:rPr>
-              <a:t>https://docs.microsoft.com/nb-no/learn/modules/intro-to-security-in-azure/5-network-security</a:t>
-            </a:r>
-            <a:endParaRPr lang="nb-NO" dirty="0"/>
-          </a:p>
-          <a:p>
-            <a:endParaRPr lang="nb-NO" dirty="0"/>
-          </a:p>
-          <a:p>
-            <a:r>
-              <a:rPr lang="en-US" sz="1200" b="0" i="0" kern="1200" dirty="0">
-                <a:solidFill>
-                  <a:schemeClr val="tx1"/>
-                </a:solidFill>
-                <a:effectLst/>
-                <a:latin typeface="+mn-lt"/>
-                <a:ea typeface="+mn-ea"/>
-                <a:cs typeface="+mn-cs"/>
-              </a:rPr>
-              <a:t>A layered approach to network security helps reduce your risk of exposure through network-based attacks. Azure provides several services and capabilities to secure your internet-facing resource, internal resources, and communication between on-premises networks. These features make it possible to create secure solutions on Azure.</a:t>
-            </a:r>
-          </a:p>
-          <a:p>
-            <a:r>
-              <a:rPr lang="en-US" sz="1200" b="0" i="0" kern="1200" dirty="0">
-                <a:solidFill>
-                  <a:schemeClr val="tx1"/>
-                </a:solidFill>
-                <a:effectLst/>
-                <a:latin typeface="+mn-lt"/>
-                <a:ea typeface="+mn-ea"/>
-                <a:cs typeface="+mn-cs"/>
-              </a:rPr>
-              <a:t>You can also combine multiple Azure networking and security services to manage your network security and provide increased layered protection. For example, you can use Azure Firewall to protect inbound and outbound traffic to the Internet, and Network Security Groups to limit traffic to resources inside your virtual networks.</a:t>
-            </a:r>
-          </a:p>
-          <a:p>
-            <a:endParaRPr lang="nb-NO" dirty="0"/>
+              <a:rPr lang="nb-NO" dirty="0"/>
+              <a:t>Vi skal ikke gå inn på Service Prinsipals eller Managed Identity i denne leksjonen.</a:t>
+            </a:r>
           </a:p>
         </p:txBody>
       </p:sp>
@@ -1310,7 +1386,7 @@
           <a:p>
             <a:fld id="{180377DB-C4B0-49B2-8838-0F01BA83B7C4}" type="slidenum">
               <a:rPr lang="nb-NO" smtClean="0"/>
-              <a:t>16</a:t>
+              <a:t>17</a:t>
             </a:fld>
             <a:endParaRPr lang="nb-NO"/>
           </a:p>
@@ -1319,7 +1395,7 @@
     </p:spTree>
     <p:extLst>
       <p:ext uri="{BB962C8B-B14F-4D97-AF65-F5344CB8AC3E}">
-        <p14:creationId xmlns:p14="http://schemas.microsoft.com/office/powerpoint/2010/main" val="3298195449"/>
+        <p14:creationId xmlns:p14="http://schemas.microsoft.com/office/powerpoint/2010/main" val="3738408422"/>
       </p:ext>
     </p:extLst>
   </p:cSld>
@@ -1373,7 +1449,10 @@
           <a:bodyPr/>
           <a:lstStyle/>
           <a:p>
-            <a:endParaRPr lang="nb-NO" dirty="0"/>
+            <a:r>
+              <a:rPr lang="nb-NO" dirty="0"/>
+              <a:t>Vis</a:t>
+            </a:r>
           </a:p>
         </p:txBody>
       </p:sp>
@@ -1394,7 +1473,308 @@
           <a:p>
             <a:fld id="{180377DB-C4B0-49B2-8838-0F01BA83B7C4}" type="slidenum">
               <a:rPr lang="nb-NO" smtClean="0"/>
-              <a:t>17</a:t>
+              <a:t>19</a:t>
+            </a:fld>
+            <a:endParaRPr lang="nb-NO"/>
+          </a:p>
+        </p:txBody>
+      </p:sp>
+    </p:spTree>
+    <p:extLst>
+      <p:ext uri="{BB962C8B-B14F-4D97-AF65-F5344CB8AC3E}">
+        <p14:creationId xmlns:p14="http://schemas.microsoft.com/office/powerpoint/2010/main" val="1111845549"/>
+      </p:ext>
+    </p:extLst>
+  </p:cSld>
+  <p:clrMapOvr>
+    <a:masterClrMapping/>
+  </p:clrMapOvr>
+</p:notes>
+</file>
+
+<file path=ppt/notesSlides/notesSlide13.xml><?xml version="1.0" encoding="utf-8"?>
+<p:notes xmlns:a="http://schemas.openxmlformats.org/drawingml/2006/main" xmlns:r="http://schemas.openxmlformats.org/officeDocument/2006/relationships" xmlns:p="http://schemas.openxmlformats.org/presentationml/2006/main">
+  <p:cSld>
+    <p:spTree>
+      <p:nvGrpSpPr>
+        <p:cNvPr id="1" name=""/>
+        <p:cNvGrpSpPr/>
+        <p:nvPr/>
+      </p:nvGrpSpPr>
+      <p:grpSpPr>
+        <a:xfrm>
+          <a:off x="0" y="0"/>
+          <a:ext cx="0" cy="0"/>
+          <a:chOff x="0" y="0"/>
+          <a:chExt cx="0" cy="0"/>
+        </a:xfrm>
+      </p:grpSpPr>
+      <p:sp>
+        <p:nvSpPr>
+          <p:cNvPr id="2" name="Slide Image Placeholder 1"/>
+          <p:cNvSpPr>
+            <a:spLocks noGrp="1" noRot="1" noChangeAspect="1"/>
+          </p:cNvSpPr>
+          <p:nvPr>
+            <p:ph type="sldImg"/>
+          </p:nvPr>
+        </p:nvSpPr>
+        <p:spPr/>
+      </p:sp>
+      <p:sp>
+        <p:nvSpPr>
+          <p:cNvPr id="3" name="Notes Placeholder 2"/>
+          <p:cNvSpPr>
+            <a:spLocks noGrp="1"/>
+          </p:cNvSpPr>
+          <p:nvPr>
+            <p:ph type="body" idx="1"/>
+          </p:nvPr>
+        </p:nvSpPr>
+        <p:spPr/>
+        <p:txBody>
+          <a:bodyPr/>
+          <a:lstStyle/>
+          <a:p>
+            <a:r>
+              <a:rPr lang="nb-NO" dirty="0"/>
+              <a:t>Vise Azure AD i portalen:</a:t>
+            </a:r>
+          </a:p>
+          <a:p>
+            <a:r>
+              <a:rPr lang="nb-NO" dirty="0"/>
+              <a:t>- </a:t>
+            </a:r>
+          </a:p>
+        </p:txBody>
+      </p:sp>
+      <p:sp>
+        <p:nvSpPr>
+          <p:cNvPr id="4" name="Slide Number Placeholder 3"/>
+          <p:cNvSpPr>
+            <a:spLocks noGrp="1"/>
+          </p:cNvSpPr>
+          <p:nvPr>
+            <p:ph type="sldNum" sz="quarter" idx="5"/>
+          </p:nvPr>
+        </p:nvSpPr>
+        <p:spPr/>
+        <p:txBody>
+          <a:bodyPr/>
+          <a:lstStyle/>
+          <a:p>
+            <a:fld id="{180377DB-C4B0-49B2-8838-0F01BA83B7C4}" type="slidenum">
+              <a:rPr lang="nb-NO" smtClean="0"/>
+              <a:t>21</a:t>
+            </a:fld>
+            <a:endParaRPr lang="nb-NO"/>
+          </a:p>
+        </p:txBody>
+      </p:sp>
+    </p:spTree>
+    <p:extLst>
+      <p:ext uri="{BB962C8B-B14F-4D97-AF65-F5344CB8AC3E}">
+        <p14:creationId xmlns:p14="http://schemas.microsoft.com/office/powerpoint/2010/main" val="2906306431"/>
+      </p:ext>
+    </p:extLst>
+  </p:cSld>
+  <p:clrMapOvr>
+    <a:masterClrMapping/>
+  </p:clrMapOvr>
+</p:notes>
+</file>
+
+<file path=ppt/notesSlides/notesSlide14.xml><?xml version="1.0" encoding="utf-8"?>
+<p:notes xmlns:a="http://schemas.openxmlformats.org/drawingml/2006/main" xmlns:r="http://schemas.openxmlformats.org/officeDocument/2006/relationships" xmlns:p="http://schemas.openxmlformats.org/presentationml/2006/main">
+  <p:cSld>
+    <p:spTree>
+      <p:nvGrpSpPr>
+        <p:cNvPr id="1" name=""/>
+        <p:cNvGrpSpPr/>
+        <p:nvPr/>
+      </p:nvGrpSpPr>
+      <p:grpSpPr>
+        <a:xfrm>
+          <a:off x="0" y="0"/>
+          <a:ext cx="0" cy="0"/>
+          <a:chOff x="0" y="0"/>
+          <a:chExt cx="0" cy="0"/>
+        </a:xfrm>
+      </p:grpSpPr>
+      <p:sp>
+        <p:nvSpPr>
+          <p:cNvPr id="2" name="Slide Image Placeholder 1"/>
+          <p:cNvSpPr>
+            <a:spLocks noGrp="1" noRot="1" noChangeAspect="1"/>
+          </p:cNvSpPr>
+          <p:nvPr>
+            <p:ph type="sldImg"/>
+          </p:nvPr>
+        </p:nvSpPr>
+        <p:spPr/>
+      </p:sp>
+      <p:sp>
+        <p:nvSpPr>
+          <p:cNvPr id="3" name="Notes Placeholder 2"/>
+          <p:cNvSpPr>
+            <a:spLocks noGrp="1"/>
+          </p:cNvSpPr>
+          <p:nvPr>
+            <p:ph type="body" idx="1"/>
+          </p:nvPr>
+        </p:nvSpPr>
+        <p:spPr/>
+        <p:txBody>
+          <a:bodyPr/>
+          <a:lstStyle/>
+          <a:p>
+            <a:r>
+              <a:rPr lang="nb-NO" dirty="0">
+                <a:hlinkClick r:id="rId3"/>
+              </a:rPr>
+              <a:t>https://docs.microsoft.com/nb-no/learn/modules/intro-to-security-in-azure/5-network-security</a:t>
+            </a:r>
+            <a:endParaRPr lang="nb-NO" dirty="0"/>
+          </a:p>
+          <a:p>
+            <a:endParaRPr lang="nb-NO" dirty="0"/>
+          </a:p>
+          <a:p>
+            <a:r>
+              <a:rPr lang="en-US" sz="1200" b="0" i="0" kern="1200" dirty="0">
+                <a:solidFill>
+                  <a:schemeClr val="tx1"/>
+                </a:solidFill>
+                <a:effectLst/>
+                <a:latin typeface="+mn-lt"/>
+                <a:ea typeface="+mn-ea"/>
+                <a:cs typeface="+mn-cs"/>
+              </a:rPr>
+              <a:t>A layered approach to network security helps reduce your risk of exposure through network-based attacks. Azure provides several services and capabilities to secure your internet-facing resource, internal resources, and communication between on-premises networks. These features make it possible to create secure solutions on Azure.</a:t>
+            </a:r>
+          </a:p>
+          <a:p>
+            <a:r>
+              <a:rPr lang="en-US" sz="1200" b="0" i="0" kern="1200" dirty="0">
+                <a:solidFill>
+                  <a:schemeClr val="tx1"/>
+                </a:solidFill>
+                <a:effectLst/>
+                <a:latin typeface="+mn-lt"/>
+                <a:ea typeface="+mn-ea"/>
+                <a:cs typeface="+mn-cs"/>
+              </a:rPr>
+              <a:t>You can also combine multiple Azure networking and security services to manage your network security and provide increased layered protection. For example, you can use Azure Firewall to protect inbound and outbound traffic to the Internet, and Network Security Groups to limit traffic to resources inside your virtual networks.</a:t>
+            </a:r>
+          </a:p>
+          <a:p>
+            <a:endParaRPr lang="nb-NO" dirty="0"/>
+          </a:p>
+        </p:txBody>
+      </p:sp>
+      <p:sp>
+        <p:nvSpPr>
+          <p:cNvPr id="4" name="Slide Number Placeholder 3"/>
+          <p:cNvSpPr>
+            <a:spLocks noGrp="1"/>
+          </p:cNvSpPr>
+          <p:nvPr>
+            <p:ph type="sldNum" sz="quarter" idx="5"/>
+          </p:nvPr>
+        </p:nvSpPr>
+        <p:spPr/>
+        <p:txBody>
+          <a:bodyPr/>
+          <a:lstStyle/>
+          <a:p>
+            <a:fld id="{180377DB-C4B0-49B2-8838-0F01BA83B7C4}" type="slidenum">
+              <a:rPr lang="nb-NO" smtClean="0"/>
+              <a:t>22</a:t>
+            </a:fld>
+            <a:endParaRPr lang="nb-NO"/>
+          </a:p>
+        </p:txBody>
+      </p:sp>
+    </p:spTree>
+    <p:extLst>
+      <p:ext uri="{BB962C8B-B14F-4D97-AF65-F5344CB8AC3E}">
+        <p14:creationId xmlns:p14="http://schemas.microsoft.com/office/powerpoint/2010/main" val="3298195449"/>
+      </p:ext>
+    </p:extLst>
+  </p:cSld>
+  <p:clrMapOvr>
+    <a:masterClrMapping/>
+  </p:clrMapOvr>
+</p:notes>
+</file>
+
+<file path=ppt/notesSlides/notesSlide15.xml><?xml version="1.0" encoding="utf-8"?>
+<p:notes xmlns:a="http://schemas.openxmlformats.org/drawingml/2006/main" xmlns:r="http://schemas.openxmlformats.org/officeDocument/2006/relationships" xmlns:p="http://schemas.openxmlformats.org/presentationml/2006/main">
+  <p:cSld>
+    <p:spTree>
+      <p:nvGrpSpPr>
+        <p:cNvPr id="1" name=""/>
+        <p:cNvGrpSpPr/>
+        <p:nvPr/>
+      </p:nvGrpSpPr>
+      <p:grpSpPr>
+        <a:xfrm>
+          <a:off x="0" y="0"/>
+          <a:ext cx="0" cy="0"/>
+          <a:chOff x="0" y="0"/>
+          <a:chExt cx="0" cy="0"/>
+        </a:xfrm>
+      </p:grpSpPr>
+      <p:sp>
+        <p:nvSpPr>
+          <p:cNvPr id="2" name="Slide Image Placeholder 1"/>
+          <p:cNvSpPr>
+            <a:spLocks noGrp="1" noRot="1" noChangeAspect="1"/>
+          </p:cNvSpPr>
+          <p:nvPr>
+            <p:ph type="sldImg"/>
+          </p:nvPr>
+        </p:nvSpPr>
+        <p:spPr/>
+      </p:sp>
+      <p:sp>
+        <p:nvSpPr>
+          <p:cNvPr id="3" name="Notes Placeholder 2"/>
+          <p:cNvSpPr>
+            <a:spLocks noGrp="1"/>
+          </p:cNvSpPr>
+          <p:nvPr>
+            <p:ph type="body" idx="1"/>
+          </p:nvPr>
+        </p:nvSpPr>
+        <p:spPr/>
+        <p:txBody>
+          <a:bodyPr/>
+          <a:lstStyle/>
+          <a:p>
+            <a:endParaRPr lang="nb-NO" dirty="0"/>
+          </a:p>
+        </p:txBody>
+      </p:sp>
+      <p:sp>
+        <p:nvSpPr>
+          <p:cNvPr id="4" name="Slide Number Placeholder 3"/>
+          <p:cNvSpPr>
+            <a:spLocks noGrp="1"/>
+          </p:cNvSpPr>
+          <p:nvPr>
+            <p:ph type="sldNum" sz="quarter" idx="5"/>
+          </p:nvPr>
+        </p:nvSpPr>
+        <p:spPr/>
+        <p:txBody>
+          <a:bodyPr/>
+          <a:lstStyle/>
+          <a:p>
+            <a:fld id="{180377DB-C4B0-49B2-8838-0F01BA83B7C4}" type="slidenum">
+              <a:rPr lang="nb-NO" smtClean="0"/>
+              <a:t>24</a:t>
             </a:fld>
             <a:endParaRPr lang="nb-NO"/>
           </a:p>
@@ -1561,7 +1941,7 @@
           <a:p>
             <a:fld id="{180377DB-C4B0-49B2-8838-0F01BA83B7C4}" type="slidenum">
               <a:rPr lang="nb-NO" smtClean="0"/>
-              <a:t>5</a:t>
+              <a:t>6</a:t>
             </a:fld>
             <a:endParaRPr lang="nb-NO"/>
           </a:p>
@@ -1648,7 +2028,7 @@
           <a:p>
             <a:fld id="{180377DB-C4B0-49B2-8838-0F01BA83B7C4}" type="slidenum">
               <a:rPr lang="nb-NO" smtClean="0"/>
-              <a:t>6</a:t>
+              <a:t>7</a:t>
             </a:fld>
             <a:endParaRPr lang="nb-NO"/>
           </a:p>
@@ -1725,6 +2105,38 @@
           <a:p>
             <a:endParaRPr lang="nb-NO" dirty="0"/>
           </a:p>
+          <a:p>
+            <a:r>
+              <a:rPr lang="nb-NO" dirty="0"/>
+              <a:t>Eksempler på ditt ansvar er:</a:t>
+            </a:r>
+          </a:p>
+          <a:p>
+            <a:r>
+              <a:rPr lang="nb-NO" dirty="0"/>
+              <a:t>- </a:t>
+            </a:r>
+          </a:p>
+          <a:p>
+            <a:pPr marL="171450" indent="-171450">
+              <a:buFontTx/>
+              <a:buChar char="-"/>
+            </a:pPr>
+            <a:r>
+              <a:rPr lang="nb-NO" dirty="0"/>
+              <a:t>Ikke gi flere tilganger til brukere enn strengt tatt </a:t>
+            </a:r>
+          </a:p>
+          <a:p>
+            <a:pPr marL="171450" indent="-171450">
+              <a:buFontTx/>
+              <a:buChar char="-"/>
+            </a:pPr>
+            <a:endParaRPr lang="nb-NO" dirty="0"/>
+          </a:p>
+          <a:p>
+            <a:endParaRPr lang="nb-NO" dirty="0"/>
+          </a:p>
         </p:txBody>
       </p:sp>
       <p:sp>
@@ -1744,7 +2156,7 @@
           <a:p>
             <a:fld id="{180377DB-C4B0-49B2-8838-0F01BA83B7C4}" type="slidenum">
               <a:rPr lang="nb-NO" smtClean="0"/>
-              <a:t>7</a:t>
+              <a:t>8</a:t>
             </a:fld>
             <a:endParaRPr lang="nb-NO"/>
           </a:p>
@@ -1809,16 +2221,7 @@
           <a:p>
             <a:r>
               <a:rPr lang="nb-NO" dirty="0"/>
-              <a:t>Vis litt i Azure Security Center i Portalen.</a:t>
-            </a:r>
-          </a:p>
-          <a:p>
-            <a:endParaRPr lang="nb-NO" dirty="0"/>
-          </a:p>
-          <a:p>
-            <a:r>
-              <a:rPr lang="nb-NO" dirty="0"/>
-              <a:t>Analyserer enorme mender data/signaler. </a:t>
+              <a:t>Listen er eksempler, men ikke utømmende.</a:t>
             </a:r>
           </a:p>
         </p:txBody>
@@ -1840,7 +2243,7 @@
           <a:p>
             <a:fld id="{180377DB-C4B0-49B2-8838-0F01BA83B7C4}" type="slidenum">
               <a:rPr lang="nb-NO" smtClean="0"/>
-              <a:t>8</a:t>
+              <a:t>9</a:t>
             </a:fld>
             <a:endParaRPr lang="nb-NO"/>
           </a:p>
@@ -1849,7 +2252,7 @@
     </p:spTree>
     <p:extLst>
       <p:ext uri="{BB962C8B-B14F-4D97-AF65-F5344CB8AC3E}">
-        <p14:creationId xmlns:p14="http://schemas.microsoft.com/office/powerpoint/2010/main" val="3744992784"/>
+        <p14:creationId xmlns:p14="http://schemas.microsoft.com/office/powerpoint/2010/main" val="335899500"/>
       </p:ext>
     </p:extLst>
   </p:cSld>
@@ -1905,13 +2308,25 @@
           <a:p>
             <a:r>
               <a:rPr lang="nb-NO" dirty="0"/>
-              <a:t>Demo:</a:t>
-            </a:r>
-          </a:p>
-          <a:p>
-            <a:r>
-              <a:rPr lang="nb-NO" dirty="0"/>
-              <a:t>- Vis litt om YAML.</a:t>
+              <a:t>Litt hjelp </a:t>
+            </a:r>
+          </a:p>
+          <a:p>
+            <a:endParaRPr lang="nb-NO" dirty="0"/>
+          </a:p>
+          <a:p>
+            <a:r>
+              <a:rPr lang="nb-NO" dirty="0"/>
+              <a:t>Vis litt i Azure Security Center i Portalen.</a:t>
+            </a:r>
+          </a:p>
+          <a:p>
+            <a:endParaRPr lang="nb-NO" dirty="0"/>
+          </a:p>
+          <a:p>
+            <a:r>
+              <a:rPr lang="nb-NO" dirty="0"/>
+              <a:t>Analyserer enorme mender data/signaler. </a:t>
             </a:r>
           </a:p>
         </p:txBody>
@@ -1942,7 +2357,7 @@
     </p:spTree>
     <p:extLst>
       <p:ext uri="{BB962C8B-B14F-4D97-AF65-F5344CB8AC3E}">
-        <p14:creationId xmlns:p14="http://schemas.microsoft.com/office/powerpoint/2010/main" val="518123724"/>
+        <p14:creationId xmlns:p14="http://schemas.microsoft.com/office/powerpoint/2010/main" val="3744992784"/>
       </p:ext>
     </p:extLst>
   </p:cSld>
@@ -1998,119 +2413,7 @@
           <a:p>
             <a:r>
               <a:rPr lang="nb-NO" dirty="0"/>
-              <a:t>MFA:</a:t>
-            </a:r>
-          </a:p>
-          <a:p>
-            <a:r>
-              <a:rPr lang="en-US" sz="1200" b="0" i="1" kern="1200" dirty="0">
-                <a:solidFill>
-                  <a:schemeClr val="tx1"/>
-                </a:solidFill>
-                <a:effectLst/>
-                <a:latin typeface="+mn-lt"/>
-                <a:ea typeface="+mn-ea"/>
-                <a:cs typeface="+mn-cs"/>
-              </a:rPr>
-              <a:t>Something you know</a:t>
-            </a:r>
-            <a:endParaRPr lang="en-US" sz="1200" b="0" i="0" kern="1200" dirty="0">
-              <a:solidFill>
-                <a:schemeClr val="tx1"/>
-              </a:solidFill>
-              <a:effectLst/>
-              <a:latin typeface="+mn-lt"/>
-              <a:ea typeface="+mn-ea"/>
-              <a:cs typeface="+mn-cs"/>
-            </a:endParaRPr>
-          </a:p>
-          <a:p>
-            <a:r>
-              <a:rPr lang="en-US" sz="1200" b="0" i="1" kern="1200" dirty="0">
-                <a:solidFill>
-                  <a:schemeClr val="tx1"/>
-                </a:solidFill>
-                <a:effectLst/>
-                <a:latin typeface="+mn-lt"/>
-                <a:ea typeface="+mn-ea"/>
-                <a:cs typeface="+mn-cs"/>
-              </a:rPr>
-              <a:t>Something you possess</a:t>
-            </a:r>
-            <a:endParaRPr lang="en-US" sz="1200" b="0" i="0" kern="1200" dirty="0">
-              <a:solidFill>
-                <a:schemeClr val="tx1"/>
-              </a:solidFill>
-              <a:effectLst/>
-              <a:latin typeface="+mn-lt"/>
-              <a:ea typeface="+mn-ea"/>
-              <a:cs typeface="+mn-cs"/>
-            </a:endParaRPr>
-          </a:p>
-          <a:p>
-            <a:r>
-              <a:rPr lang="en-US" sz="1200" b="0" i="1" kern="1200" dirty="0">
-                <a:solidFill>
-                  <a:schemeClr val="tx1"/>
-                </a:solidFill>
-                <a:effectLst/>
-                <a:latin typeface="+mn-lt"/>
-                <a:ea typeface="+mn-ea"/>
-                <a:cs typeface="+mn-cs"/>
-              </a:rPr>
-              <a:t>Something you are</a:t>
-            </a:r>
-            <a:endParaRPr lang="en-US" sz="1200" b="0" i="0" kern="1200" dirty="0">
-              <a:solidFill>
-                <a:schemeClr val="tx1"/>
-              </a:solidFill>
-              <a:effectLst/>
-              <a:latin typeface="+mn-lt"/>
-              <a:ea typeface="+mn-ea"/>
-              <a:cs typeface="+mn-cs"/>
-            </a:endParaRPr>
-          </a:p>
-          <a:p>
-            <a:endParaRPr lang="nb-NO" dirty="0"/>
-          </a:p>
-          <a:p>
-            <a:r>
-              <a:rPr lang="en-US" sz="1200" b="0" i="0" kern="1200" dirty="0">
-                <a:solidFill>
-                  <a:schemeClr val="tx1"/>
-                </a:solidFill>
-                <a:effectLst/>
-                <a:latin typeface="+mn-lt"/>
-                <a:ea typeface="+mn-ea"/>
-                <a:cs typeface="+mn-cs"/>
-              </a:rPr>
-              <a:t>By leveraging Azure AD for SSO you'll also have the ability to combine multiple data sources into an intelligent security graph</a:t>
-            </a:r>
-          </a:p>
-          <a:p>
-            <a:endParaRPr lang="en-US" sz="1200" b="0" i="0" kern="1200" dirty="0">
-              <a:solidFill>
-                <a:schemeClr val="tx1"/>
-              </a:solidFill>
-              <a:effectLst/>
-              <a:latin typeface="+mn-lt"/>
-              <a:ea typeface="+mn-ea"/>
-              <a:cs typeface="+mn-cs"/>
-            </a:endParaRPr>
-          </a:p>
-          <a:p>
-            <a:r>
-              <a:rPr lang="nb-NO" dirty="0">
-                <a:hlinkClick r:id="rId3"/>
-              </a:rPr>
-              <a:t>https://docs.microsoft.com/nb-no/learn/modules/intro-to-security-in-azure/3-identity-and-access</a:t>
-            </a:r>
-            <a:endParaRPr lang="nb-NO" dirty="0"/>
-          </a:p>
-          <a:p>
-            <a:r>
-              <a:rPr lang="nb-NO" dirty="0"/>
-              <a:t>Tig</a:t>
+              <a:t>I Azure Security Center så får man</a:t>
             </a:r>
           </a:p>
         </p:txBody>
@@ -2141,7 +2444,7 @@
     </p:spTree>
     <p:extLst>
       <p:ext uri="{BB962C8B-B14F-4D97-AF65-F5344CB8AC3E}">
-        <p14:creationId xmlns:p14="http://schemas.microsoft.com/office/powerpoint/2010/main" val="1334592713"/>
+        <p14:creationId xmlns:p14="http://schemas.microsoft.com/office/powerpoint/2010/main" val="2697255589"/>
       </p:ext>
     </p:extLst>
   </p:cSld>
@@ -2197,7 +2500,16 @@
           <a:p>
             <a:r>
               <a:rPr lang="nb-NO" dirty="0"/>
-              <a:t>Vi skal ikke gå inn på Service Prinsipals i denne leksjonen.</a:t>
+              <a:t>Dersom man trykker inn på f.eks. Compute vil man se hvilke sårbarheter som er.</a:t>
+            </a:r>
+          </a:p>
+          <a:p>
+            <a:endParaRPr lang="nb-NO" dirty="0"/>
+          </a:p>
+          <a:p>
+            <a:r>
+              <a:rPr lang="nb-NO" dirty="0"/>
+              <a:t>Quick fix man kan trykke på – NB, dersom man gjør </a:t>
             </a:r>
           </a:p>
         </p:txBody>
@@ -2228,7 +2540,7 @@
     </p:spTree>
     <p:extLst>
       <p:ext uri="{BB962C8B-B14F-4D97-AF65-F5344CB8AC3E}">
-        <p14:creationId xmlns:p14="http://schemas.microsoft.com/office/powerpoint/2010/main" val="3738408422"/>
+        <p14:creationId xmlns:p14="http://schemas.microsoft.com/office/powerpoint/2010/main" val="2364579541"/>
       </p:ext>
     </p:extLst>
   </p:cSld>
@@ -2284,7 +2596,13 @@
           <a:p>
             <a:r>
               <a:rPr lang="nb-NO" dirty="0"/>
-              <a:t>Vis</a:t>
+              <a:t>Demo:</a:t>
+            </a:r>
+          </a:p>
+          <a:p>
+            <a:r>
+              <a:rPr lang="nb-NO" dirty="0"/>
+              <a:t>- Vis litt om YAML.</a:t>
             </a:r>
           </a:p>
         </p:txBody>
@@ -2306,7 +2624,7 @@
           <a:p>
             <a:fld id="{180377DB-C4B0-49B2-8838-0F01BA83B7C4}" type="slidenum">
               <a:rPr lang="nb-NO" smtClean="0"/>
-              <a:t>14</a:t>
+              <a:t>15</a:t>
             </a:fld>
             <a:endParaRPr lang="nb-NO"/>
           </a:p>
@@ -2315,7 +2633,7 @@
     </p:spTree>
     <p:extLst>
       <p:ext uri="{BB962C8B-B14F-4D97-AF65-F5344CB8AC3E}">
-        <p14:creationId xmlns:p14="http://schemas.microsoft.com/office/powerpoint/2010/main" val="1111845549"/>
+        <p14:creationId xmlns:p14="http://schemas.microsoft.com/office/powerpoint/2010/main" val="518123724"/>
       </p:ext>
     </p:extLst>
   </p:cSld>
@@ -11660,7 +11978,7 @@
           <p:cNvPr id="2" name="Content Placeholder 1">
             <a:extLst>
               <a:ext uri="{FF2B5EF4-FFF2-40B4-BE49-F238E27FC236}">
-                <a16:creationId xmlns:a16="http://schemas.microsoft.com/office/drawing/2014/main" id="{94B98822-8368-4C2D-B1AB-DBC5C478A3C8}"/>
+                <a16:creationId xmlns:a16="http://schemas.microsoft.com/office/drawing/2014/main" id="{7E0053A4-7AD4-492F-BC64-A947322D867F}"/>
               </a:ext>
             </a:extLst>
           </p:cNvPr>
@@ -11676,31 +11994,71 @@
           <a:bodyPr/>
           <a:lstStyle/>
           <a:p>
+            <a:r>
+              <a:rPr lang="nb-NO" dirty="0" err="1"/>
+              <a:t>Monitoring</a:t>
+            </a:r>
+            <a:r>
+              <a:rPr lang="nb-NO" dirty="0"/>
+              <a:t> service for sikkerhet</a:t>
+            </a:r>
+          </a:p>
+          <a:p>
+            <a:endParaRPr lang="nb-NO" dirty="0"/>
+          </a:p>
+          <a:p>
+            <a:r>
+              <a:rPr lang="nb-NO" dirty="0"/>
+              <a:t>Anbefalinger: scanner tjenester for å finne usikker konfigurasjon </a:t>
+            </a:r>
+          </a:p>
+          <a:p>
+            <a:r>
+              <a:rPr lang="nb-NO" dirty="0"/>
+              <a:t>Sikkerhetsscore og compliance</a:t>
+            </a:r>
+          </a:p>
+          <a:p>
+            <a:r>
+              <a:rPr lang="nb-NO" dirty="0"/>
+              <a:t>Overvåking av tjenester (Standard)</a:t>
+            </a:r>
+          </a:p>
+          <a:p>
+            <a:r>
+              <a:rPr lang="nb-NO" dirty="0"/>
+              <a:t>To prisnivåer</a:t>
+            </a:r>
+          </a:p>
+          <a:p>
+            <a:pPr lvl="1"/>
+            <a:r>
+              <a:rPr lang="nb-NO" dirty="0" err="1"/>
+              <a:t>Free</a:t>
+            </a:r>
+            <a:r>
+              <a:rPr lang="nb-NO" dirty="0"/>
+              <a:t> tier: Tilbyr anbefalinger </a:t>
+            </a:r>
+          </a:p>
+          <a:p>
+            <a:pPr lvl="1"/>
+            <a:r>
+              <a:rPr lang="nb-NO" dirty="0"/>
+              <a:t>Standard tier: Tilbyr alle tjenester som overvåkning av tjenester</a:t>
+            </a:r>
+          </a:p>
+          <a:p>
+            <a:endParaRPr lang="nb-NO" dirty="0"/>
+          </a:p>
+          <a:p>
             <a:pPr marL="0" indent="0">
               <a:buNone/>
             </a:pPr>
-            <a:endParaRPr lang="nb-NO" sz="4400" dirty="0"/>
-          </a:p>
-          <a:p>
-            <a:pPr marL="0" indent="0">
-              <a:buNone/>
-            </a:pPr>
-            <a:endParaRPr lang="nb-NO" sz="4400" dirty="0"/>
-          </a:p>
-          <a:p>
-            <a:pPr marL="0" indent="0">
-              <a:buNone/>
-            </a:pPr>
-            <a:endParaRPr lang="nb-NO" sz="4400" dirty="0"/>
-          </a:p>
-          <a:p>
-            <a:pPr marL="0" indent="0">
-              <a:buNone/>
-            </a:pPr>
-            <a:r>
-              <a:rPr lang="nb-NO" sz="4400" dirty="0"/>
-              <a:t>Google: Azureskolen </a:t>
-            </a:r>
+            <a:endParaRPr lang="nb-NO" dirty="0"/>
+          </a:p>
+          <a:p>
+            <a:endParaRPr lang="nb-NO" dirty="0"/>
           </a:p>
         </p:txBody>
       </p:sp>
@@ -11709,7 +12067,7 @@
           <p:cNvPr id="3" name="Title 2">
             <a:extLst>
               <a:ext uri="{FF2B5EF4-FFF2-40B4-BE49-F238E27FC236}">
-                <a16:creationId xmlns:a16="http://schemas.microsoft.com/office/drawing/2014/main" id="{6E551990-3A9C-43DC-8E56-7146D7720E17}"/>
+                <a16:creationId xmlns:a16="http://schemas.microsoft.com/office/drawing/2014/main" id="{588209D4-0181-4A79-95F6-D34F1CB44558}"/>
               </a:ext>
             </a:extLst>
           </p:cNvPr>
@@ -11720,27 +12078,69 @@
             <p:ph type="title"/>
           </p:nvPr>
         </p:nvSpPr>
-        <p:spPr>
-          <a:xfrm>
-            <a:off x="1328585" y="376848"/>
-            <a:ext cx="10078991" cy="1325563"/>
-          </a:xfrm>
-        </p:spPr>
+        <p:spPr/>
         <p:txBody>
           <a:bodyPr/>
           <a:lstStyle/>
           <a:p>
             <a:r>
               <a:rPr lang="nb-NO" dirty="0"/>
-              <a:t>Demo og leksjon 1</a:t>
-            </a:r>
-          </a:p>
-        </p:txBody>
-      </p:sp>
+              <a:t>Azure Security Center</a:t>
+            </a:r>
+          </a:p>
+        </p:txBody>
+      </p:sp>
+      <p:pic>
+        <p:nvPicPr>
+          <p:cNvPr id="2050" name="Picture 2" descr="Bilderesultat for azure security center">
+            <a:extLst>
+              <a:ext uri="{FF2B5EF4-FFF2-40B4-BE49-F238E27FC236}">
+                <a16:creationId xmlns:a16="http://schemas.microsoft.com/office/drawing/2014/main" id="{78200B77-F882-4721-B5FB-EE76BBDDEFCF}"/>
+              </a:ext>
+            </a:extLst>
+          </p:cNvPr>
+          <p:cNvPicPr>
+            <a:picLocks noChangeAspect="1" noChangeArrowheads="1"/>
+          </p:cNvPicPr>
+          <p:nvPr/>
+        </p:nvPicPr>
+        <p:blipFill>
+          <a:blip r:embed="rId3">
+            <a:extLst>
+              <a:ext uri="{28A0092B-C50C-407E-A947-70E740481C1C}">
+                <a14:useLocalDpi xmlns:a14="http://schemas.microsoft.com/office/drawing/2010/main" val="0"/>
+              </a:ext>
+            </a:extLst>
+          </a:blip>
+          <a:srcRect/>
+          <a:stretch>
+            <a:fillRect/>
+          </a:stretch>
+        </p:blipFill>
+        <p:spPr bwMode="auto">
+          <a:xfrm>
+            <a:off x="8978921" y="2357437"/>
+            <a:ext cx="2143125" cy="2143125"/>
+          </a:xfrm>
+          <a:prstGeom prst="rect">
+            <a:avLst/>
+          </a:prstGeom>
+          <a:noFill/>
+          <a:extLst>
+            <a:ext uri="{909E8E84-426E-40DD-AFC4-6F175D3DCCD1}">
+              <a14:hiddenFill xmlns:a14="http://schemas.microsoft.com/office/drawing/2010/main">
+                <a:solidFill>
+                  <a:srgbClr val="FFFFFF"/>
+                </a:solidFill>
+              </a14:hiddenFill>
+            </a:ext>
+          </a:extLst>
+        </p:spPr>
+      </p:pic>
     </p:spTree>
     <p:extLst>
       <p:ext uri="{BB962C8B-B14F-4D97-AF65-F5344CB8AC3E}">
-        <p14:creationId xmlns:p14="http://schemas.microsoft.com/office/powerpoint/2010/main" val="2246517485"/>
+        <p14:creationId xmlns:p14="http://schemas.microsoft.com/office/powerpoint/2010/main" val="1414863137"/>
       </p:ext>
     </p:extLst>
   </p:cSld>
@@ -11769,6 +12169,932 @@
       </p:grpSpPr>
       <p:sp>
         <p:nvSpPr>
+          <p:cNvPr id="3" name="Title 2">
+            <a:extLst>
+              <a:ext uri="{FF2B5EF4-FFF2-40B4-BE49-F238E27FC236}">
+                <a16:creationId xmlns:a16="http://schemas.microsoft.com/office/drawing/2014/main" id="{3976DEF7-B070-49C8-96B9-DCF0578EB128}"/>
+              </a:ext>
+            </a:extLst>
+          </p:cNvPr>
+          <p:cNvSpPr>
+            <a:spLocks noGrp="1"/>
+          </p:cNvSpPr>
+          <p:nvPr>
+            <p:ph type="title"/>
+          </p:nvPr>
+        </p:nvSpPr>
+        <p:spPr>
+          <a:xfrm>
+            <a:off x="1234800" y="365126"/>
+            <a:ext cx="10078991" cy="1119982"/>
+          </a:xfrm>
+        </p:spPr>
+        <p:txBody>
+          <a:bodyPr/>
+          <a:lstStyle/>
+          <a:p>
+            <a:r>
+              <a:rPr lang="nb-NO" dirty="0"/>
+              <a:t>Azure Security Center</a:t>
+            </a:r>
+          </a:p>
+        </p:txBody>
+      </p:sp>
+      <p:pic>
+        <p:nvPicPr>
+          <p:cNvPr id="4" name="Picture 3">
+            <a:extLst>
+              <a:ext uri="{FF2B5EF4-FFF2-40B4-BE49-F238E27FC236}">
+                <a16:creationId xmlns:a16="http://schemas.microsoft.com/office/drawing/2014/main" id="{F04E0A26-8C88-4AB3-9EEE-DDD88D616CD9}"/>
+              </a:ext>
+            </a:extLst>
+          </p:cNvPr>
+          <p:cNvPicPr>
+            <a:picLocks noChangeAspect="1"/>
+          </p:cNvPicPr>
+          <p:nvPr/>
+        </p:nvPicPr>
+        <p:blipFill>
+          <a:blip r:embed="rId3"/>
+          <a:stretch>
+            <a:fillRect/>
+          </a:stretch>
+        </p:blipFill>
+        <p:spPr>
+          <a:xfrm>
+            <a:off x="1234800" y="1485107"/>
+            <a:ext cx="7158656" cy="5032374"/>
+          </a:xfrm>
+          <a:prstGeom prst="rect">
+            <a:avLst/>
+          </a:prstGeom>
+        </p:spPr>
+      </p:pic>
+    </p:spTree>
+    <p:extLst>
+      <p:ext uri="{BB962C8B-B14F-4D97-AF65-F5344CB8AC3E}">
+        <p14:creationId xmlns:p14="http://schemas.microsoft.com/office/powerpoint/2010/main" val="3928993231"/>
+      </p:ext>
+    </p:extLst>
+  </p:cSld>
+  <p:clrMapOvr>
+    <a:masterClrMapping/>
+  </p:clrMapOvr>
+</p:sld>
+</file>
+
+<file path=ppt/slides/slide12.xml><?xml version="1.0" encoding="utf-8"?>
+<p:sld xmlns:a="http://schemas.openxmlformats.org/drawingml/2006/main" xmlns:r="http://schemas.openxmlformats.org/officeDocument/2006/relationships" xmlns:p="http://schemas.openxmlformats.org/presentationml/2006/main">
+  <p:cSld>
+    <p:spTree>
+      <p:nvGrpSpPr>
+        <p:cNvPr id="1" name=""/>
+        <p:cNvGrpSpPr/>
+        <p:nvPr/>
+      </p:nvGrpSpPr>
+      <p:grpSpPr>
+        <a:xfrm>
+          <a:off x="0" y="0"/>
+          <a:ext cx="0" cy="0"/>
+          <a:chOff x="0" y="0"/>
+          <a:chExt cx="0" cy="0"/>
+        </a:xfrm>
+      </p:grpSpPr>
+      <p:pic>
+        <p:nvPicPr>
+          <p:cNvPr id="4" name="Content Placeholder 3">
+            <a:extLst>
+              <a:ext uri="{FF2B5EF4-FFF2-40B4-BE49-F238E27FC236}">
+                <a16:creationId xmlns:a16="http://schemas.microsoft.com/office/drawing/2014/main" id="{9D9A3B32-F5A6-403A-BD67-91A3DF434CFB}"/>
+              </a:ext>
+            </a:extLst>
+          </p:cNvPr>
+          <p:cNvPicPr>
+            <a:picLocks noGrp="1" noChangeAspect="1"/>
+          </p:cNvPicPr>
+          <p:nvPr>
+            <p:ph idx="1"/>
+          </p:nvPr>
+        </p:nvPicPr>
+        <p:blipFill>
+          <a:blip r:embed="rId3"/>
+          <a:stretch>
+            <a:fillRect/>
+          </a:stretch>
+        </p:blipFill>
+        <p:spPr>
+          <a:xfrm>
+            <a:off x="1235075" y="1923621"/>
+            <a:ext cx="8382000" cy="4155345"/>
+          </a:xfrm>
+          <a:prstGeom prst="rect">
+            <a:avLst/>
+          </a:prstGeom>
+        </p:spPr>
+      </p:pic>
+      <p:sp>
+        <p:nvSpPr>
+          <p:cNvPr id="3" name="Title 2">
+            <a:extLst>
+              <a:ext uri="{FF2B5EF4-FFF2-40B4-BE49-F238E27FC236}">
+                <a16:creationId xmlns:a16="http://schemas.microsoft.com/office/drawing/2014/main" id="{ADD3268A-655D-4820-8D79-0D25EF247E34}"/>
+              </a:ext>
+            </a:extLst>
+          </p:cNvPr>
+          <p:cNvSpPr>
+            <a:spLocks noGrp="1"/>
+          </p:cNvSpPr>
+          <p:nvPr>
+            <p:ph type="title"/>
+          </p:nvPr>
+        </p:nvSpPr>
+        <p:spPr/>
+        <p:txBody>
+          <a:bodyPr/>
+          <a:lstStyle/>
+          <a:p>
+            <a:r>
+              <a:rPr lang="nb-NO" dirty="0"/>
+              <a:t>Azure Security Center</a:t>
+            </a:r>
+          </a:p>
+        </p:txBody>
+      </p:sp>
+    </p:spTree>
+    <p:extLst>
+      <p:ext uri="{BB962C8B-B14F-4D97-AF65-F5344CB8AC3E}">
+        <p14:creationId xmlns:p14="http://schemas.microsoft.com/office/powerpoint/2010/main" val="1837565089"/>
+      </p:ext>
+    </p:extLst>
+  </p:cSld>
+  <p:clrMapOvr>
+    <a:masterClrMapping/>
+  </p:clrMapOvr>
+</p:sld>
+</file>
+
+<file path=ppt/slides/slide13.xml><?xml version="1.0" encoding="utf-8"?>
+<p:sld xmlns:a="http://schemas.openxmlformats.org/drawingml/2006/main" xmlns:r="http://schemas.openxmlformats.org/officeDocument/2006/relationships" xmlns:p="http://schemas.openxmlformats.org/presentationml/2006/main">
+  <p:cSld>
+    <p:spTree>
+      <p:nvGrpSpPr>
+        <p:cNvPr id="1" name=""/>
+        <p:cNvGrpSpPr/>
+        <p:nvPr/>
+      </p:nvGrpSpPr>
+      <p:grpSpPr>
+        <a:xfrm>
+          <a:off x="0" y="0"/>
+          <a:ext cx="0" cy="0"/>
+          <a:chOff x="0" y="0"/>
+          <a:chExt cx="0" cy="0"/>
+        </a:xfrm>
+      </p:grpSpPr>
+      <p:sp>
+        <p:nvSpPr>
+          <p:cNvPr id="2" name="Content Placeholder 1">
+            <a:extLst>
+              <a:ext uri="{FF2B5EF4-FFF2-40B4-BE49-F238E27FC236}">
+                <a16:creationId xmlns:a16="http://schemas.microsoft.com/office/drawing/2014/main" id="{F05B8E5A-8E72-405C-895A-A01DE7EFEC97}"/>
+              </a:ext>
+            </a:extLst>
+          </p:cNvPr>
+          <p:cNvSpPr>
+            <a:spLocks noGrp="1"/>
+          </p:cNvSpPr>
+          <p:nvPr>
+            <p:ph idx="1"/>
+          </p:nvPr>
+        </p:nvSpPr>
+        <p:spPr/>
+        <p:txBody>
+          <a:bodyPr/>
+          <a:lstStyle/>
+          <a:p>
+            <a:endParaRPr lang="nb-NO" dirty="0"/>
+          </a:p>
+        </p:txBody>
+      </p:sp>
+      <p:sp>
+        <p:nvSpPr>
+          <p:cNvPr id="3" name="Title 2">
+            <a:extLst>
+              <a:ext uri="{FF2B5EF4-FFF2-40B4-BE49-F238E27FC236}">
+                <a16:creationId xmlns:a16="http://schemas.microsoft.com/office/drawing/2014/main" id="{86E35D39-2591-47A9-8520-8892ECEB37A5}"/>
+              </a:ext>
+            </a:extLst>
+          </p:cNvPr>
+          <p:cNvSpPr>
+            <a:spLocks noGrp="1"/>
+          </p:cNvSpPr>
+          <p:nvPr>
+            <p:ph type="title"/>
+          </p:nvPr>
+        </p:nvSpPr>
+        <p:spPr/>
+        <p:txBody>
+          <a:bodyPr/>
+          <a:lstStyle/>
+          <a:p>
+            <a:r>
+              <a:rPr lang="nb-NO" dirty="0"/>
+              <a:t>Bilde-applikasjonen </a:t>
+            </a:r>
+          </a:p>
+        </p:txBody>
+      </p:sp>
+      <p:pic>
+        <p:nvPicPr>
+          <p:cNvPr id="4" name="Picture 3">
+            <a:extLst>
+              <a:ext uri="{FF2B5EF4-FFF2-40B4-BE49-F238E27FC236}">
+                <a16:creationId xmlns:a16="http://schemas.microsoft.com/office/drawing/2014/main" id="{9E555A9B-7745-4BC2-9F47-EB95DBCC63CA}"/>
+              </a:ext>
+            </a:extLst>
+          </p:cNvPr>
+          <p:cNvPicPr>
+            <a:picLocks noChangeAspect="1"/>
+          </p:cNvPicPr>
+          <p:nvPr/>
+        </p:nvPicPr>
+        <p:blipFill>
+          <a:blip r:embed="rId2"/>
+          <a:stretch>
+            <a:fillRect/>
+          </a:stretch>
+        </p:blipFill>
+        <p:spPr>
+          <a:xfrm>
+            <a:off x="1425287" y="1738313"/>
+            <a:ext cx="8953500" cy="4438650"/>
+          </a:xfrm>
+          <a:prstGeom prst="rect">
+            <a:avLst/>
+          </a:prstGeom>
+        </p:spPr>
+      </p:pic>
+    </p:spTree>
+    <p:extLst>
+      <p:ext uri="{BB962C8B-B14F-4D97-AF65-F5344CB8AC3E}">
+        <p14:creationId xmlns:p14="http://schemas.microsoft.com/office/powerpoint/2010/main" val="3465018780"/>
+      </p:ext>
+    </p:extLst>
+  </p:cSld>
+  <p:clrMapOvr>
+    <a:masterClrMapping/>
+  </p:clrMapOvr>
+</p:sld>
+</file>
+
+<file path=ppt/slides/slide14.xml><?xml version="1.0" encoding="utf-8"?>
+<p:sld xmlns:a="http://schemas.openxmlformats.org/drawingml/2006/main" xmlns:r="http://schemas.openxmlformats.org/officeDocument/2006/relationships" xmlns:p="http://schemas.openxmlformats.org/presentationml/2006/main">
+  <p:cSld>
+    <p:spTree>
+      <p:nvGrpSpPr>
+        <p:cNvPr id="1" name=""/>
+        <p:cNvGrpSpPr/>
+        <p:nvPr/>
+      </p:nvGrpSpPr>
+      <p:grpSpPr>
+        <a:xfrm>
+          <a:off x="0" y="0"/>
+          <a:ext cx="0" cy="0"/>
+          <a:chOff x="0" y="0"/>
+          <a:chExt cx="0" cy="0"/>
+        </a:xfrm>
+      </p:grpSpPr>
+      <p:sp>
+        <p:nvSpPr>
+          <p:cNvPr id="3" name="Title 2">
+            <a:extLst>
+              <a:ext uri="{FF2B5EF4-FFF2-40B4-BE49-F238E27FC236}">
+                <a16:creationId xmlns:a16="http://schemas.microsoft.com/office/drawing/2014/main" id="{C74560E7-01E9-479F-BF97-248DDDFF9AFF}"/>
+              </a:ext>
+            </a:extLst>
+          </p:cNvPr>
+          <p:cNvSpPr>
+            <a:spLocks noGrp="1"/>
+          </p:cNvSpPr>
+          <p:nvPr>
+            <p:ph type="title"/>
+          </p:nvPr>
+        </p:nvSpPr>
+        <p:spPr/>
+        <p:txBody>
+          <a:bodyPr/>
+          <a:lstStyle/>
+          <a:p>
+            <a:r>
+              <a:rPr lang="nb-NO" dirty="0"/>
+              <a:t>Bildeapplikasjonen</a:t>
+            </a:r>
+          </a:p>
+        </p:txBody>
+      </p:sp>
+      <p:pic>
+        <p:nvPicPr>
+          <p:cNvPr id="7" name="Graphic 6">
+            <a:extLst>
+              <a:ext uri="{FF2B5EF4-FFF2-40B4-BE49-F238E27FC236}">
+                <a16:creationId xmlns:a16="http://schemas.microsoft.com/office/drawing/2014/main" id="{62CD84CB-7BD7-4D24-8C3C-DCBD32A65322}"/>
+              </a:ext>
+            </a:extLst>
+          </p:cNvPr>
+          <p:cNvPicPr>
+            <a:picLocks noChangeAspect="1"/>
+          </p:cNvPicPr>
+          <p:nvPr/>
+        </p:nvPicPr>
+        <p:blipFill>
+          <a:blip r:embed="rId2">
+            <a:extLst>
+              <a:ext uri="{28A0092B-C50C-407E-A947-70E740481C1C}">
+                <a14:useLocalDpi xmlns:a14="http://schemas.microsoft.com/office/drawing/2010/main" val="0"/>
+              </a:ext>
+              <a:ext uri="{96DAC541-7B7A-43D3-8B79-37D633B846F1}">
+                <asvg:svgBlip xmlns:asvg="http://schemas.microsoft.com/office/drawing/2016/SVG/main" r:embed="rId3"/>
+              </a:ext>
+            </a:extLst>
+          </a:blip>
+          <a:stretch>
+            <a:fillRect/>
+          </a:stretch>
+        </p:blipFill>
+        <p:spPr>
+          <a:xfrm>
+            <a:off x="5254341" y="3648898"/>
+            <a:ext cx="476250" cy="476250"/>
+          </a:xfrm>
+          <a:prstGeom prst="rect">
+            <a:avLst/>
+          </a:prstGeom>
+        </p:spPr>
+      </p:pic>
+      <p:pic>
+        <p:nvPicPr>
+          <p:cNvPr id="9" name="Graphic 8">
+            <a:extLst>
+              <a:ext uri="{FF2B5EF4-FFF2-40B4-BE49-F238E27FC236}">
+                <a16:creationId xmlns:a16="http://schemas.microsoft.com/office/drawing/2014/main" id="{EF8A9E25-C6F9-4F60-A9BD-34CE1498C034}"/>
+              </a:ext>
+            </a:extLst>
+          </p:cNvPr>
+          <p:cNvPicPr>
+            <a:picLocks noChangeAspect="1"/>
+          </p:cNvPicPr>
+          <p:nvPr/>
+        </p:nvPicPr>
+        <p:blipFill>
+          <a:blip r:embed="rId4">
+            <a:extLst>
+              <a:ext uri="{28A0092B-C50C-407E-A947-70E740481C1C}">
+                <a14:useLocalDpi xmlns:a14="http://schemas.microsoft.com/office/drawing/2010/main" val="0"/>
+              </a:ext>
+              <a:ext uri="{96DAC541-7B7A-43D3-8B79-37D633B846F1}">
+                <asvg:svgBlip xmlns:asvg="http://schemas.microsoft.com/office/drawing/2016/SVG/main" r:embed="rId5"/>
+              </a:ext>
+            </a:extLst>
+          </a:blip>
+          <a:stretch>
+            <a:fillRect/>
+          </a:stretch>
+        </p:blipFill>
+        <p:spPr>
+          <a:xfrm>
+            <a:off x="4283157" y="3091075"/>
+            <a:ext cx="476250" cy="476250"/>
+          </a:xfrm>
+          <a:prstGeom prst="rect">
+            <a:avLst/>
+          </a:prstGeom>
+        </p:spPr>
+      </p:pic>
+      <p:pic>
+        <p:nvPicPr>
+          <p:cNvPr id="15" name="Graphic 14">
+            <a:extLst>
+              <a:ext uri="{FF2B5EF4-FFF2-40B4-BE49-F238E27FC236}">
+                <a16:creationId xmlns:a16="http://schemas.microsoft.com/office/drawing/2014/main" id="{3BCD6373-9D61-4DED-AA59-2718E0625701}"/>
+              </a:ext>
+            </a:extLst>
+          </p:cNvPr>
+          <p:cNvPicPr>
+            <a:picLocks noChangeAspect="1"/>
+          </p:cNvPicPr>
+          <p:nvPr/>
+        </p:nvPicPr>
+        <p:blipFill>
+          <a:blip r:embed="rId6">
+            <a:extLst>
+              <a:ext uri="{28A0092B-C50C-407E-A947-70E740481C1C}">
+                <a14:useLocalDpi xmlns:a14="http://schemas.microsoft.com/office/drawing/2010/main" val="0"/>
+              </a:ext>
+              <a:ext uri="{96DAC541-7B7A-43D3-8B79-37D633B846F1}">
+                <asvg:svgBlip xmlns:asvg="http://schemas.microsoft.com/office/drawing/2016/SVG/main" r:embed="rId7"/>
+              </a:ext>
+            </a:extLst>
+          </a:blip>
+          <a:stretch>
+            <a:fillRect/>
+          </a:stretch>
+        </p:blipFill>
+        <p:spPr>
+          <a:xfrm>
+            <a:off x="2082574" y="3351434"/>
+            <a:ext cx="476250" cy="476250"/>
+          </a:xfrm>
+          <a:prstGeom prst="rect">
+            <a:avLst/>
+          </a:prstGeom>
+        </p:spPr>
+      </p:pic>
+      <p:sp>
+        <p:nvSpPr>
+          <p:cNvPr id="16" name="TextBox 15">
+            <a:extLst>
+              <a:ext uri="{FF2B5EF4-FFF2-40B4-BE49-F238E27FC236}">
+                <a16:creationId xmlns:a16="http://schemas.microsoft.com/office/drawing/2014/main" id="{A48DE509-D24C-4D77-9DC1-34856841ECA5}"/>
+              </a:ext>
+            </a:extLst>
+          </p:cNvPr>
+          <p:cNvSpPr txBox="1"/>
+          <p:nvPr/>
+        </p:nvSpPr>
+        <p:spPr>
+          <a:xfrm>
+            <a:off x="1771220" y="3829980"/>
+            <a:ext cx="1444480" cy="400110"/>
+          </a:xfrm>
+          <a:prstGeom prst="rect">
+            <a:avLst/>
+          </a:prstGeom>
+          <a:noFill/>
+        </p:spPr>
+        <p:txBody>
+          <a:bodyPr wrap="square" rtlCol="0">
+            <a:spAutoFit/>
+          </a:bodyPr>
+          <a:lstStyle/>
+          <a:p>
+            <a:r>
+              <a:rPr lang="nb-NO" sz="1000" dirty="0"/>
+              <a:t>Logging / Monitorering</a:t>
+            </a:r>
+          </a:p>
+          <a:p>
+            <a:r>
+              <a:rPr lang="nb-NO" sz="1000" dirty="0"/>
+              <a:t>(Application Insights )</a:t>
+            </a:r>
+          </a:p>
+        </p:txBody>
+      </p:sp>
+      <p:cxnSp>
+        <p:nvCxnSpPr>
+          <p:cNvPr id="18" name="Straight Connector 17">
+            <a:extLst>
+              <a:ext uri="{FF2B5EF4-FFF2-40B4-BE49-F238E27FC236}">
+                <a16:creationId xmlns:a16="http://schemas.microsoft.com/office/drawing/2014/main" id="{6D28B413-EA3B-4223-80AF-A0DDC5332C0D}"/>
+              </a:ext>
+            </a:extLst>
+          </p:cNvPr>
+          <p:cNvCxnSpPr>
+            <a:cxnSpLocks/>
+            <a:stCxn id="9" idx="3"/>
+            <a:endCxn id="7" idx="0"/>
+          </p:cNvCxnSpPr>
+          <p:nvPr/>
+        </p:nvCxnSpPr>
+        <p:spPr>
+          <a:xfrm>
+            <a:off x="4759407" y="3329200"/>
+            <a:ext cx="733059" cy="319698"/>
+          </a:xfrm>
+          <a:prstGeom prst="line">
+            <a:avLst/>
+          </a:prstGeom>
+          <a:ln w="9525" cap="flat" cmpd="sng" algn="ctr">
+            <a:solidFill>
+              <a:schemeClr val="dk1"/>
+            </a:solidFill>
+            <a:prstDash val="dash"/>
+            <a:round/>
+            <a:headEnd type="none" w="med" len="med"/>
+            <a:tailEnd type="none" w="med" len="med"/>
+          </a:ln>
+        </p:spPr>
+        <p:style>
+          <a:lnRef idx="0">
+            <a:scrgbClr r="0" g="0" b="0"/>
+          </a:lnRef>
+          <a:fillRef idx="0">
+            <a:scrgbClr r="0" g="0" b="0"/>
+          </a:fillRef>
+          <a:effectRef idx="0">
+            <a:scrgbClr r="0" g="0" b="0"/>
+          </a:effectRef>
+          <a:fontRef idx="minor">
+            <a:schemeClr val="tx1"/>
+          </a:fontRef>
+        </p:style>
+      </p:cxnSp>
+      <p:sp>
+        <p:nvSpPr>
+          <p:cNvPr id="23" name="TextBox 22">
+            <a:extLst>
+              <a:ext uri="{FF2B5EF4-FFF2-40B4-BE49-F238E27FC236}">
+                <a16:creationId xmlns:a16="http://schemas.microsoft.com/office/drawing/2014/main" id="{3FFC4637-22D2-4EB8-BE3C-CA5952F015BC}"/>
+              </a:ext>
+            </a:extLst>
+          </p:cNvPr>
+          <p:cNvSpPr txBox="1"/>
+          <p:nvPr/>
+        </p:nvSpPr>
+        <p:spPr>
+          <a:xfrm>
+            <a:off x="4949716" y="4169803"/>
+            <a:ext cx="1561749" cy="246221"/>
+          </a:xfrm>
+          <a:prstGeom prst="rect">
+            <a:avLst/>
+          </a:prstGeom>
+          <a:noFill/>
+        </p:spPr>
+        <p:txBody>
+          <a:bodyPr wrap="square" rtlCol="0">
+            <a:spAutoFit/>
+          </a:bodyPr>
+          <a:lstStyle/>
+          <a:p>
+            <a:r>
+              <a:rPr lang="nb-NO" sz="1000" dirty="0"/>
+              <a:t>«VM» (App Service Plan)</a:t>
+            </a:r>
+          </a:p>
+        </p:txBody>
+      </p:sp>
+      <p:sp>
+        <p:nvSpPr>
+          <p:cNvPr id="24" name="TextBox 23">
+            <a:extLst>
+              <a:ext uri="{FF2B5EF4-FFF2-40B4-BE49-F238E27FC236}">
+                <a16:creationId xmlns:a16="http://schemas.microsoft.com/office/drawing/2014/main" id="{9756BD30-3A79-4230-BEAA-0AB7339FF892}"/>
+              </a:ext>
+            </a:extLst>
+          </p:cNvPr>
+          <p:cNvSpPr txBox="1"/>
+          <p:nvPr/>
+        </p:nvSpPr>
+        <p:spPr>
+          <a:xfrm>
+            <a:off x="3668267" y="2704449"/>
+            <a:ext cx="1892120" cy="246221"/>
+          </a:xfrm>
+          <a:prstGeom prst="rect">
+            <a:avLst/>
+          </a:prstGeom>
+          <a:noFill/>
+        </p:spPr>
+        <p:txBody>
+          <a:bodyPr wrap="square" rtlCol="0">
+            <a:spAutoFit/>
+          </a:bodyPr>
+          <a:lstStyle/>
+          <a:p>
+            <a:r>
+              <a:rPr lang="nb-NO" sz="1000" dirty="0"/>
+              <a:t>Bildeapplikasjon (Web App)</a:t>
+            </a:r>
+          </a:p>
+        </p:txBody>
+      </p:sp>
+      <p:pic>
+        <p:nvPicPr>
+          <p:cNvPr id="27" name="Graphic 26">
+            <a:extLst>
+              <a:ext uri="{FF2B5EF4-FFF2-40B4-BE49-F238E27FC236}">
+                <a16:creationId xmlns:a16="http://schemas.microsoft.com/office/drawing/2014/main" id="{65F5B066-E9D1-4991-90C3-554017864565}"/>
+              </a:ext>
+            </a:extLst>
+          </p:cNvPr>
+          <p:cNvPicPr>
+            <a:picLocks noChangeAspect="1"/>
+          </p:cNvPicPr>
+          <p:nvPr/>
+        </p:nvPicPr>
+        <p:blipFill>
+          <a:blip r:embed="rId8">
+            <a:extLst>
+              <a:ext uri="{28A0092B-C50C-407E-A947-70E740481C1C}">
+                <a14:useLocalDpi xmlns:a14="http://schemas.microsoft.com/office/drawing/2010/main" val="0"/>
+              </a:ext>
+              <a:ext uri="{96DAC541-7B7A-43D3-8B79-37D633B846F1}">
+                <asvg:svgBlip xmlns:asvg="http://schemas.microsoft.com/office/drawing/2016/SVG/main" r:embed="rId9"/>
+              </a:ext>
+            </a:extLst>
+          </a:blip>
+          <a:stretch>
+            <a:fillRect/>
+          </a:stretch>
+        </p:blipFill>
+        <p:spPr>
+          <a:xfrm>
+            <a:off x="4283157" y="5130980"/>
+            <a:ext cx="476250" cy="476250"/>
+          </a:xfrm>
+          <a:prstGeom prst="rect">
+            <a:avLst/>
+          </a:prstGeom>
+        </p:spPr>
+      </p:pic>
+      <p:cxnSp>
+        <p:nvCxnSpPr>
+          <p:cNvPr id="29" name="Straight Arrow Connector 28">
+            <a:extLst>
+              <a:ext uri="{FF2B5EF4-FFF2-40B4-BE49-F238E27FC236}">
+                <a16:creationId xmlns:a16="http://schemas.microsoft.com/office/drawing/2014/main" id="{DF6D1749-2AE6-4DAA-807A-13CEA5ED31BA}"/>
+              </a:ext>
+            </a:extLst>
+          </p:cNvPr>
+          <p:cNvCxnSpPr>
+            <a:cxnSpLocks/>
+            <a:stCxn id="9" idx="2"/>
+            <a:endCxn id="27" idx="0"/>
+          </p:cNvCxnSpPr>
+          <p:nvPr/>
+        </p:nvCxnSpPr>
+        <p:spPr>
+          <a:xfrm>
+            <a:off x="4521282" y="3567325"/>
+            <a:ext cx="0" cy="1563655"/>
+          </a:xfrm>
+          <a:prstGeom prst="straightConnector1">
+            <a:avLst/>
+          </a:prstGeom>
+          <a:ln w="9525" cap="flat" cmpd="sng" algn="ctr">
+            <a:solidFill>
+              <a:schemeClr val="dk1"/>
+            </a:solidFill>
+            <a:prstDash val="solid"/>
+            <a:round/>
+            <a:headEnd type="arrow" w="med" len="med"/>
+            <a:tailEnd type="arrow" w="med" len="med"/>
+          </a:ln>
+        </p:spPr>
+        <p:style>
+          <a:lnRef idx="0">
+            <a:scrgbClr r="0" g="0" b="0"/>
+          </a:lnRef>
+          <a:fillRef idx="0">
+            <a:scrgbClr r="0" g="0" b="0"/>
+          </a:fillRef>
+          <a:effectRef idx="0">
+            <a:scrgbClr r="0" g="0" b="0"/>
+          </a:effectRef>
+          <a:fontRef idx="minor">
+            <a:schemeClr val="tx1"/>
+          </a:fontRef>
+        </p:style>
+      </p:cxnSp>
+      <p:cxnSp>
+        <p:nvCxnSpPr>
+          <p:cNvPr id="6" name="Straight Arrow Connector 5">
+            <a:extLst>
+              <a:ext uri="{FF2B5EF4-FFF2-40B4-BE49-F238E27FC236}">
+                <a16:creationId xmlns:a16="http://schemas.microsoft.com/office/drawing/2014/main" id="{D74733CE-52BB-4025-95CF-83360D9993C8}"/>
+              </a:ext>
+            </a:extLst>
+          </p:cNvPr>
+          <p:cNvCxnSpPr>
+            <a:stCxn id="9" idx="1"/>
+            <a:endCxn id="15" idx="0"/>
+          </p:cNvCxnSpPr>
+          <p:nvPr/>
+        </p:nvCxnSpPr>
+        <p:spPr>
+          <a:xfrm flipH="1">
+            <a:off x="2320699" y="3329200"/>
+            <a:ext cx="1962458" cy="22234"/>
+          </a:xfrm>
+          <a:prstGeom prst="straightConnector1">
+            <a:avLst/>
+          </a:prstGeom>
+          <a:ln>
+            <a:tailEnd type="triangle"/>
+          </a:ln>
+        </p:spPr>
+        <p:style>
+          <a:lnRef idx="1">
+            <a:schemeClr val="dk1"/>
+          </a:lnRef>
+          <a:fillRef idx="0">
+            <a:schemeClr val="dk1"/>
+          </a:fillRef>
+          <a:effectRef idx="0">
+            <a:schemeClr val="dk1"/>
+          </a:effectRef>
+          <a:fontRef idx="minor">
+            <a:schemeClr val="tx1"/>
+          </a:fontRef>
+        </p:style>
+      </p:cxnSp>
+      <p:sp>
+        <p:nvSpPr>
+          <p:cNvPr id="40" name="TextBox 39">
+            <a:extLst>
+              <a:ext uri="{FF2B5EF4-FFF2-40B4-BE49-F238E27FC236}">
+                <a16:creationId xmlns:a16="http://schemas.microsoft.com/office/drawing/2014/main" id="{4087FB33-82E1-4492-A226-F1EE0C13829B}"/>
+              </a:ext>
+            </a:extLst>
+          </p:cNvPr>
+          <p:cNvSpPr txBox="1"/>
+          <p:nvPr/>
+        </p:nvSpPr>
+        <p:spPr>
+          <a:xfrm>
+            <a:off x="3892087" y="5683248"/>
+            <a:ext cx="1444480" cy="400110"/>
+          </a:xfrm>
+          <a:prstGeom prst="rect">
+            <a:avLst/>
+          </a:prstGeom>
+          <a:noFill/>
+        </p:spPr>
+        <p:txBody>
+          <a:bodyPr wrap="square" rtlCol="0">
+            <a:spAutoFit/>
+          </a:bodyPr>
+          <a:lstStyle/>
+          <a:p>
+            <a:r>
+              <a:rPr lang="nb-NO" sz="1000" dirty="0"/>
+              <a:t>Bilder</a:t>
+            </a:r>
+          </a:p>
+          <a:p>
+            <a:r>
+              <a:rPr lang="nb-NO" sz="1000" dirty="0"/>
+              <a:t>(Blob Storage )</a:t>
+            </a:r>
+          </a:p>
+        </p:txBody>
+      </p:sp>
+    </p:spTree>
+    <p:extLst>
+      <p:ext uri="{BB962C8B-B14F-4D97-AF65-F5344CB8AC3E}">
+        <p14:creationId xmlns:p14="http://schemas.microsoft.com/office/powerpoint/2010/main" val="1676921153"/>
+      </p:ext>
+    </p:extLst>
+  </p:cSld>
+  <p:clrMapOvr>
+    <a:masterClrMapping/>
+  </p:clrMapOvr>
+</p:sld>
+</file>
+
+<file path=ppt/slides/slide15.xml><?xml version="1.0" encoding="utf-8"?>
+<p:sld xmlns:a="http://schemas.openxmlformats.org/drawingml/2006/main" xmlns:r="http://schemas.openxmlformats.org/officeDocument/2006/relationships" xmlns:p="http://schemas.openxmlformats.org/presentationml/2006/main">
+  <p:cSld>
+    <p:spTree>
+      <p:nvGrpSpPr>
+        <p:cNvPr id="1" name=""/>
+        <p:cNvGrpSpPr/>
+        <p:nvPr/>
+      </p:nvGrpSpPr>
+      <p:grpSpPr>
+        <a:xfrm>
+          <a:off x="0" y="0"/>
+          <a:ext cx="0" cy="0"/>
+          <a:chOff x="0" y="0"/>
+          <a:chExt cx="0" cy="0"/>
+        </a:xfrm>
+      </p:grpSpPr>
+      <p:sp>
+        <p:nvSpPr>
+          <p:cNvPr id="2" name="Content Placeholder 1">
+            <a:extLst>
+              <a:ext uri="{FF2B5EF4-FFF2-40B4-BE49-F238E27FC236}">
+                <a16:creationId xmlns:a16="http://schemas.microsoft.com/office/drawing/2014/main" id="{94B98822-8368-4C2D-B1AB-DBC5C478A3C8}"/>
+              </a:ext>
+            </a:extLst>
+          </p:cNvPr>
+          <p:cNvSpPr>
+            <a:spLocks noGrp="1"/>
+          </p:cNvSpPr>
+          <p:nvPr>
+            <p:ph idx="1"/>
+          </p:nvPr>
+        </p:nvSpPr>
+        <p:spPr/>
+        <p:txBody>
+          <a:bodyPr/>
+          <a:lstStyle/>
+          <a:p>
+            <a:pPr marL="0" indent="0">
+              <a:buNone/>
+            </a:pPr>
+            <a:endParaRPr lang="nb-NO" sz="4400" dirty="0"/>
+          </a:p>
+          <a:p>
+            <a:pPr marL="0" indent="0">
+              <a:buNone/>
+            </a:pPr>
+            <a:endParaRPr lang="nb-NO" sz="4400" dirty="0"/>
+          </a:p>
+          <a:p>
+            <a:pPr marL="0" indent="0">
+              <a:buNone/>
+            </a:pPr>
+            <a:endParaRPr lang="nb-NO" sz="4400" dirty="0"/>
+          </a:p>
+          <a:p>
+            <a:pPr marL="0" indent="0">
+              <a:buNone/>
+            </a:pPr>
+            <a:endParaRPr lang="nb-NO" sz="4400" dirty="0"/>
+          </a:p>
+          <a:p>
+            <a:pPr marL="0" indent="0">
+              <a:buNone/>
+            </a:pPr>
+            <a:endParaRPr lang="nb-NO" sz="4400" dirty="0"/>
+          </a:p>
+          <a:p>
+            <a:pPr marL="0" indent="0">
+              <a:buNone/>
+            </a:pPr>
+            <a:r>
+              <a:rPr lang="nb-NO" sz="4400" dirty="0"/>
+              <a:t>Google: Azureskolen </a:t>
+            </a:r>
+          </a:p>
+        </p:txBody>
+      </p:sp>
+      <p:sp>
+        <p:nvSpPr>
+          <p:cNvPr id="3" name="Title 2">
+            <a:extLst>
+              <a:ext uri="{FF2B5EF4-FFF2-40B4-BE49-F238E27FC236}">
+                <a16:creationId xmlns:a16="http://schemas.microsoft.com/office/drawing/2014/main" id="{6E551990-3A9C-43DC-8E56-7146D7720E17}"/>
+              </a:ext>
+            </a:extLst>
+          </p:cNvPr>
+          <p:cNvSpPr>
+            <a:spLocks noGrp="1"/>
+          </p:cNvSpPr>
+          <p:nvPr>
+            <p:ph type="title"/>
+          </p:nvPr>
+        </p:nvSpPr>
+        <p:spPr>
+          <a:xfrm>
+            <a:off x="1328585" y="376848"/>
+            <a:ext cx="10078991" cy="1325563"/>
+          </a:xfrm>
+        </p:spPr>
+        <p:txBody>
+          <a:bodyPr/>
+          <a:lstStyle/>
+          <a:p>
+            <a:r>
+              <a:rPr lang="nb-NO" dirty="0"/>
+              <a:t>Demo og leksjon 1</a:t>
+            </a:r>
+          </a:p>
+        </p:txBody>
+      </p:sp>
+    </p:spTree>
+    <p:extLst>
+      <p:ext uri="{BB962C8B-B14F-4D97-AF65-F5344CB8AC3E}">
+        <p14:creationId xmlns:p14="http://schemas.microsoft.com/office/powerpoint/2010/main" val="2246517485"/>
+      </p:ext>
+    </p:extLst>
+  </p:cSld>
+  <p:clrMapOvr>
+    <a:masterClrMapping/>
+  </p:clrMapOvr>
+</p:sld>
+</file>
+
+<file path=ppt/slides/slide16.xml><?xml version="1.0" encoding="utf-8"?>
+<p:sld xmlns:a="http://schemas.openxmlformats.org/drawingml/2006/main" xmlns:r="http://schemas.openxmlformats.org/officeDocument/2006/relationships" xmlns:p="http://schemas.openxmlformats.org/presentationml/2006/main">
+  <p:cSld>
+    <p:spTree>
+      <p:nvGrpSpPr>
+        <p:cNvPr id="1" name=""/>
+        <p:cNvGrpSpPr/>
+        <p:nvPr/>
+      </p:nvGrpSpPr>
+      <p:grpSpPr>
+        <a:xfrm>
+          <a:off x="0" y="0"/>
+          <a:ext cx="0" cy="0"/>
+          <a:chOff x="0" y="0"/>
+          <a:chExt cx="0" cy="0"/>
+        </a:xfrm>
+      </p:grpSpPr>
+      <p:sp>
+        <p:nvSpPr>
           <p:cNvPr id="2" name="Content Placeholder 1">
             <a:extLst>
               <a:ext uri="{FF2B5EF4-FFF2-40B4-BE49-F238E27FC236}">
@@ -11876,7 +13202,7 @@
             <a:pPr lvl="1"/>
             <a:r>
               <a:rPr lang="nb-NO" dirty="0"/>
-              <a:t>Privilgued Identity Management</a:t>
+              <a:t>Priviligued Identity Management</a:t>
             </a:r>
           </a:p>
           <a:p>
@@ -11982,7 +13308,7 @@
 </p:sld>
 </file>
 
-<file path=ppt/slides/slide12.xml><?xml version="1.0" encoding="utf-8"?>
+<file path=ppt/slides/slide17.xml><?xml version="1.0" encoding="utf-8"?>
 <p:sld xmlns:a="http://schemas.openxmlformats.org/drawingml/2006/main" xmlns:r="http://schemas.openxmlformats.org/officeDocument/2006/relationships" xmlns:p="http://schemas.openxmlformats.org/presentationml/2006/main">
   <p:cSld>
     <p:spTree>
@@ -12081,6 +13407,17 @@
           <a:p>
             <a:pPr lvl="1"/>
             <a:r>
+              <a:rPr lang="nb-NO" b="1" dirty="0"/>
+              <a:t>User principal </a:t>
+            </a:r>
+            <a:r>
+              <a:rPr lang="nb-NO" dirty="0"/>
+              <a:t>– vanlige brukere</a:t>
+            </a:r>
+          </a:p>
+          <a:p>
+            <a:pPr lvl="1"/>
+            <a:r>
               <a:rPr lang="en-US" dirty="0"/>
               <a:t>A </a:t>
             </a:r>
@@ -12096,8 +13433,60 @@
           <a:p>
             <a:pPr lvl="1"/>
             <a:r>
+              <a:rPr lang="en-US" b="1" dirty="0"/>
+              <a:t>Managed Identity Service</a:t>
+            </a:r>
+            <a:r>
               <a:rPr lang="en-US" dirty="0"/>
-              <a:t>Managed Identity Service (MSI)</a:t>
+              <a:t> (MSI) – </a:t>
+            </a:r>
+            <a:r>
+              <a:rPr lang="en-US" dirty="0" err="1"/>
+              <a:t>automatisk</a:t>
+            </a:r>
+            <a:r>
+              <a:rPr lang="en-US" dirty="0"/>
+              <a:t> </a:t>
+            </a:r>
+            <a:r>
+              <a:rPr lang="en-US" dirty="0" err="1"/>
+              <a:t>opprettede</a:t>
+            </a:r>
+            <a:r>
+              <a:rPr lang="en-US" dirty="0"/>
+              <a:t> </a:t>
+            </a:r>
+            <a:r>
+              <a:rPr lang="en-US" dirty="0" err="1"/>
+              <a:t>bruker</a:t>
+            </a:r>
+            <a:r>
+              <a:rPr lang="en-US" dirty="0"/>
+              <a:t> </a:t>
+            </a:r>
+            <a:r>
+              <a:rPr lang="en-US" dirty="0" err="1"/>
+              <a:t>mellom</a:t>
+            </a:r>
+            <a:r>
+              <a:rPr lang="en-US" dirty="0"/>
+              <a:t> </a:t>
+            </a:r>
+            <a:r>
+              <a:rPr lang="en-US" dirty="0" err="1"/>
+              <a:t>tjenester</a:t>
+            </a:r>
+            <a:r>
+              <a:rPr lang="en-US" dirty="0"/>
+              <a:t> </a:t>
+            </a:r>
+            <a:r>
+              <a:rPr lang="en-US" dirty="0" err="1"/>
+              <a:t>i</a:t>
+            </a:r>
+            <a:r>
+              <a:rPr lang="en-US" dirty="0"/>
+              <a:t> Azure.</a:t>
             </a:r>
           </a:p>
           <a:p>
@@ -12226,7 +13615,7 @@
 </p:sld>
 </file>
 
-<file path=ppt/slides/slide13.xml><?xml version="1.0" encoding="utf-8"?>
+<file path=ppt/slides/slide18.xml><?xml version="1.0" encoding="utf-8"?>
 <p:sld xmlns:a="http://schemas.openxmlformats.org/drawingml/2006/main" xmlns:r="http://schemas.openxmlformats.org/officeDocument/2006/relationships" xmlns:p="http://schemas.openxmlformats.org/presentationml/2006/main">
   <p:cSld>
     <p:spTree>
@@ -12298,17 +13687,20 @@
             <a:pPr lvl="1"/>
             <a:r>
               <a:rPr lang="nb-NO" dirty="0"/>
-              <a:t>Open ID Connect</a:t>
+              <a:t>Open ID Connect  (påbygg for identity på OAuth2)</a:t>
             </a:r>
           </a:p>
           <a:p>
             <a:pPr lvl="1"/>
-            <a:endParaRPr lang="nb-NO" dirty="0"/>
-          </a:p>
-          <a:p>
-            <a:r>
-              <a:rPr lang="nb-NO" dirty="0"/>
-              <a:t>Kan hente ut Token for å aksessere andre tjenester.</a:t>
+            <a:r>
+              <a:rPr lang="nb-NO" dirty="0"/>
+              <a:t>SAML</a:t>
+            </a:r>
+          </a:p>
+          <a:p>
+            <a:r>
+              <a:rPr lang="nb-NO" dirty="0"/>
+              <a:t>Kan hente ut Access Token for å aksessere andre tjenester.</a:t>
             </a:r>
           </a:p>
           <a:p>
@@ -12373,7 +13765,7 @@
 </p:sld>
 </file>
 
-<file path=ppt/slides/slide14.xml><?xml version="1.0" encoding="utf-8"?>
+<file path=ppt/slides/slide19.xml><?xml version="1.0" encoding="utf-8"?>
 <p:sld xmlns:a="http://schemas.openxmlformats.org/drawingml/2006/main" xmlns:r="http://schemas.openxmlformats.org/officeDocument/2006/relationships" xmlns:p="http://schemas.openxmlformats.org/presentationml/2006/main">
   <p:cSld>
     <p:spTree>
@@ -12411,9 +13803,12 @@
           <a:bodyPr/>
           <a:lstStyle/>
           <a:p>
-            <a:r>
-              <a:rPr lang="nb-NO" dirty="0"/>
-              <a:t>For å kunne autentisere mot en applikasjon, må den være registrert i AD.</a:t>
+            <a:endParaRPr lang="nb-NO" dirty="0"/>
+          </a:p>
+          <a:p>
+            <a:r>
+              <a:rPr lang="nb-NO" dirty="0"/>
+              <a:t>For å kunne autentisere mot en applikasjon (webside app etc), må den være registrert i AD.</a:t>
             </a:r>
           </a:p>
           <a:p>
@@ -12527,7 +13922,7 @@
 </p:sld>
 </file>
 
-<file path=ppt/slides/slide15.xml><?xml version="1.0" encoding="utf-8"?>
+<file path=ppt/slides/slide2.xml><?xml version="1.0" encoding="utf-8"?>
 <p:sld xmlns:a="http://schemas.openxmlformats.org/drawingml/2006/main" xmlns:r="http://schemas.openxmlformats.org/officeDocument/2006/relationships" xmlns:p="http://schemas.openxmlformats.org/presentationml/2006/main">
   <p:cSld>
     <p:spTree>
@@ -12546,18 +13941,12 @@
       </p:grpSpPr>
       <p:sp>
         <p:nvSpPr>
-          <p:cNvPr id="2" name="Content Placeholder 1">
-            <a:extLst>
-              <a:ext uri="{FF2B5EF4-FFF2-40B4-BE49-F238E27FC236}">
-                <a16:creationId xmlns:a16="http://schemas.microsoft.com/office/drawing/2014/main" id="{01C6EDC8-A815-4F7B-95FE-5E19DA0863EE}"/>
-              </a:ext>
-            </a:extLst>
-          </p:cNvPr>
+          <p:cNvPr id="4" name="Title 3"/>
           <p:cNvSpPr>
             <a:spLocks noGrp="1"/>
           </p:cNvSpPr>
           <p:nvPr>
-            <p:ph idx="1"/>
+            <p:ph type="ctrTitle"/>
           </p:nvPr>
         </p:nvSpPr>
         <p:spPr/>
@@ -12565,24 +13954,21 @@
           <a:bodyPr/>
           <a:lstStyle/>
           <a:p>
-            <a:endParaRPr lang="nb-NO" dirty="0"/>
-          </a:p>
-        </p:txBody>
-      </p:sp>
-      <p:sp>
-        <p:nvSpPr>
-          <p:cNvPr id="3" name="Title 2">
-            <a:extLst>
-              <a:ext uri="{FF2B5EF4-FFF2-40B4-BE49-F238E27FC236}">
-                <a16:creationId xmlns:a16="http://schemas.microsoft.com/office/drawing/2014/main" id="{9616A1BB-BF26-4AFE-905C-E67197F226A0}"/>
-              </a:ext>
-            </a:extLst>
-          </p:cNvPr>
+            <a:r>
+              <a:rPr lang="nb-NO" dirty="0"/>
+              <a:t>Azureskolen – Workshop #3</a:t>
+            </a:r>
+          </a:p>
+        </p:txBody>
+      </p:sp>
+      <p:sp>
+        <p:nvSpPr>
+          <p:cNvPr id="5" name="Subtitle 4"/>
           <p:cNvSpPr>
             <a:spLocks noGrp="1"/>
           </p:cNvSpPr>
           <p:nvPr>
-            <p:ph type="title"/>
+            <p:ph type="subTitle" idx="1"/>
           </p:nvPr>
         </p:nvSpPr>
         <p:spPr/>
@@ -12592,7 +13978,7 @@
           <a:p>
             <a:r>
               <a:rPr lang="nb-NO" dirty="0"/>
-              <a:t>Demo og Leksjon 2.</a:t>
+              <a:t>Sikkerhet</a:t>
             </a:r>
           </a:p>
         </p:txBody>
@@ -12600,7 +13986,7 @@
     </p:spTree>
     <p:extLst>
       <p:ext uri="{BB962C8B-B14F-4D97-AF65-F5344CB8AC3E}">
-        <p14:creationId xmlns:p14="http://schemas.microsoft.com/office/powerpoint/2010/main" val="2607850202"/>
+        <p14:creationId xmlns:p14="http://schemas.microsoft.com/office/powerpoint/2010/main" val="402582954"/>
       </p:ext>
     </p:extLst>
   </p:cSld>
@@ -12610,7 +13996,7 @@
 </p:sld>
 </file>
 
-<file path=ppt/slides/slide16.xml><?xml version="1.0" encoding="utf-8"?>
+<file path=ppt/slides/slide20.xml><?xml version="1.0" encoding="utf-8"?>
 <p:sld xmlns:a="http://schemas.openxmlformats.org/drawingml/2006/main" xmlns:r="http://schemas.openxmlformats.org/officeDocument/2006/relationships" xmlns:p="http://schemas.openxmlformats.org/presentationml/2006/main">
   <p:cSld>
     <p:spTree>
@@ -12632,6 +14018,236 @@
           <p:cNvPr id="2" name="Content Placeholder 1">
             <a:extLst>
               <a:ext uri="{FF2B5EF4-FFF2-40B4-BE49-F238E27FC236}">
+                <a16:creationId xmlns:a16="http://schemas.microsoft.com/office/drawing/2014/main" id="{AEF1988F-5C5A-4303-B139-34CB15C079E7}"/>
+              </a:ext>
+            </a:extLst>
+          </p:cNvPr>
+          <p:cNvSpPr>
+            <a:spLocks noGrp="1"/>
+          </p:cNvSpPr>
+          <p:nvPr>
+            <p:ph idx="1"/>
+          </p:nvPr>
+        </p:nvSpPr>
+        <p:spPr/>
+        <p:txBody>
+          <a:bodyPr/>
+          <a:lstStyle/>
+          <a:p>
+            <a:endParaRPr lang="nb-NO" dirty="0"/>
+          </a:p>
+          <a:p>
+            <a:r>
+              <a:rPr lang="nb-NO" dirty="0"/>
+              <a:t>Kan gi tilgang til brukere registrert:</a:t>
+            </a:r>
+          </a:p>
+          <a:p>
+            <a:pPr lvl="1"/>
+            <a:r>
+              <a:rPr lang="nb-NO" dirty="0"/>
+              <a:t>Som er I egen tenant (single-tenant)</a:t>
+            </a:r>
+          </a:p>
+          <a:p>
+            <a:pPr lvl="1"/>
+            <a:r>
+              <a:rPr lang="nb-NO" dirty="0"/>
+              <a:t>I andre tenants (multi-tenant)</a:t>
+            </a:r>
+          </a:p>
+          <a:p>
+            <a:pPr lvl="1"/>
+            <a:endParaRPr lang="nb-NO" dirty="0"/>
+          </a:p>
+          <a:p>
+            <a:endParaRPr lang="nb-NO" dirty="0"/>
+          </a:p>
+          <a:p>
+            <a:endParaRPr lang="nb-NO" dirty="0"/>
+          </a:p>
+          <a:p>
+            <a:r>
+              <a:rPr lang="nb-NO" dirty="0"/>
+              <a:t>Dersom du ønsker at eksterne brukere skal ha tilgang må du bruke Azure AD B2C.</a:t>
+            </a:r>
+          </a:p>
+          <a:p>
+            <a:pPr lvl="1"/>
+            <a:r>
+              <a:rPr lang="nb-NO" dirty="0"/>
+              <a:t>CIAM (customer identity access management)</a:t>
+            </a:r>
+          </a:p>
+          <a:p>
+            <a:pPr lvl="1"/>
+            <a:r>
+              <a:rPr lang="nb-NO" dirty="0"/>
+              <a:t>Støtter mange identity providers:</a:t>
+            </a:r>
+          </a:p>
+          <a:p>
+            <a:pPr lvl="2"/>
+            <a:r>
+              <a:rPr lang="nb-NO" dirty="0"/>
+              <a:t>Facebook</a:t>
+            </a:r>
+          </a:p>
+          <a:p>
+            <a:pPr lvl="2"/>
+            <a:r>
+              <a:rPr lang="nb-NO" dirty="0"/>
+              <a:t>Google</a:t>
+            </a:r>
+          </a:p>
+        </p:txBody>
+      </p:sp>
+      <p:sp>
+        <p:nvSpPr>
+          <p:cNvPr id="3" name="Title 2">
+            <a:extLst>
+              <a:ext uri="{FF2B5EF4-FFF2-40B4-BE49-F238E27FC236}">
+                <a16:creationId xmlns:a16="http://schemas.microsoft.com/office/drawing/2014/main" id="{509EF17A-0D6D-45E3-B951-B540A11D860D}"/>
+              </a:ext>
+            </a:extLst>
+          </p:cNvPr>
+          <p:cNvSpPr>
+            <a:spLocks noGrp="1"/>
+          </p:cNvSpPr>
+          <p:nvPr>
+            <p:ph type="title"/>
+          </p:nvPr>
+        </p:nvSpPr>
+        <p:spPr/>
+        <p:txBody>
+          <a:bodyPr/>
+          <a:lstStyle/>
+          <a:p>
+            <a:r>
+              <a:rPr lang="nb-NO" dirty="0"/>
+              <a:t>Azure AD - Applikasjoner</a:t>
+            </a:r>
+          </a:p>
+        </p:txBody>
+      </p:sp>
+    </p:spTree>
+    <p:extLst>
+      <p:ext uri="{BB962C8B-B14F-4D97-AF65-F5344CB8AC3E}">
+        <p14:creationId xmlns:p14="http://schemas.microsoft.com/office/powerpoint/2010/main" val="2101231031"/>
+      </p:ext>
+    </p:extLst>
+  </p:cSld>
+  <p:clrMapOvr>
+    <a:masterClrMapping/>
+  </p:clrMapOvr>
+</p:sld>
+</file>
+
+<file path=ppt/slides/slide21.xml><?xml version="1.0" encoding="utf-8"?>
+<p:sld xmlns:a="http://schemas.openxmlformats.org/drawingml/2006/main" xmlns:r="http://schemas.openxmlformats.org/officeDocument/2006/relationships" xmlns:p="http://schemas.openxmlformats.org/presentationml/2006/main">
+  <p:cSld>
+    <p:spTree>
+      <p:nvGrpSpPr>
+        <p:cNvPr id="1" name=""/>
+        <p:cNvGrpSpPr/>
+        <p:nvPr/>
+      </p:nvGrpSpPr>
+      <p:grpSpPr>
+        <a:xfrm>
+          <a:off x="0" y="0"/>
+          <a:ext cx="0" cy="0"/>
+          <a:chOff x="0" y="0"/>
+          <a:chExt cx="0" cy="0"/>
+        </a:xfrm>
+      </p:grpSpPr>
+      <p:sp>
+        <p:nvSpPr>
+          <p:cNvPr id="2" name="Content Placeholder 1">
+            <a:extLst>
+              <a:ext uri="{FF2B5EF4-FFF2-40B4-BE49-F238E27FC236}">
+                <a16:creationId xmlns:a16="http://schemas.microsoft.com/office/drawing/2014/main" id="{01C6EDC8-A815-4F7B-95FE-5E19DA0863EE}"/>
+              </a:ext>
+            </a:extLst>
+          </p:cNvPr>
+          <p:cNvSpPr>
+            <a:spLocks noGrp="1"/>
+          </p:cNvSpPr>
+          <p:nvPr>
+            <p:ph idx="1"/>
+          </p:nvPr>
+        </p:nvSpPr>
+        <p:spPr/>
+        <p:txBody>
+          <a:bodyPr/>
+          <a:lstStyle/>
+          <a:p>
+            <a:endParaRPr lang="nb-NO" dirty="0"/>
+          </a:p>
+        </p:txBody>
+      </p:sp>
+      <p:sp>
+        <p:nvSpPr>
+          <p:cNvPr id="3" name="Title 2">
+            <a:extLst>
+              <a:ext uri="{FF2B5EF4-FFF2-40B4-BE49-F238E27FC236}">
+                <a16:creationId xmlns:a16="http://schemas.microsoft.com/office/drawing/2014/main" id="{9616A1BB-BF26-4AFE-905C-E67197F226A0}"/>
+              </a:ext>
+            </a:extLst>
+          </p:cNvPr>
+          <p:cNvSpPr>
+            <a:spLocks noGrp="1"/>
+          </p:cNvSpPr>
+          <p:nvPr>
+            <p:ph type="title"/>
+          </p:nvPr>
+        </p:nvSpPr>
+        <p:spPr/>
+        <p:txBody>
+          <a:bodyPr/>
+          <a:lstStyle/>
+          <a:p>
+            <a:r>
+              <a:rPr lang="nb-NO" dirty="0"/>
+              <a:t>Demo og Leksjon 2.</a:t>
+            </a:r>
+          </a:p>
+        </p:txBody>
+      </p:sp>
+    </p:spTree>
+    <p:extLst>
+      <p:ext uri="{BB962C8B-B14F-4D97-AF65-F5344CB8AC3E}">
+        <p14:creationId xmlns:p14="http://schemas.microsoft.com/office/powerpoint/2010/main" val="2607850202"/>
+      </p:ext>
+    </p:extLst>
+  </p:cSld>
+  <p:clrMapOvr>
+    <a:masterClrMapping/>
+  </p:clrMapOvr>
+</p:sld>
+</file>
+
+<file path=ppt/slides/slide22.xml><?xml version="1.0" encoding="utf-8"?>
+<p:sld xmlns:a="http://schemas.openxmlformats.org/drawingml/2006/main" xmlns:r="http://schemas.openxmlformats.org/officeDocument/2006/relationships" xmlns:p="http://schemas.openxmlformats.org/presentationml/2006/main">
+  <p:cSld>
+    <p:spTree>
+      <p:nvGrpSpPr>
+        <p:cNvPr id="1" name=""/>
+        <p:cNvGrpSpPr/>
+        <p:nvPr/>
+      </p:nvGrpSpPr>
+      <p:grpSpPr>
+        <a:xfrm>
+          <a:off x="0" y="0"/>
+          <a:ext cx="0" cy="0"/>
+          <a:chOff x="0" y="0"/>
+          <a:chExt cx="0" cy="0"/>
+        </a:xfrm>
+      </p:grpSpPr>
+      <p:sp>
+        <p:nvSpPr>
+          <p:cNvPr id="2" name="Content Placeholder 1">
+            <a:extLst>
+              <a:ext uri="{FF2B5EF4-FFF2-40B4-BE49-F238E27FC236}">
                 <a16:creationId xmlns:a16="http://schemas.microsoft.com/office/drawing/2014/main" id="{3469A132-FA9D-4F94-91D3-A36EA0160557}"/>
               </a:ext>
             </a:extLst>
@@ -12665,36 +14281,53 @@
             <a:endParaRPr lang="nb-NO" dirty="0"/>
           </a:p>
           <a:p>
+            <a:r>
+              <a:rPr lang="nb-NO" dirty="0"/>
+              <a:t>NSG (Network Security Group)</a:t>
+            </a:r>
+          </a:p>
+          <a:p>
+            <a:pPr lvl="1"/>
+            <a:r>
+              <a:rPr lang="nb-NO" dirty="0"/>
+              <a:t>Brukes til å sette </a:t>
+            </a:r>
+            <a:r>
+              <a:rPr lang="nb-NO" dirty="0" err="1"/>
+              <a:t>policies</a:t>
+            </a:r>
+            <a:r>
+              <a:rPr lang="nb-NO" dirty="0"/>
+              <a:t> for virtuelle nettverk eller applikasjoner/virtuelle maskiner.</a:t>
+            </a:r>
+          </a:p>
+          <a:p>
+            <a:pPr lvl="1"/>
+            <a:r>
+              <a:rPr lang="nb-NO" dirty="0"/>
+              <a:t>Kan hindre tilganger til tjenester man ikke ønsker at skal være tilgjengelig over internett.</a:t>
+            </a:r>
+          </a:p>
+          <a:p>
             <a:pPr lvl="1"/>
             <a:endParaRPr lang="nb-NO" dirty="0"/>
           </a:p>
           <a:p>
             <a:r>
               <a:rPr lang="nb-NO" dirty="0"/>
-              <a:t>NSG (Network Security Group)</a:t>
+              <a:t>Service Endpoints</a:t>
             </a:r>
           </a:p>
           <a:p>
             <a:pPr lvl="1"/>
             <a:r>
               <a:rPr lang="nb-NO" dirty="0"/>
-              <a:t>Brukes til å sette </a:t>
-            </a:r>
-            <a:r>
-              <a:rPr lang="nb-NO" dirty="0" err="1"/>
-              <a:t>policies</a:t>
-            </a:r>
-            <a:r>
-              <a:rPr lang="nb-NO" dirty="0"/>
-              <a:t> for virtuelle nettverk eller applikasjoner/virtuelle maskiner.</a:t>
+              <a:t>Kan gjøre Azure PaaS-tjenester (eks. storage account) kun tilgjengelig for et VNet</a:t>
             </a:r>
           </a:p>
           <a:p>
             <a:pPr lvl="1"/>
-            <a:r>
-              <a:rPr lang="nb-NO" dirty="0"/>
-              <a:t>Kan hindre tilganger til tjenester man ikke ønsker at skal være tilgjengelig over internett.</a:t>
-            </a:r>
+            <a:endParaRPr lang="nb-NO" dirty="0"/>
           </a:p>
         </p:txBody>
       </p:sp>
@@ -12811,7 +14444,7 @@
 </p:sld>
 </file>
 
-<file path=ppt/slides/slide17.xml><?xml version="1.0" encoding="utf-8"?>
+<file path=ppt/slides/slide23.xml><?xml version="1.0" encoding="utf-8"?>
 <p:sld xmlns:a="http://schemas.openxmlformats.org/drawingml/2006/main" xmlns:r="http://schemas.openxmlformats.org/officeDocument/2006/relationships" xmlns:p="http://schemas.openxmlformats.org/presentationml/2006/main">
   <p:cSld>
     <p:spTree>
@@ -12830,25 +14463,47 @@
       </p:grpSpPr>
       <p:sp>
         <p:nvSpPr>
-          <p:cNvPr id="2" name="Content Placeholder 1">
+          <p:cNvPr id="4" name="Rectangle: Rounded Corners 3">
             <a:extLst>
               <a:ext uri="{FF2B5EF4-FFF2-40B4-BE49-F238E27FC236}">
-                <a16:creationId xmlns:a16="http://schemas.microsoft.com/office/drawing/2014/main" id="{DB0223AE-910A-4F0A-8FD5-0DF9471B82DB}"/>
+                <a16:creationId xmlns:a16="http://schemas.microsoft.com/office/drawing/2014/main" id="{B8FC131D-CFC1-4CAE-9147-4A22FBFFEC81}"/>
               </a:ext>
             </a:extLst>
           </p:cNvPr>
-          <p:cNvSpPr>
-            <a:spLocks noGrp="1"/>
-          </p:cNvSpPr>
-          <p:nvPr>
-            <p:ph idx="1"/>
-          </p:nvPr>
-        </p:nvSpPr>
-        <p:spPr/>
-        <p:txBody>
-          <a:bodyPr/>
+          <p:cNvSpPr/>
+          <p:nvPr/>
+        </p:nvSpPr>
+        <p:spPr>
+          <a:xfrm>
+            <a:off x="3163536" y="4671370"/>
+            <a:ext cx="2715491" cy="1871475"/>
+          </a:xfrm>
+          <a:prstGeom prst="roundRect">
+            <a:avLst/>
+          </a:prstGeom>
+          <a:ln>
+            <a:prstDash val="sysDot"/>
+          </a:ln>
+        </p:spPr>
+        <p:style>
+          <a:lnRef idx="2">
+            <a:schemeClr val="dk1"/>
+          </a:lnRef>
+          <a:fillRef idx="1">
+            <a:schemeClr val="lt1"/>
+          </a:fillRef>
+          <a:effectRef idx="0">
+            <a:schemeClr val="dk1"/>
+          </a:effectRef>
+          <a:fontRef idx="minor">
+            <a:schemeClr val="dk1"/>
+          </a:fontRef>
+        </p:style>
+        <p:txBody>
+          <a:bodyPr rtlCol="0" anchor="ctr"/>
           <a:lstStyle/>
           <a:p>
+            <a:pPr algn="ctr"/>
             <a:endParaRPr lang="nb-NO"/>
           </a:p>
         </p:txBody>
@@ -12858,7 +14513,7 @@
           <p:cNvPr id="3" name="Title 2">
             <a:extLst>
               <a:ext uri="{FF2B5EF4-FFF2-40B4-BE49-F238E27FC236}">
-                <a16:creationId xmlns:a16="http://schemas.microsoft.com/office/drawing/2014/main" id="{1830904A-EAB2-4AB5-8816-AAC477CD96E8}"/>
+                <a16:creationId xmlns:a16="http://schemas.microsoft.com/office/drawing/2014/main" id="{C74560E7-01E9-479F-BF97-248DDDFF9AFF}"/>
               </a:ext>
             </a:extLst>
           </p:cNvPr>
@@ -12876,15 +14531,541 @@
           <a:p>
             <a:r>
               <a:rPr lang="nb-NO" dirty="0"/>
-              <a:t>Demo og Bonusleksjon</a:t>
-            </a:r>
-          </a:p>
-        </p:txBody>
-      </p:sp>
+              <a:t>Bildeapplikasjonen med VNET/NSG</a:t>
+            </a:r>
+          </a:p>
+        </p:txBody>
+      </p:sp>
+      <p:pic>
+        <p:nvPicPr>
+          <p:cNvPr id="7" name="Graphic 6">
+            <a:extLst>
+              <a:ext uri="{FF2B5EF4-FFF2-40B4-BE49-F238E27FC236}">
+                <a16:creationId xmlns:a16="http://schemas.microsoft.com/office/drawing/2014/main" id="{62CD84CB-7BD7-4D24-8C3C-DCBD32A65322}"/>
+              </a:ext>
+            </a:extLst>
+          </p:cNvPr>
+          <p:cNvPicPr>
+            <a:picLocks noChangeAspect="1"/>
+          </p:cNvPicPr>
+          <p:nvPr/>
+        </p:nvPicPr>
+        <p:blipFill>
+          <a:blip r:embed="rId2">
+            <a:extLst>
+              <a:ext uri="{28A0092B-C50C-407E-A947-70E740481C1C}">
+                <a14:useLocalDpi xmlns:a14="http://schemas.microsoft.com/office/drawing/2010/main" val="0"/>
+              </a:ext>
+              <a:ext uri="{96DAC541-7B7A-43D3-8B79-37D633B846F1}">
+                <asvg:svgBlip xmlns:asvg="http://schemas.microsoft.com/office/drawing/2016/SVG/main" r:embed="rId3"/>
+              </a:ext>
+            </a:extLst>
+          </a:blip>
+          <a:stretch>
+            <a:fillRect/>
+          </a:stretch>
+        </p:blipFill>
+        <p:spPr>
+          <a:xfrm>
+            <a:off x="5254341" y="3648898"/>
+            <a:ext cx="476250" cy="476250"/>
+          </a:xfrm>
+          <a:prstGeom prst="rect">
+            <a:avLst/>
+          </a:prstGeom>
+        </p:spPr>
+      </p:pic>
+      <p:pic>
+        <p:nvPicPr>
+          <p:cNvPr id="9" name="Graphic 8">
+            <a:extLst>
+              <a:ext uri="{FF2B5EF4-FFF2-40B4-BE49-F238E27FC236}">
+                <a16:creationId xmlns:a16="http://schemas.microsoft.com/office/drawing/2014/main" id="{EF8A9E25-C6F9-4F60-A9BD-34CE1498C034}"/>
+              </a:ext>
+            </a:extLst>
+          </p:cNvPr>
+          <p:cNvPicPr>
+            <a:picLocks noChangeAspect="1"/>
+          </p:cNvPicPr>
+          <p:nvPr/>
+        </p:nvPicPr>
+        <p:blipFill>
+          <a:blip r:embed="rId4">
+            <a:extLst>
+              <a:ext uri="{28A0092B-C50C-407E-A947-70E740481C1C}">
+                <a14:useLocalDpi xmlns:a14="http://schemas.microsoft.com/office/drawing/2010/main" val="0"/>
+              </a:ext>
+              <a:ext uri="{96DAC541-7B7A-43D3-8B79-37D633B846F1}">
+                <asvg:svgBlip xmlns:asvg="http://schemas.microsoft.com/office/drawing/2016/SVG/main" r:embed="rId5"/>
+              </a:ext>
+            </a:extLst>
+          </a:blip>
+          <a:stretch>
+            <a:fillRect/>
+          </a:stretch>
+        </p:blipFill>
+        <p:spPr>
+          <a:xfrm>
+            <a:off x="4283157" y="3091075"/>
+            <a:ext cx="476250" cy="476250"/>
+          </a:xfrm>
+          <a:prstGeom prst="rect">
+            <a:avLst/>
+          </a:prstGeom>
+        </p:spPr>
+      </p:pic>
+      <p:pic>
+        <p:nvPicPr>
+          <p:cNvPr id="15" name="Graphic 14">
+            <a:extLst>
+              <a:ext uri="{FF2B5EF4-FFF2-40B4-BE49-F238E27FC236}">
+                <a16:creationId xmlns:a16="http://schemas.microsoft.com/office/drawing/2014/main" id="{3BCD6373-9D61-4DED-AA59-2718E0625701}"/>
+              </a:ext>
+            </a:extLst>
+          </p:cNvPr>
+          <p:cNvPicPr>
+            <a:picLocks noChangeAspect="1"/>
+          </p:cNvPicPr>
+          <p:nvPr/>
+        </p:nvPicPr>
+        <p:blipFill>
+          <a:blip r:embed="rId6">
+            <a:extLst>
+              <a:ext uri="{28A0092B-C50C-407E-A947-70E740481C1C}">
+                <a14:useLocalDpi xmlns:a14="http://schemas.microsoft.com/office/drawing/2010/main" val="0"/>
+              </a:ext>
+              <a:ext uri="{96DAC541-7B7A-43D3-8B79-37D633B846F1}">
+                <asvg:svgBlip xmlns:asvg="http://schemas.microsoft.com/office/drawing/2016/SVG/main" r:embed="rId7"/>
+              </a:ext>
+            </a:extLst>
+          </a:blip>
+          <a:stretch>
+            <a:fillRect/>
+          </a:stretch>
+        </p:blipFill>
+        <p:spPr>
+          <a:xfrm>
+            <a:off x="2082574" y="3351434"/>
+            <a:ext cx="476250" cy="476250"/>
+          </a:xfrm>
+          <a:prstGeom prst="rect">
+            <a:avLst/>
+          </a:prstGeom>
+        </p:spPr>
+      </p:pic>
+      <p:sp>
+        <p:nvSpPr>
+          <p:cNvPr id="16" name="TextBox 15">
+            <a:extLst>
+              <a:ext uri="{FF2B5EF4-FFF2-40B4-BE49-F238E27FC236}">
+                <a16:creationId xmlns:a16="http://schemas.microsoft.com/office/drawing/2014/main" id="{A48DE509-D24C-4D77-9DC1-34856841ECA5}"/>
+              </a:ext>
+            </a:extLst>
+          </p:cNvPr>
+          <p:cNvSpPr txBox="1"/>
+          <p:nvPr/>
+        </p:nvSpPr>
+        <p:spPr>
+          <a:xfrm>
+            <a:off x="1771220" y="3829980"/>
+            <a:ext cx="1444480" cy="400110"/>
+          </a:xfrm>
+          <a:prstGeom prst="rect">
+            <a:avLst/>
+          </a:prstGeom>
+          <a:noFill/>
+        </p:spPr>
+        <p:txBody>
+          <a:bodyPr wrap="square" rtlCol="0">
+            <a:spAutoFit/>
+          </a:bodyPr>
+          <a:lstStyle/>
+          <a:p>
+            <a:r>
+              <a:rPr lang="nb-NO" sz="1000" dirty="0"/>
+              <a:t>Logging / Monitorering</a:t>
+            </a:r>
+          </a:p>
+          <a:p>
+            <a:r>
+              <a:rPr lang="nb-NO" sz="1000" dirty="0"/>
+              <a:t>(Application Insights )</a:t>
+            </a:r>
+          </a:p>
+        </p:txBody>
+      </p:sp>
+      <p:cxnSp>
+        <p:nvCxnSpPr>
+          <p:cNvPr id="18" name="Straight Connector 17">
+            <a:extLst>
+              <a:ext uri="{FF2B5EF4-FFF2-40B4-BE49-F238E27FC236}">
+                <a16:creationId xmlns:a16="http://schemas.microsoft.com/office/drawing/2014/main" id="{6D28B413-EA3B-4223-80AF-A0DDC5332C0D}"/>
+              </a:ext>
+            </a:extLst>
+          </p:cNvPr>
+          <p:cNvCxnSpPr>
+            <a:cxnSpLocks/>
+            <a:stCxn id="9" idx="3"/>
+            <a:endCxn id="7" idx="0"/>
+          </p:cNvCxnSpPr>
+          <p:nvPr/>
+        </p:nvCxnSpPr>
+        <p:spPr>
+          <a:xfrm>
+            <a:off x="4759407" y="3329200"/>
+            <a:ext cx="733059" cy="319698"/>
+          </a:xfrm>
+          <a:prstGeom prst="line">
+            <a:avLst/>
+          </a:prstGeom>
+          <a:ln w="9525" cap="flat" cmpd="sng" algn="ctr">
+            <a:solidFill>
+              <a:schemeClr val="dk1"/>
+            </a:solidFill>
+            <a:prstDash val="dash"/>
+            <a:round/>
+            <a:headEnd type="none" w="med" len="med"/>
+            <a:tailEnd type="none" w="med" len="med"/>
+          </a:ln>
+        </p:spPr>
+        <p:style>
+          <a:lnRef idx="0">
+            <a:scrgbClr r="0" g="0" b="0"/>
+          </a:lnRef>
+          <a:fillRef idx="0">
+            <a:scrgbClr r="0" g="0" b="0"/>
+          </a:fillRef>
+          <a:effectRef idx="0">
+            <a:scrgbClr r="0" g="0" b="0"/>
+          </a:effectRef>
+          <a:fontRef idx="minor">
+            <a:schemeClr val="tx1"/>
+          </a:fontRef>
+        </p:style>
+      </p:cxnSp>
+      <p:sp>
+        <p:nvSpPr>
+          <p:cNvPr id="23" name="TextBox 22">
+            <a:extLst>
+              <a:ext uri="{FF2B5EF4-FFF2-40B4-BE49-F238E27FC236}">
+                <a16:creationId xmlns:a16="http://schemas.microsoft.com/office/drawing/2014/main" id="{3FFC4637-22D2-4EB8-BE3C-CA5952F015BC}"/>
+              </a:ext>
+            </a:extLst>
+          </p:cNvPr>
+          <p:cNvSpPr txBox="1"/>
+          <p:nvPr/>
+        </p:nvSpPr>
+        <p:spPr>
+          <a:xfrm>
+            <a:off x="4949716" y="4169803"/>
+            <a:ext cx="1561749" cy="246221"/>
+          </a:xfrm>
+          <a:prstGeom prst="rect">
+            <a:avLst/>
+          </a:prstGeom>
+          <a:noFill/>
+        </p:spPr>
+        <p:txBody>
+          <a:bodyPr wrap="square" rtlCol="0">
+            <a:spAutoFit/>
+          </a:bodyPr>
+          <a:lstStyle/>
+          <a:p>
+            <a:r>
+              <a:rPr lang="nb-NO" sz="1000" dirty="0"/>
+              <a:t>«VM» (App Service Plan)</a:t>
+            </a:r>
+          </a:p>
+        </p:txBody>
+      </p:sp>
+      <p:sp>
+        <p:nvSpPr>
+          <p:cNvPr id="24" name="TextBox 23">
+            <a:extLst>
+              <a:ext uri="{FF2B5EF4-FFF2-40B4-BE49-F238E27FC236}">
+                <a16:creationId xmlns:a16="http://schemas.microsoft.com/office/drawing/2014/main" id="{9756BD30-3A79-4230-BEAA-0AB7339FF892}"/>
+              </a:ext>
+            </a:extLst>
+          </p:cNvPr>
+          <p:cNvSpPr txBox="1"/>
+          <p:nvPr/>
+        </p:nvSpPr>
+        <p:spPr>
+          <a:xfrm>
+            <a:off x="3668267" y="2704449"/>
+            <a:ext cx="1892120" cy="246221"/>
+          </a:xfrm>
+          <a:prstGeom prst="rect">
+            <a:avLst/>
+          </a:prstGeom>
+          <a:noFill/>
+        </p:spPr>
+        <p:txBody>
+          <a:bodyPr wrap="square" rtlCol="0">
+            <a:spAutoFit/>
+          </a:bodyPr>
+          <a:lstStyle/>
+          <a:p>
+            <a:r>
+              <a:rPr lang="nb-NO" sz="1000" dirty="0"/>
+              <a:t>Bildeapplikasjon (Web App)</a:t>
+            </a:r>
+          </a:p>
+        </p:txBody>
+      </p:sp>
+      <p:pic>
+        <p:nvPicPr>
+          <p:cNvPr id="27" name="Graphic 26">
+            <a:extLst>
+              <a:ext uri="{FF2B5EF4-FFF2-40B4-BE49-F238E27FC236}">
+                <a16:creationId xmlns:a16="http://schemas.microsoft.com/office/drawing/2014/main" id="{65F5B066-E9D1-4991-90C3-554017864565}"/>
+              </a:ext>
+            </a:extLst>
+          </p:cNvPr>
+          <p:cNvPicPr>
+            <a:picLocks noChangeAspect="1"/>
+          </p:cNvPicPr>
+          <p:nvPr/>
+        </p:nvPicPr>
+        <p:blipFill>
+          <a:blip r:embed="rId8">
+            <a:extLst>
+              <a:ext uri="{28A0092B-C50C-407E-A947-70E740481C1C}">
+                <a14:useLocalDpi xmlns:a14="http://schemas.microsoft.com/office/drawing/2010/main" val="0"/>
+              </a:ext>
+              <a:ext uri="{96DAC541-7B7A-43D3-8B79-37D633B846F1}">
+                <asvg:svgBlip xmlns:asvg="http://schemas.microsoft.com/office/drawing/2016/SVG/main" r:embed="rId9"/>
+              </a:ext>
+            </a:extLst>
+          </a:blip>
+          <a:stretch>
+            <a:fillRect/>
+          </a:stretch>
+        </p:blipFill>
+        <p:spPr>
+          <a:xfrm>
+            <a:off x="4283157" y="5130980"/>
+            <a:ext cx="476250" cy="476250"/>
+          </a:xfrm>
+          <a:prstGeom prst="rect">
+            <a:avLst/>
+          </a:prstGeom>
+        </p:spPr>
+      </p:pic>
+      <p:cxnSp>
+        <p:nvCxnSpPr>
+          <p:cNvPr id="29" name="Straight Arrow Connector 28">
+            <a:extLst>
+              <a:ext uri="{FF2B5EF4-FFF2-40B4-BE49-F238E27FC236}">
+                <a16:creationId xmlns:a16="http://schemas.microsoft.com/office/drawing/2014/main" id="{DF6D1749-2AE6-4DAA-807A-13CEA5ED31BA}"/>
+              </a:ext>
+            </a:extLst>
+          </p:cNvPr>
+          <p:cNvCxnSpPr>
+            <a:cxnSpLocks/>
+            <a:stCxn id="9" idx="2"/>
+            <a:endCxn id="27" idx="0"/>
+          </p:cNvCxnSpPr>
+          <p:nvPr/>
+        </p:nvCxnSpPr>
+        <p:spPr>
+          <a:xfrm>
+            <a:off x="4521282" y="3567325"/>
+            <a:ext cx="0" cy="1563655"/>
+          </a:xfrm>
+          <a:prstGeom prst="straightConnector1">
+            <a:avLst/>
+          </a:prstGeom>
+          <a:ln w="9525" cap="flat" cmpd="sng" algn="ctr">
+            <a:solidFill>
+              <a:schemeClr val="dk1"/>
+            </a:solidFill>
+            <a:prstDash val="solid"/>
+            <a:round/>
+            <a:headEnd type="arrow" w="med" len="med"/>
+            <a:tailEnd type="arrow" w="med" len="med"/>
+          </a:ln>
+        </p:spPr>
+        <p:style>
+          <a:lnRef idx="0">
+            <a:scrgbClr r="0" g="0" b="0"/>
+          </a:lnRef>
+          <a:fillRef idx="0">
+            <a:scrgbClr r="0" g="0" b="0"/>
+          </a:fillRef>
+          <a:effectRef idx="0">
+            <a:scrgbClr r="0" g="0" b="0"/>
+          </a:effectRef>
+          <a:fontRef idx="minor">
+            <a:schemeClr val="tx1"/>
+          </a:fontRef>
+        </p:style>
+      </p:cxnSp>
+      <p:cxnSp>
+        <p:nvCxnSpPr>
+          <p:cNvPr id="6" name="Straight Arrow Connector 5">
+            <a:extLst>
+              <a:ext uri="{FF2B5EF4-FFF2-40B4-BE49-F238E27FC236}">
+                <a16:creationId xmlns:a16="http://schemas.microsoft.com/office/drawing/2014/main" id="{D74733CE-52BB-4025-95CF-83360D9993C8}"/>
+              </a:ext>
+            </a:extLst>
+          </p:cNvPr>
+          <p:cNvCxnSpPr>
+            <a:stCxn id="9" idx="1"/>
+            <a:endCxn id="15" idx="0"/>
+          </p:cNvCxnSpPr>
+          <p:nvPr/>
+        </p:nvCxnSpPr>
+        <p:spPr>
+          <a:xfrm flipH="1">
+            <a:off x="2320699" y="3329200"/>
+            <a:ext cx="1962458" cy="22234"/>
+          </a:xfrm>
+          <a:prstGeom prst="straightConnector1">
+            <a:avLst/>
+          </a:prstGeom>
+          <a:ln>
+            <a:tailEnd type="triangle"/>
+          </a:ln>
+        </p:spPr>
+        <p:style>
+          <a:lnRef idx="1">
+            <a:schemeClr val="dk1"/>
+          </a:lnRef>
+          <a:fillRef idx="0">
+            <a:schemeClr val="dk1"/>
+          </a:fillRef>
+          <a:effectRef idx="0">
+            <a:schemeClr val="dk1"/>
+          </a:effectRef>
+          <a:fontRef idx="minor">
+            <a:schemeClr val="tx1"/>
+          </a:fontRef>
+        </p:style>
+      </p:cxnSp>
+      <p:sp>
+        <p:nvSpPr>
+          <p:cNvPr id="40" name="TextBox 39">
+            <a:extLst>
+              <a:ext uri="{FF2B5EF4-FFF2-40B4-BE49-F238E27FC236}">
+                <a16:creationId xmlns:a16="http://schemas.microsoft.com/office/drawing/2014/main" id="{4087FB33-82E1-4492-A226-F1EE0C13829B}"/>
+              </a:ext>
+            </a:extLst>
+          </p:cNvPr>
+          <p:cNvSpPr txBox="1"/>
+          <p:nvPr/>
+        </p:nvSpPr>
+        <p:spPr>
+          <a:xfrm>
+            <a:off x="3892087" y="5683248"/>
+            <a:ext cx="1444480" cy="400110"/>
+          </a:xfrm>
+          <a:prstGeom prst="rect">
+            <a:avLst/>
+          </a:prstGeom>
+          <a:noFill/>
+        </p:spPr>
+        <p:txBody>
+          <a:bodyPr wrap="square" rtlCol="0">
+            <a:spAutoFit/>
+          </a:bodyPr>
+          <a:lstStyle/>
+          <a:p>
+            <a:r>
+              <a:rPr lang="nb-NO" sz="1000" dirty="0"/>
+              <a:t>Bilder</a:t>
+            </a:r>
+          </a:p>
+          <a:p>
+            <a:r>
+              <a:rPr lang="nb-NO" sz="1000" dirty="0"/>
+              <a:t>(Blob Storage )</a:t>
+            </a:r>
+          </a:p>
+        </p:txBody>
+      </p:sp>
+      <p:pic>
+        <p:nvPicPr>
+          <p:cNvPr id="8" name="Graphic 7">
+            <a:extLst>
+              <a:ext uri="{FF2B5EF4-FFF2-40B4-BE49-F238E27FC236}">
+                <a16:creationId xmlns:a16="http://schemas.microsoft.com/office/drawing/2014/main" id="{E9F6AB5E-395D-4BE7-BAFB-C6D5BADE6512}"/>
+              </a:ext>
+            </a:extLst>
+          </p:cNvPr>
+          <p:cNvPicPr>
+            <a:picLocks noChangeAspect="1"/>
+          </p:cNvPicPr>
+          <p:nvPr/>
+        </p:nvPicPr>
+        <p:blipFill>
+          <a:blip r:embed="rId10">
+            <a:extLst>
+              <a:ext uri="{28A0092B-C50C-407E-A947-70E740481C1C}">
+                <a14:useLocalDpi xmlns:a14="http://schemas.microsoft.com/office/drawing/2010/main" val="0"/>
+              </a:ext>
+              <a:ext uri="{96DAC541-7B7A-43D3-8B79-37D633B846F1}">
+                <asvg:svgBlip xmlns:asvg="http://schemas.microsoft.com/office/drawing/2016/SVG/main" r:embed="rId11"/>
+              </a:ext>
+            </a:extLst>
+          </a:blip>
+          <a:stretch>
+            <a:fillRect/>
+          </a:stretch>
+        </p:blipFill>
+        <p:spPr>
+          <a:xfrm>
+            <a:off x="5254340" y="4646053"/>
+            <a:ext cx="476250" cy="476250"/>
+          </a:xfrm>
+          <a:prstGeom prst="rect">
+            <a:avLst/>
+          </a:prstGeom>
+        </p:spPr>
+      </p:pic>
+      <p:pic>
+        <p:nvPicPr>
+          <p:cNvPr id="11" name="Graphic 10">
+            <a:extLst>
+              <a:ext uri="{FF2B5EF4-FFF2-40B4-BE49-F238E27FC236}">
+                <a16:creationId xmlns:a16="http://schemas.microsoft.com/office/drawing/2014/main" id="{805DF316-D9CA-486C-AC2A-187B6828BD80}"/>
+              </a:ext>
+            </a:extLst>
+          </p:cNvPr>
+          <p:cNvPicPr>
+            <a:picLocks noChangeAspect="1"/>
+          </p:cNvPicPr>
+          <p:nvPr/>
+        </p:nvPicPr>
+        <p:blipFill>
+          <a:blip r:embed="rId12">
+            <a:extLst>
+              <a:ext uri="{28A0092B-C50C-407E-A947-70E740481C1C}">
+                <a14:useLocalDpi xmlns:a14="http://schemas.microsoft.com/office/drawing/2010/main" val="0"/>
+              </a:ext>
+              <a:ext uri="{96DAC541-7B7A-43D3-8B79-37D633B846F1}">
+                <asvg:svgBlip xmlns:asvg="http://schemas.microsoft.com/office/drawing/2016/SVG/main" r:embed="rId13"/>
+              </a:ext>
+            </a:extLst>
+          </a:blip>
+          <a:stretch>
+            <a:fillRect/>
+          </a:stretch>
+        </p:blipFill>
+        <p:spPr>
+          <a:xfrm>
+            <a:off x="5254340" y="5946238"/>
+            <a:ext cx="476250" cy="476250"/>
+          </a:xfrm>
+          <a:prstGeom prst="rect">
+            <a:avLst/>
+          </a:prstGeom>
+        </p:spPr>
+      </p:pic>
     </p:spTree>
     <p:extLst>
       <p:ext uri="{BB962C8B-B14F-4D97-AF65-F5344CB8AC3E}">
-        <p14:creationId xmlns:p14="http://schemas.microsoft.com/office/powerpoint/2010/main" val="2993526678"/>
+        <p14:creationId xmlns:p14="http://schemas.microsoft.com/office/powerpoint/2010/main" val="3204010952"/>
       </p:ext>
     </p:extLst>
   </p:cSld>
@@ -12894,7 +15075,7 @@
 </p:sld>
 </file>
 
-<file path=ppt/slides/slide2.xml><?xml version="1.0" encoding="utf-8"?>
+<file path=ppt/slides/slide24.xml><?xml version="1.0" encoding="utf-8"?>
 <p:sld xmlns:a="http://schemas.openxmlformats.org/drawingml/2006/main" xmlns:r="http://schemas.openxmlformats.org/officeDocument/2006/relationships" xmlns:p="http://schemas.openxmlformats.org/presentationml/2006/main">
   <p:cSld>
     <p:spTree>
@@ -12913,12 +15094,18 @@
       </p:grpSpPr>
       <p:sp>
         <p:nvSpPr>
-          <p:cNvPr id="4" name="Title 3"/>
+          <p:cNvPr id="2" name="Content Placeholder 1">
+            <a:extLst>
+              <a:ext uri="{FF2B5EF4-FFF2-40B4-BE49-F238E27FC236}">
+                <a16:creationId xmlns:a16="http://schemas.microsoft.com/office/drawing/2014/main" id="{DB0223AE-910A-4F0A-8FD5-0DF9471B82DB}"/>
+              </a:ext>
+            </a:extLst>
+          </p:cNvPr>
           <p:cNvSpPr>
             <a:spLocks noGrp="1"/>
           </p:cNvSpPr>
           <p:nvPr>
-            <p:ph type="ctrTitle"/>
+            <p:ph idx="1"/>
           </p:nvPr>
         </p:nvSpPr>
         <p:spPr/>
@@ -12928,19 +15115,25 @@
           <a:p>
             <a:r>
               <a:rPr lang="nb-NO" dirty="0"/>
-              <a:t>Azureskolen – Workshop #3</a:t>
-            </a:r>
-          </a:p>
-        </p:txBody>
-      </p:sp>
-      <p:sp>
-        <p:nvSpPr>
-          <p:cNvPr id="5" name="Subtitle 4"/>
+              <a:t>Legge til et </a:t>
+            </a:r>
+          </a:p>
+        </p:txBody>
+      </p:sp>
+      <p:sp>
+        <p:nvSpPr>
+          <p:cNvPr id="3" name="Title 2">
+            <a:extLst>
+              <a:ext uri="{FF2B5EF4-FFF2-40B4-BE49-F238E27FC236}">
+                <a16:creationId xmlns:a16="http://schemas.microsoft.com/office/drawing/2014/main" id="{1830904A-EAB2-4AB5-8816-AAC477CD96E8}"/>
+              </a:ext>
+            </a:extLst>
+          </p:cNvPr>
           <p:cNvSpPr>
             <a:spLocks noGrp="1"/>
           </p:cNvSpPr>
           <p:nvPr>
-            <p:ph type="subTitle" idx="1"/>
+            <p:ph type="title"/>
           </p:nvPr>
         </p:nvSpPr>
         <p:spPr/>
@@ -12950,7 +15143,7 @@
           <a:p>
             <a:r>
               <a:rPr lang="nb-NO" dirty="0"/>
-              <a:t>Sikkerhet</a:t>
+              <a:t>Demo og Bonusleksjon</a:t>
             </a:r>
           </a:p>
         </p:txBody>
@@ -12958,7 +15151,7 @@
     </p:spTree>
     <p:extLst>
       <p:ext uri="{BB962C8B-B14F-4D97-AF65-F5344CB8AC3E}">
-        <p14:creationId xmlns:p14="http://schemas.microsoft.com/office/powerpoint/2010/main" val="402582954"/>
+        <p14:creationId xmlns:p14="http://schemas.microsoft.com/office/powerpoint/2010/main" val="2993526678"/>
       </p:ext>
     </p:extLst>
   </p:cSld>
@@ -13391,6 +15584,129 @@
       </p:grpSpPr>
       <p:sp>
         <p:nvSpPr>
+          <p:cNvPr id="2" name="Content Placeholder 1">
+            <a:extLst>
+              <a:ext uri="{FF2B5EF4-FFF2-40B4-BE49-F238E27FC236}">
+                <a16:creationId xmlns:a16="http://schemas.microsoft.com/office/drawing/2014/main" id="{0D2E6551-FB34-4842-B140-5F0475BDB3EF}"/>
+              </a:ext>
+            </a:extLst>
+          </p:cNvPr>
+          <p:cNvSpPr>
+            <a:spLocks noGrp="1"/>
+          </p:cNvSpPr>
+          <p:nvPr>
+            <p:ph idx="1"/>
+          </p:nvPr>
+        </p:nvSpPr>
+        <p:spPr/>
+        <p:txBody>
+          <a:bodyPr/>
+          <a:lstStyle/>
+          <a:p>
+            <a:pPr marL="0" indent="0">
+              <a:buNone/>
+            </a:pPr>
+            <a:endParaRPr lang="nb-NO" dirty="0">
+              <a:hlinkClick r:id="rId2"/>
+            </a:endParaRPr>
+          </a:p>
+          <a:p>
+            <a:pPr marL="0" indent="0">
+              <a:buNone/>
+            </a:pPr>
+            <a:endParaRPr lang="nb-NO" dirty="0">
+              <a:hlinkClick r:id="rId2"/>
+            </a:endParaRPr>
+          </a:p>
+          <a:p>
+            <a:r>
+              <a:rPr lang="nb-NO" dirty="0">
+                <a:hlinkClick r:id="rId2"/>
+              </a:rPr>
+              <a:t>https://minside.bouvet.no/bouvet-alle/meg-som-ansatt/sikkerhet-i-dna-et-vart</a:t>
+            </a:r>
+            <a:endParaRPr lang="nb-NO" dirty="0"/>
+          </a:p>
+          <a:p>
+            <a:pPr marL="0" indent="0">
+              <a:buNone/>
+            </a:pPr>
+            <a:endParaRPr lang="nb-NO" dirty="0"/>
+          </a:p>
+          <a:p>
+            <a:r>
+              <a:rPr lang="nb-NO" dirty="0">
+                <a:hlinkClick r:id="rId3"/>
+              </a:rPr>
+              <a:t>https://minside.bouvet.no/metoder/cloud-security</a:t>
+            </a:r>
+            <a:endParaRPr lang="nb-NO" dirty="0"/>
+          </a:p>
+          <a:p>
+            <a:endParaRPr lang="nb-NO" dirty="0"/>
+          </a:p>
+        </p:txBody>
+      </p:sp>
+      <p:sp>
+        <p:nvSpPr>
+          <p:cNvPr id="3" name="Title 2">
+            <a:extLst>
+              <a:ext uri="{FF2B5EF4-FFF2-40B4-BE49-F238E27FC236}">
+                <a16:creationId xmlns:a16="http://schemas.microsoft.com/office/drawing/2014/main" id="{0799CBB5-0E2C-4344-96B8-3F135E8ED7F7}"/>
+              </a:ext>
+            </a:extLst>
+          </p:cNvPr>
+          <p:cNvSpPr>
+            <a:spLocks noGrp="1"/>
+          </p:cNvSpPr>
+          <p:nvPr>
+            <p:ph type="title"/>
+          </p:nvPr>
+        </p:nvSpPr>
+        <p:spPr/>
+        <p:txBody>
+          <a:bodyPr/>
+          <a:lstStyle/>
+          <a:p>
+            <a:r>
+              <a:rPr lang="nb-NO" dirty="0"/>
+              <a:t>Sikkerhet i DNAet vårt (Bouvet interne)</a:t>
+            </a:r>
+          </a:p>
+        </p:txBody>
+      </p:sp>
+    </p:spTree>
+    <p:extLst>
+      <p:ext uri="{BB962C8B-B14F-4D97-AF65-F5344CB8AC3E}">
+        <p14:creationId xmlns:p14="http://schemas.microsoft.com/office/powerpoint/2010/main" val="1163624278"/>
+      </p:ext>
+    </p:extLst>
+  </p:cSld>
+  <p:clrMapOvr>
+    <a:masterClrMapping/>
+  </p:clrMapOvr>
+</p:sld>
+</file>
+
+<file path=ppt/slides/slide6.xml><?xml version="1.0" encoding="utf-8"?>
+<p:sld xmlns:a="http://schemas.openxmlformats.org/drawingml/2006/main" xmlns:r="http://schemas.openxmlformats.org/officeDocument/2006/relationships" xmlns:p="http://schemas.openxmlformats.org/presentationml/2006/main">
+  <p:cSld>
+    <p:spTree>
+      <p:nvGrpSpPr>
+        <p:cNvPr id="1" name=""/>
+        <p:cNvGrpSpPr/>
+        <p:nvPr/>
+      </p:nvGrpSpPr>
+      <p:grpSpPr>
+        <a:xfrm>
+          <a:off x="0" y="0"/>
+          <a:ext cx="0" cy="0"/>
+          <a:chOff x="0" y="0"/>
+          <a:chExt cx="0" cy="0"/>
+        </a:xfrm>
+      </p:grpSpPr>
+      <p:sp>
+        <p:nvSpPr>
           <p:cNvPr id="2" name="Content Placeholder 1"/>
           <p:cNvSpPr>
             <a:spLocks noGrp="1"/>
@@ -13539,7 +15855,7 @@
 </p:sld>
 </file>
 
-<file path=ppt/slides/slide6.xml><?xml version="1.0" encoding="utf-8"?>
+<file path=ppt/slides/slide7.xml><?xml version="1.0" encoding="utf-8"?>
 <p:sld xmlns:a="http://schemas.openxmlformats.org/drawingml/2006/main" xmlns:r="http://schemas.openxmlformats.org/officeDocument/2006/relationships" xmlns:p="http://schemas.openxmlformats.org/presentationml/2006/main">
   <p:cSld>
     <p:spTree>
@@ -13738,7 +16054,7 @@
 </p:sld>
 </file>
 
-<file path=ppt/slides/slide7.xml><?xml version="1.0" encoding="utf-8"?>
+<file path=ppt/slides/slide8.xml><?xml version="1.0" encoding="utf-8"?>
 <p:sld xmlns:a="http://schemas.openxmlformats.org/drawingml/2006/main" xmlns:r="http://schemas.openxmlformats.org/officeDocument/2006/relationships" xmlns:p="http://schemas.openxmlformats.org/presentationml/2006/main">
   <p:cSld>
     <p:spTree>
@@ -13889,200 +16205,6 @@
     <p:extLst>
       <p:ext uri="{BB962C8B-B14F-4D97-AF65-F5344CB8AC3E}">
         <p14:creationId xmlns:p14="http://schemas.microsoft.com/office/powerpoint/2010/main" val="2892039909"/>
-      </p:ext>
-    </p:extLst>
-  </p:cSld>
-  <p:clrMapOvr>
-    <a:masterClrMapping/>
-  </p:clrMapOvr>
-</p:sld>
-</file>
-
-<file path=ppt/slides/slide8.xml><?xml version="1.0" encoding="utf-8"?>
-<p:sld xmlns:a="http://schemas.openxmlformats.org/drawingml/2006/main" xmlns:r="http://schemas.openxmlformats.org/officeDocument/2006/relationships" xmlns:p="http://schemas.openxmlformats.org/presentationml/2006/main">
-  <p:cSld>
-    <p:spTree>
-      <p:nvGrpSpPr>
-        <p:cNvPr id="1" name=""/>
-        <p:cNvGrpSpPr/>
-        <p:nvPr/>
-      </p:nvGrpSpPr>
-      <p:grpSpPr>
-        <a:xfrm>
-          <a:off x="0" y="0"/>
-          <a:ext cx="0" cy="0"/>
-          <a:chOff x="0" y="0"/>
-          <a:chExt cx="0" cy="0"/>
-        </a:xfrm>
-      </p:grpSpPr>
-      <p:sp>
-        <p:nvSpPr>
-          <p:cNvPr id="2" name="Content Placeholder 1">
-            <a:extLst>
-              <a:ext uri="{FF2B5EF4-FFF2-40B4-BE49-F238E27FC236}">
-                <a16:creationId xmlns:a16="http://schemas.microsoft.com/office/drawing/2014/main" id="{7E0053A4-7AD4-492F-BC64-A947322D867F}"/>
-              </a:ext>
-            </a:extLst>
-          </p:cNvPr>
-          <p:cNvSpPr>
-            <a:spLocks noGrp="1"/>
-          </p:cNvSpPr>
-          <p:nvPr>
-            <p:ph idx="1"/>
-          </p:nvPr>
-        </p:nvSpPr>
-        <p:spPr/>
-        <p:txBody>
-          <a:bodyPr/>
-          <a:lstStyle/>
-          <a:p>
-            <a:r>
-              <a:rPr lang="nb-NO" dirty="0" err="1"/>
-              <a:t>Monitoring</a:t>
-            </a:r>
-            <a:r>
-              <a:rPr lang="nb-NO" dirty="0"/>
-              <a:t> service for sikkerhet</a:t>
-            </a:r>
-          </a:p>
-          <a:p>
-            <a:endParaRPr lang="nb-NO" dirty="0"/>
-          </a:p>
-          <a:p>
-            <a:r>
-              <a:rPr lang="nb-NO" dirty="0"/>
-              <a:t>Anbefalinger: scanner tjenester for å finne usikker konfigurasjon </a:t>
-            </a:r>
-          </a:p>
-          <a:p>
-            <a:r>
-              <a:rPr lang="nb-NO" dirty="0"/>
-              <a:t>Overvåking av tjenester (Standard)</a:t>
-            </a:r>
-          </a:p>
-          <a:p>
-            <a:r>
-              <a:rPr lang="nb-NO" dirty="0"/>
-              <a:t>Sikkerhetsscore og compliance</a:t>
-            </a:r>
-          </a:p>
-          <a:p>
-            <a:r>
-              <a:rPr lang="nb-NO" dirty="0"/>
-              <a:t>To prisnivåer</a:t>
-            </a:r>
-          </a:p>
-          <a:p>
-            <a:pPr lvl="1"/>
-            <a:r>
-              <a:rPr lang="nb-NO" dirty="0" err="1"/>
-              <a:t>Free</a:t>
-            </a:r>
-            <a:r>
-              <a:rPr lang="nb-NO" dirty="0"/>
-              <a:t> tier: Tilbyr anbefalinger </a:t>
-            </a:r>
-          </a:p>
-          <a:p>
-            <a:pPr lvl="1"/>
-            <a:r>
-              <a:rPr lang="nb-NO" dirty="0"/>
-              <a:t>Standard tier: Tilbyr alle tjenester som overvåkning av tjenester</a:t>
-            </a:r>
-          </a:p>
-          <a:p>
-            <a:endParaRPr lang="nb-NO" dirty="0"/>
-          </a:p>
-          <a:p>
-            <a:pPr marL="0" indent="0">
-              <a:buNone/>
-            </a:pPr>
-            <a:endParaRPr lang="nb-NO" dirty="0"/>
-          </a:p>
-          <a:p>
-            <a:endParaRPr lang="nb-NO" dirty="0"/>
-          </a:p>
-        </p:txBody>
-      </p:sp>
-      <p:sp>
-        <p:nvSpPr>
-          <p:cNvPr id="3" name="Title 2">
-            <a:extLst>
-              <a:ext uri="{FF2B5EF4-FFF2-40B4-BE49-F238E27FC236}">
-                <a16:creationId xmlns:a16="http://schemas.microsoft.com/office/drawing/2014/main" id="{588209D4-0181-4A79-95F6-D34F1CB44558}"/>
-              </a:ext>
-            </a:extLst>
-          </p:cNvPr>
-          <p:cNvSpPr>
-            <a:spLocks noGrp="1"/>
-          </p:cNvSpPr>
-          <p:nvPr>
-            <p:ph type="title"/>
-          </p:nvPr>
-        </p:nvSpPr>
-        <p:spPr/>
-        <p:txBody>
-          <a:bodyPr/>
-          <a:lstStyle/>
-          <a:p>
-            <a:r>
-              <a:rPr lang="nb-NO" dirty="0"/>
-              <a:t>Azure Security Center</a:t>
-            </a:r>
-          </a:p>
-        </p:txBody>
-      </p:sp>
-      <p:pic>
-        <p:nvPicPr>
-          <p:cNvPr id="2050" name="Picture 2" descr="Bilderesultat for azure security center">
-            <a:extLst>
-              <a:ext uri="{FF2B5EF4-FFF2-40B4-BE49-F238E27FC236}">
-                <a16:creationId xmlns:a16="http://schemas.microsoft.com/office/drawing/2014/main" id="{78200B77-F882-4721-B5FB-EE76BBDDEFCF}"/>
-              </a:ext>
-            </a:extLst>
-          </p:cNvPr>
-          <p:cNvPicPr>
-            <a:picLocks noChangeAspect="1" noChangeArrowheads="1"/>
-          </p:cNvPicPr>
-          <p:nvPr/>
-        </p:nvPicPr>
-        <p:blipFill>
-          <a:blip r:embed="rId3">
-            <a:extLst>
-              <a:ext uri="{28A0092B-C50C-407E-A947-70E740481C1C}">
-                <a14:useLocalDpi xmlns:a14="http://schemas.microsoft.com/office/drawing/2010/main" val="0"/>
-              </a:ext>
-            </a:extLst>
-          </a:blip>
-          <a:srcRect/>
-          <a:stretch>
-            <a:fillRect/>
-          </a:stretch>
-        </p:blipFill>
-        <p:spPr bwMode="auto">
-          <a:xfrm>
-            <a:off x="8978921" y="2357437"/>
-            <a:ext cx="2143125" cy="2143125"/>
-          </a:xfrm>
-          <a:prstGeom prst="rect">
-            <a:avLst/>
-          </a:prstGeom>
-          <a:noFill/>
-          <a:extLst>
-            <a:ext uri="{909E8E84-426E-40DD-AFC4-6F175D3DCCD1}">
-              <a14:hiddenFill xmlns:a14="http://schemas.microsoft.com/office/drawing/2010/main">
-                <a:solidFill>
-                  <a:srgbClr val="FFFFFF"/>
-                </a:solidFill>
-              </a14:hiddenFill>
-            </a:ext>
-          </a:extLst>
-        </p:spPr>
-      </p:pic>
-    </p:spTree>
-    <p:extLst>
-      <p:ext uri="{BB962C8B-B14F-4D97-AF65-F5344CB8AC3E}">
-        <p14:creationId xmlns:p14="http://schemas.microsoft.com/office/powerpoint/2010/main" val="1414863137"/>
       </p:ext>
     </p:extLst>
   </p:cSld>
@@ -14114,7 +16236,7 @@
           <p:cNvPr id="2" name="Content Placeholder 1">
             <a:extLst>
               <a:ext uri="{FF2B5EF4-FFF2-40B4-BE49-F238E27FC236}">
-                <a16:creationId xmlns:a16="http://schemas.microsoft.com/office/drawing/2014/main" id="{0D2E6551-FB34-4842-B140-5F0475BDB3EF}"/>
+                <a16:creationId xmlns:a16="http://schemas.microsoft.com/office/drawing/2014/main" id="{BBC2A59F-0F2D-472D-B779-1AEF06956744}"/>
               </a:ext>
             </a:extLst>
           </p:cNvPr>
@@ -14130,39 +16252,69 @@
           <a:bodyPr/>
           <a:lstStyle/>
           <a:p>
-            <a:pPr marL="0" indent="0">
-              <a:buNone/>
-            </a:pPr>
-            <a:endParaRPr lang="nb-NO" dirty="0">
-              <a:hlinkClick r:id="rId2"/>
-            </a:endParaRPr>
-          </a:p>
-          <a:p>
-            <a:r>
-              <a:rPr lang="nb-NO" dirty="0">
-                <a:hlinkClick r:id="rId2"/>
-              </a:rPr>
-              <a:t>https://minside.bouvet.no/bouvet-alle/meg-som-ansatt/sikkerhet-i-dna-et-vart</a:t>
-            </a:r>
-            <a:endParaRPr lang="nb-NO" dirty="0"/>
-          </a:p>
-          <a:p>
-            <a:pPr marL="0" indent="0">
-              <a:buNone/>
-            </a:pPr>
-            <a:endParaRPr lang="nb-NO" dirty="0"/>
-          </a:p>
-          <a:p>
-            <a:r>
-              <a:rPr lang="nb-NO" dirty="0">
-                <a:hlinkClick r:id="rId3"/>
-              </a:rPr>
-              <a:t>https://minside.bouvet.no/metoder/cloud-security</a:t>
-            </a:r>
-            <a:endParaRPr lang="nb-NO" dirty="0"/>
-          </a:p>
-          <a:p>
-            <a:endParaRPr lang="nb-NO" dirty="0"/>
+            <a:r>
+              <a:rPr lang="nb-NO" dirty="0"/>
+              <a:t>Påse at kryptering er påslått både for ..</a:t>
+            </a:r>
+          </a:p>
+          <a:p>
+            <a:pPr lvl="1"/>
+            <a:r>
+              <a:rPr lang="nb-NO" dirty="0"/>
+              <a:t>Lagrede data (encryption at rest)</a:t>
+            </a:r>
+          </a:p>
+          <a:p>
+            <a:pPr lvl="1"/>
+            <a:r>
+              <a:rPr lang="nb-NO" dirty="0"/>
+              <a:t>Data i transport (encryption in transit)</a:t>
+            </a:r>
+          </a:p>
+          <a:p>
+            <a:r>
+              <a:rPr lang="nb-NO" dirty="0"/>
+              <a:t>Ikke gi mere tilganger enn strengt nødvendig (Least Priviligue)</a:t>
+            </a:r>
+          </a:p>
+          <a:p>
+            <a:r>
+              <a:rPr lang="nb-NO" dirty="0"/>
+              <a:t>Kreve autentisering mot alle endepunkt (Zero Trust)</a:t>
+            </a:r>
+          </a:p>
+          <a:p>
+            <a:r>
+              <a:rPr lang="nb-NO" dirty="0"/>
+              <a:t>Ikke eksponere flere endepunkter enn nødvendig</a:t>
+            </a:r>
+          </a:p>
+          <a:p>
+            <a:r>
+              <a:rPr lang="nb-NO" dirty="0"/>
+              <a:t>Følge gode prinsipper for sikker utvikling:</a:t>
+            </a:r>
+          </a:p>
+          <a:p>
+            <a:pPr lvl="1"/>
+            <a:r>
+              <a:rPr lang="nb-NO" dirty="0"/>
+              <a:t>Gode prinsipper for websikkerhet (OWASP top 10)</a:t>
+            </a:r>
+          </a:p>
+          <a:p>
+            <a:pPr lvl="1"/>
+            <a:r>
+              <a:rPr lang="nb-NO" dirty="0"/>
+              <a:t>Holde biblioteker oppdaterte (nuget, npm etc)</a:t>
+            </a:r>
+          </a:p>
+          <a:p>
+            <a:pPr lvl="1"/>
+            <a:r>
+              <a:rPr lang="nb-NO" dirty="0"/>
+              <a:t>Sikkerhetskrav, trusselmodellering, DevSecOps osv.</a:t>
+            </a:r>
           </a:p>
         </p:txBody>
       </p:sp>
@@ -14171,7 +16323,7 @@
           <p:cNvPr id="3" name="Title 2">
             <a:extLst>
               <a:ext uri="{FF2B5EF4-FFF2-40B4-BE49-F238E27FC236}">
-                <a16:creationId xmlns:a16="http://schemas.microsoft.com/office/drawing/2014/main" id="{0799CBB5-0E2C-4344-96B8-3F135E8ED7F7}"/>
+                <a16:creationId xmlns:a16="http://schemas.microsoft.com/office/drawing/2014/main" id="{B52EA130-61A8-472B-BB96-7A427FC83EF1}"/>
               </a:ext>
             </a:extLst>
           </p:cNvPr>
@@ -14189,7 +16341,7 @@
           <a:p>
             <a:r>
               <a:rPr lang="nb-NO" dirty="0"/>
-              <a:t>Nyttige lenker (Bouvet interne)</a:t>
+              <a:t>Fortsatt vårt ansvar å..  (eksempler)</a:t>
             </a:r>
           </a:p>
         </p:txBody>
@@ -14197,7 +16349,7 @@
     </p:spTree>
     <p:extLst>
       <p:ext uri="{BB962C8B-B14F-4D97-AF65-F5344CB8AC3E}">
-        <p14:creationId xmlns:p14="http://schemas.microsoft.com/office/powerpoint/2010/main" val="1163624278"/>
+        <p14:creationId xmlns:p14="http://schemas.microsoft.com/office/powerpoint/2010/main" val="3567370827"/>
       </p:ext>
     </p:extLst>
   </p:cSld>
@@ -15739,12 +17891,6 @@
 </file>
 
 <file path=customXml/item1.xml><?xml version="1.0" encoding="utf-8"?>
-<p:properties xmlns:p="http://schemas.microsoft.com/office/2006/metadata/properties" xmlns:xsi="http://www.w3.org/2001/XMLSchema-instance" xmlns:pc="http://schemas.microsoft.com/office/infopath/2007/PartnerControls">
-  <documentManagement/>
-</p:properties>
-</file>
-
-<file path=customXml/item2.xml><?xml version="1.0" encoding="utf-8"?>
 <ct:contentTypeSchema xmlns:ct="http://schemas.microsoft.com/office/2006/metadata/contentType" xmlns:ma="http://schemas.microsoft.com/office/2006/metadata/properties/metaAttributes" ct:_="" ma:_="" ma:contentTypeName="Document" ma:contentTypeID="0x0101005D3CE5A03C88D04F8FE0CC8617320B29" ma:contentTypeVersion="2" ma:contentTypeDescription="Create a new document." ma:contentTypeScope="" ma:versionID="23c508fadb5761cd27fdc7efc393bb78">
   <xsd:schema xmlns:xsd="http://www.w3.org/2001/XMLSchema" xmlns:xs="http://www.w3.org/2001/XMLSchema" xmlns:p="http://schemas.microsoft.com/office/2006/metadata/properties" xmlns:ns2="323bcd62-7d27-4513-9df1-9bc20f03554b" targetNamespace="http://schemas.microsoft.com/office/2006/metadata/properties" ma:root="true" ma:fieldsID="4120a6a9df7c81c23a4d646d2ccf1355" ns2:_="">
     <xsd:import namespace="323bcd62-7d27-4513-9df1-9bc20f03554b"/>
@@ -15876,6 +18022,12 @@
 </ct:contentTypeSchema>
 </file>
 
+<file path=customXml/item2.xml><?xml version="1.0" encoding="utf-8"?>
+<p:properties xmlns:p="http://schemas.microsoft.com/office/2006/metadata/properties" xmlns:xsi="http://www.w3.org/2001/XMLSchema-instance" xmlns:pc="http://schemas.microsoft.com/office/infopath/2007/PartnerControls">
+  <documentManagement/>
+</p:properties>
+</file>
+
 <file path=customXml/item3.xml><?xml version="1.0" encoding="utf-8"?>
 <?mso-contentType ?>
 <FormTemplates xmlns="http://schemas.microsoft.com/sharepoint/v3/contenttype/forms">
@@ -15886,23 +18038,6 @@
 </file>
 
 <file path=customXml/itemProps1.xml><?xml version="1.0" encoding="utf-8"?>
-<ds:datastoreItem xmlns:ds="http://schemas.openxmlformats.org/officeDocument/2006/customXml" ds:itemID="{9D2CB842-18D5-4EEF-9009-B0CAFCE7AC3E}">
-  <ds:schemaRefs>
-    <ds:schemaRef ds:uri="http://schemas.microsoft.com/office/2006/documentManagement/types"/>
-    <ds:schemaRef ds:uri="http://schemas.microsoft.com/office/infopath/2007/PartnerControls"/>
-    <ds:schemaRef ds:uri="cd7095a3-97f1-4663-a71f-a762e9d8a5de"/>
-    <ds:schemaRef ds:uri="http://purl.org/dc/elements/1.1/"/>
-    <ds:schemaRef ds:uri="http://schemas.microsoft.com/office/2006/metadata/properties"/>
-    <ds:schemaRef ds:uri="http://schemas.microsoft.com/sharepoint/v3"/>
-    <ds:schemaRef ds:uri="http://purl.org/dc/terms/"/>
-    <ds:schemaRef ds:uri="http://schemas.openxmlformats.org/package/2006/metadata/core-properties"/>
-    <ds:schemaRef ds:uri="http://www.w3.org/XML/1998/namespace"/>
-    <ds:schemaRef ds:uri="http://purl.org/dc/dcmitype/"/>
-  </ds:schemaRefs>
-</ds:datastoreItem>
-</file>
-
-<file path=customXml/itemProps2.xml><?xml version="1.0" encoding="utf-8"?>
 <ds:datastoreItem xmlns:ds="http://schemas.openxmlformats.org/officeDocument/2006/customXml" ds:itemID="{0377EA4A-9170-43AD-A052-6EABC948F73F}">
   <ds:schemaRefs>
     <ds:schemaRef ds:uri="http://schemas.microsoft.com/office/2006/metadata/contentType"/>
@@ -15920,6 +18055,23 @@
 </ds:datastoreItem>
 </file>
 
+<file path=customXml/itemProps2.xml><?xml version="1.0" encoding="utf-8"?>
+<ds:datastoreItem xmlns:ds="http://schemas.openxmlformats.org/officeDocument/2006/customXml" ds:itemID="{9D2CB842-18D5-4EEF-9009-B0CAFCE7AC3E}">
+  <ds:schemaRefs>
+    <ds:schemaRef ds:uri="http://schemas.microsoft.com/office/2006/documentManagement/types"/>
+    <ds:schemaRef ds:uri="http://schemas.microsoft.com/office/infopath/2007/PartnerControls"/>
+    <ds:schemaRef ds:uri="cd7095a3-97f1-4663-a71f-a762e9d8a5de"/>
+    <ds:schemaRef ds:uri="http://purl.org/dc/elements/1.1/"/>
+    <ds:schemaRef ds:uri="http://schemas.microsoft.com/office/2006/metadata/properties"/>
+    <ds:schemaRef ds:uri="http://schemas.microsoft.com/sharepoint/v3"/>
+    <ds:schemaRef ds:uri="http://purl.org/dc/terms/"/>
+    <ds:schemaRef ds:uri="http://schemas.openxmlformats.org/package/2006/metadata/core-properties"/>
+    <ds:schemaRef ds:uri="http://www.w3.org/XML/1998/namespace"/>
+    <ds:schemaRef ds:uri="http://purl.org/dc/dcmitype/"/>
+  </ds:schemaRefs>
+</ds:datastoreItem>
+</file>
+
 <file path=customXml/itemProps3.xml><?xml version="1.0" encoding="utf-8"?>
 <ds:datastoreItem xmlns:ds="http://schemas.openxmlformats.org/officeDocument/2006/customXml" ds:itemID="{BB82CC63-55FC-4D22-9ED3-DB88AF6228E1}">
   <ds:schemaRefs>

--- a/Workshop_3/Presentasjon/Azureskolen-Workshop#3.pptx
+++ b/Workshop_3/Presentasjon/Azureskolen-Workshop#3.pptx
@@ -599,7 +599,7 @@
           <a:p>
             <a:fld id="{54C52192-B826-4AE0-9CD6-BEA9467D12B3}" type="datetimeFigureOut">
               <a:rPr lang="nb-NO" smtClean="0"/>
-              <a:t>18.02.2020</a:t>
+              <a:t>26.02.2020</a:t>
             </a:fld>
             <a:endParaRPr lang="nb-NO"/>
           </a:p>
@@ -764,7 +764,7 @@
           <a:p>
             <a:fld id="{2696BCB2-2760-41B1-A1BE-7886EF110FCB}" type="datetimeFigureOut">
               <a:rPr lang="nb-NO" smtClean="0"/>
-              <a:t>18.02.2020</a:t>
+              <a:t>26.02.2020</a:t>
             </a:fld>
             <a:endParaRPr lang="nb-NO"/>
           </a:p>
@@ -2413,7 +2413,7 @@
           <a:p>
             <a:r>
               <a:rPr lang="nb-NO" dirty="0"/>
-              <a:t>I Azure Security Center så får man</a:t>
+              <a:t>I Azure Security Center så får man en score som </a:t>
             </a:r>
           </a:p>
         </p:txBody>
@@ -12522,7 +12522,7 @@
         </p:blipFill>
         <p:spPr>
           <a:xfrm>
-            <a:off x="5254341" y="3648898"/>
+            <a:off x="5356681" y="3384103"/>
             <a:ext cx="476250" cy="476250"/>
           </a:xfrm>
           <a:prstGeom prst="rect">
@@ -12561,7 +12561,7 @@
         </p:blipFill>
         <p:spPr>
           <a:xfrm>
-            <a:off x="4283157" y="3091075"/>
+            <a:off x="4283157" y="2864694"/>
             <a:ext cx="476250" cy="476250"/>
           </a:xfrm>
           <a:prstGeom prst="rect">
@@ -12667,8 +12667,8 @@
         </p:nvCxnSpPr>
         <p:spPr>
           <a:xfrm>
-            <a:off x="4759407" y="3329200"/>
-            <a:ext cx="733059" cy="319698"/>
+            <a:off x="4759407" y="3102819"/>
+            <a:ext cx="835399" cy="281284"/>
           </a:xfrm>
           <a:prstGeom prst="line">
             <a:avLst/>
@@ -12747,8 +12747,8 @@
         </p:nvSpPr>
         <p:spPr>
           <a:xfrm>
-            <a:off x="3668267" y="2704449"/>
-            <a:ext cx="1892120" cy="246221"/>
+            <a:off x="3668267" y="2142345"/>
+            <a:ext cx="1892120" cy="646331"/>
           </a:xfrm>
           <a:prstGeom prst="rect">
             <a:avLst/>
@@ -12762,7 +12762,7 @@
           <a:lstStyle/>
           <a:p>
             <a:r>
-              <a:rPr lang="nb-NO" sz="1000" dirty="0"/>
+              <a:rPr lang="nb-NO" dirty="0"/>
               <a:t>Bildeapplikasjon (Web App)</a:t>
             </a:r>
           </a:p>
@@ -12825,8 +12825,8 @@
         </p:nvCxnSpPr>
         <p:spPr>
           <a:xfrm>
-            <a:off x="4521282" y="3567325"/>
-            <a:ext cx="0" cy="1563655"/>
+            <a:off x="4521282" y="3340944"/>
+            <a:ext cx="0" cy="1790036"/>
           </a:xfrm>
           <a:prstGeom prst="straightConnector1">
             <a:avLst/>
@@ -12873,8 +12873,8 @@
         </p:nvCxnSpPr>
         <p:spPr>
           <a:xfrm flipH="1">
-            <a:off x="2320699" y="3329200"/>
-            <a:ext cx="1962458" cy="22234"/>
+            <a:off x="2320699" y="3102819"/>
+            <a:ext cx="1962458" cy="248615"/>
           </a:xfrm>
           <a:prstGeom prst="straightConnector1">
             <a:avLst/>
@@ -14057,32 +14057,28 @@
             </a:r>
           </a:p>
           <a:p>
+            <a:pPr marL="0" indent="0">
+              <a:buNone/>
+            </a:pPr>
+            <a:endParaRPr lang="nb-NO" dirty="0"/>
+          </a:p>
+          <a:p>
+            <a:r>
+              <a:rPr lang="nb-NO" dirty="0"/>
+              <a:t>Dersom du ønsker at eksterne brukere skal ha tilgang må du bruke Azure AD B2C.</a:t>
+            </a:r>
+          </a:p>
+          <a:p>
             <a:pPr lvl="1"/>
-            <a:endParaRPr lang="nb-NO" dirty="0"/>
-          </a:p>
-          <a:p>
-            <a:endParaRPr lang="nb-NO" dirty="0"/>
-          </a:p>
-          <a:p>
-            <a:endParaRPr lang="nb-NO" dirty="0"/>
-          </a:p>
-          <a:p>
-            <a:r>
-              <a:rPr lang="nb-NO" dirty="0"/>
-              <a:t>Dersom du ønsker at eksterne brukere skal ha tilgang må du bruke Azure AD B2C.</a:t>
+            <a:r>
+              <a:rPr lang="nb-NO" dirty="0"/>
+              <a:t>CIAM (customer identity access management)</a:t>
             </a:r>
           </a:p>
           <a:p>
             <a:pPr lvl="1"/>
             <a:r>
               <a:rPr lang="nb-NO" dirty="0"/>
-              <a:t>CIAM (customer identity access management)</a:t>
-            </a:r>
-          </a:p>
-          <a:p>
-            <a:pPr lvl="1"/>
-            <a:r>
-              <a:rPr lang="nb-NO" dirty="0"/>
               <a:t>Støtter mange identity providers:</a:t>
             </a:r>
           </a:p>
@@ -14098,6 +14094,13 @@
             <a:r>
               <a:rPr lang="nb-NO" dirty="0"/>
               <a:t>Google</a:t>
+            </a:r>
+          </a:p>
+          <a:p>
+            <a:pPr lvl="2"/>
+            <a:r>
+              <a:rPr lang="nb-NO" dirty="0"/>
+              <a:t>…</a:t>
             </a:r>
           </a:p>
         </p:txBody>
@@ -14311,19 +14314,6 @@
           <a:p>
             <a:pPr lvl="1"/>
             <a:endParaRPr lang="nb-NO" dirty="0"/>
-          </a:p>
-          <a:p>
-            <a:r>
-              <a:rPr lang="nb-NO" dirty="0"/>
-              <a:t>Service Endpoints</a:t>
-            </a:r>
-          </a:p>
-          <a:p>
-            <a:pPr lvl="1"/>
-            <a:r>
-              <a:rPr lang="nb-NO" dirty="0"/>
-              <a:t>Kan gjøre Azure PaaS-tjenester (eks. storage account) kun tilgjengelig for et VNet</a:t>
-            </a:r>
           </a:p>
           <a:p>
             <a:pPr lvl="1"/>
@@ -14606,7 +14596,7 @@
         </p:blipFill>
         <p:spPr>
           <a:xfrm>
-            <a:off x="4283157" y="3091075"/>
+            <a:off x="4283156" y="2942904"/>
             <a:ext cx="476250" cy="476250"/>
           </a:xfrm>
           <a:prstGeom prst="rect">
@@ -14645,7 +14635,7 @@
         </p:blipFill>
         <p:spPr>
           <a:xfrm>
-            <a:off x="2082574" y="3351434"/>
+            <a:off x="1771220" y="3591855"/>
             <a:ext cx="476250" cy="476250"/>
           </a:xfrm>
           <a:prstGeom prst="rect">
@@ -14667,8 +14657,8 @@
         </p:nvSpPr>
         <p:spPr>
           <a:xfrm>
-            <a:off x="1771220" y="3829980"/>
-            <a:ext cx="1444480" cy="400110"/>
+            <a:off x="589191" y="4127711"/>
+            <a:ext cx="2273811" cy="584775"/>
           </a:xfrm>
           <a:prstGeom prst="rect">
             <a:avLst/>
@@ -14682,13 +14672,13 @@
           <a:lstStyle/>
           <a:p>
             <a:r>
-              <a:rPr lang="nb-NO" sz="1000" dirty="0"/>
+              <a:rPr lang="nb-NO" sz="1600" dirty="0"/>
               <a:t>Logging / Monitorering</a:t>
             </a:r>
           </a:p>
           <a:p>
             <a:r>
-              <a:rPr lang="nb-NO" sz="1000" dirty="0"/>
+              <a:rPr lang="nb-NO" sz="1600" dirty="0"/>
               <a:t>(Application Insights )</a:t>
             </a:r>
           </a:p>
@@ -14712,8 +14702,8 @@
         </p:nvCxnSpPr>
         <p:spPr>
           <a:xfrm>
-            <a:off x="4759407" y="3329200"/>
-            <a:ext cx="733059" cy="319698"/>
+            <a:off x="4759406" y="3181029"/>
+            <a:ext cx="733060" cy="467869"/>
           </a:xfrm>
           <a:prstGeom prst="line">
             <a:avLst/>
@@ -14758,7 +14748,7 @@
         <p:spPr>
           <a:xfrm>
             <a:off x="4949716" y="4169803"/>
-            <a:ext cx="1561749" cy="246221"/>
+            <a:ext cx="2287053" cy="338554"/>
           </a:xfrm>
           <a:prstGeom prst="rect">
             <a:avLst/>
@@ -14772,7 +14762,7 @@
           <a:lstStyle/>
           <a:p>
             <a:r>
-              <a:rPr lang="nb-NO" sz="1000" dirty="0"/>
+              <a:rPr lang="nb-NO" sz="1600" dirty="0"/>
               <a:t>«VM» (App Service Plan)</a:t>
             </a:r>
           </a:p>
@@ -14792,8 +14782,8 @@
         </p:nvSpPr>
         <p:spPr>
           <a:xfrm>
-            <a:off x="3668267" y="2704449"/>
-            <a:ext cx="1892120" cy="246221"/>
+            <a:off x="3668267" y="2221966"/>
+            <a:ext cx="1892120" cy="584775"/>
           </a:xfrm>
           <a:prstGeom prst="rect">
             <a:avLst/>
@@ -14807,7 +14797,7 @@
           <a:lstStyle/>
           <a:p>
             <a:r>
-              <a:rPr lang="nb-NO" sz="1000" dirty="0"/>
+              <a:rPr lang="nb-NO" sz="1600" dirty="0"/>
               <a:t>Bildeapplikasjon (Web App)</a:t>
             </a:r>
           </a:p>
@@ -14870,8 +14860,8 @@
         </p:nvCxnSpPr>
         <p:spPr>
           <a:xfrm>
-            <a:off x="4521282" y="3567325"/>
-            <a:ext cx="0" cy="1563655"/>
+            <a:off x="4521281" y="3419154"/>
+            <a:ext cx="1" cy="1711826"/>
           </a:xfrm>
           <a:prstGeom prst="straightConnector1">
             <a:avLst/>
@@ -14918,8 +14908,8 @@
         </p:nvCxnSpPr>
         <p:spPr>
           <a:xfrm flipH="1">
-            <a:off x="2320699" y="3329200"/>
-            <a:ext cx="1962458" cy="22234"/>
+            <a:off x="2009345" y="3181029"/>
+            <a:ext cx="2273811" cy="410826"/>
           </a:xfrm>
           <a:prstGeom prst="straightConnector1">
             <a:avLst/>
@@ -14958,7 +14948,7 @@
         <p:spPr>
           <a:xfrm>
             <a:off x="3892087" y="5683248"/>
-            <a:ext cx="1444480" cy="400110"/>
+            <a:ext cx="1444480" cy="584775"/>
           </a:xfrm>
           <a:prstGeom prst="rect">
             <a:avLst/>
@@ -14972,13 +14962,13 @@
           <a:lstStyle/>
           <a:p>
             <a:r>
-              <a:rPr lang="nb-NO" sz="1000" dirty="0"/>
+              <a:rPr lang="nb-NO" sz="1600" dirty="0"/>
               <a:t>Bilder</a:t>
             </a:r>
           </a:p>
           <a:p>
             <a:r>
-              <a:rPr lang="nb-NO" sz="1000" dirty="0"/>
+              <a:rPr lang="nb-NO" sz="1600" dirty="0"/>
               <a:t>(Blob Storage )</a:t>
             </a:r>
           </a:p>
@@ -15113,10 +15103,7 @@
           <a:bodyPr/>
           <a:lstStyle/>
           <a:p>
-            <a:r>
-              <a:rPr lang="nb-NO" dirty="0"/>
-              <a:t>Legge til et </a:t>
-            </a:r>
+            <a:endParaRPr lang="nb-NO" dirty="0"/>
           </a:p>
         </p:txBody>
       </p:sp>
@@ -15908,7 +15895,7 @@
             <a:pPr lvl="1"/>
             <a:r>
               <a:rPr lang="nb-NO" dirty="0"/>
-              <a:t>Azure Active </a:t>
+              <a:t>Azure Active Directory</a:t>
             </a:r>
           </a:p>
           <a:p>
@@ -16163,7 +16150,7 @@
           <a:p>
             <a:r>
               <a:rPr lang="nb-NO" dirty="0"/>
-              <a:t>Selv om Microsoft er en sikker plattform, så er det ikke vanskelig å lage et system i skyen som ikke er sikker.</a:t>
+              <a:t>Selv om Microsoft er en sikker plattform, så er det ikke vanskelig å lage et system i skyen som ikke er sikkert.</a:t>
             </a:r>
           </a:p>
           <a:p>
@@ -16274,7 +16261,23 @@
           <a:p>
             <a:r>
               <a:rPr lang="nb-NO" dirty="0"/>
-              <a:t>Ikke gi mere tilganger enn strengt nødvendig (Least Priviligue)</a:t>
+              <a:t>Ikke gi mere tilganger enn strengt nødvendig (</a:t>
+            </a:r>
+            <a:r>
+              <a:rPr lang="nb-NO" dirty="0" err="1"/>
+              <a:t>Least</a:t>
+            </a:r>
+            <a:r>
+              <a:rPr lang="nb-NO" dirty="0"/>
+              <a:t> </a:t>
+            </a:r>
+            <a:r>
+              <a:rPr lang="nb-NO" dirty="0" err="1"/>
+              <a:t>Privilege</a:t>
+            </a:r>
+            <a:r>
+              <a:rPr lang="nb-NO" dirty="0"/>
+              <a:t>)</a:t>
             </a:r>
           </a:p>
           <a:p>
@@ -16306,14 +16309,60 @@
             <a:pPr lvl="1"/>
             <a:r>
               <a:rPr lang="nb-NO" dirty="0"/>
-              <a:t>Holde biblioteker oppdaterte (nuget, npm etc)</a:t>
+              <a:t>Holde biblioteker sikre og oppdaterte (nuget, npm </a:t>
+            </a:r>
+            <a:r>
+              <a:rPr lang="nb-NO" dirty="0" err="1"/>
+              <a:t>etc</a:t>
+            </a:r>
+            <a:r>
+              <a:rPr lang="nb-NO" dirty="0"/>
+              <a:t>)</a:t>
             </a:r>
           </a:p>
           <a:p>
             <a:pPr lvl="1"/>
             <a:r>
               <a:rPr lang="nb-NO" dirty="0"/>
+              <a:t>Sikre passord, </a:t>
+            </a:r>
+            <a:r>
+              <a:rPr lang="nb-NO" dirty="0" err="1"/>
+              <a:t>connectionstrings</a:t>
+            </a:r>
+            <a:r>
+              <a:rPr lang="nb-NO" dirty="0"/>
+              <a:t> </a:t>
+            </a:r>
+            <a:r>
+              <a:rPr lang="nb-NO" dirty="0" err="1"/>
+              <a:t>etc</a:t>
+            </a:r>
+            <a:r>
+              <a:rPr lang="nb-NO" dirty="0"/>
+              <a:t> for </a:t>
+            </a:r>
+            <a:r>
+              <a:rPr lang="nb-NO" dirty="0" err="1"/>
+              <a:t>uvedkommede</a:t>
+            </a:r>
+            <a:r>
+              <a:rPr lang="nb-NO" dirty="0"/>
+              <a:t>.</a:t>
+            </a:r>
+          </a:p>
+          <a:p>
+            <a:pPr lvl="1"/>
+            <a:r>
+              <a:rPr lang="nb-NO" dirty="0"/>
               <a:t>Sikkerhetskrav, trusselmodellering, DevSecOps osv.</a:t>
+            </a:r>
+          </a:p>
+          <a:p>
+            <a:pPr lvl="1"/>
+            <a:r>
+              <a:rPr lang="nb-NO" dirty="0"/>
+              <a:t>…</a:t>
             </a:r>
           </a:p>
         </p:txBody>
@@ -17891,6 +17940,12 @@
 </file>
 
 <file path=customXml/item1.xml><?xml version="1.0" encoding="utf-8"?>
+<p:properties xmlns:p="http://schemas.microsoft.com/office/2006/metadata/properties" xmlns:xsi="http://www.w3.org/2001/XMLSchema-instance" xmlns:pc="http://schemas.microsoft.com/office/infopath/2007/PartnerControls">
+  <documentManagement/>
+</p:properties>
+</file>
+
+<file path=customXml/item2.xml><?xml version="1.0" encoding="utf-8"?>
 <ct:contentTypeSchema xmlns:ct="http://schemas.microsoft.com/office/2006/metadata/contentType" xmlns:ma="http://schemas.microsoft.com/office/2006/metadata/properties/metaAttributes" ct:_="" ma:_="" ma:contentTypeName="Document" ma:contentTypeID="0x0101005D3CE5A03C88D04F8FE0CC8617320B29" ma:contentTypeVersion="2" ma:contentTypeDescription="Create a new document." ma:contentTypeScope="" ma:versionID="23c508fadb5761cd27fdc7efc393bb78">
   <xsd:schema xmlns:xsd="http://www.w3.org/2001/XMLSchema" xmlns:xs="http://www.w3.org/2001/XMLSchema" xmlns:p="http://schemas.microsoft.com/office/2006/metadata/properties" xmlns:ns2="323bcd62-7d27-4513-9df1-9bc20f03554b" targetNamespace="http://schemas.microsoft.com/office/2006/metadata/properties" ma:root="true" ma:fieldsID="4120a6a9df7c81c23a4d646d2ccf1355" ns2:_="">
     <xsd:import namespace="323bcd62-7d27-4513-9df1-9bc20f03554b"/>
@@ -18022,12 +18077,6 @@
 </ct:contentTypeSchema>
 </file>
 
-<file path=customXml/item2.xml><?xml version="1.0" encoding="utf-8"?>
-<p:properties xmlns:p="http://schemas.microsoft.com/office/2006/metadata/properties" xmlns:xsi="http://www.w3.org/2001/XMLSchema-instance" xmlns:pc="http://schemas.microsoft.com/office/infopath/2007/PartnerControls">
-  <documentManagement/>
-</p:properties>
-</file>
-
 <file path=customXml/item3.xml><?xml version="1.0" encoding="utf-8"?>
 <?mso-contentType ?>
 <FormTemplates xmlns="http://schemas.microsoft.com/sharepoint/v3/contenttype/forms">
@@ -18038,6 +18087,22 @@
 </file>
 
 <file path=customXml/itemProps1.xml><?xml version="1.0" encoding="utf-8"?>
+<ds:datastoreItem xmlns:ds="http://schemas.openxmlformats.org/officeDocument/2006/customXml" ds:itemID="{9D2CB842-18D5-4EEF-9009-B0CAFCE7AC3E}">
+  <ds:schemaRefs>
+    <ds:schemaRef ds:uri="http://schemas.microsoft.com/office/infopath/2007/PartnerControls"/>
+    <ds:schemaRef ds:uri="http://purl.org/dc/elements/1.1/"/>
+    <ds:schemaRef ds:uri="http://schemas.microsoft.com/office/2006/metadata/properties"/>
+    <ds:schemaRef ds:uri="http://schemas.microsoft.com/office/2006/documentManagement/types"/>
+    <ds:schemaRef ds:uri="http://purl.org/dc/terms/"/>
+    <ds:schemaRef ds:uri="http://schemas.openxmlformats.org/package/2006/metadata/core-properties"/>
+    <ds:schemaRef ds:uri="http://purl.org/dc/dcmitype/"/>
+    <ds:schemaRef ds:uri="323bcd62-7d27-4513-9df1-9bc20f03554b"/>
+    <ds:schemaRef ds:uri="http://www.w3.org/XML/1998/namespace"/>
+  </ds:schemaRefs>
+</ds:datastoreItem>
+</file>
+
+<file path=customXml/itemProps2.xml><?xml version="1.0" encoding="utf-8"?>
 <ds:datastoreItem xmlns:ds="http://schemas.openxmlformats.org/officeDocument/2006/customXml" ds:itemID="{0377EA4A-9170-43AD-A052-6EABC948F73F}">
   <ds:schemaRefs>
     <ds:schemaRef ds:uri="http://schemas.microsoft.com/office/2006/metadata/contentType"/>
@@ -18055,23 +18120,6 @@
 </ds:datastoreItem>
 </file>
 
-<file path=customXml/itemProps2.xml><?xml version="1.0" encoding="utf-8"?>
-<ds:datastoreItem xmlns:ds="http://schemas.openxmlformats.org/officeDocument/2006/customXml" ds:itemID="{9D2CB842-18D5-4EEF-9009-B0CAFCE7AC3E}">
-  <ds:schemaRefs>
-    <ds:schemaRef ds:uri="http://schemas.microsoft.com/office/2006/documentManagement/types"/>
-    <ds:schemaRef ds:uri="http://schemas.microsoft.com/office/infopath/2007/PartnerControls"/>
-    <ds:schemaRef ds:uri="cd7095a3-97f1-4663-a71f-a762e9d8a5de"/>
-    <ds:schemaRef ds:uri="http://purl.org/dc/elements/1.1/"/>
-    <ds:schemaRef ds:uri="http://schemas.microsoft.com/office/2006/metadata/properties"/>
-    <ds:schemaRef ds:uri="http://schemas.microsoft.com/sharepoint/v3"/>
-    <ds:schemaRef ds:uri="http://purl.org/dc/terms/"/>
-    <ds:schemaRef ds:uri="http://schemas.openxmlformats.org/package/2006/metadata/core-properties"/>
-    <ds:schemaRef ds:uri="http://www.w3.org/XML/1998/namespace"/>
-    <ds:schemaRef ds:uri="http://purl.org/dc/dcmitype/"/>
-  </ds:schemaRefs>
-</ds:datastoreItem>
-</file>
-
 <file path=customXml/itemProps3.xml><?xml version="1.0" encoding="utf-8"?>
 <ds:datastoreItem xmlns:ds="http://schemas.openxmlformats.org/officeDocument/2006/customXml" ds:itemID="{BB82CC63-55FC-4D22-9ED3-DB88AF6228E1}">
   <ds:schemaRefs>

--- a/Workshop_3/Presentasjon/Azureskolen-Workshop#3.pptx
+++ b/Workshop_3/Presentasjon/Azureskolen-Workshop#3.pptx
@@ -7,10 +7,10 @@
     <p:sldMasterId id="2147483705" r:id="rId6"/>
   </p:sldMasterIdLst>
   <p:notesMasterIdLst>
-    <p:notesMasterId r:id="rId31"/>
+    <p:notesMasterId r:id="rId32"/>
   </p:notesMasterIdLst>
   <p:handoutMasterIdLst>
-    <p:handoutMasterId r:id="rId32"/>
+    <p:handoutMasterId r:id="rId33"/>
   </p:handoutMasterIdLst>
   <p:sldIdLst>
     <p:sldId id="256" r:id="rId7"/>
@@ -36,7 +36,8 @@
     <p:sldId id="280" r:id="rId27"/>
     <p:sldId id="287" r:id="rId28"/>
     <p:sldId id="307" r:id="rId29"/>
-    <p:sldId id="286" r:id="rId30"/>
+    <p:sldId id="308" r:id="rId30"/>
+    <p:sldId id="286" r:id="rId31"/>
   </p:sldIdLst>
   <p:sldSz cx="12192000" cy="6858000"/>
   <p:notesSz cx="6858000" cy="9144000"/>
@@ -1542,10 +1543,7 @@
             </a:r>
           </a:p>
           <a:p>
-            <a:r>
-              <a:rPr lang="nb-NO" dirty="0"/>
-              <a:t>- </a:t>
-            </a:r>
+            <a:endParaRPr lang="nb-NO" dirty="0"/>
           </a:p>
         </p:txBody>
       </p:sp>
@@ -1753,6 +1751,29 @@
           <a:bodyPr/>
           <a:lstStyle/>
           <a:p>
+            <a:pPr marL="0" marR="0" lvl="0" indent="0" algn="l" defTabSz="914400" rtl="0" eaLnBrk="1" fontAlgn="auto" latinLnBrk="0" hangingPunct="1">
+              <a:lnSpc>
+                <a:spcPct val="100000"/>
+              </a:lnSpc>
+              <a:spcBef>
+                <a:spcPts val="0"/>
+              </a:spcBef>
+              <a:spcAft>
+                <a:spcPts val="0"/>
+              </a:spcAft>
+              <a:buClrTx/>
+              <a:buSzTx/>
+              <a:buFontTx/>
+              <a:buNone/>
+              <a:tabLst/>
+              <a:defRPr/>
+            </a:pPr>
+            <a:r>
+              <a:rPr lang="nb-NO" dirty="0"/>
+              <a:t>Gå til siden og gjennomgå litt hva de skal gjøre.</a:t>
+            </a:r>
+          </a:p>
+          <a:p>
             <a:endParaRPr lang="nb-NO" dirty="0"/>
           </a:p>
         </p:txBody>
@@ -1775,6 +1796,90 @@
             <a:fld id="{180377DB-C4B0-49B2-8838-0F01BA83B7C4}" type="slidenum">
               <a:rPr lang="nb-NO" smtClean="0"/>
               <a:t>24</a:t>
+            </a:fld>
+            <a:endParaRPr lang="nb-NO"/>
+          </a:p>
+        </p:txBody>
+      </p:sp>
+    </p:spTree>
+    <p:extLst>
+      <p:ext uri="{BB962C8B-B14F-4D97-AF65-F5344CB8AC3E}">
+        <p14:creationId xmlns:p14="http://schemas.microsoft.com/office/powerpoint/2010/main" val="2540997970"/>
+      </p:ext>
+    </p:extLst>
+  </p:cSld>
+  <p:clrMapOvr>
+    <a:masterClrMapping/>
+  </p:clrMapOvr>
+</p:notes>
+</file>
+
+<file path=ppt/notesSlides/notesSlide16.xml><?xml version="1.0" encoding="utf-8"?>
+<p:notes xmlns:a="http://schemas.openxmlformats.org/drawingml/2006/main" xmlns:r="http://schemas.openxmlformats.org/officeDocument/2006/relationships" xmlns:p="http://schemas.openxmlformats.org/presentationml/2006/main">
+  <p:cSld>
+    <p:spTree>
+      <p:nvGrpSpPr>
+        <p:cNvPr id="1" name=""/>
+        <p:cNvGrpSpPr/>
+        <p:nvPr/>
+      </p:nvGrpSpPr>
+      <p:grpSpPr>
+        <a:xfrm>
+          <a:off x="0" y="0"/>
+          <a:ext cx="0" cy="0"/>
+          <a:chOff x="0" y="0"/>
+          <a:chExt cx="0" cy="0"/>
+        </a:xfrm>
+      </p:grpSpPr>
+      <p:sp>
+        <p:nvSpPr>
+          <p:cNvPr id="2" name="Slide Image Placeholder 1"/>
+          <p:cNvSpPr>
+            <a:spLocks noGrp="1" noRot="1" noChangeAspect="1"/>
+          </p:cNvSpPr>
+          <p:nvPr>
+            <p:ph type="sldImg"/>
+          </p:nvPr>
+        </p:nvSpPr>
+        <p:spPr/>
+      </p:sp>
+      <p:sp>
+        <p:nvSpPr>
+          <p:cNvPr id="3" name="Notes Placeholder 2"/>
+          <p:cNvSpPr>
+            <a:spLocks noGrp="1"/>
+          </p:cNvSpPr>
+          <p:nvPr>
+            <p:ph type="body" idx="1"/>
+          </p:nvPr>
+        </p:nvSpPr>
+        <p:spPr/>
+        <p:txBody>
+          <a:bodyPr/>
+          <a:lstStyle/>
+          <a:p>
+            <a:endParaRPr lang="nb-NO" dirty="0"/>
+          </a:p>
+        </p:txBody>
+      </p:sp>
+      <p:sp>
+        <p:nvSpPr>
+          <p:cNvPr id="4" name="Slide Number Placeholder 3"/>
+          <p:cNvSpPr>
+            <a:spLocks noGrp="1"/>
+          </p:cNvSpPr>
+          <p:nvPr>
+            <p:ph type="sldNum" sz="quarter" idx="5"/>
+          </p:nvPr>
+        </p:nvSpPr>
+        <p:spPr/>
+        <p:txBody>
+          <a:bodyPr/>
+          <a:lstStyle/>
+          <a:p>
+            <a:fld id="{180377DB-C4B0-49B2-8838-0F01BA83B7C4}" type="slidenum">
+              <a:rPr lang="nb-NO" smtClean="0"/>
+              <a:t>25</a:t>
             </a:fld>
             <a:endParaRPr lang="nb-NO"/>
           </a:p>
@@ -2317,15 +2422,6 @@
           <a:p>
             <a:r>
               <a:rPr lang="nb-NO" dirty="0"/>
-              <a:t>Vis litt i Azure Security Center i Portalen.</a:t>
-            </a:r>
-          </a:p>
-          <a:p>
-            <a:endParaRPr lang="nb-NO" dirty="0"/>
-          </a:p>
-          <a:p>
-            <a:r>
-              <a:rPr lang="nb-NO" dirty="0"/>
               <a:t>Analyserer enorme mender data/signaler. </a:t>
             </a:r>
           </a:p>
@@ -2596,13 +2692,7 @@
           <a:p>
             <a:r>
               <a:rPr lang="nb-NO" dirty="0"/>
-              <a:t>Demo:</a:t>
-            </a:r>
-          </a:p>
-          <a:p>
-            <a:r>
-              <a:rPr lang="nb-NO" dirty="0"/>
-              <a:t>- Vis litt om YAML.</a:t>
+              <a:t>Gå til siden og gjennomgå litt hva de skal gjøre.</a:t>
             </a:r>
           </a:p>
         </p:txBody>
@@ -12013,10 +12103,16 @@
             </a:r>
           </a:p>
           <a:p>
+            <a:endParaRPr lang="nb-NO" dirty="0"/>
+          </a:p>
+          <a:p>
             <a:r>
               <a:rPr lang="nb-NO" dirty="0"/>
               <a:t>Sikkerhetsscore og compliance</a:t>
             </a:r>
+          </a:p>
+          <a:p>
+            <a:endParaRPr lang="nb-NO" dirty="0"/>
           </a:p>
           <a:p>
             <a:r>
@@ -12622,8 +12718,8 @@
         </p:nvSpPr>
         <p:spPr>
           <a:xfrm>
-            <a:off x="1771220" y="3829980"/>
-            <a:ext cx="1444480" cy="400110"/>
+            <a:off x="635621" y="3829980"/>
+            <a:ext cx="2580079" cy="646331"/>
           </a:xfrm>
           <a:prstGeom prst="rect">
             <a:avLst/>
@@ -12637,13 +12733,13 @@
           <a:lstStyle/>
           <a:p>
             <a:r>
-              <a:rPr lang="nb-NO" sz="1000" dirty="0"/>
+              <a:rPr lang="nb-NO" dirty="0"/>
               <a:t>Logging / Monitorering</a:t>
             </a:r>
           </a:p>
           <a:p>
             <a:r>
-              <a:rPr lang="nb-NO" sz="1000" dirty="0"/>
+              <a:rPr lang="nb-NO" dirty="0"/>
               <a:t>(Application Insights )</a:t>
             </a:r>
           </a:p>
@@ -12713,7 +12809,7 @@
         <p:spPr>
           <a:xfrm>
             <a:off x="4949716" y="4169803"/>
-            <a:ext cx="1561749" cy="246221"/>
+            <a:ext cx="1561749" cy="615553"/>
           </a:xfrm>
           <a:prstGeom prst="rect">
             <a:avLst/>
@@ -12727,8 +12823,16 @@
           <a:lstStyle/>
           <a:p>
             <a:r>
-              <a:rPr lang="nb-NO" sz="1000" dirty="0"/>
-              <a:t>«VM» (App Service Plan)</a:t>
+              <a:rPr lang="nb-NO" sz="1600" dirty="0"/>
+              <a:t>«VM» (App Service </a:t>
+            </a:r>
+            <a:r>
+              <a:rPr lang="nb-NO" dirty="0"/>
+              <a:t>Plan</a:t>
+            </a:r>
+            <a:r>
+              <a:rPr lang="nb-NO" sz="1600" dirty="0"/>
+              <a:t>)</a:t>
             </a:r>
           </a:p>
         </p:txBody>
@@ -12747,7 +12851,7 @@
         </p:nvSpPr>
         <p:spPr>
           <a:xfrm>
-            <a:off x="3668267" y="2142345"/>
+            <a:off x="3702686" y="2218363"/>
             <a:ext cx="1892120" cy="646331"/>
           </a:xfrm>
           <a:prstGeom prst="rect">
@@ -12913,7 +13017,7 @@
         <p:spPr>
           <a:xfrm>
             <a:off x="3892087" y="5683248"/>
-            <a:ext cx="1444480" cy="400110"/>
+            <a:ext cx="1444480" cy="615553"/>
           </a:xfrm>
           <a:prstGeom prst="rect">
             <a:avLst/>
@@ -12927,14 +13031,22 @@
           <a:lstStyle/>
           <a:p>
             <a:r>
-              <a:rPr lang="nb-NO" sz="1000" dirty="0"/>
+              <a:rPr lang="nb-NO" sz="1600" dirty="0"/>
               <a:t>Bilder</a:t>
             </a:r>
           </a:p>
           <a:p>
             <a:r>
-              <a:rPr lang="nb-NO" sz="1000" dirty="0"/>
-              <a:t>(Blob Storage )</a:t>
+              <a:rPr lang="nb-NO" sz="1600" dirty="0"/>
+              <a:t>(Blob </a:t>
+            </a:r>
+            <a:r>
+              <a:rPr lang="nb-NO" dirty="0"/>
+              <a:t>Storage</a:t>
+            </a:r>
+            <a:r>
+              <a:rPr lang="nb-NO" sz="1600" dirty="0"/>
+              <a:t>)</a:t>
             </a:r>
           </a:p>
         </p:txBody>
@@ -12993,13 +13105,19 @@
             <a:pPr marL="0" indent="0">
               <a:buNone/>
             </a:pPr>
-            <a:endParaRPr lang="nb-NO" sz="4400" dirty="0"/>
+            <a:r>
+              <a:rPr lang="nb-NO" sz="2800" dirty="0">
+                <a:hlinkClick r:id="rId3"/>
+              </a:rPr>
+              <a:t>https://github.com/bouvet/azure-workshops/tree/master/Workshop_3/Leksjon_1</a:t>
+            </a:r>
+            <a:endParaRPr lang="nb-NO" sz="2800" dirty="0"/>
           </a:p>
           <a:p>
             <a:pPr marL="0" indent="0">
               <a:buNone/>
             </a:pPr>
-            <a:endParaRPr lang="nb-NO" sz="4400" dirty="0"/>
+            <a:endParaRPr lang="nb-NO" sz="2800" dirty="0"/>
           </a:p>
           <a:p>
             <a:pPr marL="0" indent="0">
@@ -13058,7 +13176,7 @@
           <a:p>
             <a:r>
               <a:rPr lang="nb-NO" dirty="0"/>
-              <a:t>Demo og leksjon 1</a:t>
+              <a:t>Leksjon 1</a:t>
             </a:r>
           </a:p>
         </p:txBody>
@@ -14184,6 +14302,15 @@
           <a:bodyPr/>
           <a:lstStyle/>
           <a:p>
+            <a:r>
+              <a:rPr lang="nb-NO" dirty="0">
+                <a:hlinkClick r:id="rId3"/>
+              </a:rPr>
+              <a:t>https://github.com/bouvet/azure-workshops/tree/master/Workshop_3/Leksjon_2</a:t>
+            </a:r>
+            <a:endParaRPr lang="nb-NO" dirty="0"/>
+          </a:p>
+          <a:p>
             <a:endParaRPr lang="nb-NO" dirty="0"/>
           </a:p>
         </p:txBody>
@@ -14211,7 +14338,7 @@
           <a:p>
             <a:r>
               <a:rPr lang="nb-NO" dirty="0"/>
-              <a:t>Demo og Leksjon 2.</a:t>
+              <a:t>Leksjon 2.</a:t>
             </a:r>
           </a:p>
         </p:txBody>
@@ -15087,6 +15214,101 @@
           <p:cNvPr id="2" name="Content Placeholder 1">
             <a:extLst>
               <a:ext uri="{FF2B5EF4-FFF2-40B4-BE49-F238E27FC236}">
+                <a16:creationId xmlns:a16="http://schemas.microsoft.com/office/drawing/2014/main" id="{01C6EDC8-A815-4F7B-95FE-5E19DA0863EE}"/>
+              </a:ext>
+            </a:extLst>
+          </p:cNvPr>
+          <p:cNvSpPr>
+            <a:spLocks noGrp="1"/>
+          </p:cNvSpPr>
+          <p:nvPr>
+            <p:ph idx="1"/>
+          </p:nvPr>
+        </p:nvSpPr>
+        <p:spPr/>
+        <p:txBody>
+          <a:bodyPr/>
+          <a:lstStyle/>
+          <a:p>
+            <a:r>
+              <a:rPr lang="nb-NO" dirty="0">
+                <a:hlinkClick r:id="rId3"/>
+              </a:rPr>
+              <a:t>https://github.com/bouvet/azure-workshops/tree/master/Workshop_3/Leksjon_3</a:t>
+            </a:r>
+            <a:endParaRPr lang="nb-NO" dirty="0"/>
+          </a:p>
+          <a:p>
+            <a:endParaRPr lang="nb-NO" dirty="0"/>
+          </a:p>
+          <a:p>
+            <a:endParaRPr lang="nb-NO" dirty="0"/>
+          </a:p>
+        </p:txBody>
+      </p:sp>
+      <p:sp>
+        <p:nvSpPr>
+          <p:cNvPr id="3" name="Title 2">
+            <a:extLst>
+              <a:ext uri="{FF2B5EF4-FFF2-40B4-BE49-F238E27FC236}">
+                <a16:creationId xmlns:a16="http://schemas.microsoft.com/office/drawing/2014/main" id="{9616A1BB-BF26-4AFE-905C-E67197F226A0}"/>
+              </a:ext>
+            </a:extLst>
+          </p:cNvPr>
+          <p:cNvSpPr>
+            <a:spLocks noGrp="1"/>
+          </p:cNvSpPr>
+          <p:nvPr>
+            <p:ph type="title"/>
+          </p:nvPr>
+        </p:nvSpPr>
+        <p:spPr/>
+        <p:txBody>
+          <a:bodyPr/>
+          <a:lstStyle/>
+          <a:p>
+            <a:r>
+              <a:rPr lang="nb-NO" dirty="0"/>
+              <a:t>Leksjon 2.</a:t>
+            </a:r>
+          </a:p>
+        </p:txBody>
+      </p:sp>
+    </p:spTree>
+    <p:extLst>
+      <p:ext uri="{BB962C8B-B14F-4D97-AF65-F5344CB8AC3E}">
+        <p14:creationId xmlns:p14="http://schemas.microsoft.com/office/powerpoint/2010/main" val="10524266"/>
+      </p:ext>
+    </p:extLst>
+  </p:cSld>
+  <p:clrMapOvr>
+    <a:masterClrMapping/>
+  </p:clrMapOvr>
+</p:sld>
+</file>
+
+<file path=ppt/slides/slide25.xml><?xml version="1.0" encoding="utf-8"?>
+<p:sld xmlns:a="http://schemas.openxmlformats.org/drawingml/2006/main" xmlns:r="http://schemas.openxmlformats.org/officeDocument/2006/relationships" xmlns:p="http://schemas.openxmlformats.org/presentationml/2006/main">
+  <p:cSld>
+    <p:spTree>
+      <p:nvGrpSpPr>
+        <p:cNvPr id="1" name=""/>
+        <p:cNvGrpSpPr/>
+        <p:nvPr/>
+      </p:nvGrpSpPr>
+      <p:grpSpPr>
+        <a:xfrm>
+          <a:off x="0" y="0"/>
+          <a:ext cx="0" cy="0"/>
+          <a:chOff x="0" y="0"/>
+          <a:chExt cx="0" cy="0"/>
+        </a:xfrm>
+      </p:grpSpPr>
+      <p:sp>
+        <p:nvSpPr>
+          <p:cNvPr id="2" name="Content Placeholder 1">
+            <a:extLst>
+              <a:ext uri="{FF2B5EF4-FFF2-40B4-BE49-F238E27FC236}">
                 <a16:creationId xmlns:a16="http://schemas.microsoft.com/office/drawing/2014/main" id="{DB0223AE-910A-4F0A-8FD5-0DF9471B82DB}"/>
               </a:ext>
             </a:extLst>
@@ -15102,6 +15324,15 @@
         <p:txBody>
           <a:bodyPr/>
           <a:lstStyle/>
+          <a:p>
+            <a:r>
+              <a:rPr lang="nb-NO" dirty="0">
+                <a:hlinkClick r:id="rId3"/>
+              </a:rPr>
+              <a:t>https://github.com/bouvet/azure-workshops/tree/master/Workshop_3/Leksjon_Bonus</a:t>
+            </a:r>
+            <a:endParaRPr lang="nb-NO" dirty="0"/>
+          </a:p>
           <a:p>
             <a:endParaRPr lang="nb-NO" dirty="0"/>
           </a:p>
@@ -15130,8 +15361,63 @@
           <a:p>
             <a:r>
               <a:rPr lang="nb-NO" dirty="0"/>
-              <a:t>Demo og Bonusleksjon</a:t>
-            </a:r>
+              <a:t>Bonusleksjon</a:t>
+            </a:r>
+          </a:p>
+        </p:txBody>
+      </p:sp>
+      <p:sp>
+        <p:nvSpPr>
+          <p:cNvPr id="4" name="Title 2">
+            <a:extLst>
+              <a:ext uri="{FF2B5EF4-FFF2-40B4-BE49-F238E27FC236}">
+                <a16:creationId xmlns:a16="http://schemas.microsoft.com/office/drawing/2014/main" id="{94875B85-CB34-4527-B504-D044E1406EEA}"/>
+              </a:ext>
+            </a:extLst>
+          </p:cNvPr>
+          <p:cNvSpPr txBox="1">
+            <a:spLocks/>
+          </p:cNvSpPr>
+          <p:nvPr/>
+        </p:nvSpPr>
+        <p:spPr>
+          <a:xfrm>
+            <a:off x="-4240449" y="1690688"/>
+            <a:ext cx="10078991" cy="1325563"/>
+          </a:xfrm>
+          <a:prstGeom prst="rect">
+            <a:avLst/>
+          </a:prstGeom>
+        </p:spPr>
+        <p:txBody>
+          <a:bodyPr vert="horz" lIns="90000" tIns="45720" rIns="91440" bIns="45720" rtlCol="0" anchor="ctr">
+            <a:noAutofit/>
+          </a:bodyPr>
+          <a:lstStyle>
+            <a:lvl1pPr algn="l" defTabSz="914400" rtl="0" eaLnBrk="1" latinLnBrk="0" hangingPunct="1">
+              <a:lnSpc>
+                <a:spcPct val="90000"/>
+              </a:lnSpc>
+              <a:spcBef>
+                <a:spcPct val="0"/>
+              </a:spcBef>
+              <a:buNone/>
+              <a:defRPr sz="4500" kern="1200">
+                <a:solidFill>
+                  <a:schemeClr val="tx1"/>
+                </a:solidFill>
+                <a:latin typeface="+mj-lt"/>
+                <a:ea typeface="+mj-ea"/>
+                <a:cs typeface="+mj-cs"/>
+              </a:defRPr>
+            </a:lvl1pPr>
+          </a:lstStyle>
+          <a:p>
+            <a:r>
+              <a:rPr lang="nb-NO"/>
+              <a:t>Bonusleksjon</a:t>
+            </a:r>
+            <a:endParaRPr lang="nb-NO" dirty="0"/>
           </a:p>
         </p:txBody>
       </p:sp>
@@ -15501,6 +15787,12 @@
             </a:r>
           </a:p>
           <a:p>
+            <a:r>
+              <a:rPr lang="nb-NO" dirty="0"/>
+              <a:t>Leksjon 3: Azure Security Center (2)</a:t>
+            </a:r>
+          </a:p>
+          <a:p>
             <a:endParaRPr lang="nb-NO" dirty="0"/>
           </a:p>
           <a:p>
@@ -15596,23 +15888,6 @@
             <a:endParaRPr lang="nb-NO" dirty="0">
               <a:hlinkClick r:id="rId2"/>
             </a:endParaRPr>
-          </a:p>
-          <a:p>
-            <a:pPr marL="0" indent="0">
-              <a:buNone/>
-            </a:pPr>
-            <a:endParaRPr lang="nb-NO" dirty="0">
-              <a:hlinkClick r:id="rId2"/>
-            </a:endParaRPr>
-          </a:p>
-          <a:p>
-            <a:r>
-              <a:rPr lang="nb-NO" dirty="0">
-                <a:hlinkClick r:id="rId2"/>
-              </a:rPr>
-              <a:t>https://minside.bouvet.no/bouvet-alle/meg-som-ansatt/sikkerhet-i-dna-et-vart</a:t>
-            </a:r>
-            <a:endParaRPr lang="nb-NO" dirty="0"/>
           </a:p>
           <a:p>
             <a:pPr marL="0" indent="0">
@@ -17940,12 +18215,6 @@
 </file>
 
 <file path=customXml/item1.xml><?xml version="1.0" encoding="utf-8"?>
-<p:properties xmlns:p="http://schemas.microsoft.com/office/2006/metadata/properties" xmlns:xsi="http://www.w3.org/2001/XMLSchema-instance" xmlns:pc="http://schemas.microsoft.com/office/infopath/2007/PartnerControls">
-  <documentManagement/>
-</p:properties>
-</file>
-
-<file path=customXml/item2.xml><?xml version="1.0" encoding="utf-8"?>
 <ct:contentTypeSchema xmlns:ct="http://schemas.microsoft.com/office/2006/metadata/contentType" xmlns:ma="http://schemas.microsoft.com/office/2006/metadata/properties/metaAttributes" ct:_="" ma:_="" ma:contentTypeName="Document" ma:contentTypeID="0x0101005D3CE5A03C88D04F8FE0CC8617320B29" ma:contentTypeVersion="2" ma:contentTypeDescription="Create a new document." ma:contentTypeScope="" ma:versionID="23c508fadb5761cd27fdc7efc393bb78">
   <xsd:schema xmlns:xsd="http://www.w3.org/2001/XMLSchema" xmlns:xs="http://www.w3.org/2001/XMLSchema" xmlns:p="http://schemas.microsoft.com/office/2006/metadata/properties" xmlns:ns2="323bcd62-7d27-4513-9df1-9bc20f03554b" targetNamespace="http://schemas.microsoft.com/office/2006/metadata/properties" ma:root="true" ma:fieldsID="4120a6a9df7c81c23a4d646d2ccf1355" ns2:_="">
     <xsd:import namespace="323bcd62-7d27-4513-9df1-9bc20f03554b"/>
@@ -18077,6 +18346,12 @@
 </ct:contentTypeSchema>
 </file>
 
+<file path=customXml/item2.xml><?xml version="1.0" encoding="utf-8"?>
+<p:properties xmlns:p="http://schemas.microsoft.com/office/2006/metadata/properties" xmlns:xsi="http://www.w3.org/2001/XMLSchema-instance" xmlns:pc="http://schemas.microsoft.com/office/infopath/2007/PartnerControls">
+  <documentManagement/>
+</p:properties>
+</file>
+
 <file path=customXml/item3.xml><?xml version="1.0" encoding="utf-8"?>
 <?mso-contentType ?>
 <FormTemplates xmlns="http://schemas.microsoft.com/sharepoint/v3/contenttype/forms">
@@ -18087,22 +18362,6 @@
 </file>
 
 <file path=customXml/itemProps1.xml><?xml version="1.0" encoding="utf-8"?>
-<ds:datastoreItem xmlns:ds="http://schemas.openxmlformats.org/officeDocument/2006/customXml" ds:itemID="{9D2CB842-18D5-4EEF-9009-B0CAFCE7AC3E}">
-  <ds:schemaRefs>
-    <ds:schemaRef ds:uri="http://schemas.microsoft.com/office/infopath/2007/PartnerControls"/>
-    <ds:schemaRef ds:uri="http://purl.org/dc/elements/1.1/"/>
-    <ds:schemaRef ds:uri="http://schemas.microsoft.com/office/2006/metadata/properties"/>
-    <ds:schemaRef ds:uri="http://schemas.microsoft.com/office/2006/documentManagement/types"/>
-    <ds:schemaRef ds:uri="http://purl.org/dc/terms/"/>
-    <ds:schemaRef ds:uri="http://schemas.openxmlformats.org/package/2006/metadata/core-properties"/>
-    <ds:schemaRef ds:uri="http://purl.org/dc/dcmitype/"/>
-    <ds:schemaRef ds:uri="323bcd62-7d27-4513-9df1-9bc20f03554b"/>
-    <ds:schemaRef ds:uri="http://www.w3.org/XML/1998/namespace"/>
-  </ds:schemaRefs>
-</ds:datastoreItem>
-</file>
-
-<file path=customXml/itemProps2.xml><?xml version="1.0" encoding="utf-8"?>
 <ds:datastoreItem xmlns:ds="http://schemas.openxmlformats.org/officeDocument/2006/customXml" ds:itemID="{0377EA4A-9170-43AD-A052-6EABC948F73F}">
   <ds:schemaRefs>
     <ds:schemaRef ds:uri="http://schemas.microsoft.com/office/2006/metadata/contentType"/>
@@ -18120,6 +18379,22 @@
 </ds:datastoreItem>
 </file>
 
+<file path=customXml/itemProps2.xml><?xml version="1.0" encoding="utf-8"?>
+<ds:datastoreItem xmlns:ds="http://schemas.openxmlformats.org/officeDocument/2006/customXml" ds:itemID="{9D2CB842-18D5-4EEF-9009-B0CAFCE7AC3E}">
+  <ds:schemaRefs>
+    <ds:schemaRef ds:uri="http://schemas.microsoft.com/office/infopath/2007/PartnerControls"/>
+    <ds:schemaRef ds:uri="http://purl.org/dc/elements/1.1/"/>
+    <ds:schemaRef ds:uri="http://schemas.microsoft.com/office/2006/metadata/properties"/>
+    <ds:schemaRef ds:uri="http://schemas.microsoft.com/office/2006/documentManagement/types"/>
+    <ds:schemaRef ds:uri="http://purl.org/dc/terms/"/>
+    <ds:schemaRef ds:uri="http://schemas.openxmlformats.org/package/2006/metadata/core-properties"/>
+    <ds:schemaRef ds:uri="http://purl.org/dc/dcmitype/"/>
+    <ds:schemaRef ds:uri="323bcd62-7d27-4513-9df1-9bc20f03554b"/>
+    <ds:schemaRef ds:uri="http://www.w3.org/XML/1998/namespace"/>
+  </ds:schemaRefs>
+</ds:datastoreItem>
+</file>
+
 <file path=customXml/itemProps3.xml><?xml version="1.0" encoding="utf-8"?>
 <ds:datastoreItem xmlns:ds="http://schemas.openxmlformats.org/officeDocument/2006/customXml" ds:itemID="{BB82CC63-55FC-4D22-9ED3-DB88AF6228E1}">
   <ds:schemaRefs>

--- a/Workshop_3/Presentasjon/Azureskolen-Workshop#3.pptx
+++ b/Workshop_3/Presentasjon/Azureskolen-Workshop#3.pptx
@@ -16098,8 +16098,12 @@
           <a:lstStyle/>
           <a:p>
             <a:r>
-              <a:rPr lang="nb-NO" dirty="0"/>
-              <a:t>Sikkert i Azure</a:t>
+              <a:rPr lang="nb-NO"/>
+              <a:t>Sikkerhet </a:t>
+            </a:r>
+            <a:r>
+              <a:rPr lang="nb-NO" dirty="0"/>
+              <a:t>i Azure</a:t>
             </a:r>
           </a:p>
         </p:txBody>
@@ -18215,6 +18219,12 @@
 </file>
 
 <file path=customXml/item1.xml><?xml version="1.0" encoding="utf-8"?>
+<p:properties xmlns:p="http://schemas.microsoft.com/office/2006/metadata/properties" xmlns:xsi="http://www.w3.org/2001/XMLSchema-instance" xmlns:pc="http://schemas.microsoft.com/office/infopath/2007/PartnerControls">
+  <documentManagement/>
+</p:properties>
+</file>
+
+<file path=customXml/item2.xml><?xml version="1.0" encoding="utf-8"?>
 <ct:contentTypeSchema xmlns:ct="http://schemas.microsoft.com/office/2006/metadata/contentType" xmlns:ma="http://schemas.microsoft.com/office/2006/metadata/properties/metaAttributes" ct:_="" ma:_="" ma:contentTypeName="Document" ma:contentTypeID="0x0101005D3CE5A03C88D04F8FE0CC8617320B29" ma:contentTypeVersion="2" ma:contentTypeDescription="Create a new document." ma:contentTypeScope="" ma:versionID="23c508fadb5761cd27fdc7efc393bb78">
   <xsd:schema xmlns:xsd="http://www.w3.org/2001/XMLSchema" xmlns:xs="http://www.w3.org/2001/XMLSchema" xmlns:p="http://schemas.microsoft.com/office/2006/metadata/properties" xmlns:ns2="323bcd62-7d27-4513-9df1-9bc20f03554b" targetNamespace="http://schemas.microsoft.com/office/2006/metadata/properties" ma:root="true" ma:fieldsID="4120a6a9df7c81c23a4d646d2ccf1355" ns2:_="">
     <xsd:import namespace="323bcd62-7d27-4513-9df1-9bc20f03554b"/>
@@ -18346,12 +18356,6 @@
 </ct:contentTypeSchema>
 </file>
 
-<file path=customXml/item2.xml><?xml version="1.0" encoding="utf-8"?>
-<p:properties xmlns:p="http://schemas.microsoft.com/office/2006/metadata/properties" xmlns:xsi="http://www.w3.org/2001/XMLSchema-instance" xmlns:pc="http://schemas.microsoft.com/office/infopath/2007/PartnerControls">
-  <documentManagement/>
-</p:properties>
-</file>
-
 <file path=customXml/item3.xml><?xml version="1.0" encoding="utf-8"?>
 <?mso-contentType ?>
 <FormTemplates xmlns="http://schemas.microsoft.com/sharepoint/v3/contenttype/forms">
@@ -18362,6 +18366,22 @@
 </file>
 
 <file path=customXml/itemProps1.xml><?xml version="1.0" encoding="utf-8"?>
+<ds:datastoreItem xmlns:ds="http://schemas.openxmlformats.org/officeDocument/2006/customXml" ds:itemID="{9D2CB842-18D5-4EEF-9009-B0CAFCE7AC3E}">
+  <ds:schemaRefs>
+    <ds:schemaRef ds:uri="http://schemas.microsoft.com/office/infopath/2007/PartnerControls"/>
+    <ds:schemaRef ds:uri="http://purl.org/dc/elements/1.1/"/>
+    <ds:schemaRef ds:uri="http://schemas.microsoft.com/office/2006/metadata/properties"/>
+    <ds:schemaRef ds:uri="http://schemas.microsoft.com/office/2006/documentManagement/types"/>
+    <ds:schemaRef ds:uri="http://purl.org/dc/terms/"/>
+    <ds:schemaRef ds:uri="http://schemas.openxmlformats.org/package/2006/metadata/core-properties"/>
+    <ds:schemaRef ds:uri="http://purl.org/dc/dcmitype/"/>
+    <ds:schemaRef ds:uri="323bcd62-7d27-4513-9df1-9bc20f03554b"/>
+    <ds:schemaRef ds:uri="http://www.w3.org/XML/1998/namespace"/>
+  </ds:schemaRefs>
+</ds:datastoreItem>
+</file>
+
+<file path=customXml/itemProps2.xml><?xml version="1.0" encoding="utf-8"?>
 <ds:datastoreItem xmlns:ds="http://schemas.openxmlformats.org/officeDocument/2006/customXml" ds:itemID="{0377EA4A-9170-43AD-A052-6EABC948F73F}">
   <ds:schemaRefs>
     <ds:schemaRef ds:uri="http://schemas.microsoft.com/office/2006/metadata/contentType"/>
@@ -18379,22 +18399,6 @@
 </ds:datastoreItem>
 </file>
 
-<file path=customXml/itemProps2.xml><?xml version="1.0" encoding="utf-8"?>
-<ds:datastoreItem xmlns:ds="http://schemas.openxmlformats.org/officeDocument/2006/customXml" ds:itemID="{9D2CB842-18D5-4EEF-9009-B0CAFCE7AC3E}">
-  <ds:schemaRefs>
-    <ds:schemaRef ds:uri="http://schemas.microsoft.com/office/infopath/2007/PartnerControls"/>
-    <ds:schemaRef ds:uri="http://purl.org/dc/elements/1.1/"/>
-    <ds:schemaRef ds:uri="http://schemas.microsoft.com/office/2006/metadata/properties"/>
-    <ds:schemaRef ds:uri="http://schemas.microsoft.com/office/2006/documentManagement/types"/>
-    <ds:schemaRef ds:uri="http://purl.org/dc/terms/"/>
-    <ds:schemaRef ds:uri="http://schemas.openxmlformats.org/package/2006/metadata/core-properties"/>
-    <ds:schemaRef ds:uri="http://purl.org/dc/dcmitype/"/>
-    <ds:schemaRef ds:uri="323bcd62-7d27-4513-9df1-9bc20f03554b"/>
-    <ds:schemaRef ds:uri="http://www.w3.org/XML/1998/namespace"/>
-  </ds:schemaRefs>
-</ds:datastoreItem>
-</file>
-
 <file path=customXml/itemProps3.xml><?xml version="1.0" encoding="utf-8"?>
 <ds:datastoreItem xmlns:ds="http://schemas.openxmlformats.org/officeDocument/2006/customXml" ds:itemID="{BB82CC63-55FC-4D22-9ED3-DB88AF6228E1}">
   <ds:schemaRefs>

--- a/Workshop_3/Presentasjon/Azureskolen-Workshop#3.pptx
+++ b/Workshop_3/Presentasjon/Azureskolen-Workshop#3.pptx
@@ -13816,6 +13816,12 @@
             </a:r>
           </a:p>
           <a:p>
+            <a:pPr marL="357187" lvl="1" indent="0">
+              <a:buNone/>
+            </a:pPr>
+            <a:endParaRPr lang="nb-NO" dirty="0"/>
+          </a:p>
+          <a:p>
             <a:r>
               <a:rPr lang="nb-NO" dirty="0"/>
               <a:t>Kan hente ut Access Token for å aksessere andre tjenester.</a:t>
@@ -16098,12 +16104,8 @@
           <a:lstStyle/>
           <a:p>
             <a:r>
-              <a:rPr lang="nb-NO"/>
-              <a:t>Sikkerhet </a:t>
-            </a:r>
-            <a:r>
-              <a:rPr lang="nb-NO" dirty="0"/>
-              <a:t>i Azure</a:t>
+              <a:rPr lang="nb-NO" dirty="0"/>
+              <a:t>Sikkerhet i Azure</a:t>
             </a:r>
           </a:p>
         </p:txBody>
